--- a/ASSET_DOC/ASSET_Proposal/ASSET_Final.pptx
+++ b/ASSET_DOC/ASSET_Proposal/ASSET_Final.pptx
@@ -10,17 +10,22 @@
     <p:sldId id="261" r:id="rId4"/>
     <p:sldId id="285" r:id="rId5"/>
     <p:sldId id="289" r:id="rId6"/>
-    <p:sldId id="284" r:id="rId7"/>
-    <p:sldId id="277" r:id="rId8"/>
-    <p:sldId id="278" r:id="rId9"/>
-    <p:sldId id="279" r:id="rId10"/>
-    <p:sldId id="271" r:id="rId11"/>
-    <p:sldId id="281" r:id="rId12"/>
-    <p:sldId id="290" r:id="rId13"/>
-    <p:sldId id="287" r:id="rId14"/>
-    <p:sldId id="282" r:id="rId15"/>
-    <p:sldId id="288" r:id="rId16"/>
-    <p:sldId id="283" r:id="rId17"/>
+    <p:sldId id="293" r:id="rId7"/>
+    <p:sldId id="294" r:id="rId8"/>
+    <p:sldId id="284" r:id="rId9"/>
+    <p:sldId id="277" r:id="rId10"/>
+    <p:sldId id="278" r:id="rId11"/>
+    <p:sldId id="279" r:id="rId12"/>
+    <p:sldId id="271" r:id="rId13"/>
+    <p:sldId id="281" r:id="rId14"/>
+    <p:sldId id="290" r:id="rId15"/>
+    <p:sldId id="292" r:id="rId16"/>
+    <p:sldId id="287" r:id="rId17"/>
+    <p:sldId id="291" r:id="rId18"/>
+    <p:sldId id="282" r:id="rId19"/>
+    <p:sldId id="288" r:id="rId20"/>
+    <p:sldId id="295" r:id="rId21"/>
+    <p:sldId id="283" r:id="rId22"/>
   </p:sldIdLst>
   <p:sldSz cx="9144000" cy="6858000" type="screen4x3"/>
   <p:notesSz cx="6858000" cy="9144000"/>
@@ -2956,6 +2961,1460 @@
         </p:nvSpPr>
         <p:spPr>
           <a:xfrm>
+            <a:off x="457200" y="756835"/>
+            <a:ext cx="8229600" cy="850106"/>
+          </a:xfrm>
+        </p:spPr>
+        <p:txBody>
+          <a:bodyPr>
+            <a:normAutofit fontScale="90000"/>
+          </a:bodyPr>
+          <a:lstStyle/>
+          <a:p>
+            <a:r>
+              <a:rPr lang="th-TH" b="1" dirty="0">
+                <a:effectLst>
+                  <a:outerShdw blurRad="38100" dist="38100" dir="2700000" algn="tl">
+                    <a:srgbClr val="000000">
+                      <a:alpha val="43137"/>
+                    </a:srgbClr>
+                  </a:outerShdw>
+                </a:effectLst>
+              </a:rPr>
+              <a:t>ระบบงานเดิมการตรวจนับ</a:t>
+            </a:r>
+            <a:endParaRPr lang="en-US" b="1" dirty="0">
+              <a:effectLst>
+                <a:outerShdw blurRad="38100" dist="38100" dir="2700000" algn="tl">
+                  <a:srgbClr val="000000">
+                    <a:alpha val="43137"/>
+                  </a:srgbClr>
+                </a:outerShdw>
+              </a:effectLst>
+            </a:endParaRPr>
+          </a:p>
+        </p:txBody>
+      </p:sp>
+      <p:pic>
+        <p:nvPicPr>
+          <p:cNvPr id="28" name="รูปภาพ 3"/>
+          <p:cNvPicPr>
+            <a:picLocks noChangeAspect="1"/>
+          </p:cNvPicPr>
+          <p:nvPr/>
+        </p:nvPicPr>
+        <p:blipFill>
+          <a:blip r:embed="rId2" cstate="print">
+            <a:extLst>
+              <a:ext uri="{28A0092B-C50C-407E-A947-70E740481C1C}">
+                <a14:useLocalDpi xmlns:a14="http://schemas.microsoft.com/office/drawing/2010/main" val="0"/>
+              </a:ext>
+            </a:extLst>
+          </a:blip>
+          <a:stretch>
+            <a:fillRect/>
+          </a:stretch>
+        </p:blipFill>
+        <p:spPr>
+          <a:xfrm>
+            <a:off x="7623869" y="670837"/>
+            <a:ext cx="1039740" cy="957963"/>
+          </a:xfrm>
+          <a:prstGeom prst="rect">
+            <a:avLst/>
+          </a:prstGeom>
+        </p:spPr>
+      </p:pic>
+      <p:sp>
+        <p:nvSpPr>
+          <p:cNvPr id="29" name="Rectangle 28"/>
+          <p:cNvSpPr/>
+          <p:nvPr/>
+        </p:nvSpPr>
+        <p:spPr>
+          <a:xfrm>
+            <a:off x="72008" y="6462731"/>
+            <a:ext cx="5292080" cy="336447"/>
+          </a:xfrm>
+          <a:prstGeom prst="rect">
+            <a:avLst/>
+          </a:prstGeom>
+          <a:solidFill>
+            <a:srgbClr val="0B3261"/>
+          </a:solidFill>
+          <a:ln>
+            <a:solidFill>
+              <a:srgbClr val="0B3261"/>
+            </a:solidFill>
+          </a:ln>
+        </p:spPr>
+        <p:style>
+          <a:lnRef idx="2">
+            <a:schemeClr val="dk1"/>
+          </a:lnRef>
+          <a:fillRef idx="1">
+            <a:schemeClr val="lt1"/>
+          </a:fillRef>
+          <a:effectRef idx="0">
+            <a:schemeClr val="dk1"/>
+          </a:effectRef>
+          <a:fontRef idx="minor">
+            <a:schemeClr val="dk1"/>
+          </a:fontRef>
+        </p:style>
+        <p:txBody>
+          <a:bodyPr rtlCol="0" anchor="ctr"/>
+          <a:lstStyle/>
+          <a:p>
+            <a:pPr algn="ctr"/>
+            <a:endParaRPr lang="th-TH"/>
+          </a:p>
+        </p:txBody>
+      </p:sp>
+      <p:sp>
+        <p:nvSpPr>
+          <p:cNvPr id="30" name="ลูกศรขวา 4"/>
+          <p:cNvSpPr/>
+          <p:nvPr/>
+        </p:nvSpPr>
+        <p:spPr>
+          <a:xfrm>
+            <a:off x="2491261" y="2422606"/>
+            <a:ext cx="720080" cy="720080"/>
+          </a:xfrm>
+          <a:prstGeom prst="rightArrow">
+            <a:avLst/>
+          </a:prstGeom>
+        </p:spPr>
+        <p:style>
+          <a:lnRef idx="3">
+            <a:schemeClr val="lt1"/>
+          </a:lnRef>
+          <a:fillRef idx="1">
+            <a:schemeClr val="dk1"/>
+          </a:fillRef>
+          <a:effectRef idx="1">
+            <a:schemeClr val="dk1"/>
+          </a:effectRef>
+          <a:fontRef idx="minor">
+            <a:schemeClr val="lt1"/>
+          </a:fontRef>
+        </p:style>
+        <p:txBody>
+          <a:bodyPr rtlCol="0" anchor="ctr"/>
+          <a:lstStyle/>
+          <a:p>
+            <a:pPr algn="ctr"/>
+            <a:endParaRPr lang="en-US"/>
+          </a:p>
+        </p:txBody>
+      </p:sp>
+      <p:sp>
+        <p:nvSpPr>
+          <p:cNvPr id="31" name="ลูกศรขวา 6"/>
+          <p:cNvSpPr/>
+          <p:nvPr/>
+        </p:nvSpPr>
+        <p:spPr>
+          <a:xfrm>
+            <a:off x="5292080" y="2468006"/>
+            <a:ext cx="720080" cy="720080"/>
+          </a:xfrm>
+          <a:prstGeom prst="rightArrow">
+            <a:avLst/>
+          </a:prstGeom>
+        </p:spPr>
+        <p:style>
+          <a:lnRef idx="3">
+            <a:schemeClr val="lt1"/>
+          </a:lnRef>
+          <a:fillRef idx="1">
+            <a:schemeClr val="dk1"/>
+          </a:fillRef>
+          <a:effectRef idx="1">
+            <a:schemeClr val="dk1"/>
+          </a:effectRef>
+          <a:fontRef idx="minor">
+            <a:schemeClr val="lt1"/>
+          </a:fontRef>
+        </p:style>
+        <p:txBody>
+          <a:bodyPr rtlCol="0" anchor="ctr"/>
+          <a:lstStyle/>
+          <a:p>
+            <a:pPr algn="ctr"/>
+            <a:endParaRPr lang="en-US"/>
+          </a:p>
+        </p:txBody>
+      </p:sp>
+      <p:sp>
+        <p:nvSpPr>
+          <p:cNvPr id="32" name="ลูกศรขวา 7"/>
+          <p:cNvSpPr/>
+          <p:nvPr/>
+        </p:nvSpPr>
+        <p:spPr>
+          <a:xfrm rot="5400000">
+            <a:off x="7212754" y="3864777"/>
+            <a:ext cx="720080" cy="720080"/>
+          </a:xfrm>
+          <a:prstGeom prst="rightArrow">
+            <a:avLst/>
+          </a:prstGeom>
+        </p:spPr>
+        <p:style>
+          <a:lnRef idx="3">
+            <a:schemeClr val="lt1"/>
+          </a:lnRef>
+          <a:fillRef idx="1">
+            <a:schemeClr val="dk1"/>
+          </a:fillRef>
+          <a:effectRef idx="1">
+            <a:schemeClr val="dk1"/>
+          </a:effectRef>
+          <a:fontRef idx="minor">
+            <a:schemeClr val="lt1"/>
+          </a:fontRef>
+        </p:style>
+        <p:txBody>
+          <a:bodyPr rtlCol="0" anchor="ctr"/>
+          <a:lstStyle/>
+          <a:p>
+            <a:pPr algn="ctr"/>
+            <a:endParaRPr lang="en-US"/>
+          </a:p>
+        </p:txBody>
+      </p:sp>
+      <p:sp>
+        <p:nvSpPr>
+          <p:cNvPr id="33" name="ลูกศรขวา 10"/>
+          <p:cNvSpPr/>
+          <p:nvPr/>
+        </p:nvSpPr>
+        <p:spPr>
+          <a:xfrm rot="10800000">
+            <a:off x="5508104" y="4869159"/>
+            <a:ext cx="720080" cy="720080"/>
+          </a:xfrm>
+          <a:prstGeom prst="rightArrow">
+            <a:avLst/>
+          </a:prstGeom>
+        </p:spPr>
+        <p:style>
+          <a:lnRef idx="3">
+            <a:schemeClr val="lt1"/>
+          </a:lnRef>
+          <a:fillRef idx="1">
+            <a:schemeClr val="dk1"/>
+          </a:fillRef>
+          <a:effectRef idx="1">
+            <a:schemeClr val="dk1"/>
+          </a:effectRef>
+          <a:fontRef idx="minor">
+            <a:schemeClr val="lt1"/>
+          </a:fontRef>
+        </p:style>
+        <p:txBody>
+          <a:bodyPr rtlCol="0" anchor="ctr"/>
+          <a:lstStyle/>
+          <a:p>
+            <a:pPr algn="ctr"/>
+            <a:endParaRPr lang="en-US"/>
+          </a:p>
+        </p:txBody>
+      </p:sp>
+      <p:sp>
+        <p:nvSpPr>
+          <p:cNvPr id="35" name="ลูกศรขวา 12"/>
+          <p:cNvSpPr/>
+          <p:nvPr/>
+        </p:nvSpPr>
+        <p:spPr>
+          <a:xfrm rot="10800000">
+            <a:off x="2627784" y="4869160"/>
+            <a:ext cx="720080" cy="720080"/>
+          </a:xfrm>
+          <a:prstGeom prst="rightArrow">
+            <a:avLst/>
+          </a:prstGeom>
+        </p:spPr>
+        <p:style>
+          <a:lnRef idx="3">
+            <a:schemeClr val="lt1"/>
+          </a:lnRef>
+          <a:fillRef idx="1">
+            <a:schemeClr val="dk1"/>
+          </a:fillRef>
+          <a:effectRef idx="1">
+            <a:schemeClr val="dk1"/>
+          </a:effectRef>
+          <a:fontRef idx="minor">
+            <a:schemeClr val="lt1"/>
+          </a:fontRef>
+        </p:style>
+        <p:txBody>
+          <a:bodyPr rtlCol="0" anchor="ctr"/>
+          <a:lstStyle/>
+          <a:p>
+            <a:pPr algn="ctr"/>
+            <a:endParaRPr lang="en-US"/>
+          </a:p>
+        </p:txBody>
+      </p:sp>
+      <p:pic>
+        <p:nvPicPr>
+          <p:cNvPr id="36" name="รูปภาพ 13"/>
+          <p:cNvPicPr>
+            <a:picLocks noChangeAspect="1"/>
+          </p:cNvPicPr>
+          <p:nvPr/>
+        </p:nvPicPr>
+        <p:blipFill>
+          <a:blip r:embed="rId3" cstate="print">
+            <a:extLst>
+              <a:ext uri="{28A0092B-C50C-407E-A947-70E740481C1C}">
+                <a14:useLocalDpi xmlns:a14="http://schemas.microsoft.com/office/drawing/2010/main" val="0"/>
+              </a:ext>
+            </a:extLst>
+          </a:blip>
+          <a:stretch>
+            <a:fillRect/>
+          </a:stretch>
+        </p:blipFill>
+        <p:spPr>
+          <a:xfrm>
+            <a:off x="6955822" y="2312701"/>
+            <a:ext cx="1247995" cy="1247995"/>
+          </a:xfrm>
+          <a:prstGeom prst="rect">
+            <a:avLst/>
+          </a:prstGeom>
+        </p:spPr>
+      </p:pic>
+      <p:pic>
+        <p:nvPicPr>
+          <p:cNvPr id="37" name="รูปภาพ 14"/>
+          <p:cNvPicPr>
+            <a:picLocks noChangeAspect="1"/>
+          </p:cNvPicPr>
+          <p:nvPr/>
+        </p:nvPicPr>
+        <p:blipFill>
+          <a:blip r:embed="rId4" cstate="print">
+            <a:extLst>
+              <a:ext uri="{28A0092B-C50C-407E-A947-70E740481C1C}">
+                <a14:useLocalDpi xmlns:a14="http://schemas.microsoft.com/office/drawing/2010/main" val="0"/>
+              </a:ext>
+            </a:extLst>
+          </a:blip>
+          <a:stretch>
+            <a:fillRect/>
+          </a:stretch>
+        </p:blipFill>
+        <p:spPr>
+          <a:xfrm>
+            <a:off x="7052701" y="4667702"/>
+            <a:ext cx="1142335" cy="1142335"/>
+          </a:xfrm>
+          <a:prstGeom prst="rect">
+            <a:avLst/>
+          </a:prstGeom>
+          <a:ln w="38100" cap="sq">
+            <a:solidFill>
+              <a:srgbClr val="000000"/>
+            </a:solidFill>
+            <a:prstDash val="solid"/>
+            <a:miter lim="800000"/>
+          </a:ln>
+          <a:effectLst>
+            <a:outerShdw blurRad="50800" dist="38100" dir="2700000" algn="tl" rotWithShape="0">
+              <a:srgbClr val="000000">
+                <a:alpha val="43000"/>
+              </a:srgbClr>
+            </a:outerShdw>
+          </a:effectLst>
+        </p:spPr>
+      </p:pic>
+      <p:pic>
+        <p:nvPicPr>
+          <p:cNvPr id="38" name="รูปภาพ 15"/>
+          <p:cNvPicPr>
+            <a:picLocks noChangeAspect="1"/>
+          </p:cNvPicPr>
+          <p:nvPr/>
+        </p:nvPicPr>
+        <p:blipFill>
+          <a:blip r:embed="rId5" cstate="print">
+            <a:extLst>
+              <a:ext uri="{28A0092B-C50C-407E-A947-70E740481C1C}">
+                <a14:useLocalDpi xmlns:a14="http://schemas.microsoft.com/office/drawing/2010/main" val="0"/>
+              </a:ext>
+            </a:extLst>
+          </a:blip>
+          <a:stretch>
+            <a:fillRect/>
+          </a:stretch>
+        </p:blipFill>
+        <p:spPr>
+          <a:xfrm>
+            <a:off x="3593568" y="2135692"/>
+            <a:ext cx="1427451" cy="1427451"/>
+          </a:xfrm>
+          <a:prstGeom prst="rect">
+            <a:avLst/>
+          </a:prstGeom>
+        </p:spPr>
+      </p:pic>
+      <p:pic>
+        <p:nvPicPr>
+          <p:cNvPr id="39" name="รูปภาพ 16"/>
+          <p:cNvPicPr>
+            <a:picLocks noChangeAspect="1"/>
+          </p:cNvPicPr>
+          <p:nvPr/>
+        </p:nvPicPr>
+        <p:blipFill>
+          <a:blip r:embed="rId6"/>
+          <a:stretch>
+            <a:fillRect/>
+          </a:stretch>
+        </p:blipFill>
+        <p:spPr>
+          <a:xfrm>
+            <a:off x="4096068" y="4729719"/>
+            <a:ext cx="1029556" cy="1029556"/>
+          </a:xfrm>
+          <a:prstGeom prst="rect">
+            <a:avLst/>
+          </a:prstGeom>
+          <a:ln w="38100" cap="sq">
+            <a:solidFill>
+              <a:srgbClr val="000000"/>
+            </a:solidFill>
+            <a:prstDash val="solid"/>
+            <a:miter lim="800000"/>
+          </a:ln>
+          <a:effectLst>
+            <a:outerShdw blurRad="50800" dist="38100" dir="2700000" algn="tl" rotWithShape="0">
+              <a:srgbClr val="000000">
+                <a:alpha val="43000"/>
+              </a:srgbClr>
+            </a:outerShdw>
+          </a:effectLst>
+        </p:spPr>
+      </p:pic>
+      <p:pic>
+        <p:nvPicPr>
+          <p:cNvPr id="40" name="รูปภาพ 18"/>
+          <p:cNvPicPr>
+            <a:picLocks noChangeAspect="1"/>
+          </p:cNvPicPr>
+          <p:nvPr/>
+        </p:nvPicPr>
+        <p:blipFill>
+          <a:blip r:embed="rId7" cstate="print">
+            <a:extLst>
+              <a:ext uri="{28A0092B-C50C-407E-A947-70E740481C1C}">
+                <a14:useLocalDpi xmlns:a14="http://schemas.microsoft.com/office/drawing/2010/main" val="0"/>
+              </a:ext>
+            </a:extLst>
+          </a:blip>
+          <a:stretch>
+            <a:fillRect/>
+          </a:stretch>
+        </p:blipFill>
+        <p:spPr>
+          <a:xfrm>
+            <a:off x="945006" y="1921488"/>
+            <a:ext cx="1265556" cy="1628800"/>
+          </a:xfrm>
+          <a:prstGeom prst="rect">
+            <a:avLst/>
+          </a:prstGeom>
+          <a:ln w="38100" cap="sq">
+            <a:solidFill>
+              <a:srgbClr val="000000"/>
+            </a:solidFill>
+            <a:prstDash val="solid"/>
+            <a:miter lim="800000"/>
+          </a:ln>
+          <a:effectLst>
+            <a:outerShdw blurRad="50800" dist="38100" dir="2700000" algn="tl" rotWithShape="0">
+              <a:srgbClr val="000000">
+                <a:alpha val="43000"/>
+              </a:srgbClr>
+            </a:outerShdw>
+          </a:effectLst>
+        </p:spPr>
+      </p:pic>
+      <p:sp>
+        <p:nvSpPr>
+          <p:cNvPr id="42" name="กล่องข้อความ 24"/>
+          <p:cNvSpPr txBox="1"/>
+          <p:nvPr/>
+        </p:nvSpPr>
+        <p:spPr>
+          <a:xfrm>
+            <a:off x="1215669" y="3550288"/>
+            <a:ext cx="1388522" cy="461665"/>
+          </a:xfrm>
+          <a:prstGeom prst="rect">
+            <a:avLst/>
+          </a:prstGeom>
+          <a:noFill/>
+        </p:spPr>
+        <p:txBody>
+          <a:bodyPr wrap="none" rtlCol="0">
+            <a:spAutoFit/>
+          </a:bodyPr>
+          <a:lstStyle/>
+          <a:p>
+            <a:pPr lvl="0"/>
+            <a:r>
+              <a:rPr lang="th-TH" sz="2400" dirty="0"/>
+              <a:t>หนังสือจาก</a:t>
+            </a:r>
+            <a:r>
+              <a:rPr lang="th-TH" sz="2400" dirty="0" smtClean="0"/>
+              <a:t>พัสดุ</a:t>
+            </a:r>
+            <a:endParaRPr lang="en-US" sz="2400" dirty="0"/>
+          </a:p>
+        </p:txBody>
+      </p:sp>
+      <p:sp>
+        <p:nvSpPr>
+          <p:cNvPr id="43" name="กล่องข้อความ 25"/>
+          <p:cNvSpPr txBox="1"/>
+          <p:nvPr/>
+        </p:nvSpPr>
+        <p:spPr>
+          <a:xfrm>
+            <a:off x="3486950" y="3550288"/>
+            <a:ext cx="2441694" cy="461665"/>
+          </a:xfrm>
+          <a:prstGeom prst="rect">
+            <a:avLst/>
+          </a:prstGeom>
+          <a:noFill/>
+        </p:spPr>
+        <p:txBody>
+          <a:bodyPr wrap="none" rtlCol="0">
+            <a:spAutoFit/>
+          </a:bodyPr>
+          <a:lstStyle/>
+          <a:p>
+            <a:pPr lvl="0"/>
+            <a:r>
+              <a:rPr lang="th-TH" sz="2400" dirty="0"/>
+              <a:t>นำข้อมูลประจำปี</a:t>
+            </a:r>
+            <a:r>
+              <a:rPr lang="th-TH" sz="2400" dirty="0" smtClean="0"/>
+              <a:t>ครุภัณฑ์พิมพ์</a:t>
+            </a:r>
+            <a:endParaRPr lang="en-US" sz="2400" dirty="0"/>
+          </a:p>
+        </p:txBody>
+      </p:sp>
+      <p:sp>
+        <p:nvSpPr>
+          <p:cNvPr id="44" name="กล่องข้อความ 26"/>
+          <p:cNvSpPr txBox="1"/>
+          <p:nvPr/>
+        </p:nvSpPr>
+        <p:spPr>
+          <a:xfrm>
+            <a:off x="6958308" y="3514756"/>
+            <a:ext cx="1779654" cy="461665"/>
+          </a:xfrm>
+          <a:prstGeom prst="rect">
+            <a:avLst/>
+          </a:prstGeom>
+          <a:noFill/>
+        </p:spPr>
+        <p:txBody>
+          <a:bodyPr wrap="none" rtlCol="0">
+            <a:spAutoFit/>
+          </a:bodyPr>
+          <a:lstStyle/>
+          <a:p>
+            <a:pPr lvl="0"/>
+            <a:r>
+              <a:rPr lang="th-TH" sz="2400" dirty="0"/>
+              <a:t>นำเอกสารไปตรวจ</a:t>
+            </a:r>
+            <a:r>
+              <a:rPr lang="th-TH" sz="2400" dirty="0" smtClean="0"/>
+              <a:t>นับ</a:t>
+            </a:r>
+            <a:endParaRPr lang="en-US" sz="2400" dirty="0"/>
+          </a:p>
+        </p:txBody>
+      </p:sp>
+      <p:sp>
+        <p:nvSpPr>
+          <p:cNvPr id="45" name="กล่องข้อความ 27"/>
+          <p:cNvSpPr txBox="1"/>
+          <p:nvPr/>
+        </p:nvSpPr>
+        <p:spPr>
+          <a:xfrm>
+            <a:off x="6886077" y="5740668"/>
+            <a:ext cx="1672253" cy="461665"/>
+          </a:xfrm>
+          <a:prstGeom prst="rect">
+            <a:avLst/>
+          </a:prstGeom>
+          <a:noFill/>
+        </p:spPr>
+        <p:txBody>
+          <a:bodyPr wrap="none" rtlCol="0">
+            <a:spAutoFit/>
+          </a:bodyPr>
+          <a:lstStyle/>
+          <a:p>
+            <a:pPr lvl="0"/>
+            <a:r>
+              <a:rPr lang="th-TH" sz="2400" dirty="0"/>
+              <a:t>สรุปผลการตรวจ</a:t>
+            </a:r>
+            <a:r>
+              <a:rPr lang="th-TH" sz="2400" dirty="0" smtClean="0"/>
+              <a:t>นับ</a:t>
+            </a:r>
+            <a:endParaRPr lang="en-US" sz="2400" dirty="0"/>
+          </a:p>
+        </p:txBody>
+      </p:sp>
+      <p:sp>
+        <p:nvSpPr>
+          <p:cNvPr id="46" name="กล่องข้อความ 28"/>
+          <p:cNvSpPr txBox="1"/>
+          <p:nvPr/>
+        </p:nvSpPr>
+        <p:spPr>
+          <a:xfrm>
+            <a:off x="3887064" y="5740668"/>
+            <a:ext cx="1204176" cy="461665"/>
+          </a:xfrm>
+          <a:prstGeom prst="rect">
+            <a:avLst/>
+          </a:prstGeom>
+          <a:noFill/>
+        </p:spPr>
+        <p:txBody>
+          <a:bodyPr wrap="none" rtlCol="0">
+            <a:spAutoFit/>
+          </a:bodyPr>
+          <a:lstStyle/>
+          <a:p>
+            <a:pPr lvl="0"/>
+            <a:r>
+              <a:rPr lang="th-TH" sz="2400" dirty="0"/>
+              <a:t>นำเอกสาร </a:t>
+            </a:r>
+            <a:r>
+              <a:rPr lang="th-TH" sz="2400" dirty="0" smtClean="0"/>
+              <a:t>ส่ง</a:t>
+            </a:r>
+            <a:endParaRPr lang="en-US" sz="2400" dirty="0"/>
+          </a:p>
+        </p:txBody>
+      </p:sp>
+      <p:pic>
+        <p:nvPicPr>
+          <p:cNvPr id="47" name="รูปภาพ 29"/>
+          <p:cNvPicPr>
+            <a:picLocks noChangeAspect="1"/>
+          </p:cNvPicPr>
+          <p:nvPr/>
+        </p:nvPicPr>
+        <p:blipFill>
+          <a:blip r:embed="rId8" cstate="print">
+            <a:extLst>
+              <a:ext uri="{28A0092B-C50C-407E-A947-70E740481C1C}">
+                <a14:useLocalDpi xmlns:a14="http://schemas.microsoft.com/office/drawing/2010/main" val="0"/>
+              </a:ext>
+            </a:extLst>
+          </a:blip>
+          <a:stretch>
+            <a:fillRect/>
+          </a:stretch>
+        </p:blipFill>
+        <p:spPr>
+          <a:xfrm>
+            <a:off x="1259632" y="4581128"/>
+            <a:ext cx="1053546" cy="1267767"/>
+          </a:xfrm>
+          <a:prstGeom prst="rect">
+            <a:avLst/>
+          </a:prstGeom>
+          <a:ln w="38100" cap="sq">
+            <a:solidFill>
+              <a:srgbClr val="000000"/>
+            </a:solidFill>
+            <a:prstDash val="solid"/>
+            <a:miter lim="800000"/>
+          </a:ln>
+          <a:effectLst>
+            <a:outerShdw blurRad="50800" dist="38100" dir="2700000" algn="tl" rotWithShape="0">
+              <a:srgbClr val="000000">
+                <a:alpha val="43000"/>
+              </a:srgbClr>
+            </a:outerShdw>
+          </a:effectLst>
+        </p:spPr>
+      </p:pic>
+    </p:spTree>
+    <p:extLst>
+      <p:ext uri="{BB962C8B-B14F-4D97-AF65-F5344CB8AC3E}">
+        <p14:creationId xmlns:p14="http://schemas.microsoft.com/office/powerpoint/2010/main" val="620753967"/>
+      </p:ext>
+    </p:extLst>
+  </p:cSld>
+  <p:clrMapOvr>
+    <a:masterClrMapping/>
+  </p:clrMapOvr>
+  <p:timing>
+    <p:tnLst>
+      <p:par>
+        <p:cTn id="1" dur="indefinite" restart="never" nodeType="tmRoot"/>
+      </p:par>
+    </p:tnLst>
+  </p:timing>
+</p:sld>
+</file>
+
+<file path=ppt/slides/slide11.xml><?xml version="1.0" encoding="utf-8"?>
+<p:sld xmlns:a="http://schemas.openxmlformats.org/drawingml/2006/main" xmlns:r="http://schemas.openxmlformats.org/officeDocument/2006/relationships" xmlns:p="http://schemas.openxmlformats.org/presentationml/2006/main">
+  <p:cSld>
+    <p:spTree>
+      <p:nvGrpSpPr>
+        <p:cNvPr id="1" name=""/>
+        <p:cNvGrpSpPr/>
+        <p:nvPr/>
+      </p:nvGrpSpPr>
+      <p:grpSpPr>
+        <a:xfrm>
+          <a:off x="0" y="0"/>
+          <a:ext cx="0" cy="0"/>
+          <a:chOff x="0" y="0"/>
+          <a:chExt cx="0" cy="0"/>
+        </a:xfrm>
+      </p:grpSpPr>
+      <p:sp>
+        <p:nvSpPr>
+          <p:cNvPr id="2" name="Title 1"/>
+          <p:cNvSpPr>
+            <a:spLocks noGrp="1"/>
+          </p:cNvSpPr>
+          <p:nvPr>
+            <p:ph type="title"/>
+          </p:nvPr>
+        </p:nvSpPr>
+        <p:spPr>
+          <a:xfrm>
+            <a:off x="457200" y="756835"/>
+            <a:ext cx="8229600" cy="850106"/>
+          </a:xfrm>
+        </p:spPr>
+        <p:txBody>
+          <a:bodyPr>
+            <a:normAutofit fontScale="90000"/>
+          </a:bodyPr>
+          <a:lstStyle/>
+          <a:p>
+            <a:r>
+              <a:rPr lang="th-TH" b="1" dirty="0">
+                <a:effectLst>
+                  <a:outerShdw blurRad="38100" dist="38100" dir="2700000" algn="tl">
+                    <a:srgbClr val="000000">
+                      <a:alpha val="43137"/>
+                    </a:srgbClr>
+                  </a:outerShdw>
+                </a:effectLst>
+              </a:rPr>
+              <a:t>ระบบงานใหม่การตรวจนับ</a:t>
+            </a:r>
+            <a:endParaRPr lang="en-US" b="1" dirty="0">
+              <a:effectLst>
+                <a:outerShdw blurRad="38100" dist="38100" dir="2700000" algn="tl">
+                  <a:srgbClr val="000000">
+                    <a:alpha val="43137"/>
+                  </a:srgbClr>
+                </a:outerShdw>
+              </a:effectLst>
+            </a:endParaRPr>
+          </a:p>
+        </p:txBody>
+      </p:sp>
+      <p:pic>
+        <p:nvPicPr>
+          <p:cNvPr id="28" name="รูปภาพ 3"/>
+          <p:cNvPicPr>
+            <a:picLocks noChangeAspect="1"/>
+          </p:cNvPicPr>
+          <p:nvPr/>
+        </p:nvPicPr>
+        <p:blipFill>
+          <a:blip r:embed="rId2" cstate="print">
+            <a:extLst>
+              <a:ext uri="{28A0092B-C50C-407E-A947-70E740481C1C}">
+                <a14:useLocalDpi xmlns:a14="http://schemas.microsoft.com/office/drawing/2010/main" val="0"/>
+              </a:ext>
+            </a:extLst>
+          </a:blip>
+          <a:stretch>
+            <a:fillRect/>
+          </a:stretch>
+        </p:blipFill>
+        <p:spPr>
+          <a:xfrm>
+            <a:off x="7623869" y="670837"/>
+            <a:ext cx="1039740" cy="957963"/>
+          </a:xfrm>
+          <a:prstGeom prst="rect">
+            <a:avLst/>
+          </a:prstGeom>
+        </p:spPr>
+      </p:pic>
+      <p:sp>
+        <p:nvSpPr>
+          <p:cNvPr id="29" name="Rectangle 28"/>
+          <p:cNvSpPr/>
+          <p:nvPr/>
+        </p:nvSpPr>
+        <p:spPr>
+          <a:xfrm>
+            <a:off x="72008" y="6462731"/>
+            <a:ext cx="5292080" cy="336447"/>
+          </a:xfrm>
+          <a:prstGeom prst="rect">
+            <a:avLst/>
+          </a:prstGeom>
+          <a:solidFill>
+            <a:srgbClr val="0B3261"/>
+          </a:solidFill>
+          <a:ln>
+            <a:solidFill>
+              <a:srgbClr val="0B3261"/>
+            </a:solidFill>
+          </a:ln>
+        </p:spPr>
+        <p:style>
+          <a:lnRef idx="2">
+            <a:schemeClr val="dk1"/>
+          </a:lnRef>
+          <a:fillRef idx="1">
+            <a:schemeClr val="lt1"/>
+          </a:fillRef>
+          <a:effectRef idx="0">
+            <a:schemeClr val="dk1"/>
+          </a:effectRef>
+          <a:fontRef idx="minor">
+            <a:schemeClr val="dk1"/>
+          </a:fontRef>
+        </p:style>
+        <p:txBody>
+          <a:bodyPr rtlCol="0" anchor="ctr"/>
+          <a:lstStyle/>
+          <a:p>
+            <a:pPr algn="ctr"/>
+            <a:endParaRPr lang="th-TH"/>
+          </a:p>
+        </p:txBody>
+      </p:sp>
+      <p:sp>
+        <p:nvSpPr>
+          <p:cNvPr id="51" name="ลูกศรขวา 4"/>
+          <p:cNvSpPr/>
+          <p:nvPr/>
+        </p:nvSpPr>
+        <p:spPr>
+          <a:xfrm>
+            <a:off x="2569898" y="2447163"/>
+            <a:ext cx="720080" cy="720080"/>
+          </a:xfrm>
+          <a:prstGeom prst="rightArrow">
+            <a:avLst/>
+          </a:prstGeom>
+        </p:spPr>
+        <p:style>
+          <a:lnRef idx="3">
+            <a:schemeClr val="lt1"/>
+          </a:lnRef>
+          <a:fillRef idx="1">
+            <a:schemeClr val="dk1"/>
+          </a:fillRef>
+          <a:effectRef idx="1">
+            <a:schemeClr val="dk1"/>
+          </a:effectRef>
+          <a:fontRef idx="minor">
+            <a:schemeClr val="lt1"/>
+          </a:fontRef>
+        </p:style>
+        <p:txBody>
+          <a:bodyPr rtlCol="0" anchor="ctr"/>
+          <a:lstStyle/>
+          <a:p>
+            <a:pPr algn="ctr"/>
+            <a:endParaRPr lang="en-US"/>
+          </a:p>
+        </p:txBody>
+      </p:sp>
+      <p:sp>
+        <p:nvSpPr>
+          <p:cNvPr id="52" name="ลูกศรขวา 7"/>
+          <p:cNvSpPr/>
+          <p:nvPr/>
+        </p:nvSpPr>
+        <p:spPr>
+          <a:xfrm rot="5400000">
+            <a:off x="6873442" y="3807206"/>
+            <a:ext cx="720080" cy="720080"/>
+          </a:xfrm>
+          <a:prstGeom prst="rightArrow">
+            <a:avLst/>
+          </a:prstGeom>
+        </p:spPr>
+        <p:style>
+          <a:lnRef idx="3">
+            <a:schemeClr val="lt1"/>
+          </a:lnRef>
+          <a:fillRef idx="1">
+            <a:schemeClr val="dk1"/>
+          </a:fillRef>
+          <a:effectRef idx="1">
+            <a:schemeClr val="dk1"/>
+          </a:effectRef>
+          <a:fontRef idx="minor">
+            <a:schemeClr val="lt1"/>
+          </a:fontRef>
+        </p:style>
+        <p:txBody>
+          <a:bodyPr rtlCol="0" anchor="ctr"/>
+          <a:lstStyle/>
+          <a:p>
+            <a:pPr algn="ctr"/>
+            <a:endParaRPr lang="en-US"/>
+          </a:p>
+        </p:txBody>
+      </p:sp>
+      <p:sp>
+        <p:nvSpPr>
+          <p:cNvPr id="53" name="ลูกศรขวา 10"/>
+          <p:cNvSpPr/>
+          <p:nvPr/>
+        </p:nvSpPr>
+        <p:spPr>
+          <a:xfrm rot="10800000">
+            <a:off x="5292080" y="4552521"/>
+            <a:ext cx="720080" cy="720080"/>
+          </a:xfrm>
+          <a:prstGeom prst="rightArrow">
+            <a:avLst/>
+          </a:prstGeom>
+        </p:spPr>
+        <p:style>
+          <a:lnRef idx="3">
+            <a:schemeClr val="lt1"/>
+          </a:lnRef>
+          <a:fillRef idx="1">
+            <a:schemeClr val="dk1"/>
+          </a:fillRef>
+          <a:effectRef idx="1">
+            <a:schemeClr val="dk1"/>
+          </a:effectRef>
+          <a:fontRef idx="minor">
+            <a:schemeClr val="lt1"/>
+          </a:fontRef>
+        </p:style>
+        <p:txBody>
+          <a:bodyPr rtlCol="0" anchor="ctr"/>
+          <a:lstStyle/>
+          <a:p>
+            <a:pPr algn="ctr"/>
+            <a:endParaRPr lang="en-US"/>
+          </a:p>
+        </p:txBody>
+      </p:sp>
+      <p:sp>
+        <p:nvSpPr>
+          <p:cNvPr id="54" name="ลูกศรขวา 12"/>
+          <p:cNvSpPr/>
+          <p:nvPr/>
+        </p:nvSpPr>
+        <p:spPr>
+          <a:xfrm rot="10800000">
+            <a:off x="2491261" y="4581128"/>
+            <a:ext cx="720080" cy="720080"/>
+          </a:xfrm>
+          <a:prstGeom prst="rightArrow">
+            <a:avLst/>
+          </a:prstGeom>
+        </p:spPr>
+        <p:style>
+          <a:lnRef idx="3">
+            <a:schemeClr val="lt1"/>
+          </a:lnRef>
+          <a:fillRef idx="1">
+            <a:schemeClr val="dk1"/>
+          </a:fillRef>
+          <a:effectRef idx="1">
+            <a:schemeClr val="dk1"/>
+          </a:effectRef>
+          <a:fontRef idx="minor">
+            <a:schemeClr val="lt1"/>
+          </a:fontRef>
+        </p:style>
+        <p:txBody>
+          <a:bodyPr rtlCol="0" anchor="ctr"/>
+          <a:lstStyle/>
+          <a:p>
+            <a:pPr algn="ctr"/>
+            <a:endParaRPr lang="en-US"/>
+          </a:p>
+        </p:txBody>
+      </p:sp>
+      <p:pic>
+        <p:nvPicPr>
+          <p:cNvPr id="55" name="รูปภาพ 14"/>
+          <p:cNvPicPr>
+            <a:picLocks noChangeAspect="1"/>
+          </p:cNvPicPr>
+          <p:nvPr/>
+        </p:nvPicPr>
+        <p:blipFill>
+          <a:blip r:embed="rId3" cstate="print">
+            <a:extLst>
+              <a:ext uri="{28A0092B-C50C-407E-A947-70E740481C1C}">
+                <a14:useLocalDpi xmlns:a14="http://schemas.microsoft.com/office/drawing/2010/main" val="0"/>
+              </a:ext>
+            </a:extLst>
+          </a:blip>
+          <a:stretch>
+            <a:fillRect/>
+          </a:stretch>
+        </p:blipFill>
+        <p:spPr>
+          <a:xfrm>
+            <a:off x="6692411" y="4627772"/>
+            <a:ext cx="1203392" cy="1203392"/>
+          </a:xfrm>
+          <a:prstGeom prst="rect">
+            <a:avLst/>
+          </a:prstGeom>
+          <a:ln w="38100" cap="sq">
+            <a:solidFill>
+              <a:srgbClr val="000000"/>
+            </a:solidFill>
+            <a:prstDash val="solid"/>
+            <a:miter lim="800000"/>
+          </a:ln>
+          <a:effectLst>
+            <a:outerShdw blurRad="50800" dist="38100" dir="2700000" algn="tl" rotWithShape="0">
+              <a:srgbClr val="000000">
+                <a:alpha val="43000"/>
+              </a:srgbClr>
+            </a:outerShdw>
+          </a:effectLst>
+        </p:spPr>
+      </p:pic>
+      <p:pic>
+        <p:nvPicPr>
+          <p:cNvPr id="56" name="รูปภาพ 16"/>
+          <p:cNvPicPr>
+            <a:picLocks noChangeAspect="1"/>
+          </p:cNvPicPr>
+          <p:nvPr/>
+        </p:nvPicPr>
+        <p:blipFill>
+          <a:blip r:embed="rId4"/>
+          <a:stretch>
+            <a:fillRect/>
+          </a:stretch>
+        </p:blipFill>
+        <p:spPr>
+          <a:xfrm>
+            <a:off x="3673338" y="4689789"/>
+            <a:ext cx="1084584" cy="1084584"/>
+          </a:xfrm>
+          <a:prstGeom prst="rect">
+            <a:avLst/>
+          </a:prstGeom>
+          <a:ln w="38100" cap="sq">
+            <a:solidFill>
+              <a:srgbClr val="000000"/>
+            </a:solidFill>
+            <a:prstDash val="solid"/>
+            <a:miter lim="800000"/>
+          </a:ln>
+          <a:effectLst>
+            <a:outerShdw blurRad="50800" dist="38100" dir="2700000" algn="tl" rotWithShape="0">
+              <a:srgbClr val="000000">
+                <a:alpha val="43000"/>
+              </a:srgbClr>
+            </a:outerShdw>
+          </a:effectLst>
+        </p:spPr>
+      </p:pic>
+      <p:pic>
+        <p:nvPicPr>
+          <p:cNvPr id="57" name="รูปภาพ 17"/>
+          <p:cNvPicPr>
+            <a:picLocks noChangeAspect="1"/>
+          </p:cNvPicPr>
+          <p:nvPr/>
+        </p:nvPicPr>
+        <p:blipFill>
+          <a:blip r:embed="rId5" cstate="print">
+            <a:extLst>
+              <a:ext uri="{28A0092B-C50C-407E-A947-70E740481C1C}">
+                <a14:useLocalDpi xmlns:a14="http://schemas.microsoft.com/office/drawing/2010/main" val="0"/>
+              </a:ext>
+            </a:extLst>
+          </a:blip>
+          <a:stretch>
+            <a:fillRect/>
+          </a:stretch>
+        </p:blipFill>
+        <p:spPr>
+          <a:xfrm>
+            <a:off x="1002260" y="4426190"/>
+            <a:ext cx="1109857" cy="1335528"/>
+          </a:xfrm>
+          <a:prstGeom prst="rect">
+            <a:avLst/>
+          </a:prstGeom>
+          <a:ln w="38100" cap="sq">
+            <a:solidFill>
+              <a:srgbClr val="000000"/>
+            </a:solidFill>
+            <a:prstDash val="solid"/>
+            <a:miter lim="800000"/>
+          </a:ln>
+          <a:effectLst>
+            <a:outerShdw blurRad="50800" dist="38100" dir="2700000" algn="tl" rotWithShape="0">
+              <a:srgbClr val="000000">
+                <a:alpha val="43000"/>
+              </a:srgbClr>
+            </a:outerShdw>
+          </a:effectLst>
+        </p:spPr>
+      </p:pic>
+      <p:pic>
+        <p:nvPicPr>
+          <p:cNvPr id="58" name="รูปภาพ 18"/>
+          <p:cNvPicPr>
+            <a:picLocks noChangeAspect="1"/>
+          </p:cNvPicPr>
+          <p:nvPr/>
+        </p:nvPicPr>
+        <p:blipFill>
+          <a:blip r:embed="rId6" cstate="print">
+            <a:extLst>
+              <a:ext uri="{28A0092B-C50C-407E-A947-70E740481C1C}">
+                <a14:useLocalDpi xmlns:a14="http://schemas.microsoft.com/office/drawing/2010/main" val="0"/>
+              </a:ext>
+            </a:extLst>
+          </a:blip>
+          <a:stretch>
+            <a:fillRect/>
+          </a:stretch>
+        </p:blipFill>
+        <p:spPr>
+          <a:xfrm>
+            <a:off x="1002260" y="1937935"/>
+            <a:ext cx="1265556" cy="1628800"/>
+          </a:xfrm>
+          <a:prstGeom prst="rect">
+            <a:avLst/>
+          </a:prstGeom>
+          <a:ln w="38100" cap="sq">
+            <a:solidFill>
+              <a:srgbClr val="000000"/>
+            </a:solidFill>
+            <a:prstDash val="solid"/>
+            <a:miter lim="800000"/>
+          </a:ln>
+          <a:effectLst>
+            <a:outerShdw blurRad="50800" dist="38100" dir="2700000" algn="tl" rotWithShape="0">
+              <a:srgbClr val="000000">
+                <a:alpha val="43000"/>
+              </a:srgbClr>
+            </a:outerShdw>
+          </a:effectLst>
+        </p:spPr>
+      </p:pic>
+      <p:pic>
+        <p:nvPicPr>
+          <p:cNvPr id="59" name="รูปภาพ 1"/>
+          <p:cNvPicPr>
+            <a:picLocks noChangeAspect="1"/>
+          </p:cNvPicPr>
+          <p:nvPr/>
+        </p:nvPicPr>
+        <p:blipFill rotWithShape="1">
+          <a:blip r:embed="rId7"/>
+          <a:srcRect l="1665" t="27392" r="-1665" b="1"/>
+          <a:stretch/>
+        </p:blipFill>
+        <p:spPr>
+          <a:xfrm>
+            <a:off x="3766526" y="2046539"/>
+            <a:ext cx="4324785" cy="1336057"/>
+          </a:xfrm>
+          <a:prstGeom prst="rect">
+            <a:avLst/>
+          </a:prstGeom>
+          <a:ln w="38100" cap="sq">
+            <a:solidFill>
+              <a:srgbClr val="000000"/>
+            </a:solidFill>
+            <a:prstDash val="solid"/>
+            <a:miter lim="800000"/>
+          </a:ln>
+          <a:effectLst>
+            <a:outerShdw blurRad="50800" dist="38100" dir="2700000" algn="tl" rotWithShape="0">
+              <a:srgbClr val="000000">
+                <a:alpha val="43000"/>
+              </a:srgbClr>
+            </a:outerShdw>
+          </a:effectLst>
+        </p:spPr>
+      </p:pic>
+      <p:sp>
+        <p:nvSpPr>
+          <p:cNvPr id="60" name="กล่องข้อความ 2"/>
+          <p:cNvSpPr txBox="1"/>
+          <p:nvPr/>
+        </p:nvSpPr>
+        <p:spPr>
+          <a:xfrm>
+            <a:off x="4140469" y="2923143"/>
+            <a:ext cx="784189" cy="261610"/>
+          </a:xfrm>
+          <a:prstGeom prst="rect">
+            <a:avLst/>
+          </a:prstGeom>
+          <a:noFill/>
+        </p:spPr>
+        <p:txBody>
+          <a:bodyPr wrap="none" rtlCol="0">
+            <a:spAutoFit/>
+          </a:bodyPr>
+          <a:lstStyle/>
+          <a:p>
+            <a:r>
+              <a:rPr lang="th-TH" sz="1100" dirty="0" smtClean="0">
+                <a:solidFill>
+                  <a:srgbClr val="000099"/>
+                </a:solidFill>
+                <a:latin typeface="CordiaUPC" panose="020B0304020202020204" pitchFamily="34" charset="-34"/>
+                <a:cs typeface="CordiaUPC" panose="020B0304020202020204" pitchFamily="34" charset="-34"/>
+              </a:rPr>
+              <a:t>56/01-0101-01</a:t>
+            </a:r>
+            <a:endParaRPr lang="en-US" sz="1100" dirty="0">
+              <a:solidFill>
+                <a:srgbClr val="000099"/>
+              </a:solidFill>
+              <a:latin typeface="CordiaUPC" panose="020B0304020202020204" pitchFamily="34" charset="-34"/>
+              <a:cs typeface="CordiaUPC" panose="020B0304020202020204" pitchFamily="34" charset="-34"/>
+            </a:endParaRPr>
+          </a:p>
+        </p:txBody>
+      </p:sp>
+      <p:sp>
+        <p:nvSpPr>
+          <p:cNvPr id="61" name="กล่องข้อความ 13"/>
+          <p:cNvSpPr txBox="1"/>
+          <p:nvPr/>
+        </p:nvSpPr>
+        <p:spPr>
+          <a:xfrm>
+            <a:off x="879294" y="3596300"/>
+            <a:ext cx="1388522" cy="461665"/>
+          </a:xfrm>
+          <a:prstGeom prst="rect">
+            <a:avLst/>
+          </a:prstGeom>
+          <a:noFill/>
+        </p:spPr>
+        <p:txBody>
+          <a:bodyPr wrap="none" rtlCol="0">
+            <a:spAutoFit/>
+          </a:bodyPr>
+          <a:lstStyle/>
+          <a:p>
+            <a:pPr lvl="0"/>
+            <a:r>
+              <a:rPr lang="th-TH" sz="2400" dirty="0"/>
+              <a:t>หนังสือจาก</a:t>
+            </a:r>
+            <a:r>
+              <a:rPr lang="th-TH" sz="2400" dirty="0" smtClean="0"/>
+              <a:t>พัสดุ</a:t>
+            </a:r>
+            <a:endParaRPr lang="en-US" sz="2400" dirty="0"/>
+          </a:p>
+        </p:txBody>
+      </p:sp>
+      <p:sp>
+        <p:nvSpPr>
+          <p:cNvPr id="62" name="กล่องข้อความ 15"/>
+          <p:cNvSpPr txBox="1"/>
+          <p:nvPr/>
+        </p:nvSpPr>
+        <p:spPr>
+          <a:xfrm>
+            <a:off x="3851254" y="3345541"/>
+            <a:ext cx="3657540" cy="461665"/>
+          </a:xfrm>
+          <a:prstGeom prst="rect">
+            <a:avLst/>
+          </a:prstGeom>
+          <a:noFill/>
+        </p:spPr>
+        <p:txBody>
+          <a:bodyPr wrap="none" rtlCol="0">
+            <a:spAutoFit/>
+          </a:bodyPr>
+          <a:lstStyle/>
+          <a:p>
+            <a:pPr lvl="0"/>
+            <a:r>
+              <a:rPr lang="th-TH" sz="2400" dirty="0" smtClean="0"/>
+              <a:t>ตรวจนับครุภัณฑ์ประจำปี ด้วย </a:t>
+            </a:r>
+            <a:r>
+              <a:rPr lang="en-US" sz="2400" dirty="0" smtClean="0"/>
+              <a:t>QR Code</a:t>
+            </a:r>
+            <a:endParaRPr lang="en-US" sz="2400" dirty="0"/>
+          </a:p>
+        </p:txBody>
+      </p:sp>
+      <p:sp>
+        <p:nvSpPr>
+          <p:cNvPr id="63" name="กล่องข้อความ 21"/>
+          <p:cNvSpPr txBox="1"/>
+          <p:nvPr/>
+        </p:nvSpPr>
+        <p:spPr>
+          <a:xfrm>
+            <a:off x="6291979" y="5754236"/>
+            <a:ext cx="1672253" cy="461665"/>
+          </a:xfrm>
+          <a:prstGeom prst="rect">
+            <a:avLst/>
+          </a:prstGeom>
+          <a:noFill/>
+        </p:spPr>
+        <p:txBody>
+          <a:bodyPr wrap="none" rtlCol="0">
+            <a:spAutoFit/>
+          </a:bodyPr>
+          <a:lstStyle/>
+          <a:p>
+            <a:pPr lvl="0"/>
+            <a:r>
+              <a:rPr lang="th-TH" sz="2400" dirty="0"/>
+              <a:t>สรุปผลการตรวจ</a:t>
+            </a:r>
+            <a:r>
+              <a:rPr lang="th-TH" sz="2400" dirty="0" smtClean="0"/>
+              <a:t>นับ</a:t>
+            </a:r>
+            <a:endParaRPr lang="en-US" sz="2400" dirty="0"/>
+          </a:p>
+        </p:txBody>
+      </p:sp>
+      <p:sp>
+        <p:nvSpPr>
+          <p:cNvPr id="64" name="กล่องข้อความ 22"/>
+          <p:cNvSpPr txBox="1"/>
+          <p:nvPr/>
+        </p:nvSpPr>
+        <p:spPr>
+          <a:xfrm>
+            <a:off x="3621622" y="5739859"/>
+            <a:ext cx="1204176" cy="461665"/>
+          </a:xfrm>
+          <a:prstGeom prst="rect">
+            <a:avLst/>
+          </a:prstGeom>
+          <a:noFill/>
+        </p:spPr>
+        <p:txBody>
+          <a:bodyPr wrap="none" rtlCol="0">
+            <a:spAutoFit/>
+          </a:bodyPr>
+          <a:lstStyle/>
+          <a:p>
+            <a:pPr lvl="0"/>
+            <a:r>
+              <a:rPr lang="th-TH" sz="2400" dirty="0"/>
+              <a:t>นำเอกสาร </a:t>
+            </a:r>
+            <a:r>
+              <a:rPr lang="th-TH" sz="2400" dirty="0" smtClean="0"/>
+              <a:t>ส่ง</a:t>
+            </a:r>
+            <a:endParaRPr lang="en-US" sz="2400" dirty="0"/>
+          </a:p>
+        </p:txBody>
+      </p:sp>
+    </p:spTree>
+    <p:extLst>
+      <p:ext uri="{BB962C8B-B14F-4D97-AF65-F5344CB8AC3E}">
+        <p14:creationId xmlns:p14="http://schemas.microsoft.com/office/powerpoint/2010/main" val="2854308829"/>
+      </p:ext>
+    </p:extLst>
+  </p:cSld>
+  <p:clrMapOvr>
+    <a:masterClrMapping/>
+  </p:clrMapOvr>
+  <p:timing>
+    <p:tnLst>
+      <p:par>
+        <p:cTn id="1" dur="indefinite" restart="never" nodeType="tmRoot"/>
+      </p:par>
+    </p:tnLst>
+  </p:timing>
+</p:sld>
+</file>
+
+<file path=ppt/slides/slide12.xml><?xml version="1.0" encoding="utf-8"?>
+<p:sld xmlns:a="http://schemas.openxmlformats.org/drawingml/2006/main" xmlns:r="http://schemas.openxmlformats.org/officeDocument/2006/relationships" xmlns:p="http://schemas.openxmlformats.org/presentationml/2006/main">
+  <p:cSld>
+    <p:spTree>
+      <p:nvGrpSpPr>
+        <p:cNvPr id="1" name=""/>
+        <p:cNvGrpSpPr/>
+        <p:nvPr/>
+      </p:nvGrpSpPr>
+      <p:grpSpPr>
+        <a:xfrm>
+          <a:off x="0" y="0"/>
+          <a:ext cx="0" cy="0"/>
+          <a:chOff x="0" y="0"/>
+          <a:chExt cx="0" cy="0"/>
+        </a:xfrm>
+      </p:grpSpPr>
+      <p:sp>
+        <p:nvSpPr>
+          <p:cNvPr id="2" name="Title 1"/>
+          <p:cNvSpPr>
+            <a:spLocks noGrp="1"/>
+          </p:cNvSpPr>
+          <p:nvPr>
+            <p:ph type="title"/>
+          </p:nvPr>
+        </p:nvSpPr>
+        <p:spPr>
+          <a:xfrm>
             <a:off x="457200" y="778694"/>
             <a:ext cx="8229600" cy="850106"/>
           </a:xfrm>
@@ -5197,7 +6656,7 @@
 </p:sld>
 </file>
 
-<file path=ppt/slides/slide11.xml><?xml version="1.0" encoding="utf-8"?>
+<file path=ppt/slides/slide13.xml><?xml version="1.0" encoding="utf-8"?>
 <p:sld xmlns:a="http://schemas.openxmlformats.org/drawingml/2006/main" xmlns:r="http://schemas.openxmlformats.org/officeDocument/2006/relationships" xmlns:p="http://schemas.openxmlformats.org/presentationml/2006/main">
   <p:cSld>
     <p:spTree>
@@ -6682,7 +8141,7 @@
 </p:sld>
 </file>
 
-<file path=ppt/slides/slide12.xml><?xml version="1.0" encoding="utf-8"?>
+<file path=ppt/slides/slide14.xml><?xml version="1.0" encoding="utf-8"?>
 <p:sld xmlns:a="http://schemas.openxmlformats.org/drawingml/2006/main" xmlns:r="http://schemas.openxmlformats.org/officeDocument/2006/relationships" xmlns:p="http://schemas.openxmlformats.org/presentationml/2006/main" show="0">
   <p:cSld>
     <p:spTree>
@@ -6754,6 +8213,202 @@
   <p:clrMapOvr>
     <a:masterClrMapping/>
   </p:clrMapOvr>
+  <mc:AlternateContent xmlns:mc="http://schemas.openxmlformats.org/markup-compatibility/2006" xmlns:p14="http://schemas.microsoft.com/office/powerpoint/2010/main">
+    <mc:Choice Requires="p14">
+      <p:transition spd="slow" p14:dur="2000"/>
+    </mc:Choice>
+    <mc:Fallback xmlns="">
+      <p:transition spd="slow"/>
+    </mc:Fallback>
+  </mc:AlternateContent>
+  <p:timing>
+    <p:tnLst>
+      <p:par>
+        <p:cTn id="1" dur="indefinite" restart="never" nodeType="tmRoot"/>
+      </p:par>
+    </p:tnLst>
+  </p:timing>
+</p:sld>
+</file>
+
+<file path=ppt/slides/slide15.xml><?xml version="1.0" encoding="utf-8"?>
+<p:sld xmlns:a="http://schemas.openxmlformats.org/drawingml/2006/main" xmlns:r="http://schemas.openxmlformats.org/officeDocument/2006/relationships" xmlns:p="http://schemas.openxmlformats.org/presentationml/2006/main" show="0">
+  <p:cSld>
+    <p:spTree>
+      <p:nvGrpSpPr>
+        <p:cNvPr id="1" name=""/>
+        <p:cNvGrpSpPr/>
+        <p:nvPr/>
+      </p:nvGrpSpPr>
+      <p:grpSpPr>
+        <a:xfrm>
+          <a:off x="0" y="0"/>
+          <a:ext cx="0" cy="0"/>
+          <a:chOff x="0" y="0"/>
+          <a:chExt cx="0" cy="0"/>
+        </a:xfrm>
+      </p:grpSpPr>
+      <p:sp>
+        <p:nvSpPr>
+          <p:cNvPr id="2" name="Title 1"/>
+          <p:cNvSpPr>
+            <a:spLocks noGrp="1"/>
+          </p:cNvSpPr>
+          <p:nvPr>
+            <p:ph type="title"/>
+          </p:nvPr>
+        </p:nvSpPr>
+        <p:spPr>
+          <a:xfrm>
+            <a:off x="457200" y="822484"/>
+            <a:ext cx="8229600" cy="850106"/>
+          </a:xfrm>
+        </p:spPr>
+        <p:txBody>
+          <a:bodyPr>
+            <a:normAutofit/>
+          </a:bodyPr>
+          <a:lstStyle/>
+          <a:p>
+            <a:pPr lvl="1"/>
+            <a:r>
+              <a:rPr lang="en-US" sz="4800" b="1" dirty="0">
+                <a:solidFill>
+                  <a:schemeClr val="tx2"/>
+                </a:solidFill>
+              </a:rPr>
+              <a:t>Persistence Diagram</a:t>
+            </a:r>
+            <a:endParaRPr lang="en-US" sz="4800" dirty="0">
+              <a:solidFill>
+                <a:schemeClr val="tx2"/>
+              </a:solidFill>
+            </a:endParaRPr>
+          </a:p>
+        </p:txBody>
+      </p:sp>
+      <p:sp>
+        <p:nvSpPr>
+          <p:cNvPr id="6" name="Rectangle 5"/>
+          <p:cNvSpPr/>
+          <p:nvPr/>
+        </p:nvSpPr>
+        <p:spPr>
+          <a:xfrm>
+            <a:off x="72008" y="6462731"/>
+            <a:ext cx="5292080" cy="336447"/>
+          </a:xfrm>
+          <a:prstGeom prst="rect">
+            <a:avLst/>
+          </a:prstGeom>
+          <a:solidFill>
+            <a:srgbClr val="0B3261"/>
+          </a:solidFill>
+          <a:ln>
+            <a:solidFill>
+              <a:srgbClr val="0B3261"/>
+            </a:solidFill>
+          </a:ln>
+        </p:spPr>
+        <p:style>
+          <a:lnRef idx="2">
+            <a:schemeClr val="dk1"/>
+          </a:lnRef>
+          <a:fillRef idx="1">
+            <a:schemeClr val="lt1"/>
+          </a:fillRef>
+          <a:effectRef idx="0">
+            <a:schemeClr val="dk1"/>
+          </a:effectRef>
+          <a:fontRef idx="minor">
+            <a:schemeClr val="dk1"/>
+          </a:fontRef>
+        </p:style>
+        <p:txBody>
+          <a:bodyPr rtlCol="0" anchor="ctr"/>
+          <a:lstStyle/>
+          <a:p>
+            <a:pPr algn="ctr"/>
+            <a:endParaRPr lang="th-TH"/>
+          </a:p>
+        </p:txBody>
+      </p:sp>
+      <p:pic>
+        <p:nvPicPr>
+          <p:cNvPr id="7" name="รูปภาพ 3"/>
+          <p:cNvPicPr>
+            <a:picLocks noChangeAspect="1"/>
+          </p:cNvPicPr>
+          <p:nvPr/>
+        </p:nvPicPr>
+        <p:blipFill>
+          <a:blip r:embed="rId2" cstate="print">
+            <a:extLst>
+              <a:ext uri="{28A0092B-C50C-407E-A947-70E740481C1C}">
+                <a14:useLocalDpi xmlns:a14="http://schemas.microsoft.com/office/drawing/2010/main" val="0"/>
+              </a:ext>
+            </a:extLst>
+          </a:blip>
+          <a:stretch>
+            <a:fillRect/>
+          </a:stretch>
+        </p:blipFill>
+        <p:spPr>
+          <a:xfrm>
+            <a:off x="7623869" y="736486"/>
+            <a:ext cx="1039740" cy="957963"/>
+          </a:xfrm>
+          <a:prstGeom prst="rect">
+            <a:avLst/>
+          </a:prstGeom>
+        </p:spPr>
+      </p:pic>
+      <p:pic>
+        <p:nvPicPr>
+          <p:cNvPr id="8" name="Picture 7" descr="E:\Dropbox\asset-project-system\ASSET_DOC\ASSET_Diagram\1.bmp"/>
+          <p:cNvPicPr/>
+          <p:nvPr/>
+        </p:nvPicPr>
+        <p:blipFill rotWithShape="1">
+          <a:blip r:embed="rId3">
+            <a:extLst>
+              <a:ext uri="{28A0092B-C50C-407E-A947-70E740481C1C}">
+                <a14:useLocalDpi xmlns:a14="http://schemas.microsoft.com/office/drawing/2010/main" val="0"/>
+              </a:ext>
+            </a:extLst>
+          </a:blip>
+          <a:srcRect t="10302" b="43517"/>
+          <a:stretch/>
+        </p:blipFill>
+        <p:spPr bwMode="auto">
+          <a:xfrm>
+            <a:off x="457200" y="1694449"/>
+            <a:ext cx="8229600" cy="4614871"/>
+          </a:xfrm>
+          <a:prstGeom prst="rect">
+            <a:avLst/>
+          </a:prstGeom>
+          <a:noFill/>
+          <a:ln>
+            <a:noFill/>
+          </a:ln>
+          <a:extLst>
+            <a:ext uri="{53640926-AAD7-44D8-BBD7-CCE9431645EC}">
+              <a14:shadowObscured xmlns:a14="http://schemas.microsoft.com/office/drawing/2010/main"/>
+            </a:ext>
+          </a:extLst>
+        </p:spPr>
+      </p:pic>
+    </p:spTree>
+    <p:extLst>
+      <p:ext uri="{BB962C8B-B14F-4D97-AF65-F5344CB8AC3E}">
+        <p14:creationId xmlns:p14="http://schemas.microsoft.com/office/powerpoint/2010/main" val="585591757"/>
+      </p:ext>
+    </p:extLst>
+  </p:cSld>
+  <p:clrMapOvr>
+    <a:masterClrMapping/>
+  </p:clrMapOvr>
   <mc:AlternateContent xmlns:mc="http://schemas.openxmlformats.org/markup-compatibility/2006">
     <mc:Choice xmlns:p14="http://schemas.microsoft.com/office/powerpoint/2010/main" Requires="p14">
       <p:transition spd="slow" p14:dur="2000"/>
@@ -6772,7 +8427,7 @@
 </p:sld>
 </file>
 
-<file path=ppt/slides/slide13.xml><?xml version="1.0" encoding="utf-8"?>
+<file path=ppt/slides/slide16.xml><?xml version="1.0" encoding="utf-8"?>
 <p:sld xmlns:a="http://schemas.openxmlformats.org/drawingml/2006/main" xmlns:r="http://schemas.openxmlformats.org/officeDocument/2006/relationships" xmlns:p="http://schemas.openxmlformats.org/presentationml/2006/main">
   <p:cSld>
     <p:spTree>
@@ -6962,7 +8617,2378 @@
 </p:sld>
 </file>
 
-<file path=ppt/slides/slide14.xml><?xml version="1.0" encoding="utf-8"?>
+<file path=ppt/slides/slide17.xml><?xml version="1.0" encoding="utf-8"?>
+<p:sld xmlns:a="http://schemas.openxmlformats.org/drawingml/2006/main" xmlns:r="http://schemas.openxmlformats.org/officeDocument/2006/relationships" xmlns:p="http://schemas.openxmlformats.org/presentationml/2006/main">
+  <p:cSld>
+    <p:spTree>
+      <p:nvGrpSpPr>
+        <p:cNvPr id="1" name=""/>
+        <p:cNvGrpSpPr/>
+        <p:nvPr/>
+      </p:nvGrpSpPr>
+      <p:grpSpPr>
+        <a:xfrm>
+          <a:off x="0" y="0"/>
+          <a:ext cx="0" cy="0"/>
+          <a:chOff x="0" y="0"/>
+          <a:chExt cx="0" cy="0"/>
+        </a:xfrm>
+      </p:grpSpPr>
+      <p:sp>
+        <p:nvSpPr>
+          <p:cNvPr id="2" name="Title 1"/>
+          <p:cNvSpPr>
+            <a:spLocks noGrp="1"/>
+          </p:cNvSpPr>
+          <p:nvPr>
+            <p:ph type="title"/>
+          </p:nvPr>
+        </p:nvSpPr>
+        <p:spPr>
+          <a:xfrm>
+            <a:off x="457200" y="822484"/>
+            <a:ext cx="8229600" cy="850106"/>
+          </a:xfrm>
+        </p:spPr>
+        <p:txBody>
+          <a:bodyPr>
+            <a:noAutofit/>
+          </a:bodyPr>
+          <a:lstStyle/>
+          <a:p>
+            <a:pPr lvl="0"/>
+            <a:r>
+              <a:rPr lang="en-US" sz="7200" b="1" dirty="0">
+                <a:effectLst>
+                  <a:outerShdw blurRad="38100" dist="38100" dir="2700000" algn="tl">
+                    <a:srgbClr val="000000">
+                      <a:alpha val="43137"/>
+                    </a:srgbClr>
+                  </a:outerShdw>
+                </a:effectLst>
+                <a:latin typeface="TH Sarabun New" panose="020B0500040200020003" pitchFamily="34" charset="-34"/>
+                <a:cs typeface="TH Sarabun New" panose="020B0500040200020003" pitchFamily="34" charset="-34"/>
+              </a:rPr>
+              <a:t>Traceability Matrix</a:t>
+            </a:r>
+            <a:endParaRPr lang="en-US" sz="7200" dirty="0">
+              <a:effectLst>
+                <a:outerShdw blurRad="38100" dist="38100" dir="2700000" algn="tl">
+                  <a:srgbClr val="000000">
+                    <a:alpha val="43137"/>
+                  </a:srgbClr>
+                </a:outerShdw>
+              </a:effectLst>
+              <a:latin typeface="TH Sarabun New" panose="020B0500040200020003" pitchFamily="34" charset="-34"/>
+              <a:cs typeface="TH Sarabun New" panose="020B0500040200020003" pitchFamily="34" charset="-34"/>
+            </a:endParaRPr>
+          </a:p>
+        </p:txBody>
+      </p:sp>
+      <p:sp>
+        <p:nvSpPr>
+          <p:cNvPr id="6" name="Rectangle 5"/>
+          <p:cNvSpPr/>
+          <p:nvPr/>
+        </p:nvSpPr>
+        <p:spPr>
+          <a:xfrm>
+            <a:off x="72008" y="6462731"/>
+            <a:ext cx="5292080" cy="336447"/>
+          </a:xfrm>
+          <a:prstGeom prst="rect">
+            <a:avLst/>
+          </a:prstGeom>
+          <a:solidFill>
+            <a:srgbClr val="0B3261"/>
+          </a:solidFill>
+          <a:ln>
+            <a:solidFill>
+              <a:srgbClr val="0B3261"/>
+            </a:solidFill>
+          </a:ln>
+        </p:spPr>
+        <p:style>
+          <a:lnRef idx="2">
+            <a:schemeClr val="dk1"/>
+          </a:lnRef>
+          <a:fillRef idx="1">
+            <a:schemeClr val="lt1"/>
+          </a:fillRef>
+          <a:effectRef idx="0">
+            <a:schemeClr val="dk1"/>
+          </a:effectRef>
+          <a:fontRef idx="minor">
+            <a:schemeClr val="dk1"/>
+          </a:fontRef>
+        </p:style>
+        <p:txBody>
+          <a:bodyPr rtlCol="0" anchor="ctr"/>
+          <a:lstStyle/>
+          <a:p>
+            <a:pPr algn="ctr"/>
+            <a:endParaRPr lang="th-TH"/>
+          </a:p>
+        </p:txBody>
+      </p:sp>
+      <p:pic>
+        <p:nvPicPr>
+          <p:cNvPr id="7" name="รูปภาพ 3"/>
+          <p:cNvPicPr>
+            <a:picLocks noChangeAspect="1"/>
+          </p:cNvPicPr>
+          <p:nvPr/>
+        </p:nvPicPr>
+        <p:blipFill>
+          <a:blip r:embed="rId2" cstate="print">
+            <a:extLst>
+              <a:ext uri="{28A0092B-C50C-407E-A947-70E740481C1C}">
+                <a14:useLocalDpi xmlns:a14="http://schemas.microsoft.com/office/drawing/2010/main" val="0"/>
+              </a:ext>
+            </a:extLst>
+          </a:blip>
+          <a:stretch>
+            <a:fillRect/>
+          </a:stretch>
+        </p:blipFill>
+        <p:spPr>
+          <a:xfrm>
+            <a:off x="7623869" y="736486"/>
+            <a:ext cx="1039740" cy="957963"/>
+          </a:xfrm>
+          <a:prstGeom prst="rect">
+            <a:avLst/>
+          </a:prstGeom>
+        </p:spPr>
+      </p:pic>
+      <p:graphicFrame>
+        <p:nvGraphicFramePr>
+          <p:cNvPr id="3" name="Table 2"/>
+          <p:cNvGraphicFramePr>
+            <a:graphicFrameLocks noGrp="1"/>
+          </p:cNvGraphicFramePr>
+          <p:nvPr>
+            <p:extLst>
+              <p:ext uri="{D42A27DB-BD31-4B8C-83A1-F6EECF244321}">
+                <p14:modId xmlns:p14="http://schemas.microsoft.com/office/powerpoint/2010/main" val="785380018"/>
+              </p:ext>
+            </p:extLst>
+          </p:nvPr>
+        </p:nvGraphicFramePr>
+        <p:xfrm>
+          <a:off x="457200" y="1721106"/>
+          <a:ext cx="8206410" cy="4536504"/>
+        </p:xfrm>
+        <a:graphic>
+          <a:graphicData uri="http://schemas.openxmlformats.org/drawingml/2006/table">
+            <a:tbl>
+              <a:tblPr firstRow="1" firstCol="1" bandRow="1">
+                <a:tableStyleId>{E8034E78-7F5D-4C2E-B375-FC64B27BC917}</a:tableStyleId>
+              </a:tblPr>
+              <a:tblGrid>
+                <a:gridCol w="686669"/>
+                <a:gridCol w="605037"/>
+                <a:gridCol w="2593013"/>
+                <a:gridCol w="1123640"/>
+                <a:gridCol w="1037206"/>
+                <a:gridCol w="1210073"/>
+                <a:gridCol w="950772"/>
+              </a:tblGrid>
+              <a:tr h="648072">
+                <a:tc>
+                  <a:txBody>
+                    <a:bodyPr/>
+                    <a:lstStyle/>
+                    <a:p>
+                      <a:pPr marL="0" marR="0" algn="ctr">
+                        <a:lnSpc>
+                          <a:spcPct val="115000"/>
+                        </a:lnSpc>
+                        <a:spcBef>
+                          <a:spcPts val="0"/>
+                        </a:spcBef>
+                        <a:spcAft>
+                          <a:spcPts val="0"/>
+                        </a:spcAft>
+                      </a:pPr>
+                      <a:r>
+                        <a:rPr lang="en-US" sz="2000" b="1" dirty="0">
+                          <a:effectLst>
+                            <a:outerShdw blurRad="38100" dist="38100" dir="2700000" algn="tl">
+                              <a:srgbClr val="000000">
+                                <a:alpha val="43137"/>
+                              </a:srgbClr>
+                            </a:outerShdw>
+                          </a:effectLst>
+                        </a:rPr>
+                        <a:t>No.</a:t>
+                      </a:r>
+                      <a:endParaRPr lang="en-US" sz="1400" b="1" dirty="0">
+                        <a:effectLst>
+                          <a:outerShdw blurRad="38100" dist="38100" dir="2700000" algn="tl">
+                            <a:srgbClr val="000000">
+                              <a:alpha val="43137"/>
+                            </a:srgbClr>
+                          </a:outerShdw>
+                        </a:effectLst>
+                        <a:latin typeface="Calibri" panose="020F0502020204030204" pitchFamily="34" charset="0"/>
+                        <a:ea typeface="Calibri" panose="020F0502020204030204" pitchFamily="34" charset="0"/>
+                        <a:cs typeface="Cordia New" panose="020B0304020202020204" pitchFamily="34" charset="-34"/>
+                      </a:endParaRPr>
+                    </a:p>
+                  </a:txBody>
+                  <a:tcPr marL="68580" marR="68580" marT="0" marB="0" anchor="ctr"/>
+                </a:tc>
+                <a:tc>
+                  <a:txBody>
+                    <a:bodyPr/>
+                    <a:lstStyle/>
+                    <a:p>
+                      <a:pPr marL="0" marR="0" algn="ctr">
+                        <a:lnSpc>
+                          <a:spcPct val="115000"/>
+                        </a:lnSpc>
+                        <a:spcBef>
+                          <a:spcPts val="0"/>
+                        </a:spcBef>
+                        <a:spcAft>
+                          <a:spcPts val="0"/>
+                        </a:spcAft>
+                      </a:pPr>
+                      <a:r>
+                        <a:rPr lang="en-US" sz="2000" b="1" dirty="0">
+                          <a:effectLst>
+                            <a:outerShdw blurRad="38100" dist="38100" dir="2700000" algn="tl">
+                              <a:srgbClr val="000000">
+                                <a:alpha val="43137"/>
+                              </a:srgbClr>
+                            </a:outerShdw>
+                          </a:effectLst>
+                        </a:rPr>
+                        <a:t>SRS</a:t>
+                      </a:r>
+                      <a:endParaRPr lang="en-US" sz="1400" b="1" dirty="0">
+                        <a:effectLst>
+                          <a:outerShdw blurRad="38100" dist="38100" dir="2700000" algn="tl">
+                            <a:srgbClr val="000000">
+                              <a:alpha val="43137"/>
+                            </a:srgbClr>
+                          </a:outerShdw>
+                        </a:effectLst>
+                        <a:latin typeface="Calibri" panose="020F0502020204030204" pitchFamily="34" charset="0"/>
+                        <a:ea typeface="Calibri" panose="020F0502020204030204" pitchFamily="34" charset="0"/>
+                        <a:cs typeface="Cordia New" panose="020B0304020202020204" pitchFamily="34" charset="-34"/>
+                      </a:endParaRPr>
+                    </a:p>
+                  </a:txBody>
+                  <a:tcPr marL="68580" marR="68580" marT="0" marB="0" anchor="ctr"/>
+                </a:tc>
+                <a:tc>
+                  <a:txBody>
+                    <a:bodyPr/>
+                    <a:lstStyle/>
+                    <a:p>
+                      <a:pPr marL="0" marR="0" algn="ctr">
+                        <a:lnSpc>
+                          <a:spcPct val="115000"/>
+                        </a:lnSpc>
+                        <a:spcBef>
+                          <a:spcPts val="0"/>
+                        </a:spcBef>
+                        <a:spcAft>
+                          <a:spcPts val="0"/>
+                        </a:spcAft>
+                      </a:pPr>
+                      <a:r>
+                        <a:rPr lang="en-US" sz="2000" b="1" dirty="0">
+                          <a:effectLst>
+                            <a:outerShdw blurRad="38100" dist="38100" dir="2700000" algn="tl">
+                              <a:srgbClr val="000000">
+                                <a:alpha val="43137"/>
+                              </a:srgbClr>
+                            </a:outerShdw>
+                          </a:effectLst>
+                        </a:rPr>
+                        <a:t>Function Name</a:t>
+                      </a:r>
+                      <a:endParaRPr lang="en-US" sz="1400" b="1" dirty="0">
+                        <a:effectLst>
+                          <a:outerShdw blurRad="38100" dist="38100" dir="2700000" algn="tl">
+                            <a:srgbClr val="000000">
+                              <a:alpha val="43137"/>
+                            </a:srgbClr>
+                          </a:outerShdw>
+                        </a:effectLst>
+                        <a:latin typeface="Calibri" panose="020F0502020204030204" pitchFamily="34" charset="0"/>
+                        <a:ea typeface="Calibri" panose="020F0502020204030204" pitchFamily="34" charset="0"/>
+                        <a:cs typeface="Cordia New" panose="020B0304020202020204" pitchFamily="34" charset="-34"/>
+                      </a:endParaRPr>
+                    </a:p>
+                  </a:txBody>
+                  <a:tcPr marL="68580" marR="68580" marT="0" marB="0" anchor="ctr"/>
+                </a:tc>
+                <a:tc>
+                  <a:txBody>
+                    <a:bodyPr/>
+                    <a:lstStyle/>
+                    <a:p>
+                      <a:pPr marL="0" marR="0" algn="ctr">
+                        <a:lnSpc>
+                          <a:spcPct val="115000"/>
+                        </a:lnSpc>
+                        <a:spcBef>
+                          <a:spcPts val="0"/>
+                        </a:spcBef>
+                        <a:spcAft>
+                          <a:spcPts val="0"/>
+                        </a:spcAft>
+                      </a:pPr>
+                      <a:r>
+                        <a:rPr lang="en-US" sz="2000" b="1">
+                          <a:effectLst>
+                            <a:outerShdw blurRad="38100" dist="38100" dir="2700000" algn="tl">
+                              <a:srgbClr val="000000">
+                                <a:alpha val="43137"/>
+                              </a:srgbClr>
+                            </a:outerShdw>
+                          </a:effectLst>
+                        </a:rPr>
+                        <a:t>Design1</a:t>
+                      </a:r>
+                      <a:endParaRPr lang="en-US" sz="1400" b="1">
+                        <a:effectLst>
+                          <a:outerShdw blurRad="38100" dist="38100" dir="2700000" algn="tl">
+                            <a:srgbClr val="000000">
+                              <a:alpha val="43137"/>
+                            </a:srgbClr>
+                          </a:outerShdw>
+                        </a:effectLst>
+                        <a:latin typeface="Calibri" panose="020F0502020204030204" pitchFamily="34" charset="0"/>
+                        <a:ea typeface="Calibri" panose="020F0502020204030204" pitchFamily="34" charset="0"/>
+                        <a:cs typeface="Cordia New" panose="020B0304020202020204" pitchFamily="34" charset="-34"/>
+                      </a:endParaRPr>
+                    </a:p>
+                  </a:txBody>
+                  <a:tcPr marL="68580" marR="68580" marT="0" marB="0" anchor="ctr"/>
+                </a:tc>
+                <a:tc>
+                  <a:txBody>
+                    <a:bodyPr/>
+                    <a:lstStyle/>
+                    <a:p>
+                      <a:pPr marL="0" marR="0" algn="ctr">
+                        <a:lnSpc>
+                          <a:spcPct val="115000"/>
+                        </a:lnSpc>
+                        <a:spcBef>
+                          <a:spcPts val="0"/>
+                        </a:spcBef>
+                        <a:spcAft>
+                          <a:spcPts val="0"/>
+                        </a:spcAft>
+                      </a:pPr>
+                      <a:r>
+                        <a:rPr lang="en-US" sz="2000" b="1">
+                          <a:effectLst>
+                            <a:outerShdw blurRad="38100" dist="38100" dir="2700000" algn="tl">
+                              <a:srgbClr val="000000">
+                                <a:alpha val="43137"/>
+                              </a:srgbClr>
+                            </a:outerShdw>
+                          </a:effectLst>
+                        </a:rPr>
+                        <a:t>Design2</a:t>
+                      </a:r>
+                      <a:endParaRPr lang="en-US" sz="1400" b="1">
+                        <a:effectLst>
+                          <a:outerShdw blurRad="38100" dist="38100" dir="2700000" algn="tl">
+                            <a:srgbClr val="000000">
+                              <a:alpha val="43137"/>
+                            </a:srgbClr>
+                          </a:outerShdw>
+                        </a:effectLst>
+                        <a:latin typeface="Calibri" panose="020F0502020204030204" pitchFamily="34" charset="0"/>
+                        <a:ea typeface="Calibri" panose="020F0502020204030204" pitchFamily="34" charset="0"/>
+                        <a:cs typeface="Cordia New" panose="020B0304020202020204" pitchFamily="34" charset="-34"/>
+                      </a:endParaRPr>
+                    </a:p>
+                  </a:txBody>
+                  <a:tcPr marL="68580" marR="68580" marT="0" marB="0" anchor="ctr"/>
+                </a:tc>
+                <a:tc>
+                  <a:txBody>
+                    <a:bodyPr/>
+                    <a:lstStyle/>
+                    <a:p>
+                      <a:pPr marL="0" marR="0" algn="ctr">
+                        <a:lnSpc>
+                          <a:spcPct val="115000"/>
+                        </a:lnSpc>
+                        <a:spcBef>
+                          <a:spcPts val="0"/>
+                        </a:spcBef>
+                        <a:spcAft>
+                          <a:spcPts val="0"/>
+                        </a:spcAft>
+                      </a:pPr>
+                      <a:r>
+                        <a:rPr lang="en-US" sz="2000" b="1">
+                          <a:effectLst>
+                            <a:outerShdw blurRad="38100" dist="38100" dir="2700000" algn="tl">
+                              <a:srgbClr val="000000">
+                                <a:alpha val="43137"/>
+                              </a:srgbClr>
+                            </a:outerShdw>
+                          </a:effectLst>
+                        </a:rPr>
+                        <a:t>Test Case</a:t>
+                      </a:r>
+                      <a:endParaRPr lang="en-US" sz="1400" b="1">
+                        <a:effectLst>
+                          <a:outerShdw blurRad="38100" dist="38100" dir="2700000" algn="tl">
+                            <a:srgbClr val="000000">
+                              <a:alpha val="43137"/>
+                            </a:srgbClr>
+                          </a:outerShdw>
+                        </a:effectLst>
+                        <a:latin typeface="Calibri" panose="020F0502020204030204" pitchFamily="34" charset="0"/>
+                        <a:ea typeface="Calibri" panose="020F0502020204030204" pitchFamily="34" charset="0"/>
+                        <a:cs typeface="Cordia New" panose="020B0304020202020204" pitchFamily="34" charset="-34"/>
+                      </a:endParaRPr>
+                    </a:p>
+                  </a:txBody>
+                  <a:tcPr marL="68580" marR="68580" marT="0" marB="0" anchor="ctr"/>
+                </a:tc>
+                <a:tc>
+                  <a:txBody>
+                    <a:bodyPr/>
+                    <a:lstStyle/>
+                    <a:p>
+                      <a:pPr marL="0" marR="0" algn="ctr">
+                        <a:lnSpc>
+                          <a:spcPct val="115000"/>
+                        </a:lnSpc>
+                        <a:spcBef>
+                          <a:spcPts val="0"/>
+                        </a:spcBef>
+                        <a:spcAft>
+                          <a:spcPts val="0"/>
+                        </a:spcAft>
+                      </a:pPr>
+                      <a:r>
+                        <a:rPr lang="en-US" sz="2000" b="1">
+                          <a:effectLst>
+                            <a:outerShdw blurRad="38100" dist="38100" dir="2700000" algn="tl">
+                              <a:srgbClr val="000000">
+                                <a:alpha val="43137"/>
+                              </a:srgbClr>
+                            </a:outerShdw>
+                          </a:effectLst>
+                        </a:rPr>
+                        <a:t>Remark</a:t>
+                      </a:r>
+                      <a:endParaRPr lang="en-US" sz="1400" b="1">
+                        <a:effectLst>
+                          <a:outerShdw blurRad="38100" dist="38100" dir="2700000" algn="tl">
+                            <a:srgbClr val="000000">
+                              <a:alpha val="43137"/>
+                            </a:srgbClr>
+                          </a:outerShdw>
+                        </a:effectLst>
+                        <a:latin typeface="Calibri" panose="020F0502020204030204" pitchFamily="34" charset="0"/>
+                        <a:ea typeface="Calibri" panose="020F0502020204030204" pitchFamily="34" charset="0"/>
+                        <a:cs typeface="Cordia New" panose="020B0304020202020204" pitchFamily="34" charset="-34"/>
+                      </a:endParaRPr>
+                    </a:p>
+                  </a:txBody>
+                  <a:tcPr marL="68580" marR="68580" marT="0" marB="0" anchor="ctr"/>
+                </a:tc>
+              </a:tr>
+              <a:tr h="648072">
+                <a:tc>
+                  <a:txBody>
+                    <a:bodyPr/>
+                    <a:lstStyle/>
+                    <a:p>
+                      <a:pPr marL="0" marR="0" algn="ctr">
+                        <a:lnSpc>
+                          <a:spcPct val="115000"/>
+                        </a:lnSpc>
+                        <a:spcBef>
+                          <a:spcPts val="0"/>
+                        </a:spcBef>
+                        <a:spcAft>
+                          <a:spcPts val="0"/>
+                        </a:spcAft>
+                      </a:pPr>
+                      <a:r>
+                        <a:rPr lang="en-US" sz="2000" b="1">
+                          <a:effectLst>
+                            <a:outerShdw blurRad="38100" dist="38100" dir="2700000" algn="tl">
+                              <a:srgbClr val="000000">
+                                <a:alpha val="43137"/>
+                              </a:srgbClr>
+                            </a:outerShdw>
+                          </a:effectLst>
+                        </a:rPr>
+                        <a:t>4.1</a:t>
+                      </a:r>
+                      <a:endParaRPr lang="en-US" sz="1400" b="1">
+                        <a:effectLst>
+                          <a:outerShdw blurRad="38100" dist="38100" dir="2700000" algn="tl">
+                            <a:srgbClr val="000000">
+                              <a:alpha val="43137"/>
+                            </a:srgbClr>
+                          </a:outerShdw>
+                        </a:effectLst>
+                        <a:latin typeface="Calibri" panose="020F0502020204030204" pitchFamily="34" charset="0"/>
+                        <a:ea typeface="Calibri" panose="020F0502020204030204" pitchFamily="34" charset="0"/>
+                        <a:cs typeface="Cordia New" panose="020B0304020202020204" pitchFamily="34" charset="-34"/>
+                      </a:endParaRPr>
+                    </a:p>
+                  </a:txBody>
+                  <a:tcPr marL="68580" marR="68580" marT="0" marB="0"/>
+                </a:tc>
+                <a:tc>
+                  <a:txBody>
+                    <a:bodyPr/>
+                    <a:lstStyle/>
+                    <a:p>
+                      <a:pPr marL="0" marR="0" algn="ctr">
+                        <a:lnSpc>
+                          <a:spcPct val="115000"/>
+                        </a:lnSpc>
+                        <a:spcBef>
+                          <a:spcPts val="0"/>
+                        </a:spcBef>
+                        <a:spcAft>
+                          <a:spcPts val="0"/>
+                        </a:spcAft>
+                      </a:pPr>
+                      <a:r>
+                        <a:rPr lang="en-US" sz="2000" b="1">
+                          <a:effectLst>
+                            <a:outerShdw blurRad="38100" dist="38100" dir="2700000" algn="tl">
+                              <a:srgbClr val="000000">
+                                <a:alpha val="43137"/>
+                              </a:srgbClr>
+                            </a:outerShdw>
+                          </a:effectLst>
+                        </a:rPr>
+                        <a:t>F1</a:t>
+                      </a:r>
+                      <a:endParaRPr lang="en-US" sz="1400" b="1">
+                        <a:effectLst>
+                          <a:outerShdw blurRad="38100" dist="38100" dir="2700000" algn="tl">
+                            <a:srgbClr val="000000">
+                              <a:alpha val="43137"/>
+                            </a:srgbClr>
+                          </a:outerShdw>
+                        </a:effectLst>
+                        <a:latin typeface="Calibri" panose="020F0502020204030204" pitchFamily="34" charset="0"/>
+                        <a:ea typeface="Calibri" panose="020F0502020204030204" pitchFamily="34" charset="0"/>
+                        <a:cs typeface="Cordia New" panose="020B0304020202020204" pitchFamily="34" charset="-34"/>
+                      </a:endParaRPr>
+                    </a:p>
+                  </a:txBody>
+                  <a:tcPr marL="68580" marR="68580" marT="0" marB="0"/>
+                </a:tc>
+                <a:tc>
+                  <a:txBody>
+                    <a:bodyPr/>
+                    <a:lstStyle/>
+                    <a:p>
+                      <a:pPr marL="0" marR="0" algn="l">
+                        <a:lnSpc>
+                          <a:spcPct val="115000"/>
+                        </a:lnSpc>
+                        <a:spcBef>
+                          <a:spcPts val="0"/>
+                        </a:spcBef>
+                        <a:spcAft>
+                          <a:spcPts val="0"/>
+                        </a:spcAft>
+                      </a:pPr>
+                      <a:r>
+                        <a:rPr lang="th-TH" sz="2000" b="1" dirty="0">
+                          <a:effectLst>
+                            <a:outerShdw blurRad="38100" dist="38100" dir="2700000" algn="tl">
+                              <a:srgbClr val="000000">
+                                <a:alpha val="43137"/>
+                              </a:srgbClr>
+                            </a:outerShdw>
+                          </a:effectLst>
+                        </a:rPr>
+                        <a:t>จัดการข้อมูลผู้ใช้</a:t>
+                      </a:r>
+                      <a:endParaRPr lang="en-US" sz="1400" b="1" dirty="0">
+                        <a:effectLst>
+                          <a:outerShdw blurRad="38100" dist="38100" dir="2700000" algn="tl">
+                            <a:srgbClr val="000000">
+                              <a:alpha val="43137"/>
+                            </a:srgbClr>
+                          </a:outerShdw>
+                        </a:effectLst>
+                        <a:latin typeface="Calibri" panose="020F0502020204030204" pitchFamily="34" charset="0"/>
+                        <a:ea typeface="Calibri" panose="020F0502020204030204" pitchFamily="34" charset="0"/>
+                        <a:cs typeface="Cordia New" panose="020B0304020202020204" pitchFamily="34" charset="-34"/>
+                      </a:endParaRPr>
+                    </a:p>
+                  </a:txBody>
+                  <a:tcPr marL="68580" marR="68580" marT="0" marB="0"/>
+                </a:tc>
+                <a:tc>
+                  <a:txBody>
+                    <a:bodyPr/>
+                    <a:lstStyle/>
+                    <a:p>
+                      <a:pPr marL="0" marR="0" algn="ctr">
+                        <a:lnSpc>
+                          <a:spcPct val="115000"/>
+                        </a:lnSpc>
+                        <a:spcBef>
+                          <a:spcPts val="0"/>
+                        </a:spcBef>
+                        <a:spcAft>
+                          <a:spcPts val="0"/>
+                        </a:spcAft>
+                      </a:pPr>
+                      <a:r>
+                        <a:rPr lang="en-US" sz="2000" b="1" dirty="0">
+                          <a:effectLst>
+                            <a:outerShdw blurRad="38100" dist="38100" dir="2700000" algn="tl">
+                              <a:srgbClr val="000000">
+                                <a:alpha val="43137"/>
+                              </a:srgbClr>
+                            </a:outerShdw>
+                          </a:effectLst>
+                        </a:rPr>
+                        <a:t>UC1-S01</a:t>
+                      </a:r>
+                      <a:endParaRPr lang="en-US" sz="1400" b="1" dirty="0">
+                        <a:effectLst>
+                          <a:outerShdw blurRad="38100" dist="38100" dir="2700000" algn="tl">
+                            <a:srgbClr val="000000">
+                              <a:alpha val="43137"/>
+                            </a:srgbClr>
+                          </a:outerShdw>
+                        </a:effectLst>
+                        <a:latin typeface="Calibri" panose="020F0502020204030204" pitchFamily="34" charset="0"/>
+                        <a:ea typeface="Calibri" panose="020F0502020204030204" pitchFamily="34" charset="0"/>
+                        <a:cs typeface="Cordia New" panose="020B0304020202020204" pitchFamily="34" charset="-34"/>
+                      </a:endParaRPr>
+                    </a:p>
+                  </a:txBody>
+                  <a:tcPr marL="68580" marR="68580" marT="0" marB="0"/>
+                </a:tc>
+                <a:tc>
+                  <a:txBody>
+                    <a:bodyPr/>
+                    <a:lstStyle/>
+                    <a:p>
+                      <a:pPr marL="0" marR="0" algn="ctr">
+                        <a:lnSpc>
+                          <a:spcPct val="115000"/>
+                        </a:lnSpc>
+                        <a:spcBef>
+                          <a:spcPts val="0"/>
+                        </a:spcBef>
+                        <a:spcAft>
+                          <a:spcPts val="0"/>
+                        </a:spcAft>
+                      </a:pPr>
+                      <a:r>
+                        <a:rPr lang="en-US" sz="2000" b="1">
+                          <a:effectLst>
+                            <a:outerShdw blurRad="38100" dist="38100" dir="2700000" algn="tl">
+                              <a:srgbClr val="000000">
+                                <a:alpha val="43137"/>
+                              </a:srgbClr>
+                            </a:outerShdw>
+                          </a:effectLst>
+                        </a:rPr>
+                        <a:t>AD-01</a:t>
+                      </a:r>
+                      <a:endParaRPr lang="en-US" sz="1400" b="1">
+                        <a:effectLst>
+                          <a:outerShdw blurRad="38100" dist="38100" dir="2700000" algn="tl">
+                            <a:srgbClr val="000000">
+                              <a:alpha val="43137"/>
+                            </a:srgbClr>
+                          </a:outerShdw>
+                        </a:effectLst>
+                        <a:latin typeface="Calibri" panose="020F0502020204030204" pitchFamily="34" charset="0"/>
+                        <a:ea typeface="Calibri" panose="020F0502020204030204" pitchFamily="34" charset="0"/>
+                        <a:cs typeface="Cordia New" panose="020B0304020202020204" pitchFamily="34" charset="-34"/>
+                      </a:endParaRPr>
+                    </a:p>
+                  </a:txBody>
+                  <a:tcPr marL="68580" marR="68580" marT="0" marB="0"/>
+                </a:tc>
+                <a:tc>
+                  <a:txBody>
+                    <a:bodyPr/>
+                    <a:lstStyle/>
+                    <a:p>
+                      <a:pPr marL="0" marR="0" algn="ctr">
+                        <a:lnSpc>
+                          <a:spcPct val="115000"/>
+                        </a:lnSpc>
+                        <a:spcBef>
+                          <a:spcPts val="0"/>
+                        </a:spcBef>
+                        <a:spcAft>
+                          <a:spcPts val="0"/>
+                        </a:spcAft>
+                      </a:pPr>
+                      <a:r>
+                        <a:rPr lang="en-US" sz="2000" b="1">
+                          <a:effectLst>
+                            <a:outerShdw blurRad="38100" dist="38100" dir="2700000" algn="tl">
+                              <a:srgbClr val="000000">
+                                <a:alpha val="43137"/>
+                              </a:srgbClr>
+                            </a:outerShdw>
+                          </a:effectLst>
+                        </a:rPr>
+                        <a:t>TS-F1</a:t>
+                      </a:r>
+                      <a:endParaRPr lang="en-US" sz="1400" b="1">
+                        <a:effectLst>
+                          <a:outerShdw blurRad="38100" dist="38100" dir="2700000" algn="tl">
+                            <a:srgbClr val="000000">
+                              <a:alpha val="43137"/>
+                            </a:srgbClr>
+                          </a:outerShdw>
+                        </a:effectLst>
+                        <a:latin typeface="Calibri" panose="020F0502020204030204" pitchFamily="34" charset="0"/>
+                        <a:ea typeface="Calibri" panose="020F0502020204030204" pitchFamily="34" charset="0"/>
+                        <a:cs typeface="Cordia New" panose="020B0304020202020204" pitchFamily="34" charset="-34"/>
+                      </a:endParaRPr>
+                    </a:p>
+                  </a:txBody>
+                  <a:tcPr marL="68580" marR="68580" marT="0" marB="0"/>
+                </a:tc>
+                <a:tc>
+                  <a:txBody>
+                    <a:bodyPr/>
+                    <a:lstStyle/>
+                    <a:p>
+                      <a:pPr marL="0" marR="0" algn="l">
+                        <a:lnSpc>
+                          <a:spcPct val="115000"/>
+                        </a:lnSpc>
+                        <a:spcBef>
+                          <a:spcPts val="0"/>
+                        </a:spcBef>
+                        <a:spcAft>
+                          <a:spcPts val="0"/>
+                        </a:spcAft>
+                      </a:pPr>
+                      <a:r>
+                        <a:rPr lang="en-US" sz="2000" b="1">
+                          <a:effectLst>
+                            <a:outerShdw blurRad="38100" dist="38100" dir="2700000" algn="tl">
+                              <a:srgbClr val="000000">
+                                <a:alpha val="43137"/>
+                              </a:srgbClr>
+                            </a:outerShdw>
+                          </a:effectLst>
+                        </a:rPr>
+                        <a:t> </a:t>
+                      </a:r>
+                      <a:endParaRPr lang="en-US" sz="1400" b="1">
+                        <a:effectLst>
+                          <a:outerShdw blurRad="38100" dist="38100" dir="2700000" algn="tl">
+                            <a:srgbClr val="000000">
+                              <a:alpha val="43137"/>
+                            </a:srgbClr>
+                          </a:outerShdw>
+                        </a:effectLst>
+                        <a:latin typeface="Calibri" panose="020F0502020204030204" pitchFamily="34" charset="0"/>
+                        <a:ea typeface="Calibri" panose="020F0502020204030204" pitchFamily="34" charset="0"/>
+                        <a:cs typeface="Cordia New" panose="020B0304020202020204" pitchFamily="34" charset="-34"/>
+                      </a:endParaRPr>
+                    </a:p>
+                  </a:txBody>
+                  <a:tcPr marL="68580" marR="68580" marT="0" marB="0"/>
+                </a:tc>
+              </a:tr>
+              <a:tr h="648072">
+                <a:tc>
+                  <a:txBody>
+                    <a:bodyPr/>
+                    <a:lstStyle/>
+                    <a:p>
+                      <a:pPr marL="0" marR="0" algn="ctr">
+                        <a:lnSpc>
+                          <a:spcPct val="115000"/>
+                        </a:lnSpc>
+                        <a:spcBef>
+                          <a:spcPts val="0"/>
+                        </a:spcBef>
+                        <a:spcAft>
+                          <a:spcPts val="0"/>
+                        </a:spcAft>
+                      </a:pPr>
+                      <a:r>
+                        <a:rPr lang="en-US" sz="2000" b="1">
+                          <a:effectLst>
+                            <a:outerShdw blurRad="38100" dist="38100" dir="2700000" algn="tl">
+                              <a:srgbClr val="000000">
+                                <a:alpha val="43137"/>
+                              </a:srgbClr>
+                            </a:outerShdw>
+                          </a:effectLst>
+                        </a:rPr>
+                        <a:t>4.2</a:t>
+                      </a:r>
+                      <a:endParaRPr lang="en-US" sz="1400" b="1">
+                        <a:effectLst>
+                          <a:outerShdw blurRad="38100" dist="38100" dir="2700000" algn="tl">
+                            <a:srgbClr val="000000">
+                              <a:alpha val="43137"/>
+                            </a:srgbClr>
+                          </a:outerShdw>
+                        </a:effectLst>
+                        <a:latin typeface="Calibri" panose="020F0502020204030204" pitchFamily="34" charset="0"/>
+                        <a:ea typeface="Calibri" panose="020F0502020204030204" pitchFamily="34" charset="0"/>
+                        <a:cs typeface="Cordia New" panose="020B0304020202020204" pitchFamily="34" charset="-34"/>
+                      </a:endParaRPr>
+                    </a:p>
+                  </a:txBody>
+                  <a:tcPr marL="68580" marR="68580" marT="0" marB="0"/>
+                </a:tc>
+                <a:tc>
+                  <a:txBody>
+                    <a:bodyPr/>
+                    <a:lstStyle/>
+                    <a:p>
+                      <a:pPr marL="0" marR="0" algn="ctr">
+                        <a:lnSpc>
+                          <a:spcPct val="115000"/>
+                        </a:lnSpc>
+                        <a:spcBef>
+                          <a:spcPts val="0"/>
+                        </a:spcBef>
+                        <a:spcAft>
+                          <a:spcPts val="0"/>
+                        </a:spcAft>
+                      </a:pPr>
+                      <a:r>
+                        <a:rPr lang="en-US" sz="2000" b="1">
+                          <a:effectLst>
+                            <a:outerShdw blurRad="38100" dist="38100" dir="2700000" algn="tl">
+                              <a:srgbClr val="000000">
+                                <a:alpha val="43137"/>
+                              </a:srgbClr>
+                            </a:outerShdw>
+                          </a:effectLst>
+                        </a:rPr>
+                        <a:t>F2</a:t>
+                      </a:r>
+                      <a:endParaRPr lang="en-US" sz="1400" b="1">
+                        <a:effectLst>
+                          <a:outerShdw blurRad="38100" dist="38100" dir="2700000" algn="tl">
+                            <a:srgbClr val="000000">
+                              <a:alpha val="43137"/>
+                            </a:srgbClr>
+                          </a:outerShdw>
+                        </a:effectLst>
+                        <a:latin typeface="Calibri" panose="020F0502020204030204" pitchFamily="34" charset="0"/>
+                        <a:ea typeface="Calibri" panose="020F0502020204030204" pitchFamily="34" charset="0"/>
+                        <a:cs typeface="Cordia New" panose="020B0304020202020204" pitchFamily="34" charset="-34"/>
+                      </a:endParaRPr>
+                    </a:p>
+                  </a:txBody>
+                  <a:tcPr marL="68580" marR="68580" marT="0" marB="0"/>
+                </a:tc>
+                <a:tc>
+                  <a:txBody>
+                    <a:bodyPr/>
+                    <a:lstStyle/>
+                    <a:p>
+                      <a:pPr marL="0" marR="0" algn="l">
+                        <a:lnSpc>
+                          <a:spcPct val="115000"/>
+                        </a:lnSpc>
+                        <a:spcBef>
+                          <a:spcPts val="0"/>
+                        </a:spcBef>
+                        <a:spcAft>
+                          <a:spcPts val="0"/>
+                        </a:spcAft>
+                      </a:pPr>
+                      <a:r>
+                        <a:rPr lang="th-TH" sz="2000" b="1" dirty="0">
+                          <a:effectLst>
+                            <a:outerShdw blurRad="38100" dist="38100" dir="2700000" algn="tl">
+                              <a:srgbClr val="000000">
+                                <a:alpha val="43137"/>
+                              </a:srgbClr>
+                            </a:outerShdw>
+                          </a:effectLst>
+                        </a:rPr>
+                        <a:t>จัดการประเภทข้อมูลครุภัณฑ์</a:t>
+                      </a:r>
+                      <a:endParaRPr lang="en-US" sz="1400" b="1" dirty="0">
+                        <a:effectLst>
+                          <a:outerShdw blurRad="38100" dist="38100" dir="2700000" algn="tl">
+                            <a:srgbClr val="000000">
+                              <a:alpha val="43137"/>
+                            </a:srgbClr>
+                          </a:outerShdw>
+                        </a:effectLst>
+                        <a:latin typeface="Calibri" panose="020F0502020204030204" pitchFamily="34" charset="0"/>
+                        <a:ea typeface="Calibri" panose="020F0502020204030204" pitchFamily="34" charset="0"/>
+                        <a:cs typeface="Cordia New" panose="020B0304020202020204" pitchFamily="34" charset="-34"/>
+                      </a:endParaRPr>
+                    </a:p>
+                  </a:txBody>
+                  <a:tcPr marL="68580" marR="68580" marT="0" marB="0"/>
+                </a:tc>
+                <a:tc>
+                  <a:txBody>
+                    <a:bodyPr/>
+                    <a:lstStyle/>
+                    <a:p>
+                      <a:pPr marL="0" marR="0" algn="ctr">
+                        <a:lnSpc>
+                          <a:spcPct val="115000"/>
+                        </a:lnSpc>
+                        <a:spcBef>
+                          <a:spcPts val="0"/>
+                        </a:spcBef>
+                        <a:spcAft>
+                          <a:spcPts val="0"/>
+                        </a:spcAft>
+                      </a:pPr>
+                      <a:r>
+                        <a:rPr lang="en-US" sz="2000" b="1" dirty="0">
+                          <a:effectLst>
+                            <a:outerShdw blurRad="38100" dist="38100" dir="2700000" algn="tl">
+                              <a:srgbClr val="000000">
+                                <a:alpha val="43137"/>
+                              </a:srgbClr>
+                            </a:outerShdw>
+                          </a:effectLst>
+                        </a:rPr>
+                        <a:t>UC1-S02</a:t>
+                      </a:r>
+                      <a:endParaRPr lang="en-US" sz="1400" b="1" dirty="0">
+                        <a:effectLst>
+                          <a:outerShdw blurRad="38100" dist="38100" dir="2700000" algn="tl">
+                            <a:srgbClr val="000000">
+                              <a:alpha val="43137"/>
+                            </a:srgbClr>
+                          </a:outerShdw>
+                        </a:effectLst>
+                        <a:latin typeface="Calibri" panose="020F0502020204030204" pitchFamily="34" charset="0"/>
+                        <a:ea typeface="Calibri" panose="020F0502020204030204" pitchFamily="34" charset="0"/>
+                        <a:cs typeface="Cordia New" panose="020B0304020202020204" pitchFamily="34" charset="-34"/>
+                      </a:endParaRPr>
+                    </a:p>
+                  </a:txBody>
+                  <a:tcPr marL="68580" marR="68580" marT="0" marB="0"/>
+                </a:tc>
+                <a:tc>
+                  <a:txBody>
+                    <a:bodyPr/>
+                    <a:lstStyle/>
+                    <a:p>
+                      <a:pPr marL="0" marR="0" algn="ctr">
+                        <a:lnSpc>
+                          <a:spcPct val="115000"/>
+                        </a:lnSpc>
+                        <a:spcBef>
+                          <a:spcPts val="0"/>
+                        </a:spcBef>
+                        <a:spcAft>
+                          <a:spcPts val="0"/>
+                        </a:spcAft>
+                      </a:pPr>
+                      <a:r>
+                        <a:rPr lang="en-US" sz="2000" b="1" dirty="0">
+                          <a:effectLst>
+                            <a:outerShdw blurRad="38100" dist="38100" dir="2700000" algn="tl">
+                              <a:srgbClr val="000000">
+                                <a:alpha val="43137"/>
+                              </a:srgbClr>
+                            </a:outerShdw>
+                          </a:effectLst>
+                        </a:rPr>
+                        <a:t>AD-02</a:t>
+                      </a:r>
+                      <a:endParaRPr lang="en-US" sz="1400" b="1" dirty="0">
+                        <a:effectLst>
+                          <a:outerShdw blurRad="38100" dist="38100" dir="2700000" algn="tl">
+                            <a:srgbClr val="000000">
+                              <a:alpha val="43137"/>
+                            </a:srgbClr>
+                          </a:outerShdw>
+                        </a:effectLst>
+                        <a:latin typeface="Calibri" panose="020F0502020204030204" pitchFamily="34" charset="0"/>
+                        <a:ea typeface="Calibri" panose="020F0502020204030204" pitchFamily="34" charset="0"/>
+                        <a:cs typeface="Cordia New" panose="020B0304020202020204" pitchFamily="34" charset="-34"/>
+                      </a:endParaRPr>
+                    </a:p>
+                  </a:txBody>
+                  <a:tcPr marL="68580" marR="68580" marT="0" marB="0"/>
+                </a:tc>
+                <a:tc>
+                  <a:txBody>
+                    <a:bodyPr/>
+                    <a:lstStyle/>
+                    <a:p>
+                      <a:pPr marL="0" marR="0" algn="ctr">
+                        <a:lnSpc>
+                          <a:spcPct val="115000"/>
+                        </a:lnSpc>
+                        <a:spcBef>
+                          <a:spcPts val="0"/>
+                        </a:spcBef>
+                        <a:spcAft>
+                          <a:spcPts val="0"/>
+                        </a:spcAft>
+                      </a:pPr>
+                      <a:r>
+                        <a:rPr lang="en-US" sz="2000" b="1">
+                          <a:effectLst>
+                            <a:outerShdw blurRad="38100" dist="38100" dir="2700000" algn="tl">
+                              <a:srgbClr val="000000">
+                                <a:alpha val="43137"/>
+                              </a:srgbClr>
+                            </a:outerShdw>
+                          </a:effectLst>
+                        </a:rPr>
+                        <a:t>TS-F2</a:t>
+                      </a:r>
+                      <a:endParaRPr lang="en-US" sz="1400" b="1">
+                        <a:effectLst>
+                          <a:outerShdw blurRad="38100" dist="38100" dir="2700000" algn="tl">
+                            <a:srgbClr val="000000">
+                              <a:alpha val="43137"/>
+                            </a:srgbClr>
+                          </a:outerShdw>
+                        </a:effectLst>
+                        <a:latin typeface="Calibri" panose="020F0502020204030204" pitchFamily="34" charset="0"/>
+                        <a:ea typeface="Calibri" panose="020F0502020204030204" pitchFamily="34" charset="0"/>
+                        <a:cs typeface="Cordia New" panose="020B0304020202020204" pitchFamily="34" charset="-34"/>
+                      </a:endParaRPr>
+                    </a:p>
+                  </a:txBody>
+                  <a:tcPr marL="68580" marR="68580" marT="0" marB="0"/>
+                </a:tc>
+                <a:tc>
+                  <a:txBody>
+                    <a:bodyPr/>
+                    <a:lstStyle/>
+                    <a:p>
+                      <a:pPr marL="0" marR="0" algn="l">
+                        <a:lnSpc>
+                          <a:spcPct val="115000"/>
+                        </a:lnSpc>
+                        <a:spcBef>
+                          <a:spcPts val="0"/>
+                        </a:spcBef>
+                        <a:spcAft>
+                          <a:spcPts val="0"/>
+                        </a:spcAft>
+                      </a:pPr>
+                      <a:r>
+                        <a:rPr lang="en-US" sz="2000" b="1">
+                          <a:effectLst>
+                            <a:outerShdw blurRad="38100" dist="38100" dir="2700000" algn="tl">
+                              <a:srgbClr val="000000">
+                                <a:alpha val="43137"/>
+                              </a:srgbClr>
+                            </a:outerShdw>
+                          </a:effectLst>
+                        </a:rPr>
+                        <a:t> </a:t>
+                      </a:r>
+                      <a:endParaRPr lang="en-US" sz="1400" b="1">
+                        <a:effectLst>
+                          <a:outerShdw blurRad="38100" dist="38100" dir="2700000" algn="tl">
+                            <a:srgbClr val="000000">
+                              <a:alpha val="43137"/>
+                            </a:srgbClr>
+                          </a:outerShdw>
+                        </a:effectLst>
+                        <a:latin typeface="Calibri" panose="020F0502020204030204" pitchFamily="34" charset="0"/>
+                        <a:ea typeface="Calibri" panose="020F0502020204030204" pitchFamily="34" charset="0"/>
+                        <a:cs typeface="Cordia New" panose="020B0304020202020204" pitchFamily="34" charset="-34"/>
+                      </a:endParaRPr>
+                    </a:p>
+                  </a:txBody>
+                  <a:tcPr marL="68580" marR="68580" marT="0" marB="0"/>
+                </a:tc>
+              </a:tr>
+              <a:tr h="648072">
+                <a:tc>
+                  <a:txBody>
+                    <a:bodyPr/>
+                    <a:lstStyle/>
+                    <a:p>
+                      <a:pPr marL="0" marR="0" algn="ctr">
+                        <a:lnSpc>
+                          <a:spcPct val="115000"/>
+                        </a:lnSpc>
+                        <a:spcBef>
+                          <a:spcPts val="0"/>
+                        </a:spcBef>
+                        <a:spcAft>
+                          <a:spcPts val="0"/>
+                        </a:spcAft>
+                      </a:pPr>
+                      <a:r>
+                        <a:rPr lang="en-US" sz="2000" b="1">
+                          <a:effectLst>
+                            <a:outerShdw blurRad="38100" dist="38100" dir="2700000" algn="tl">
+                              <a:srgbClr val="000000">
+                                <a:alpha val="43137"/>
+                              </a:srgbClr>
+                            </a:outerShdw>
+                          </a:effectLst>
+                        </a:rPr>
+                        <a:t>4.3</a:t>
+                      </a:r>
+                      <a:endParaRPr lang="en-US" sz="1400" b="1">
+                        <a:effectLst>
+                          <a:outerShdw blurRad="38100" dist="38100" dir="2700000" algn="tl">
+                            <a:srgbClr val="000000">
+                              <a:alpha val="43137"/>
+                            </a:srgbClr>
+                          </a:outerShdw>
+                        </a:effectLst>
+                        <a:latin typeface="Calibri" panose="020F0502020204030204" pitchFamily="34" charset="0"/>
+                        <a:ea typeface="Calibri" panose="020F0502020204030204" pitchFamily="34" charset="0"/>
+                        <a:cs typeface="Cordia New" panose="020B0304020202020204" pitchFamily="34" charset="-34"/>
+                      </a:endParaRPr>
+                    </a:p>
+                  </a:txBody>
+                  <a:tcPr marL="68580" marR="68580" marT="0" marB="0"/>
+                </a:tc>
+                <a:tc>
+                  <a:txBody>
+                    <a:bodyPr/>
+                    <a:lstStyle/>
+                    <a:p>
+                      <a:pPr marL="0" marR="0" algn="ctr">
+                        <a:lnSpc>
+                          <a:spcPct val="115000"/>
+                        </a:lnSpc>
+                        <a:spcBef>
+                          <a:spcPts val="0"/>
+                        </a:spcBef>
+                        <a:spcAft>
+                          <a:spcPts val="0"/>
+                        </a:spcAft>
+                      </a:pPr>
+                      <a:r>
+                        <a:rPr lang="en-US" sz="2000" b="1">
+                          <a:effectLst>
+                            <a:outerShdw blurRad="38100" dist="38100" dir="2700000" algn="tl">
+                              <a:srgbClr val="000000">
+                                <a:alpha val="43137"/>
+                              </a:srgbClr>
+                            </a:outerShdw>
+                          </a:effectLst>
+                        </a:rPr>
+                        <a:t>F3</a:t>
+                      </a:r>
+                      <a:endParaRPr lang="en-US" sz="1400" b="1">
+                        <a:effectLst>
+                          <a:outerShdw blurRad="38100" dist="38100" dir="2700000" algn="tl">
+                            <a:srgbClr val="000000">
+                              <a:alpha val="43137"/>
+                            </a:srgbClr>
+                          </a:outerShdw>
+                        </a:effectLst>
+                        <a:latin typeface="Calibri" panose="020F0502020204030204" pitchFamily="34" charset="0"/>
+                        <a:ea typeface="Calibri" panose="020F0502020204030204" pitchFamily="34" charset="0"/>
+                        <a:cs typeface="Cordia New" panose="020B0304020202020204" pitchFamily="34" charset="-34"/>
+                      </a:endParaRPr>
+                    </a:p>
+                  </a:txBody>
+                  <a:tcPr marL="68580" marR="68580" marT="0" marB="0"/>
+                </a:tc>
+                <a:tc>
+                  <a:txBody>
+                    <a:bodyPr/>
+                    <a:lstStyle/>
+                    <a:p>
+                      <a:pPr marL="0" marR="0" algn="l">
+                        <a:lnSpc>
+                          <a:spcPct val="115000"/>
+                        </a:lnSpc>
+                        <a:spcBef>
+                          <a:spcPts val="0"/>
+                        </a:spcBef>
+                        <a:spcAft>
+                          <a:spcPts val="0"/>
+                        </a:spcAft>
+                      </a:pPr>
+                      <a:r>
+                        <a:rPr lang="th-TH" sz="2000" b="1">
+                          <a:effectLst>
+                            <a:outerShdw blurRad="38100" dist="38100" dir="2700000" algn="tl">
+                              <a:srgbClr val="000000">
+                                <a:alpha val="43137"/>
+                              </a:srgbClr>
+                            </a:outerShdw>
+                          </a:effectLst>
+                        </a:rPr>
+                        <a:t>จัดการหมวดข้อมูลครุภัณฑ์</a:t>
+                      </a:r>
+                      <a:endParaRPr lang="en-US" sz="1400" b="1">
+                        <a:effectLst>
+                          <a:outerShdw blurRad="38100" dist="38100" dir="2700000" algn="tl">
+                            <a:srgbClr val="000000">
+                              <a:alpha val="43137"/>
+                            </a:srgbClr>
+                          </a:outerShdw>
+                        </a:effectLst>
+                        <a:latin typeface="Calibri" panose="020F0502020204030204" pitchFamily="34" charset="0"/>
+                        <a:ea typeface="Calibri" panose="020F0502020204030204" pitchFamily="34" charset="0"/>
+                        <a:cs typeface="Cordia New" panose="020B0304020202020204" pitchFamily="34" charset="-34"/>
+                      </a:endParaRPr>
+                    </a:p>
+                  </a:txBody>
+                  <a:tcPr marL="68580" marR="68580" marT="0" marB="0"/>
+                </a:tc>
+                <a:tc>
+                  <a:txBody>
+                    <a:bodyPr/>
+                    <a:lstStyle/>
+                    <a:p>
+                      <a:pPr marL="0" marR="0" algn="ctr">
+                        <a:lnSpc>
+                          <a:spcPct val="115000"/>
+                        </a:lnSpc>
+                        <a:spcBef>
+                          <a:spcPts val="0"/>
+                        </a:spcBef>
+                        <a:spcAft>
+                          <a:spcPts val="0"/>
+                        </a:spcAft>
+                      </a:pPr>
+                      <a:r>
+                        <a:rPr lang="en-US" sz="2000" b="1" dirty="0">
+                          <a:effectLst>
+                            <a:outerShdw blurRad="38100" dist="38100" dir="2700000" algn="tl">
+                              <a:srgbClr val="000000">
+                                <a:alpha val="43137"/>
+                              </a:srgbClr>
+                            </a:outerShdw>
+                          </a:effectLst>
+                        </a:rPr>
+                        <a:t>UC1-S03</a:t>
+                      </a:r>
+                      <a:endParaRPr lang="en-US" sz="1400" b="1" dirty="0">
+                        <a:effectLst>
+                          <a:outerShdw blurRad="38100" dist="38100" dir="2700000" algn="tl">
+                            <a:srgbClr val="000000">
+                              <a:alpha val="43137"/>
+                            </a:srgbClr>
+                          </a:outerShdw>
+                        </a:effectLst>
+                        <a:latin typeface="Calibri" panose="020F0502020204030204" pitchFamily="34" charset="0"/>
+                        <a:ea typeface="Calibri" panose="020F0502020204030204" pitchFamily="34" charset="0"/>
+                        <a:cs typeface="Cordia New" panose="020B0304020202020204" pitchFamily="34" charset="-34"/>
+                      </a:endParaRPr>
+                    </a:p>
+                  </a:txBody>
+                  <a:tcPr marL="68580" marR="68580" marT="0" marB="0"/>
+                </a:tc>
+                <a:tc>
+                  <a:txBody>
+                    <a:bodyPr/>
+                    <a:lstStyle/>
+                    <a:p>
+                      <a:pPr marL="0" marR="0" algn="ctr">
+                        <a:lnSpc>
+                          <a:spcPct val="115000"/>
+                        </a:lnSpc>
+                        <a:spcBef>
+                          <a:spcPts val="0"/>
+                        </a:spcBef>
+                        <a:spcAft>
+                          <a:spcPts val="0"/>
+                        </a:spcAft>
+                      </a:pPr>
+                      <a:r>
+                        <a:rPr lang="en-US" sz="2000" b="1" dirty="0">
+                          <a:effectLst>
+                            <a:outerShdw blurRad="38100" dist="38100" dir="2700000" algn="tl">
+                              <a:srgbClr val="000000">
+                                <a:alpha val="43137"/>
+                              </a:srgbClr>
+                            </a:outerShdw>
+                          </a:effectLst>
+                        </a:rPr>
+                        <a:t>AD-03</a:t>
+                      </a:r>
+                      <a:endParaRPr lang="en-US" sz="1400" b="1" dirty="0">
+                        <a:effectLst>
+                          <a:outerShdw blurRad="38100" dist="38100" dir="2700000" algn="tl">
+                            <a:srgbClr val="000000">
+                              <a:alpha val="43137"/>
+                            </a:srgbClr>
+                          </a:outerShdw>
+                        </a:effectLst>
+                        <a:latin typeface="Calibri" panose="020F0502020204030204" pitchFamily="34" charset="0"/>
+                        <a:ea typeface="Calibri" panose="020F0502020204030204" pitchFamily="34" charset="0"/>
+                        <a:cs typeface="Cordia New" panose="020B0304020202020204" pitchFamily="34" charset="-34"/>
+                      </a:endParaRPr>
+                    </a:p>
+                  </a:txBody>
+                  <a:tcPr marL="68580" marR="68580" marT="0" marB="0"/>
+                </a:tc>
+                <a:tc>
+                  <a:txBody>
+                    <a:bodyPr/>
+                    <a:lstStyle/>
+                    <a:p>
+                      <a:pPr marL="0" marR="0" algn="ctr">
+                        <a:lnSpc>
+                          <a:spcPct val="115000"/>
+                        </a:lnSpc>
+                        <a:spcBef>
+                          <a:spcPts val="0"/>
+                        </a:spcBef>
+                        <a:spcAft>
+                          <a:spcPts val="0"/>
+                        </a:spcAft>
+                      </a:pPr>
+                      <a:r>
+                        <a:rPr lang="en-US" sz="2000" b="1" dirty="0">
+                          <a:effectLst>
+                            <a:outerShdw blurRad="38100" dist="38100" dir="2700000" algn="tl">
+                              <a:srgbClr val="000000">
+                                <a:alpha val="43137"/>
+                              </a:srgbClr>
+                            </a:outerShdw>
+                          </a:effectLst>
+                        </a:rPr>
+                        <a:t>TS-F3</a:t>
+                      </a:r>
+                      <a:endParaRPr lang="en-US" sz="1400" b="1" dirty="0">
+                        <a:effectLst>
+                          <a:outerShdw blurRad="38100" dist="38100" dir="2700000" algn="tl">
+                            <a:srgbClr val="000000">
+                              <a:alpha val="43137"/>
+                            </a:srgbClr>
+                          </a:outerShdw>
+                        </a:effectLst>
+                        <a:latin typeface="Calibri" panose="020F0502020204030204" pitchFamily="34" charset="0"/>
+                        <a:ea typeface="Calibri" panose="020F0502020204030204" pitchFamily="34" charset="0"/>
+                        <a:cs typeface="Cordia New" panose="020B0304020202020204" pitchFamily="34" charset="-34"/>
+                      </a:endParaRPr>
+                    </a:p>
+                  </a:txBody>
+                  <a:tcPr marL="68580" marR="68580" marT="0" marB="0"/>
+                </a:tc>
+                <a:tc>
+                  <a:txBody>
+                    <a:bodyPr/>
+                    <a:lstStyle/>
+                    <a:p>
+                      <a:pPr marL="0" marR="0" algn="l">
+                        <a:lnSpc>
+                          <a:spcPct val="115000"/>
+                        </a:lnSpc>
+                        <a:spcBef>
+                          <a:spcPts val="0"/>
+                        </a:spcBef>
+                        <a:spcAft>
+                          <a:spcPts val="0"/>
+                        </a:spcAft>
+                      </a:pPr>
+                      <a:r>
+                        <a:rPr lang="en-US" sz="2000" b="1">
+                          <a:effectLst>
+                            <a:outerShdw blurRad="38100" dist="38100" dir="2700000" algn="tl">
+                              <a:srgbClr val="000000">
+                                <a:alpha val="43137"/>
+                              </a:srgbClr>
+                            </a:outerShdw>
+                          </a:effectLst>
+                        </a:rPr>
+                        <a:t> </a:t>
+                      </a:r>
+                      <a:endParaRPr lang="en-US" sz="1400" b="1">
+                        <a:effectLst>
+                          <a:outerShdw blurRad="38100" dist="38100" dir="2700000" algn="tl">
+                            <a:srgbClr val="000000">
+                              <a:alpha val="43137"/>
+                            </a:srgbClr>
+                          </a:outerShdw>
+                        </a:effectLst>
+                        <a:latin typeface="Calibri" panose="020F0502020204030204" pitchFamily="34" charset="0"/>
+                        <a:ea typeface="Calibri" panose="020F0502020204030204" pitchFamily="34" charset="0"/>
+                        <a:cs typeface="Cordia New" panose="020B0304020202020204" pitchFamily="34" charset="-34"/>
+                      </a:endParaRPr>
+                    </a:p>
+                  </a:txBody>
+                  <a:tcPr marL="68580" marR="68580" marT="0" marB="0"/>
+                </a:tc>
+              </a:tr>
+              <a:tr h="648072">
+                <a:tc>
+                  <a:txBody>
+                    <a:bodyPr/>
+                    <a:lstStyle/>
+                    <a:p>
+                      <a:pPr marL="0" marR="0" algn="ctr">
+                        <a:lnSpc>
+                          <a:spcPct val="115000"/>
+                        </a:lnSpc>
+                        <a:spcBef>
+                          <a:spcPts val="0"/>
+                        </a:spcBef>
+                        <a:spcAft>
+                          <a:spcPts val="0"/>
+                        </a:spcAft>
+                      </a:pPr>
+                      <a:r>
+                        <a:rPr lang="en-US" sz="2000" b="1">
+                          <a:effectLst>
+                            <a:outerShdw blurRad="38100" dist="38100" dir="2700000" algn="tl">
+                              <a:srgbClr val="000000">
+                                <a:alpha val="43137"/>
+                              </a:srgbClr>
+                            </a:outerShdw>
+                          </a:effectLst>
+                        </a:rPr>
+                        <a:t>4.4</a:t>
+                      </a:r>
+                      <a:endParaRPr lang="en-US" sz="1400" b="1">
+                        <a:effectLst>
+                          <a:outerShdw blurRad="38100" dist="38100" dir="2700000" algn="tl">
+                            <a:srgbClr val="000000">
+                              <a:alpha val="43137"/>
+                            </a:srgbClr>
+                          </a:outerShdw>
+                        </a:effectLst>
+                        <a:latin typeface="Calibri" panose="020F0502020204030204" pitchFamily="34" charset="0"/>
+                        <a:ea typeface="Calibri" panose="020F0502020204030204" pitchFamily="34" charset="0"/>
+                        <a:cs typeface="Cordia New" panose="020B0304020202020204" pitchFamily="34" charset="-34"/>
+                      </a:endParaRPr>
+                    </a:p>
+                  </a:txBody>
+                  <a:tcPr marL="68580" marR="68580" marT="0" marB="0"/>
+                </a:tc>
+                <a:tc>
+                  <a:txBody>
+                    <a:bodyPr/>
+                    <a:lstStyle/>
+                    <a:p>
+                      <a:pPr marL="0" marR="0" algn="ctr">
+                        <a:lnSpc>
+                          <a:spcPct val="115000"/>
+                        </a:lnSpc>
+                        <a:spcBef>
+                          <a:spcPts val="0"/>
+                        </a:spcBef>
+                        <a:spcAft>
+                          <a:spcPts val="0"/>
+                        </a:spcAft>
+                      </a:pPr>
+                      <a:r>
+                        <a:rPr lang="en-US" sz="2000" b="1">
+                          <a:effectLst>
+                            <a:outerShdw blurRad="38100" dist="38100" dir="2700000" algn="tl">
+                              <a:srgbClr val="000000">
+                                <a:alpha val="43137"/>
+                              </a:srgbClr>
+                            </a:outerShdw>
+                          </a:effectLst>
+                        </a:rPr>
+                        <a:t>F4</a:t>
+                      </a:r>
+                      <a:endParaRPr lang="en-US" sz="1400" b="1">
+                        <a:effectLst>
+                          <a:outerShdw blurRad="38100" dist="38100" dir="2700000" algn="tl">
+                            <a:srgbClr val="000000">
+                              <a:alpha val="43137"/>
+                            </a:srgbClr>
+                          </a:outerShdw>
+                        </a:effectLst>
+                        <a:latin typeface="Calibri" panose="020F0502020204030204" pitchFamily="34" charset="0"/>
+                        <a:ea typeface="Calibri" panose="020F0502020204030204" pitchFamily="34" charset="0"/>
+                        <a:cs typeface="Cordia New" panose="020B0304020202020204" pitchFamily="34" charset="-34"/>
+                      </a:endParaRPr>
+                    </a:p>
+                  </a:txBody>
+                  <a:tcPr marL="68580" marR="68580" marT="0" marB="0"/>
+                </a:tc>
+                <a:tc>
+                  <a:txBody>
+                    <a:bodyPr/>
+                    <a:lstStyle/>
+                    <a:p>
+                      <a:pPr marL="0" marR="0" algn="l">
+                        <a:lnSpc>
+                          <a:spcPct val="115000"/>
+                        </a:lnSpc>
+                        <a:spcBef>
+                          <a:spcPts val="0"/>
+                        </a:spcBef>
+                        <a:spcAft>
+                          <a:spcPts val="0"/>
+                        </a:spcAft>
+                      </a:pPr>
+                      <a:r>
+                        <a:rPr lang="th-TH" sz="2000" b="1">
+                          <a:effectLst>
+                            <a:outerShdw blurRad="38100" dist="38100" dir="2700000" algn="tl">
+                              <a:srgbClr val="000000">
+                                <a:alpha val="43137"/>
+                              </a:srgbClr>
+                            </a:outerShdw>
+                          </a:effectLst>
+                        </a:rPr>
+                        <a:t>จัดการข้อมูลครุภัณฑ์</a:t>
+                      </a:r>
+                      <a:endParaRPr lang="en-US" sz="1400" b="1">
+                        <a:effectLst>
+                          <a:outerShdw blurRad="38100" dist="38100" dir="2700000" algn="tl">
+                            <a:srgbClr val="000000">
+                              <a:alpha val="43137"/>
+                            </a:srgbClr>
+                          </a:outerShdw>
+                        </a:effectLst>
+                        <a:latin typeface="Calibri" panose="020F0502020204030204" pitchFamily="34" charset="0"/>
+                        <a:ea typeface="Calibri" panose="020F0502020204030204" pitchFamily="34" charset="0"/>
+                        <a:cs typeface="Cordia New" panose="020B0304020202020204" pitchFamily="34" charset="-34"/>
+                      </a:endParaRPr>
+                    </a:p>
+                  </a:txBody>
+                  <a:tcPr marL="68580" marR="68580" marT="0" marB="0"/>
+                </a:tc>
+                <a:tc>
+                  <a:txBody>
+                    <a:bodyPr/>
+                    <a:lstStyle/>
+                    <a:p>
+                      <a:pPr marL="0" marR="0" algn="ctr">
+                        <a:lnSpc>
+                          <a:spcPct val="115000"/>
+                        </a:lnSpc>
+                        <a:spcBef>
+                          <a:spcPts val="0"/>
+                        </a:spcBef>
+                        <a:spcAft>
+                          <a:spcPts val="0"/>
+                        </a:spcAft>
+                      </a:pPr>
+                      <a:r>
+                        <a:rPr lang="en-US" sz="2000" b="1">
+                          <a:effectLst>
+                            <a:outerShdw blurRad="38100" dist="38100" dir="2700000" algn="tl">
+                              <a:srgbClr val="000000">
+                                <a:alpha val="43137"/>
+                              </a:srgbClr>
+                            </a:outerShdw>
+                          </a:effectLst>
+                        </a:rPr>
+                        <a:t>UC1-S04</a:t>
+                      </a:r>
+                      <a:endParaRPr lang="en-US" sz="1400" b="1">
+                        <a:effectLst>
+                          <a:outerShdw blurRad="38100" dist="38100" dir="2700000" algn="tl">
+                            <a:srgbClr val="000000">
+                              <a:alpha val="43137"/>
+                            </a:srgbClr>
+                          </a:outerShdw>
+                        </a:effectLst>
+                        <a:latin typeface="Calibri" panose="020F0502020204030204" pitchFamily="34" charset="0"/>
+                        <a:ea typeface="Calibri" panose="020F0502020204030204" pitchFamily="34" charset="0"/>
+                        <a:cs typeface="Cordia New" panose="020B0304020202020204" pitchFamily="34" charset="-34"/>
+                      </a:endParaRPr>
+                    </a:p>
+                  </a:txBody>
+                  <a:tcPr marL="68580" marR="68580" marT="0" marB="0"/>
+                </a:tc>
+                <a:tc>
+                  <a:txBody>
+                    <a:bodyPr/>
+                    <a:lstStyle/>
+                    <a:p>
+                      <a:pPr marL="0" marR="0" algn="ctr">
+                        <a:lnSpc>
+                          <a:spcPct val="115000"/>
+                        </a:lnSpc>
+                        <a:spcBef>
+                          <a:spcPts val="0"/>
+                        </a:spcBef>
+                        <a:spcAft>
+                          <a:spcPts val="0"/>
+                        </a:spcAft>
+                      </a:pPr>
+                      <a:r>
+                        <a:rPr lang="en-US" sz="2000" b="1">
+                          <a:effectLst>
+                            <a:outerShdw blurRad="38100" dist="38100" dir="2700000" algn="tl">
+                              <a:srgbClr val="000000">
+                                <a:alpha val="43137"/>
+                              </a:srgbClr>
+                            </a:outerShdw>
+                          </a:effectLst>
+                        </a:rPr>
+                        <a:t>AD-04</a:t>
+                      </a:r>
+                      <a:endParaRPr lang="en-US" sz="1400" b="1">
+                        <a:effectLst>
+                          <a:outerShdw blurRad="38100" dist="38100" dir="2700000" algn="tl">
+                            <a:srgbClr val="000000">
+                              <a:alpha val="43137"/>
+                            </a:srgbClr>
+                          </a:outerShdw>
+                        </a:effectLst>
+                        <a:latin typeface="Calibri" panose="020F0502020204030204" pitchFamily="34" charset="0"/>
+                        <a:ea typeface="Calibri" panose="020F0502020204030204" pitchFamily="34" charset="0"/>
+                        <a:cs typeface="Cordia New" panose="020B0304020202020204" pitchFamily="34" charset="-34"/>
+                      </a:endParaRPr>
+                    </a:p>
+                  </a:txBody>
+                  <a:tcPr marL="68580" marR="68580" marT="0" marB="0"/>
+                </a:tc>
+                <a:tc>
+                  <a:txBody>
+                    <a:bodyPr/>
+                    <a:lstStyle/>
+                    <a:p>
+                      <a:pPr marL="0" marR="0" algn="ctr">
+                        <a:lnSpc>
+                          <a:spcPct val="115000"/>
+                        </a:lnSpc>
+                        <a:spcBef>
+                          <a:spcPts val="0"/>
+                        </a:spcBef>
+                        <a:spcAft>
+                          <a:spcPts val="0"/>
+                        </a:spcAft>
+                      </a:pPr>
+                      <a:r>
+                        <a:rPr lang="en-US" sz="2000" b="1" dirty="0">
+                          <a:effectLst>
+                            <a:outerShdw blurRad="38100" dist="38100" dir="2700000" algn="tl">
+                              <a:srgbClr val="000000">
+                                <a:alpha val="43137"/>
+                              </a:srgbClr>
+                            </a:outerShdw>
+                          </a:effectLst>
+                        </a:rPr>
+                        <a:t>TS-F4</a:t>
+                      </a:r>
+                      <a:endParaRPr lang="en-US" sz="1400" b="1" dirty="0">
+                        <a:effectLst>
+                          <a:outerShdw blurRad="38100" dist="38100" dir="2700000" algn="tl">
+                            <a:srgbClr val="000000">
+                              <a:alpha val="43137"/>
+                            </a:srgbClr>
+                          </a:outerShdw>
+                        </a:effectLst>
+                        <a:latin typeface="Calibri" panose="020F0502020204030204" pitchFamily="34" charset="0"/>
+                        <a:ea typeface="Calibri" panose="020F0502020204030204" pitchFamily="34" charset="0"/>
+                        <a:cs typeface="Cordia New" panose="020B0304020202020204" pitchFamily="34" charset="-34"/>
+                      </a:endParaRPr>
+                    </a:p>
+                  </a:txBody>
+                  <a:tcPr marL="68580" marR="68580" marT="0" marB="0"/>
+                </a:tc>
+                <a:tc>
+                  <a:txBody>
+                    <a:bodyPr/>
+                    <a:lstStyle/>
+                    <a:p>
+                      <a:pPr marL="0" marR="0" algn="l">
+                        <a:lnSpc>
+                          <a:spcPct val="115000"/>
+                        </a:lnSpc>
+                        <a:spcBef>
+                          <a:spcPts val="0"/>
+                        </a:spcBef>
+                        <a:spcAft>
+                          <a:spcPts val="0"/>
+                        </a:spcAft>
+                      </a:pPr>
+                      <a:r>
+                        <a:rPr lang="en-US" sz="2000" b="1" dirty="0">
+                          <a:effectLst>
+                            <a:outerShdw blurRad="38100" dist="38100" dir="2700000" algn="tl">
+                              <a:srgbClr val="000000">
+                                <a:alpha val="43137"/>
+                              </a:srgbClr>
+                            </a:outerShdw>
+                          </a:effectLst>
+                        </a:rPr>
+                        <a:t> </a:t>
+                      </a:r>
+                      <a:endParaRPr lang="en-US" sz="1400" b="1" dirty="0">
+                        <a:effectLst>
+                          <a:outerShdw blurRad="38100" dist="38100" dir="2700000" algn="tl">
+                            <a:srgbClr val="000000">
+                              <a:alpha val="43137"/>
+                            </a:srgbClr>
+                          </a:outerShdw>
+                        </a:effectLst>
+                        <a:latin typeface="Calibri" panose="020F0502020204030204" pitchFamily="34" charset="0"/>
+                        <a:ea typeface="Calibri" panose="020F0502020204030204" pitchFamily="34" charset="0"/>
+                        <a:cs typeface="Cordia New" panose="020B0304020202020204" pitchFamily="34" charset="-34"/>
+                      </a:endParaRPr>
+                    </a:p>
+                  </a:txBody>
+                  <a:tcPr marL="68580" marR="68580" marT="0" marB="0"/>
+                </a:tc>
+              </a:tr>
+              <a:tr h="648072">
+                <a:tc>
+                  <a:txBody>
+                    <a:bodyPr/>
+                    <a:lstStyle/>
+                    <a:p>
+                      <a:pPr marL="0" marR="0" algn="ctr">
+                        <a:lnSpc>
+                          <a:spcPct val="115000"/>
+                        </a:lnSpc>
+                        <a:spcBef>
+                          <a:spcPts val="0"/>
+                        </a:spcBef>
+                        <a:spcAft>
+                          <a:spcPts val="0"/>
+                        </a:spcAft>
+                      </a:pPr>
+                      <a:r>
+                        <a:rPr lang="en-US" sz="2000" b="1">
+                          <a:effectLst>
+                            <a:outerShdw blurRad="38100" dist="38100" dir="2700000" algn="tl">
+                              <a:srgbClr val="000000">
+                                <a:alpha val="43137"/>
+                              </a:srgbClr>
+                            </a:outerShdw>
+                          </a:effectLst>
+                        </a:rPr>
+                        <a:t>4.5</a:t>
+                      </a:r>
+                      <a:endParaRPr lang="en-US" sz="1400" b="1">
+                        <a:effectLst>
+                          <a:outerShdw blurRad="38100" dist="38100" dir="2700000" algn="tl">
+                            <a:srgbClr val="000000">
+                              <a:alpha val="43137"/>
+                            </a:srgbClr>
+                          </a:outerShdw>
+                        </a:effectLst>
+                        <a:latin typeface="Calibri" panose="020F0502020204030204" pitchFamily="34" charset="0"/>
+                        <a:ea typeface="Calibri" panose="020F0502020204030204" pitchFamily="34" charset="0"/>
+                        <a:cs typeface="Cordia New" panose="020B0304020202020204" pitchFamily="34" charset="-34"/>
+                      </a:endParaRPr>
+                    </a:p>
+                  </a:txBody>
+                  <a:tcPr marL="68580" marR="68580" marT="0" marB="0"/>
+                </a:tc>
+                <a:tc>
+                  <a:txBody>
+                    <a:bodyPr/>
+                    <a:lstStyle/>
+                    <a:p>
+                      <a:pPr marL="0" marR="0" algn="ctr">
+                        <a:lnSpc>
+                          <a:spcPct val="115000"/>
+                        </a:lnSpc>
+                        <a:spcBef>
+                          <a:spcPts val="0"/>
+                        </a:spcBef>
+                        <a:spcAft>
+                          <a:spcPts val="0"/>
+                        </a:spcAft>
+                      </a:pPr>
+                      <a:r>
+                        <a:rPr lang="en-US" sz="2000" b="1">
+                          <a:effectLst>
+                            <a:outerShdw blurRad="38100" dist="38100" dir="2700000" algn="tl">
+                              <a:srgbClr val="000000">
+                                <a:alpha val="43137"/>
+                              </a:srgbClr>
+                            </a:outerShdw>
+                          </a:effectLst>
+                        </a:rPr>
+                        <a:t>F5</a:t>
+                      </a:r>
+                      <a:endParaRPr lang="en-US" sz="1400" b="1">
+                        <a:effectLst>
+                          <a:outerShdw blurRad="38100" dist="38100" dir="2700000" algn="tl">
+                            <a:srgbClr val="000000">
+                              <a:alpha val="43137"/>
+                            </a:srgbClr>
+                          </a:outerShdw>
+                        </a:effectLst>
+                        <a:latin typeface="Calibri" panose="020F0502020204030204" pitchFamily="34" charset="0"/>
+                        <a:ea typeface="Calibri" panose="020F0502020204030204" pitchFamily="34" charset="0"/>
+                        <a:cs typeface="Cordia New" panose="020B0304020202020204" pitchFamily="34" charset="-34"/>
+                      </a:endParaRPr>
+                    </a:p>
+                  </a:txBody>
+                  <a:tcPr marL="68580" marR="68580" marT="0" marB="0"/>
+                </a:tc>
+                <a:tc>
+                  <a:txBody>
+                    <a:bodyPr/>
+                    <a:lstStyle/>
+                    <a:p>
+                      <a:pPr marL="0" marR="0" algn="l">
+                        <a:lnSpc>
+                          <a:spcPct val="115000"/>
+                        </a:lnSpc>
+                        <a:spcBef>
+                          <a:spcPts val="0"/>
+                        </a:spcBef>
+                        <a:spcAft>
+                          <a:spcPts val="0"/>
+                        </a:spcAft>
+                      </a:pPr>
+                      <a:r>
+                        <a:rPr lang="th-TH" sz="2000" b="1">
+                          <a:effectLst>
+                            <a:outerShdw blurRad="38100" dist="38100" dir="2700000" algn="tl">
+                              <a:srgbClr val="000000">
+                                <a:alpha val="43137"/>
+                              </a:srgbClr>
+                            </a:outerShdw>
+                          </a:effectLst>
+                        </a:rPr>
+                        <a:t>ตรวจเช็คข้อมูลครุภัณฑ์</a:t>
+                      </a:r>
+                      <a:endParaRPr lang="en-US" sz="1400" b="1">
+                        <a:effectLst>
+                          <a:outerShdw blurRad="38100" dist="38100" dir="2700000" algn="tl">
+                            <a:srgbClr val="000000">
+                              <a:alpha val="43137"/>
+                            </a:srgbClr>
+                          </a:outerShdw>
+                        </a:effectLst>
+                        <a:latin typeface="Calibri" panose="020F0502020204030204" pitchFamily="34" charset="0"/>
+                        <a:ea typeface="Calibri" panose="020F0502020204030204" pitchFamily="34" charset="0"/>
+                        <a:cs typeface="Cordia New" panose="020B0304020202020204" pitchFamily="34" charset="-34"/>
+                      </a:endParaRPr>
+                    </a:p>
+                  </a:txBody>
+                  <a:tcPr marL="68580" marR="68580" marT="0" marB="0"/>
+                </a:tc>
+                <a:tc>
+                  <a:txBody>
+                    <a:bodyPr/>
+                    <a:lstStyle/>
+                    <a:p>
+                      <a:pPr marL="0" marR="0" algn="ctr">
+                        <a:lnSpc>
+                          <a:spcPct val="115000"/>
+                        </a:lnSpc>
+                        <a:spcBef>
+                          <a:spcPts val="0"/>
+                        </a:spcBef>
+                        <a:spcAft>
+                          <a:spcPts val="0"/>
+                        </a:spcAft>
+                      </a:pPr>
+                      <a:r>
+                        <a:rPr lang="en-US" sz="2000" b="1">
+                          <a:effectLst>
+                            <a:outerShdw blurRad="38100" dist="38100" dir="2700000" algn="tl">
+                              <a:srgbClr val="000000">
+                                <a:alpha val="43137"/>
+                              </a:srgbClr>
+                            </a:outerShdw>
+                          </a:effectLst>
+                        </a:rPr>
+                        <a:t>UC1-S05</a:t>
+                      </a:r>
+                      <a:endParaRPr lang="en-US" sz="1400" b="1">
+                        <a:effectLst>
+                          <a:outerShdw blurRad="38100" dist="38100" dir="2700000" algn="tl">
+                            <a:srgbClr val="000000">
+                              <a:alpha val="43137"/>
+                            </a:srgbClr>
+                          </a:outerShdw>
+                        </a:effectLst>
+                        <a:latin typeface="Calibri" panose="020F0502020204030204" pitchFamily="34" charset="0"/>
+                        <a:ea typeface="Calibri" panose="020F0502020204030204" pitchFamily="34" charset="0"/>
+                        <a:cs typeface="Cordia New" panose="020B0304020202020204" pitchFamily="34" charset="-34"/>
+                      </a:endParaRPr>
+                    </a:p>
+                  </a:txBody>
+                  <a:tcPr marL="68580" marR="68580" marT="0" marB="0"/>
+                </a:tc>
+                <a:tc>
+                  <a:txBody>
+                    <a:bodyPr/>
+                    <a:lstStyle/>
+                    <a:p>
+                      <a:pPr marL="0" marR="0" algn="ctr">
+                        <a:lnSpc>
+                          <a:spcPct val="115000"/>
+                        </a:lnSpc>
+                        <a:spcBef>
+                          <a:spcPts val="0"/>
+                        </a:spcBef>
+                        <a:spcAft>
+                          <a:spcPts val="0"/>
+                        </a:spcAft>
+                      </a:pPr>
+                      <a:r>
+                        <a:rPr lang="en-US" sz="2000" b="1">
+                          <a:effectLst>
+                            <a:outerShdw blurRad="38100" dist="38100" dir="2700000" algn="tl">
+                              <a:srgbClr val="000000">
+                                <a:alpha val="43137"/>
+                              </a:srgbClr>
+                            </a:outerShdw>
+                          </a:effectLst>
+                        </a:rPr>
+                        <a:t>AD-05</a:t>
+                      </a:r>
+                      <a:endParaRPr lang="en-US" sz="1400" b="1">
+                        <a:effectLst>
+                          <a:outerShdw blurRad="38100" dist="38100" dir="2700000" algn="tl">
+                            <a:srgbClr val="000000">
+                              <a:alpha val="43137"/>
+                            </a:srgbClr>
+                          </a:outerShdw>
+                        </a:effectLst>
+                        <a:latin typeface="Calibri" panose="020F0502020204030204" pitchFamily="34" charset="0"/>
+                        <a:ea typeface="Calibri" panose="020F0502020204030204" pitchFamily="34" charset="0"/>
+                        <a:cs typeface="Cordia New" panose="020B0304020202020204" pitchFamily="34" charset="-34"/>
+                      </a:endParaRPr>
+                    </a:p>
+                  </a:txBody>
+                  <a:tcPr marL="68580" marR="68580" marT="0" marB="0"/>
+                </a:tc>
+                <a:tc>
+                  <a:txBody>
+                    <a:bodyPr/>
+                    <a:lstStyle/>
+                    <a:p>
+                      <a:pPr marL="0" marR="0" algn="ctr">
+                        <a:lnSpc>
+                          <a:spcPct val="115000"/>
+                        </a:lnSpc>
+                        <a:spcBef>
+                          <a:spcPts val="0"/>
+                        </a:spcBef>
+                        <a:spcAft>
+                          <a:spcPts val="0"/>
+                        </a:spcAft>
+                      </a:pPr>
+                      <a:r>
+                        <a:rPr lang="en-US" sz="2000" b="1" dirty="0">
+                          <a:effectLst>
+                            <a:outerShdw blurRad="38100" dist="38100" dir="2700000" algn="tl">
+                              <a:srgbClr val="000000">
+                                <a:alpha val="43137"/>
+                              </a:srgbClr>
+                            </a:outerShdw>
+                          </a:effectLst>
+                        </a:rPr>
+                        <a:t>TS-F5</a:t>
+                      </a:r>
+                      <a:endParaRPr lang="en-US" sz="1400" b="1" dirty="0">
+                        <a:effectLst>
+                          <a:outerShdw blurRad="38100" dist="38100" dir="2700000" algn="tl">
+                            <a:srgbClr val="000000">
+                              <a:alpha val="43137"/>
+                            </a:srgbClr>
+                          </a:outerShdw>
+                        </a:effectLst>
+                        <a:latin typeface="Calibri" panose="020F0502020204030204" pitchFamily="34" charset="0"/>
+                        <a:ea typeface="Calibri" panose="020F0502020204030204" pitchFamily="34" charset="0"/>
+                        <a:cs typeface="Cordia New" panose="020B0304020202020204" pitchFamily="34" charset="-34"/>
+                      </a:endParaRPr>
+                    </a:p>
+                  </a:txBody>
+                  <a:tcPr marL="68580" marR="68580" marT="0" marB="0"/>
+                </a:tc>
+                <a:tc>
+                  <a:txBody>
+                    <a:bodyPr/>
+                    <a:lstStyle/>
+                    <a:p>
+                      <a:pPr marL="0" marR="0" algn="l">
+                        <a:lnSpc>
+                          <a:spcPct val="115000"/>
+                        </a:lnSpc>
+                        <a:spcBef>
+                          <a:spcPts val="0"/>
+                        </a:spcBef>
+                        <a:spcAft>
+                          <a:spcPts val="0"/>
+                        </a:spcAft>
+                      </a:pPr>
+                      <a:r>
+                        <a:rPr lang="en-US" sz="2000" b="1" dirty="0">
+                          <a:effectLst>
+                            <a:outerShdw blurRad="38100" dist="38100" dir="2700000" algn="tl">
+                              <a:srgbClr val="000000">
+                                <a:alpha val="43137"/>
+                              </a:srgbClr>
+                            </a:outerShdw>
+                          </a:effectLst>
+                        </a:rPr>
+                        <a:t> </a:t>
+                      </a:r>
+                      <a:endParaRPr lang="en-US" sz="1400" b="1" dirty="0">
+                        <a:effectLst>
+                          <a:outerShdw blurRad="38100" dist="38100" dir="2700000" algn="tl">
+                            <a:srgbClr val="000000">
+                              <a:alpha val="43137"/>
+                            </a:srgbClr>
+                          </a:outerShdw>
+                        </a:effectLst>
+                        <a:latin typeface="Calibri" panose="020F0502020204030204" pitchFamily="34" charset="0"/>
+                        <a:ea typeface="Calibri" panose="020F0502020204030204" pitchFamily="34" charset="0"/>
+                        <a:cs typeface="Cordia New" panose="020B0304020202020204" pitchFamily="34" charset="-34"/>
+                      </a:endParaRPr>
+                    </a:p>
+                  </a:txBody>
+                  <a:tcPr marL="68580" marR="68580" marT="0" marB="0"/>
+                </a:tc>
+              </a:tr>
+              <a:tr h="648072">
+                <a:tc>
+                  <a:txBody>
+                    <a:bodyPr/>
+                    <a:lstStyle/>
+                    <a:p>
+                      <a:pPr marL="0" marR="0" algn="ctr">
+                        <a:lnSpc>
+                          <a:spcPct val="115000"/>
+                        </a:lnSpc>
+                        <a:spcBef>
+                          <a:spcPts val="0"/>
+                        </a:spcBef>
+                        <a:spcAft>
+                          <a:spcPts val="0"/>
+                        </a:spcAft>
+                      </a:pPr>
+                      <a:r>
+                        <a:rPr lang="en-US" sz="2000" b="1">
+                          <a:effectLst>
+                            <a:outerShdw blurRad="38100" dist="38100" dir="2700000" algn="tl">
+                              <a:srgbClr val="000000">
+                                <a:alpha val="43137"/>
+                              </a:srgbClr>
+                            </a:outerShdw>
+                          </a:effectLst>
+                        </a:rPr>
+                        <a:t>4.6</a:t>
+                      </a:r>
+                      <a:endParaRPr lang="en-US" sz="1400" b="1">
+                        <a:effectLst>
+                          <a:outerShdw blurRad="38100" dist="38100" dir="2700000" algn="tl">
+                            <a:srgbClr val="000000">
+                              <a:alpha val="43137"/>
+                            </a:srgbClr>
+                          </a:outerShdw>
+                        </a:effectLst>
+                        <a:latin typeface="Calibri" panose="020F0502020204030204" pitchFamily="34" charset="0"/>
+                        <a:ea typeface="Calibri" panose="020F0502020204030204" pitchFamily="34" charset="0"/>
+                        <a:cs typeface="Cordia New" panose="020B0304020202020204" pitchFamily="34" charset="-34"/>
+                      </a:endParaRPr>
+                    </a:p>
+                  </a:txBody>
+                  <a:tcPr marL="68580" marR="68580" marT="0" marB="0"/>
+                </a:tc>
+                <a:tc>
+                  <a:txBody>
+                    <a:bodyPr/>
+                    <a:lstStyle/>
+                    <a:p>
+                      <a:pPr marL="0" marR="0" algn="ctr">
+                        <a:lnSpc>
+                          <a:spcPct val="115000"/>
+                        </a:lnSpc>
+                        <a:spcBef>
+                          <a:spcPts val="0"/>
+                        </a:spcBef>
+                        <a:spcAft>
+                          <a:spcPts val="0"/>
+                        </a:spcAft>
+                      </a:pPr>
+                      <a:r>
+                        <a:rPr lang="en-US" sz="2000" b="1">
+                          <a:effectLst>
+                            <a:outerShdw blurRad="38100" dist="38100" dir="2700000" algn="tl">
+                              <a:srgbClr val="000000">
+                                <a:alpha val="43137"/>
+                              </a:srgbClr>
+                            </a:outerShdw>
+                          </a:effectLst>
+                        </a:rPr>
+                        <a:t>F6</a:t>
+                      </a:r>
+                      <a:endParaRPr lang="en-US" sz="1400" b="1">
+                        <a:effectLst>
+                          <a:outerShdw blurRad="38100" dist="38100" dir="2700000" algn="tl">
+                            <a:srgbClr val="000000">
+                              <a:alpha val="43137"/>
+                            </a:srgbClr>
+                          </a:outerShdw>
+                        </a:effectLst>
+                        <a:latin typeface="Calibri" panose="020F0502020204030204" pitchFamily="34" charset="0"/>
+                        <a:ea typeface="Calibri" panose="020F0502020204030204" pitchFamily="34" charset="0"/>
+                        <a:cs typeface="Cordia New" panose="020B0304020202020204" pitchFamily="34" charset="-34"/>
+                      </a:endParaRPr>
+                    </a:p>
+                  </a:txBody>
+                  <a:tcPr marL="68580" marR="68580" marT="0" marB="0"/>
+                </a:tc>
+                <a:tc>
+                  <a:txBody>
+                    <a:bodyPr/>
+                    <a:lstStyle/>
+                    <a:p>
+                      <a:pPr marL="0" marR="0" algn="l">
+                        <a:lnSpc>
+                          <a:spcPct val="115000"/>
+                        </a:lnSpc>
+                        <a:spcBef>
+                          <a:spcPts val="0"/>
+                        </a:spcBef>
+                        <a:spcAft>
+                          <a:spcPts val="0"/>
+                        </a:spcAft>
+                      </a:pPr>
+                      <a:r>
+                        <a:rPr lang="th-TH" sz="2000" b="1">
+                          <a:effectLst>
+                            <a:outerShdw blurRad="38100" dist="38100" dir="2700000" algn="tl">
+                              <a:srgbClr val="000000">
+                                <a:alpha val="43137"/>
+                              </a:srgbClr>
+                            </a:outerShdw>
+                          </a:effectLst>
+                        </a:rPr>
+                        <a:t>ออกรายงาน</a:t>
+                      </a:r>
+                      <a:endParaRPr lang="en-US" sz="1400" b="1">
+                        <a:effectLst>
+                          <a:outerShdw blurRad="38100" dist="38100" dir="2700000" algn="tl">
+                            <a:srgbClr val="000000">
+                              <a:alpha val="43137"/>
+                            </a:srgbClr>
+                          </a:outerShdw>
+                        </a:effectLst>
+                        <a:latin typeface="Calibri" panose="020F0502020204030204" pitchFamily="34" charset="0"/>
+                        <a:ea typeface="Calibri" panose="020F0502020204030204" pitchFamily="34" charset="0"/>
+                        <a:cs typeface="Cordia New" panose="020B0304020202020204" pitchFamily="34" charset="-34"/>
+                      </a:endParaRPr>
+                    </a:p>
+                  </a:txBody>
+                  <a:tcPr marL="68580" marR="68580" marT="0" marB="0"/>
+                </a:tc>
+                <a:tc>
+                  <a:txBody>
+                    <a:bodyPr/>
+                    <a:lstStyle/>
+                    <a:p>
+                      <a:pPr marL="0" marR="0" algn="ctr">
+                        <a:lnSpc>
+                          <a:spcPct val="115000"/>
+                        </a:lnSpc>
+                        <a:spcBef>
+                          <a:spcPts val="0"/>
+                        </a:spcBef>
+                        <a:spcAft>
+                          <a:spcPts val="0"/>
+                        </a:spcAft>
+                      </a:pPr>
+                      <a:r>
+                        <a:rPr lang="en-US" sz="2000" b="1">
+                          <a:effectLst>
+                            <a:outerShdw blurRad="38100" dist="38100" dir="2700000" algn="tl">
+                              <a:srgbClr val="000000">
+                                <a:alpha val="43137"/>
+                              </a:srgbClr>
+                            </a:outerShdw>
+                          </a:effectLst>
+                        </a:rPr>
+                        <a:t>UC1-S06</a:t>
+                      </a:r>
+                      <a:endParaRPr lang="en-US" sz="1400" b="1">
+                        <a:effectLst>
+                          <a:outerShdw blurRad="38100" dist="38100" dir="2700000" algn="tl">
+                            <a:srgbClr val="000000">
+                              <a:alpha val="43137"/>
+                            </a:srgbClr>
+                          </a:outerShdw>
+                        </a:effectLst>
+                        <a:latin typeface="Calibri" panose="020F0502020204030204" pitchFamily="34" charset="0"/>
+                        <a:ea typeface="Calibri" panose="020F0502020204030204" pitchFamily="34" charset="0"/>
+                        <a:cs typeface="Cordia New" panose="020B0304020202020204" pitchFamily="34" charset="-34"/>
+                      </a:endParaRPr>
+                    </a:p>
+                  </a:txBody>
+                  <a:tcPr marL="68580" marR="68580" marT="0" marB="0"/>
+                </a:tc>
+                <a:tc>
+                  <a:txBody>
+                    <a:bodyPr/>
+                    <a:lstStyle/>
+                    <a:p>
+                      <a:pPr marL="0" marR="0" algn="ctr">
+                        <a:lnSpc>
+                          <a:spcPct val="115000"/>
+                        </a:lnSpc>
+                        <a:spcBef>
+                          <a:spcPts val="0"/>
+                        </a:spcBef>
+                        <a:spcAft>
+                          <a:spcPts val="0"/>
+                        </a:spcAft>
+                      </a:pPr>
+                      <a:r>
+                        <a:rPr lang="en-US" sz="2000" b="1">
+                          <a:effectLst>
+                            <a:outerShdw blurRad="38100" dist="38100" dir="2700000" algn="tl">
+                              <a:srgbClr val="000000">
+                                <a:alpha val="43137"/>
+                              </a:srgbClr>
+                            </a:outerShdw>
+                          </a:effectLst>
+                        </a:rPr>
+                        <a:t>AD-06</a:t>
+                      </a:r>
+                      <a:endParaRPr lang="en-US" sz="1400" b="1">
+                        <a:effectLst>
+                          <a:outerShdw blurRad="38100" dist="38100" dir="2700000" algn="tl">
+                            <a:srgbClr val="000000">
+                              <a:alpha val="43137"/>
+                            </a:srgbClr>
+                          </a:outerShdw>
+                        </a:effectLst>
+                        <a:latin typeface="Calibri" panose="020F0502020204030204" pitchFamily="34" charset="0"/>
+                        <a:ea typeface="Calibri" panose="020F0502020204030204" pitchFamily="34" charset="0"/>
+                        <a:cs typeface="Cordia New" panose="020B0304020202020204" pitchFamily="34" charset="-34"/>
+                      </a:endParaRPr>
+                    </a:p>
+                  </a:txBody>
+                  <a:tcPr marL="68580" marR="68580" marT="0" marB="0"/>
+                </a:tc>
+                <a:tc>
+                  <a:txBody>
+                    <a:bodyPr/>
+                    <a:lstStyle/>
+                    <a:p>
+                      <a:pPr marL="0" marR="0" algn="ctr">
+                        <a:lnSpc>
+                          <a:spcPct val="115000"/>
+                        </a:lnSpc>
+                        <a:spcBef>
+                          <a:spcPts val="0"/>
+                        </a:spcBef>
+                        <a:spcAft>
+                          <a:spcPts val="0"/>
+                        </a:spcAft>
+                      </a:pPr>
+                      <a:r>
+                        <a:rPr lang="en-US" sz="2000" b="1" dirty="0">
+                          <a:effectLst>
+                            <a:outerShdw blurRad="38100" dist="38100" dir="2700000" algn="tl">
+                              <a:srgbClr val="000000">
+                                <a:alpha val="43137"/>
+                              </a:srgbClr>
+                            </a:outerShdw>
+                          </a:effectLst>
+                        </a:rPr>
+                        <a:t>TS-F6</a:t>
+                      </a:r>
+                      <a:endParaRPr lang="en-US" sz="1400" b="1" dirty="0">
+                        <a:effectLst>
+                          <a:outerShdw blurRad="38100" dist="38100" dir="2700000" algn="tl">
+                            <a:srgbClr val="000000">
+                              <a:alpha val="43137"/>
+                            </a:srgbClr>
+                          </a:outerShdw>
+                        </a:effectLst>
+                        <a:latin typeface="Calibri" panose="020F0502020204030204" pitchFamily="34" charset="0"/>
+                        <a:ea typeface="Calibri" panose="020F0502020204030204" pitchFamily="34" charset="0"/>
+                        <a:cs typeface="Cordia New" panose="020B0304020202020204" pitchFamily="34" charset="-34"/>
+                      </a:endParaRPr>
+                    </a:p>
+                  </a:txBody>
+                  <a:tcPr marL="68580" marR="68580" marT="0" marB="0"/>
+                </a:tc>
+                <a:tc>
+                  <a:txBody>
+                    <a:bodyPr/>
+                    <a:lstStyle/>
+                    <a:p>
+                      <a:pPr marL="0" marR="0" algn="l">
+                        <a:lnSpc>
+                          <a:spcPct val="115000"/>
+                        </a:lnSpc>
+                        <a:spcBef>
+                          <a:spcPts val="0"/>
+                        </a:spcBef>
+                        <a:spcAft>
+                          <a:spcPts val="0"/>
+                        </a:spcAft>
+                      </a:pPr>
+                      <a:r>
+                        <a:rPr lang="en-US" sz="2000" b="1" dirty="0">
+                          <a:effectLst>
+                            <a:outerShdw blurRad="38100" dist="38100" dir="2700000" algn="tl">
+                              <a:srgbClr val="000000">
+                                <a:alpha val="43137"/>
+                              </a:srgbClr>
+                            </a:outerShdw>
+                          </a:effectLst>
+                        </a:rPr>
+                        <a:t> </a:t>
+                      </a:r>
+                      <a:endParaRPr lang="en-US" sz="1400" b="1" dirty="0">
+                        <a:effectLst>
+                          <a:outerShdw blurRad="38100" dist="38100" dir="2700000" algn="tl">
+                            <a:srgbClr val="000000">
+                              <a:alpha val="43137"/>
+                            </a:srgbClr>
+                          </a:outerShdw>
+                        </a:effectLst>
+                        <a:latin typeface="Calibri" panose="020F0502020204030204" pitchFamily="34" charset="0"/>
+                        <a:ea typeface="Calibri" panose="020F0502020204030204" pitchFamily="34" charset="0"/>
+                        <a:cs typeface="Cordia New" panose="020B0304020202020204" pitchFamily="34" charset="-34"/>
+                      </a:endParaRPr>
+                    </a:p>
+                  </a:txBody>
+                  <a:tcPr marL="68580" marR="68580" marT="0" marB="0"/>
+                </a:tc>
+              </a:tr>
+            </a:tbl>
+          </a:graphicData>
+        </a:graphic>
+      </p:graphicFrame>
+    </p:spTree>
+    <p:extLst>
+      <p:ext uri="{BB962C8B-B14F-4D97-AF65-F5344CB8AC3E}">
+        <p14:creationId xmlns:p14="http://schemas.microsoft.com/office/powerpoint/2010/main" val="1234086589"/>
+      </p:ext>
+    </p:extLst>
+  </p:cSld>
+  <p:clrMapOvr>
+    <a:masterClrMapping/>
+  </p:clrMapOvr>
+  <p:timing>
+    <p:tnLst>
+      <p:par>
+        <p:cTn id="1" dur="indefinite" restart="never" nodeType="tmRoot"/>
+      </p:par>
+    </p:tnLst>
+  </p:timing>
+</p:sld>
+</file>
+
+<file path=ppt/slides/slide18.xml><?xml version="1.0" encoding="utf-8"?>
 <p:sld xmlns:a="http://schemas.openxmlformats.org/drawingml/2006/main" xmlns:r="http://schemas.openxmlformats.org/officeDocument/2006/relationships" xmlns:p="http://schemas.openxmlformats.org/presentationml/2006/main">
   <p:cSld>
     <p:spTree>
@@ -7145,7 +11171,7 @@
 </p:sld>
 </file>
 
-<file path=ppt/slides/slide15.xml><?xml version="1.0" encoding="utf-8"?>
+<file path=ppt/slides/slide19.xml><?xml version="1.0" encoding="utf-8"?>
 <p:sld xmlns:a="http://schemas.openxmlformats.org/drawingml/2006/main" xmlns:r="http://schemas.openxmlformats.org/officeDocument/2006/relationships" xmlns:p="http://schemas.openxmlformats.org/presentationml/2006/main">
   <p:cSld>
     <p:spTree>
@@ -7363,7 +11389,693 @@
 </p:sld>
 </file>
 
-<file path=ppt/slides/slide16.xml><?xml version="1.0" encoding="utf-8"?>
+<file path=ppt/slides/slide2.xml><?xml version="1.0" encoding="utf-8"?>
+<p:sld xmlns:a="http://schemas.openxmlformats.org/drawingml/2006/main" xmlns:r="http://schemas.openxmlformats.org/officeDocument/2006/relationships" xmlns:p="http://schemas.openxmlformats.org/presentationml/2006/main">
+  <p:cSld>
+    <p:spTree>
+      <p:nvGrpSpPr>
+        <p:cNvPr id="1" name=""/>
+        <p:cNvGrpSpPr/>
+        <p:nvPr/>
+      </p:nvGrpSpPr>
+      <p:grpSpPr>
+        <a:xfrm>
+          <a:off x="0" y="0"/>
+          <a:ext cx="0" cy="0"/>
+          <a:chOff x="0" y="0"/>
+          <a:chExt cx="0" cy="0"/>
+        </a:xfrm>
+      </p:grpSpPr>
+      <p:sp>
+        <p:nvSpPr>
+          <p:cNvPr id="2" name="Title 1"/>
+          <p:cNvSpPr>
+            <a:spLocks noGrp="1"/>
+          </p:cNvSpPr>
+          <p:nvPr>
+            <p:ph type="title"/>
+          </p:nvPr>
+        </p:nvSpPr>
+        <p:spPr>
+          <a:xfrm>
+            <a:off x="434009" y="836712"/>
+            <a:ext cx="8229600" cy="850106"/>
+          </a:xfrm>
+        </p:spPr>
+        <p:txBody>
+          <a:bodyPr>
+            <a:normAutofit fontScale="90000"/>
+          </a:bodyPr>
+          <a:lstStyle/>
+          <a:p>
+            <a:r>
+              <a:rPr lang="th-TH" b="1" dirty="0"/>
+              <a:t>อาจารย์ที่ปรึกษาโครงงาน</a:t>
+            </a:r>
+            <a:endParaRPr lang="en-US" b="1" dirty="0">
+              <a:effectLst>
+                <a:outerShdw blurRad="38100" dist="38100" dir="2700000" algn="tl">
+                  <a:srgbClr val="000000">
+                    <a:alpha val="43137"/>
+                  </a:srgbClr>
+                </a:outerShdw>
+              </a:effectLst>
+            </a:endParaRPr>
+          </a:p>
+        </p:txBody>
+      </p:sp>
+      <p:pic>
+        <p:nvPicPr>
+          <p:cNvPr id="28" name="รูปภาพ 3"/>
+          <p:cNvPicPr>
+            <a:picLocks noChangeAspect="1"/>
+          </p:cNvPicPr>
+          <p:nvPr/>
+        </p:nvPicPr>
+        <p:blipFill>
+          <a:blip r:embed="rId2" cstate="print">
+            <a:extLst>
+              <a:ext uri="{28A0092B-C50C-407E-A947-70E740481C1C}">
+                <a14:useLocalDpi xmlns:a14="http://schemas.microsoft.com/office/drawing/2010/main" val="0"/>
+              </a:ext>
+            </a:extLst>
+          </a:blip>
+          <a:stretch>
+            <a:fillRect/>
+          </a:stretch>
+        </p:blipFill>
+        <p:spPr>
+          <a:xfrm>
+            <a:off x="7625425" y="742845"/>
+            <a:ext cx="1039740" cy="957963"/>
+          </a:xfrm>
+          <a:prstGeom prst="rect">
+            <a:avLst/>
+          </a:prstGeom>
+        </p:spPr>
+      </p:pic>
+      <p:sp>
+        <p:nvSpPr>
+          <p:cNvPr id="29" name="Rectangle 28"/>
+          <p:cNvSpPr/>
+          <p:nvPr/>
+        </p:nvSpPr>
+        <p:spPr>
+          <a:xfrm>
+            <a:off x="72008" y="6462731"/>
+            <a:ext cx="5292080" cy="336447"/>
+          </a:xfrm>
+          <a:prstGeom prst="rect">
+            <a:avLst/>
+          </a:prstGeom>
+          <a:solidFill>
+            <a:srgbClr val="0B3261"/>
+          </a:solidFill>
+          <a:ln>
+            <a:solidFill>
+              <a:srgbClr val="0B3261"/>
+            </a:solidFill>
+          </a:ln>
+        </p:spPr>
+        <p:style>
+          <a:lnRef idx="2">
+            <a:schemeClr val="dk1"/>
+          </a:lnRef>
+          <a:fillRef idx="1">
+            <a:schemeClr val="lt1"/>
+          </a:fillRef>
+          <a:effectRef idx="0">
+            <a:schemeClr val="dk1"/>
+          </a:effectRef>
+          <a:fontRef idx="minor">
+            <a:schemeClr val="dk1"/>
+          </a:fontRef>
+        </p:style>
+        <p:txBody>
+          <a:bodyPr rtlCol="0" anchor="ctr"/>
+          <a:lstStyle/>
+          <a:p>
+            <a:pPr algn="ctr"/>
+            <a:endParaRPr lang="th-TH"/>
+          </a:p>
+        </p:txBody>
+      </p:sp>
+      <p:sp>
+        <p:nvSpPr>
+          <p:cNvPr id="3" name="Rectangle 2"/>
+          <p:cNvSpPr/>
+          <p:nvPr/>
+        </p:nvSpPr>
+        <p:spPr>
+          <a:xfrm>
+            <a:off x="1979712" y="5157192"/>
+            <a:ext cx="5429692" cy="769441"/>
+          </a:xfrm>
+          <a:prstGeom prst="rect">
+            <a:avLst/>
+          </a:prstGeom>
+        </p:spPr>
+        <p:txBody>
+          <a:bodyPr wrap="none">
+            <a:spAutoFit/>
+          </a:bodyPr>
+          <a:lstStyle/>
+          <a:p>
+            <a:r>
+              <a:rPr lang="th-TH" sz="4400" b="1" dirty="0" smtClean="0">
+                <a:effectLst>
+                  <a:outerShdw blurRad="38100" dist="38100" dir="2700000" algn="tl">
+                    <a:srgbClr val="000000">
+                      <a:alpha val="43137"/>
+                    </a:srgbClr>
+                  </a:outerShdw>
+                </a:effectLst>
+                <a:latin typeface="TH Sarabun New" panose="020B0500040200020003" pitchFamily="34" charset="-34"/>
+                <a:ea typeface="Cordia New" panose="020B0304020202020204" pitchFamily="34" charset="-34"/>
+                <a:cs typeface="TH Sarabun New" panose="020B0500040200020003" pitchFamily="34" charset="-34"/>
+              </a:rPr>
+              <a:t>อาจารย์ </a:t>
+            </a:r>
+            <a:r>
+              <a:rPr lang="th-TH" sz="4400" b="1" dirty="0" err="1">
+                <a:effectLst>
+                  <a:outerShdw blurRad="38100" dist="38100" dir="2700000" algn="tl">
+                    <a:srgbClr val="000000">
+                      <a:alpha val="43137"/>
+                    </a:srgbClr>
+                  </a:outerShdw>
+                </a:effectLst>
+                <a:latin typeface="TH Sarabun New" panose="020B0500040200020003" pitchFamily="34" charset="-34"/>
+                <a:ea typeface="Cordia New" panose="020B0304020202020204" pitchFamily="34" charset="-34"/>
+                <a:cs typeface="TH Sarabun New" panose="020B0500040200020003" pitchFamily="34" charset="-34"/>
+              </a:rPr>
+              <a:t>นิลาวร</a:t>
+            </a:r>
+            <a:r>
+              <a:rPr lang="th-TH" sz="4400" b="1" dirty="0">
+                <a:effectLst>
+                  <a:outerShdw blurRad="38100" dist="38100" dir="2700000" algn="tl">
+                    <a:srgbClr val="000000">
+                      <a:alpha val="43137"/>
+                    </a:srgbClr>
+                  </a:outerShdw>
+                </a:effectLst>
+                <a:latin typeface="TH Sarabun New" panose="020B0500040200020003" pitchFamily="34" charset="-34"/>
+                <a:ea typeface="Cordia New" panose="020B0304020202020204" pitchFamily="34" charset="-34"/>
+                <a:cs typeface="TH Sarabun New" panose="020B0500040200020003" pitchFamily="34" charset="-34"/>
+              </a:rPr>
+              <a:t>รณ วงศ์</a:t>
+            </a:r>
+            <a:r>
+              <a:rPr lang="th-TH" sz="4400" b="1" dirty="0" err="1">
+                <a:effectLst>
+                  <a:outerShdw blurRad="38100" dist="38100" dir="2700000" algn="tl">
+                    <a:srgbClr val="000000">
+                      <a:alpha val="43137"/>
+                    </a:srgbClr>
+                  </a:outerShdw>
+                </a:effectLst>
+                <a:latin typeface="TH Sarabun New" panose="020B0500040200020003" pitchFamily="34" charset="-34"/>
+                <a:ea typeface="Cordia New" panose="020B0304020202020204" pitchFamily="34" charset="-34"/>
+                <a:cs typeface="TH Sarabun New" panose="020B0500040200020003" pitchFamily="34" charset="-34"/>
+              </a:rPr>
+              <a:t>ศิลป</a:t>
+            </a:r>
+            <a:r>
+              <a:rPr lang="th-TH" sz="4400" b="1" dirty="0">
+                <a:effectLst>
+                  <a:outerShdw blurRad="38100" dist="38100" dir="2700000" algn="tl">
+                    <a:srgbClr val="000000">
+                      <a:alpha val="43137"/>
+                    </a:srgbClr>
+                  </a:outerShdw>
+                </a:effectLst>
+                <a:latin typeface="TH Sarabun New" panose="020B0500040200020003" pitchFamily="34" charset="-34"/>
+                <a:ea typeface="Cordia New" panose="020B0304020202020204" pitchFamily="34" charset="-34"/>
+                <a:cs typeface="TH Sarabun New" panose="020B0500040200020003" pitchFamily="34" charset="-34"/>
+              </a:rPr>
+              <a:t>มรกต</a:t>
+            </a:r>
+            <a:endParaRPr lang="th-TH" sz="4400" b="1" dirty="0">
+              <a:effectLst>
+                <a:outerShdw blurRad="38100" dist="38100" dir="2700000" algn="tl">
+                  <a:srgbClr val="000000">
+                    <a:alpha val="43137"/>
+                  </a:srgbClr>
+                </a:outerShdw>
+              </a:effectLst>
+              <a:latin typeface="TH Sarabun New" panose="020B0500040200020003" pitchFamily="34" charset="-34"/>
+              <a:cs typeface="TH Sarabun New" panose="020B0500040200020003" pitchFamily="34" charset="-34"/>
+            </a:endParaRPr>
+          </a:p>
+        </p:txBody>
+      </p:sp>
+      <p:pic>
+        <p:nvPicPr>
+          <p:cNvPr id="1026" name="Picture 2" descr="https://fbcdn-sphotos-c-a.akamaihd.net/hphotos-ak-ash2/542438_3721106484920_805415604_n.jpg"/>
+          <p:cNvPicPr>
+            <a:picLocks noChangeAspect="1" noChangeArrowheads="1"/>
+          </p:cNvPicPr>
+          <p:nvPr/>
+        </p:nvPicPr>
+        <p:blipFill>
+          <a:blip r:embed="rId3">
+            <a:extLst>
+              <a:ext uri="{28A0092B-C50C-407E-A947-70E740481C1C}">
+                <a14:useLocalDpi xmlns:a14="http://schemas.microsoft.com/office/drawing/2010/main" val="0"/>
+              </a:ext>
+            </a:extLst>
+          </a:blip>
+          <a:srcRect/>
+          <a:stretch>
+            <a:fillRect/>
+          </a:stretch>
+        </p:blipFill>
+        <p:spPr bwMode="auto">
+          <a:xfrm>
+            <a:off x="3551558" y="2337296"/>
+            <a:ext cx="2286000" cy="2286001"/>
+          </a:xfrm>
+          <a:prstGeom prst="rect">
+            <a:avLst/>
+          </a:prstGeom>
+          <a:noFill/>
+          <a:extLst>
+            <a:ext uri="{909E8E84-426E-40DD-AFC4-6F175D3DCCD1}">
+              <a14:hiddenFill xmlns:a14="http://schemas.microsoft.com/office/drawing/2010/main">
+                <a:solidFill>
+                  <a:srgbClr val="FFFFFF"/>
+                </a:solidFill>
+              </a14:hiddenFill>
+            </a:ext>
+          </a:extLst>
+        </p:spPr>
+      </p:pic>
+    </p:spTree>
+    <p:extLst>
+      <p:ext uri="{BB962C8B-B14F-4D97-AF65-F5344CB8AC3E}">
+        <p14:creationId xmlns:p14="http://schemas.microsoft.com/office/powerpoint/2010/main" val="780921314"/>
+      </p:ext>
+    </p:extLst>
+  </p:cSld>
+  <p:clrMapOvr>
+    <a:masterClrMapping/>
+  </p:clrMapOvr>
+  <p:timing>
+    <p:tnLst>
+      <p:par>
+        <p:cTn id="1" dur="indefinite" restart="never" nodeType="tmRoot"/>
+      </p:par>
+    </p:tnLst>
+  </p:timing>
+</p:sld>
+</file>
+
+<file path=ppt/slides/slide20.xml><?xml version="1.0" encoding="utf-8"?>
+<p:sld xmlns:a="http://schemas.openxmlformats.org/drawingml/2006/main" xmlns:r="http://schemas.openxmlformats.org/officeDocument/2006/relationships" xmlns:p="http://schemas.openxmlformats.org/presentationml/2006/main" show="0">
+  <p:cSld>
+    <p:spTree>
+      <p:nvGrpSpPr>
+        <p:cNvPr id="1" name=""/>
+        <p:cNvGrpSpPr/>
+        <p:nvPr/>
+      </p:nvGrpSpPr>
+      <p:grpSpPr>
+        <a:xfrm>
+          <a:off x="0" y="0"/>
+          <a:ext cx="0" cy="0"/>
+          <a:chOff x="0" y="0"/>
+          <a:chExt cx="0" cy="0"/>
+        </a:xfrm>
+      </p:grpSpPr>
+      <p:sp>
+        <p:nvSpPr>
+          <p:cNvPr id="2" name="Title 1"/>
+          <p:cNvSpPr>
+            <a:spLocks noGrp="1"/>
+          </p:cNvSpPr>
+          <p:nvPr>
+            <p:ph type="title"/>
+          </p:nvPr>
+        </p:nvSpPr>
+        <p:spPr>
+          <a:xfrm>
+            <a:off x="457200" y="822484"/>
+            <a:ext cx="8229600" cy="850106"/>
+          </a:xfrm>
+        </p:spPr>
+        <p:txBody>
+          <a:bodyPr>
+            <a:normAutofit fontScale="90000"/>
+          </a:bodyPr>
+          <a:lstStyle/>
+          <a:p>
+            <a:pPr lvl="0"/>
+            <a:r>
+              <a:rPr lang="th-TH" b="1" dirty="0"/>
+              <a:t>ประโยชน์ที่คาดว่าจะได้รับ</a:t>
+            </a:r>
+            <a:endParaRPr lang="en-US" dirty="0"/>
+          </a:p>
+        </p:txBody>
+      </p:sp>
+      <p:sp>
+        <p:nvSpPr>
+          <p:cNvPr id="6" name="Rectangle 5"/>
+          <p:cNvSpPr/>
+          <p:nvPr/>
+        </p:nvSpPr>
+        <p:spPr>
+          <a:xfrm>
+            <a:off x="72008" y="6462731"/>
+            <a:ext cx="5292080" cy="336447"/>
+          </a:xfrm>
+          <a:prstGeom prst="rect">
+            <a:avLst/>
+          </a:prstGeom>
+          <a:solidFill>
+            <a:srgbClr val="0B3261"/>
+          </a:solidFill>
+          <a:ln>
+            <a:solidFill>
+              <a:srgbClr val="0B3261"/>
+            </a:solidFill>
+          </a:ln>
+        </p:spPr>
+        <p:style>
+          <a:lnRef idx="2">
+            <a:schemeClr val="dk1"/>
+          </a:lnRef>
+          <a:fillRef idx="1">
+            <a:schemeClr val="lt1"/>
+          </a:fillRef>
+          <a:effectRef idx="0">
+            <a:schemeClr val="dk1"/>
+          </a:effectRef>
+          <a:fontRef idx="minor">
+            <a:schemeClr val="dk1"/>
+          </a:fontRef>
+        </p:style>
+        <p:txBody>
+          <a:bodyPr rtlCol="0" anchor="ctr"/>
+          <a:lstStyle/>
+          <a:p>
+            <a:pPr algn="ctr"/>
+            <a:endParaRPr lang="th-TH"/>
+          </a:p>
+        </p:txBody>
+      </p:sp>
+      <p:pic>
+        <p:nvPicPr>
+          <p:cNvPr id="7" name="รูปภาพ 3"/>
+          <p:cNvPicPr>
+            <a:picLocks noChangeAspect="1"/>
+          </p:cNvPicPr>
+          <p:nvPr/>
+        </p:nvPicPr>
+        <p:blipFill>
+          <a:blip r:embed="rId2" cstate="print">
+            <a:extLst>
+              <a:ext uri="{28A0092B-C50C-407E-A947-70E740481C1C}">
+                <a14:useLocalDpi xmlns:a14="http://schemas.microsoft.com/office/drawing/2010/main" val="0"/>
+              </a:ext>
+            </a:extLst>
+          </a:blip>
+          <a:stretch>
+            <a:fillRect/>
+          </a:stretch>
+        </p:blipFill>
+        <p:spPr>
+          <a:xfrm>
+            <a:off x="7623869" y="736486"/>
+            <a:ext cx="1039740" cy="957963"/>
+          </a:xfrm>
+          <a:prstGeom prst="rect">
+            <a:avLst/>
+          </a:prstGeom>
+        </p:spPr>
+      </p:pic>
+      <p:sp>
+        <p:nvSpPr>
+          <p:cNvPr id="3" name="Rectangle 2"/>
+          <p:cNvSpPr/>
+          <p:nvPr/>
+        </p:nvSpPr>
+        <p:spPr>
+          <a:xfrm>
+            <a:off x="0" y="2082501"/>
+            <a:ext cx="9180512" cy="2862322"/>
+          </a:xfrm>
+          <a:prstGeom prst="rect">
+            <a:avLst/>
+          </a:prstGeom>
+        </p:spPr>
+        <p:txBody>
+          <a:bodyPr wrap="square">
+            <a:spAutoFit/>
+          </a:bodyPr>
+          <a:lstStyle/>
+          <a:p>
+            <a:pPr lvl="1"/>
+            <a:r>
+              <a:rPr lang="th-TH" sz="3600" b="1" dirty="0" smtClean="0">
+                <a:effectLst>
+                  <a:outerShdw blurRad="38100" dist="38100" dir="2700000" algn="tl">
+                    <a:srgbClr val="000000">
+                      <a:alpha val="43137"/>
+                    </a:srgbClr>
+                  </a:outerShdw>
+                </a:effectLst>
+                <a:latin typeface="TH Sarabun New" panose="020B0500040200020003" pitchFamily="34" charset="-34"/>
+                <a:cs typeface="TH Sarabun New" panose="020B0500040200020003" pitchFamily="34" charset="-34"/>
+              </a:rPr>
+              <a:t>1.ลด</a:t>
+            </a:r>
+            <a:r>
+              <a:rPr lang="th-TH" sz="3600" b="1" dirty="0">
+                <a:effectLst>
+                  <a:outerShdw blurRad="38100" dist="38100" dir="2700000" algn="tl">
+                    <a:srgbClr val="000000">
+                      <a:alpha val="43137"/>
+                    </a:srgbClr>
+                  </a:outerShdw>
+                </a:effectLst>
+                <a:latin typeface="TH Sarabun New" panose="020B0500040200020003" pitchFamily="34" charset="-34"/>
+                <a:cs typeface="TH Sarabun New" panose="020B0500040200020003" pitchFamily="34" charset="-34"/>
+              </a:rPr>
+              <a:t>การผิดพลาดเมื่อมีการมีการตรวจสอบครุภัณฑ์ </a:t>
+            </a:r>
+            <a:endParaRPr lang="th-TH" sz="3600" b="1" dirty="0">
+              <a:effectLst>
+                <a:outerShdw blurRad="38100" dist="38100" dir="2700000" algn="tl">
+                  <a:srgbClr val="000000">
+                    <a:alpha val="43137"/>
+                  </a:srgbClr>
+                </a:outerShdw>
+              </a:effectLst>
+              <a:latin typeface="TH Sarabun New" panose="020B0500040200020003" pitchFamily="34" charset="-34"/>
+              <a:cs typeface="TH Sarabun New" panose="020B0500040200020003" pitchFamily="34" charset="-34"/>
+            </a:endParaRPr>
+          </a:p>
+          <a:p>
+            <a:pPr lvl="1"/>
+            <a:r>
+              <a:rPr lang="th-TH" sz="3600" b="1" dirty="0" smtClean="0">
+                <a:effectLst>
+                  <a:outerShdw blurRad="38100" dist="38100" dir="2700000" algn="tl">
+                    <a:srgbClr val="000000">
+                      <a:alpha val="43137"/>
+                    </a:srgbClr>
+                  </a:outerShdw>
+                </a:effectLst>
+                <a:latin typeface="TH Sarabun New" panose="020B0500040200020003" pitchFamily="34" charset="-34"/>
+                <a:cs typeface="TH Sarabun New" panose="020B0500040200020003" pitchFamily="34" charset="-34"/>
+              </a:rPr>
+              <a:t>2.มี</a:t>
+            </a:r>
+            <a:r>
+              <a:rPr lang="th-TH" sz="3600" b="1" dirty="0">
+                <a:effectLst>
+                  <a:outerShdw blurRad="38100" dist="38100" dir="2700000" algn="tl">
+                    <a:srgbClr val="000000">
+                      <a:alpha val="43137"/>
+                    </a:srgbClr>
+                  </a:outerShdw>
+                </a:effectLst>
+                <a:latin typeface="TH Sarabun New" panose="020B0500040200020003" pitchFamily="34" charset="-34"/>
+                <a:cs typeface="TH Sarabun New" panose="020B0500040200020003" pitchFamily="34" charset="-34"/>
+              </a:rPr>
+              <a:t>การตรวจสอบความครบสมบูรณ์ของครุภัณฑ์</a:t>
+            </a:r>
+            <a:endParaRPr lang="en-US" sz="3600" b="1" dirty="0">
+              <a:effectLst>
+                <a:outerShdw blurRad="38100" dist="38100" dir="2700000" algn="tl">
+                  <a:srgbClr val="000000">
+                    <a:alpha val="43137"/>
+                  </a:srgbClr>
+                </a:outerShdw>
+              </a:effectLst>
+              <a:latin typeface="TH Sarabun New" panose="020B0500040200020003" pitchFamily="34" charset="-34"/>
+              <a:cs typeface="TH Sarabun New" panose="020B0500040200020003" pitchFamily="34" charset="-34"/>
+            </a:endParaRPr>
+          </a:p>
+          <a:p>
+            <a:pPr lvl="1"/>
+            <a:r>
+              <a:rPr lang="th-TH" sz="3600" b="1" dirty="0" smtClean="0">
+                <a:effectLst>
+                  <a:outerShdw blurRad="38100" dist="38100" dir="2700000" algn="tl">
+                    <a:srgbClr val="000000">
+                      <a:alpha val="43137"/>
+                    </a:srgbClr>
+                  </a:outerShdw>
+                </a:effectLst>
+                <a:latin typeface="TH Sarabun New" panose="020B0500040200020003" pitchFamily="34" charset="-34"/>
+                <a:cs typeface="TH Sarabun New" panose="020B0500040200020003" pitchFamily="34" charset="-34"/>
+              </a:rPr>
+              <a:t>3.ช่วย</a:t>
+            </a:r>
+            <a:r>
+              <a:rPr lang="th-TH" sz="3600" b="1" dirty="0">
+                <a:effectLst>
+                  <a:outerShdw blurRad="38100" dist="38100" dir="2700000" algn="tl">
+                    <a:srgbClr val="000000">
+                      <a:alpha val="43137"/>
+                    </a:srgbClr>
+                  </a:outerShdw>
+                </a:effectLst>
+                <a:latin typeface="TH Sarabun New" panose="020B0500040200020003" pitchFamily="34" charset="-34"/>
+                <a:cs typeface="TH Sarabun New" panose="020B0500040200020003" pitchFamily="34" charset="-34"/>
+              </a:rPr>
+              <a:t>ลดต้นทุนการดำเนินงาน ทั้งทางตรงและทางอ้อม</a:t>
+            </a:r>
+            <a:endParaRPr lang="en-US" sz="3600" b="1" dirty="0">
+              <a:effectLst>
+                <a:outerShdw blurRad="38100" dist="38100" dir="2700000" algn="tl">
+                  <a:srgbClr val="000000">
+                    <a:alpha val="43137"/>
+                  </a:srgbClr>
+                </a:outerShdw>
+              </a:effectLst>
+              <a:latin typeface="TH Sarabun New" panose="020B0500040200020003" pitchFamily="34" charset="-34"/>
+              <a:cs typeface="TH Sarabun New" panose="020B0500040200020003" pitchFamily="34" charset="-34"/>
+            </a:endParaRPr>
+          </a:p>
+          <a:p>
+            <a:pPr lvl="1"/>
+            <a:r>
+              <a:rPr lang="th-TH" sz="3600" b="1" dirty="0" smtClean="0">
+                <a:effectLst>
+                  <a:outerShdw blurRad="38100" dist="38100" dir="2700000" algn="tl">
+                    <a:srgbClr val="000000">
+                      <a:alpha val="43137"/>
+                    </a:srgbClr>
+                  </a:outerShdw>
+                </a:effectLst>
+                <a:latin typeface="TH Sarabun New" panose="020B0500040200020003" pitchFamily="34" charset="-34"/>
+                <a:cs typeface="TH Sarabun New" panose="020B0500040200020003" pitchFamily="34" charset="-34"/>
+              </a:rPr>
+              <a:t>4.กระบวนการ</a:t>
+            </a:r>
+            <a:r>
+              <a:rPr lang="th-TH" sz="3600" b="1" dirty="0">
+                <a:effectLst>
+                  <a:outerShdw blurRad="38100" dist="38100" dir="2700000" algn="tl">
+                    <a:srgbClr val="000000">
+                      <a:alpha val="43137"/>
+                    </a:srgbClr>
+                  </a:outerShdw>
+                </a:effectLst>
+                <a:latin typeface="TH Sarabun New" panose="020B0500040200020003" pitchFamily="34" charset="-34"/>
+                <a:cs typeface="TH Sarabun New" panose="020B0500040200020003" pitchFamily="34" charset="-34"/>
+              </a:rPr>
+              <a:t>บริหาร/ตัดสินใจ ที่พัฒนาขึ้นโดยสารสนเทศที่รวดเร็ว</a:t>
+            </a:r>
+            <a:endParaRPr lang="en-US" sz="3600" b="1" dirty="0">
+              <a:effectLst>
+                <a:outerShdw blurRad="38100" dist="38100" dir="2700000" algn="tl">
+                  <a:srgbClr val="000000">
+                    <a:alpha val="43137"/>
+                  </a:srgbClr>
+                </a:outerShdw>
+              </a:effectLst>
+              <a:latin typeface="TH Sarabun New" panose="020B0500040200020003" pitchFamily="34" charset="-34"/>
+              <a:cs typeface="TH Sarabun New" panose="020B0500040200020003" pitchFamily="34" charset="-34"/>
+            </a:endParaRPr>
+          </a:p>
+          <a:p>
+            <a:pPr lvl="1"/>
+            <a:r>
+              <a:rPr lang="th-TH" sz="3600" b="1" dirty="0" smtClean="0">
+                <a:effectLst>
+                  <a:outerShdw blurRad="38100" dist="38100" dir="2700000" algn="tl">
+                    <a:srgbClr val="000000">
+                      <a:alpha val="43137"/>
+                    </a:srgbClr>
+                  </a:outerShdw>
+                </a:effectLst>
+                <a:latin typeface="TH Sarabun New" panose="020B0500040200020003" pitchFamily="34" charset="-34"/>
+                <a:cs typeface="TH Sarabun New" panose="020B0500040200020003" pitchFamily="34" charset="-34"/>
+              </a:rPr>
+              <a:t>5.กระบวนการ</a:t>
+            </a:r>
+            <a:r>
+              <a:rPr lang="th-TH" sz="3600" b="1" dirty="0">
+                <a:effectLst>
+                  <a:outerShdw blurRad="38100" dist="38100" dir="2700000" algn="tl">
+                    <a:srgbClr val="000000">
+                      <a:alpha val="43137"/>
+                    </a:srgbClr>
+                  </a:outerShdw>
+                </a:effectLst>
+                <a:latin typeface="TH Sarabun New" panose="020B0500040200020003" pitchFamily="34" charset="-34"/>
+                <a:cs typeface="TH Sarabun New" panose="020B0500040200020003" pitchFamily="34" charset="-34"/>
+              </a:rPr>
+              <a:t>ทำงานที่มีประสิทธิภาพ และรวดเร็วยิ่งขึ้น</a:t>
+            </a:r>
+            <a:endParaRPr lang="en-US" sz="3600" b="1" dirty="0">
+              <a:effectLst>
+                <a:outerShdw blurRad="38100" dist="38100" dir="2700000" algn="tl">
+                  <a:srgbClr val="000000">
+                    <a:alpha val="43137"/>
+                  </a:srgbClr>
+                </a:outerShdw>
+              </a:effectLst>
+              <a:latin typeface="TH Sarabun New" panose="020B0500040200020003" pitchFamily="34" charset="-34"/>
+              <a:cs typeface="TH Sarabun New" panose="020B0500040200020003" pitchFamily="34" charset="-34"/>
+            </a:endParaRPr>
+          </a:p>
+        </p:txBody>
+      </p:sp>
+    </p:spTree>
+    <p:extLst>
+      <p:ext uri="{BB962C8B-B14F-4D97-AF65-F5344CB8AC3E}">
+        <p14:creationId xmlns:p14="http://schemas.microsoft.com/office/powerpoint/2010/main" val="310861106"/>
+      </p:ext>
+    </p:extLst>
+  </p:cSld>
+  <p:clrMapOvr>
+    <a:masterClrMapping/>
+  </p:clrMapOvr>
+  <mc:AlternateContent xmlns:mc="http://schemas.openxmlformats.org/markup-compatibility/2006">
+    <mc:Choice xmlns:p14="http://schemas.microsoft.com/office/powerpoint/2010/main" Requires="p14">
+      <p:transition spd="slow" p14:dur="2000"/>
+    </mc:Choice>
+    <mc:Fallback>
+      <p:transition spd="slow"/>
+    </mc:Fallback>
+  </mc:AlternateContent>
+  <p:timing>
+    <p:tnLst>
+      <p:par>
+        <p:cTn id="1" dur="indefinite" restart="never" nodeType="tmRoot"/>
+      </p:par>
+    </p:tnLst>
+  </p:timing>
+</p:sld>
+</file>
+
+<file path=ppt/slides/slide21.xml><?xml version="1.0" encoding="utf-8"?>
 <p:sld xmlns:a="http://schemas.openxmlformats.org/drawingml/2006/main" xmlns:r="http://schemas.openxmlformats.org/officeDocument/2006/relationships" xmlns:p="http://schemas.openxmlformats.org/presentationml/2006/main">
   <p:cSld>
     <p:spTree>
@@ -8648,308 +13360,6 @@
 </p:sld>
 </file>
 
-<file path=ppt/slides/slide2.xml><?xml version="1.0" encoding="utf-8"?>
-<p:sld xmlns:a="http://schemas.openxmlformats.org/drawingml/2006/main" xmlns:r="http://schemas.openxmlformats.org/officeDocument/2006/relationships" xmlns:p="http://schemas.openxmlformats.org/presentationml/2006/main">
-  <p:cSld>
-    <p:spTree>
-      <p:nvGrpSpPr>
-        <p:cNvPr id="1" name=""/>
-        <p:cNvGrpSpPr/>
-        <p:nvPr/>
-      </p:nvGrpSpPr>
-      <p:grpSpPr>
-        <a:xfrm>
-          <a:off x="0" y="0"/>
-          <a:ext cx="0" cy="0"/>
-          <a:chOff x="0" y="0"/>
-          <a:chExt cx="0" cy="0"/>
-        </a:xfrm>
-      </p:grpSpPr>
-      <p:sp>
-        <p:nvSpPr>
-          <p:cNvPr id="2" name="Title 1"/>
-          <p:cNvSpPr>
-            <a:spLocks noGrp="1"/>
-          </p:cNvSpPr>
-          <p:nvPr>
-            <p:ph type="title"/>
-          </p:nvPr>
-        </p:nvSpPr>
-        <p:spPr>
-          <a:xfrm>
-            <a:off x="434009" y="836712"/>
-            <a:ext cx="8229600" cy="850106"/>
-          </a:xfrm>
-        </p:spPr>
-        <p:txBody>
-          <a:bodyPr>
-            <a:normAutofit fontScale="90000"/>
-          </a:bodyPr>
-          <a:lstStyle/>
-          <a:p>
-            <a:r>
-              <a:rPr lang="th-TH" b="1" dirty="0"/>
-              <a:t>อาจารย์ที่ปรึกษาโครงงาน</a:t>
-            </a:r>
-            <a:endParaRPr lang="en-US" b="1" dirty="0">
-              <a:effectLst>
-                <a:outerShdw blurRad="38100" dist="38100" dir="2700000" algn="tl">
-                  <a:srgbClr val="000000">
-                    <a:alpha val="43137"/>
-                  </a:srgbClr>
-                </a:outerShdw>
-              </a:effectLst>
-            </a:endParaRPr>
-          </a:p>
-        </p:txBody>
-      </p:sp>
-      <p:pic>
-        <p:nvPicPr>
-          <p:cNvPr id="28" name="รูปภาพ 3"/>
-          <p:cNvPicPr>
-            <a:picLocks noChangeAspect="1"/>
-          </p:cNvPicPr>
-          <p:nvPr/>
-        </p:nvPicPr>
-        <p:blipFill>
-          <a:blip r:embed="rId2" cstate="print">
-            <a:extLst>
-              <a:ext uri="{28A0092B-C50C-407E-A947-70E740481C1C}">
-                <a14:useLocalDpi xmlns:a14="http://schemas.microsoft.com/office/drawing/2010/main" val="0"/>
-              </a:ext>
-            </a:extLst>
-          </a:blip>
-          <a:stretch>
-            <a:fillRect/>
-          </a:stretch>
-        </p:blipFill>
-        <p:spPr>
-          <a:xfrm>
-            <a:off x="7625425" y="742845"/>
-            <a:ext cx="1039740" cy="957963"/>
-          </a:xfrm>
-          <a:prstGeom prst="rect">
-            <a:avLst/>
-          </a:prstGeom>
-        </p:spPr>
-      </p:pic>
-      <p:sp>
-        <p:nvSpPr>
-          <p:cNvPr id="29" name="Rectangle 28"/>
-          <p:cNvSpPr/>
-          <p:nvPr/>
-        </p:nvSpPr>
-        <p:spPr>
-          <a:xfrm>
-            <a:off x="72008" y="6462731"/>
-            <a:ext cx="5292080" cy="336447"/>
-          </a:xfrm>
-          <a:prstGeom prst="rect">
-            <a:avLst/>
-          </a:prstGeom>
-          <a:solidFill>
-            <a:srgbClr val="0B3261"/>
-          </a:solidFill>
-          <a:ln>
-            <a:solidFill>
-              <a:srgbClr val="0B3261"/>
-            </a:solidFill>
-          </a:ln>
-        </p:spPr>
-        <p:style>
-          <a:lnRef idx="2">
-            <a:schemeClr val="dk1"/>
-          </a:lnRef>
-          <a:fillRef idx="1">
-            <a:schemeClr val="lt1"/>
-          </a:fillRef>
-          <a:effectRef idx="0">
-            <a:schemeClr val="dk1"/>
-          </a:effectRef>
-          <a:fontRef idx="minor">
-            <a:schemeClr val="dk1"/>
-          </a:fontRef>
-        </p:style>
-        <p:txBody>
-          <a:bodyPr rtlCol="0" anchor="ctr"/>
-          <a:lstStyle/>
-          <a:p>
-            <a:pPr algn="ctr"/>
-            <a:endParaRPr lang="th-TH"/>
-          </a:p>
-        </p:txBody>
-      </p:sp>
-      <p:sp>
-        <p:nvSpPr>
-          <p:cNvPr id="3" name="Rectangle 2"/>
-          <p:cNvSpPr/>
-          <p:nvPr/>
-        </p:nvSpPr>
-        <p:spPr>
-          <a:xfrm>
-            <a:off x="1979712" y="5157192"/>
-            <a:ext cx="5429692" cy="769441"/>
-          </a:xfrm>
-          <a:prstGeom prst="rect">
-            <a:avLst/>
-          </a:prstGeom>
-        </p:spPr>
-        <p:txBody>
-          <a:bodyPr wrap="none">
-            <a:spAutoFit/>
-          </a:bodyPr>
-          <a:lstStyle/>
-          <a:p>
-            <a:r>
-              <a:rPr lang="th-TH" sz="4400" b="1" dirty="0" smtClean="0">
-                <a:effectLst>
-                  <a:outerShdw blurRad="38100" dist="38100" dir="2700000" algn="tl">
-                    <a:srgbClr val="000000">
-                      <a:alpha val="43137"/>
-                    </a:srgbClr>
-                  </a:outerShdw>
-                </a:effectLst>
-                <a:latin typeface="TH Sarabun New" panose="020B0500040200020003" pitchFamily="34" charset="-34"/>
-                <a:ea typeface="Cordia New" panose="020B0304020202020204" pitchFamily="34" charset="-34"/>
-                <a:cs typeface="TH Sarabun New" panose="020B0500040200020003" pitchFamily="34" charset="-34"/>
-              </a:rPr>
-              <a:t>อาจารย์ </a:t>
-            </a:r>
-            <a:r>
-              <a:rPr lang="th-TH" sz="4400" b="1" dirty="0" err="1">
-                <a:effectLst>
-                  <a:outerShdw blurRad="38100" dist="38100" dir="2700000" algn="tl">
-                    <a:srgbClr val="000000">
-                      <a:alpha val="43137"/>
-                    </a:srgbClr>
-                  </a:outerShdw>
-                </a:effectLst>
-                <a:latin typeface="TH Sarabun New" panose="020B0500040200020003" pitchFamily="34" charset="-34"/>
-                <a:ea typeface="Cordia New" panose="020B0304020202020204" pitchFamily="34" charset="-34"/>
-                <a:cs typeface="TH Sarabun New" panose="020B0500040200020003" pitchFamily="34" charset="-34"/>
-              </a:rPr>
-              <a:t>นิลาวร</a:t>
-            </a:r>
-            <a:r>
-              <a:rPr lang="th-TH" sz="4400" b="1" dirty="0">
-                <a:effectLst>
-                  <a:outerShdw blurRad="38100" dist="38100" dir="2700000" algn="tl">
-                    <a:srgbClr val="000000">
-                      <a:alpha val="43137"/>
-                    </a:srgbClr>
-                  </a:outerShdw>
-                </a:effectLst>
-                <a:latin typeface="TH Sarabun New" panose="020B0500040200020003" pitchFamily="34" charset="-34"/>
-                <a:ea typeface="Cordia New" panose="020B0304020202020204" pitchFamily="34" charset="-34"/>
-                <a:cs typeface="TH Sarabun New" panose="020B0500040200020003" pitchFamily="34" charset="-34"/>
-              </a:rPr>
-              <a:t>รณ วงศ์</a:t>
-            </a:r>
-            <a:r>
-              <a:rPr lang="th-TH" sz="4400" b="1" dirty="0" err="1">
-                <a:effectLst>
-                  <a:outerShdw blurRad="38100" dist="38100" dir="2700000" algn="tl">
-                    <a:srgbClr val="000000">
-                      <a:alpha val="43137"/>
-                    </a:srgbClr>
-                  </a:outerShdw>
-                </a:effectLst>
-                <a:latin typeface="TH Sarabun New" panose="020B0500040200020003" pitchFamily="34" charset="-34"/>
-                <a:ea typeface="Cordia New" panose="020B0304020202020204" pitchFamily="34" charset="-34"/>
-                <a:cs typeface="TH Sarabun New" panose="020B0500040200020003" pitchFamily="34" charset="-34"/>
-              </a:rPr>
-              <a:t>ศิลป</a:t>
-            </a:r>
-            <a:r>
-              <a:rPr lang="th-TH" sz="4400" b="1" dirty="0">
-                <a:effectLst>
-                  <a:outerShdw blurRad="38100" dist="38100" dir="2700000" algn="tl">
-                    <a:srgbClr val="000000">
-                      <a:alpha val="43137"/>
-                    </a:srgbClr>
-                  </a:outerShdw>
-                </a:effectLst>
-                <a:latin typeface="TH Sarabun New" panose="020B0500040200020003" pitchFamily="34" charset="-34"/>
-                <a:ea typeface="Cordia New" panose="020B0304020202020204" pitchFamily="34" charset="-34"/>
-                <a:cs typeface="TH Sarabun New" panose="020B0500040200020003" pitchFamily="34" charset="-34"/>
-              </a:rPr>
-              <a:t>มรกต</a:t>
-            </a:r>
-            <a:endParaRPr lang="th-TH" sz="4400" b="1" dirty="0">
-              <a:effectLst>
-                <a:outerShdw blurRad="38100" dist="38100" dir="2700000" algn="tl">
-                  <a:srgbClr val="000000">
-                    <a:alpha val="43137"/>
-                  </a:srgbClr>
-                </a:outerShdw>
-              </a:effectLst>
-              <a:latin typeface="TH Sarabun New" panose="020B0500040200020003" pitchFamily="34" charset="-34"/>
-              <a:cs typeface="TH Sarabun New" panose="020B0500040200020003" pitchFamily="34" charset="-34"/>
-            </a:endParaRPr>
-          </a:p>
-        </p:txBody>
-      </p:sp>
-      <p:pic>
-        <p:nvPicPr>
-          <p:cNvPr id="1026" name="Picture 2" descr="https://fbcdn-sphotos-c-a.akamaihd.net/hphotos-ak-ash2/542438_3721106484920_805415604_n.jpg"/>
-          <p:cNvPicPr>
-            <a:picLocks noChangeAspect="1" noChangeArrowheads="1"/>
-          </p:cNvPicPr>
-          <p:nvPr/>
-        </p:nvPicPr>
-        <p:blipFill>
-          <a:blip r:embed="rId3">
-            <a:extLst>
-              <a:ext uri="{28A0092B-C50C-407E-A947-70E740481C1C}">
-                <a14:useLocalDpi xmlns:a14="http://schemas.microsoft.com/office/drawing/2010/main" val="0"/>
-              </a:ext>
-            </a:extLst>
-          </a:blip>
-          <a:srcRect/>
-          <a:stretch>
-            <a:fillRect/>
-          </a:stretch>
-        </p:blipFill>
-        <p:spPr bwMode="auto">
-          <a:xfrm>
-            <a:off x="3551558" y="2337296"/>
-            <a:ext cx="2286000" cy="2286001"/>
-          </a:xfrm>
-          <a:prstGeom prst="rect">
-            <a:avLst/>
-          </a:prstGeom>
-          <a:noFill/>
-          <a:extLst>
-            <a:ext uri="{909E8E84-426E-40DD-AFC4-6F175D3DCCD1}">
-              <a14:hiddenFill xmlns:a14="http://schemas.microsoft.com/office/drawing/2010/main">
-                <a:solidFill>
-                  <a:srgbClr val="FFFFFF"/>
-                </a:solidFill>
-              </a14:hiddenFill>
-            </a:ext>
-          </a:extLst>
-        </p:spPr>
-      </p:pic>
-    </p:spTree>
-    <p:extLst>
-      <p:ext uri="{BB962C8B-B14F-4D97-AF65-F5344CB8AC3E}">
-        <p14:creationId xmlns:p14="http://schemas.microsoft.com/office/powerpoint/2010/main" val="780921314"/>
-      </p:ext>
-    </p:extLst>
-  </p:cSld>
-  <p:clrMapOvr>
-    <a:masterClrMapping/>
-  </p:clrMapOvr>
-  <p:timing>
-    <p:tnLst>
-      <p:par>
-        <p:cTn id="1" dur="indefinite" restart="never" nodeType="tmRoot"/>
-      </p:par>
-    </p:tnLst>
-  </p:timing>
-</p:sld>
-</file>
-
 <file path=ppt/slides/slide3.xml><?xml version="1.0" encoding="utf-8"?>
 <p:sld xmlns:a="http://schemas.openxmlformats.org/drawingml/2006/main" xmlns:r="http://schemas.openxmlformats.org/officeDocument/2006/relationships" xmlns:p="http://schemas.openxmlformats.org/presentationml/2006/main">
   <p:cSld>
@@ -10076,6 +14486,1023 @@
 </file>
 
 <file path=ppt/slides/slide6.xml><?xml version="1.0" encoding="utf-8"?>
+<p:sld xmlns:a="http://schemas.openxmlformats.org/drawingml/2006/main" xmlns:r="http://schemas.openxmlformats.org/officeDocument/2006/relationships" xmlns:p="http://schemas.openxmlformats.org/presentationml/2006/main" show="0">
+  <p:cSld>
+    <p:spTree>
+      <p:nvGrpSpPr>
+        <p:cNvPr id="1" name=""/>
+        <p:cNvGrpSpPr/>
+        <p:nvPr/>
+      </p:nvGrpSpPr>
+      <p:grpSpPr>
+        <a:xfrm>
+          <a:off x="0" y="0"/>
+          <a:ext cx="0" cy="0"/>
+          <a:chOff x="0" y="0"/>
+          <a:chExt cx="0" cy="0"/>
+        </a:xfrm>
+      </p:grpSpPr>
+      <p:sp>
+        <p:nvSpPr>
+          <p:cNvPr id="2" name="Title 1"/>
+          <p:cNvSpPr>
+            <a:spLocks noGrp="1"/>
+          </p:cNvSpPr>
+          <p:nvPr>
+            <p:ph type="title"/>
+          </p:nvPr>
+        </p:nvSpPr>
+        <p:spPr>
+          <a:xfrm>
+            <a:off x="457200" y="850702"/>
+            <a:ext cx="8229600" cy="850106"/>
+          </a:xfrm>
+        </p:spPr>
+        <p:txBody>
+          <a:bodyPr>
+            <a:noAutofit/>
+          </a:bodyPr>
+          <a:lstStyle/>
+          <a:p>
+            <a:r>
+              <a:rPr lang="th-TH" sz="1800" b="1" dirty="0"/>
+              <a:t>ระเบียบสำนักนายกรัฐมนตรีว่าด้วยการพัสดุ พ.ศ. ๒๕๓๕ และที่แก้ไขเพิ่มเติม</a:t>
+            </a:r>
+            <a:endParaRPr lang="en-US" sz="1800" b="1" dirty="0">
+              <a:effectLst>
+                <a:outerShdw blurRad="38100" dist="38100" dir="2700000" algn="tl">
+                  <a:srgbClr val="000000">
+                    <a:alpha val="43137"/>
+                  </a:srgbClr>
+                </a:outerShdw>
+              </a:effectLst>
+            </a:endParaRPr>
+          </a:p>
+        </p:txBody>
+      </p:sp>
+      <p:pic>
+        <p:nvPicPr>
+          <p:cNvPr id="28" name="รูปภาพ 3"/>
+          <p:cNvPicPr>
+            <a:picLocks noChangeAspect="1"/>
+          </p:cNvPicPr>
+          <p:nvPr/>
+        </p:nvPicPr>
+        <p:blipFill>
+          <a:blip r:embed="rId2" cstate="print">
+            <a:extLst>
+              <a:ext uri="{28A0092B-C50C-407E-A947-70E740481C1C}">
+                <a14:useLocalDpi xmlns:a14="http://schemas.microsoft.com/office/drawing/2010/main" val="0"/>
+              </a:ext>
+            </a:extLst>
+          </a:blip>
+          <a:stretch>
+            <a:fillRect/>
+          </a:stretch>
+        </p:blipFill>
+        <p:spPr>
+          <a:xfrm>
+            <a:off x="7884368" y="850701"/>
+            <a:ext cx="859705" cy="792088"/>
+          </a:xfrm>
+          <a:prstGeom prst="rect">
+            <a:avLst/>
+          </a:prstGeom>
+        </p:spPr>
+      </p:pic>
+      <p:sp>
+        <p:nvSpPr>
+          <p:cNvPr id="29" name="Rectangle 28"/>
+          <p:cNvSpPr/>
+          <p:nvPr/>
+        </p:nvSpPr>
+        <p:spPr>
+          <a:xfrm>
+            <a:off x="72008" y="6462731"/>
+            <a:ext cx="5292080" cy="336447"/>
+          </a:xfrm>
+          <a:prstGeom prst="rect">
+            <a:avLst/>
+          </a:prstGeom>
+          <a:solidFill>
+            <a:srgbClr val="0B3261"/>
+          </a:solidFill>
+          <a:ln>
+            <a:solidFill>
+              <a:srgbClr val="0B3261"/>
+            </a:solidFill>
+          </a:ln>
+        </p:spPr>
+        <p:style>
+          <a:lnRef idx="2">
+            <a:schemeClr val="dk1"/>
+          </a:lnRef>
+          <a:fillRef idx="1">
+            <a:schemeClr val="lt1"/>
+          </a:fillRef>
+          <a:effectRef idx="0">
+            <a:schemeClr val="dk1"/>
+          </a:effectRef>
+          <a:fontRef idx="minor">
+            <a:schemeClr val="dk1"/>
+          </a:fontRef>
+        </p:style>
+        <p:txBody>
+          <a:bodyPr rtlCol="0" anchor="ctr"/>
+          <a:lstStyle/>
+          <a:p>
+            <a:pPr algn="ctr"/>
+            <a:endParaRPr lang="th-TH"/>
+          </a:p>
+        </p:txBody>
+      </p:sp>
+      <p:sp>
+        <p:nvSpPr>
+          <p:cNvPr id="3" name="Rectangle 2"/>
+          <p:cNvSpPr/>
+          <p:nvPr/>
+        </p:nvSpPr>
+        <p:spPr>
+          <a:xfrm>
+            <a:off x="457200" y="1844824"/>
+            <a:ext cx="8030108" cy="4892365"/>
+          </a:xfrm>
+          <a:prstGeom prst="rect">
+            <a:avLst/>
+          </a:prstGeom>
+        </p:spPr>
+        <p:txBody>
+          <a:bodyPr wrap="square">
+            <a:spAutoFit/>
+          </a:bodyPr>
+          <a:lstStyle/>
+          <a:p>
+            <a:pPr algn="thaiDist">
+              <a:lnSpc>
+                <a:spcPct val="107000"/>
+              </a:lnSpc>
+              <a:tabLst>
+                <a:tab pos="228600" algn="l"/>
+                <a:tab pos="457200" algn="l"/>
+                <a:tab pos="685800" algn="l"/>
+                <a:tab pos="914400" algn="l"/>
+                <a:tab pos="1143000" algn="l"/>
+                <a:tab pos="1371600" algn="l"/>
+              </a:tabLst>
+            </a:pPr>
+            <a:r>
+              <a:rPr lang="th-TH" dirty="0">
+                <a:effectLst>
+                  <a:outerShdw blurRad="38100" dist="38100" dir="2700000" algn="tl">
+                    <a:srgbClr val="000000">
+                      <a:alpha val="43137"/>
+                    </a:srgbClr>
+                  </a:outerShdw>
+                </a:effectLst>
+                <a:latin typeface="Calibri" panose="020F0502020204030204" pitchFamily="34" charset="0"/>
+                <a:ea typeface="Calibri" panose="020F0502020204030204" pitchFamily="34" charset="0"/>
+                <a:cs typeface="TH Sarabun New" panose="020B0500040200020003" pitchFamily="34" charset="-34"/>
+              </a:rPr>
+              <a:t>		</a:t>
+            </a:r>
+            <a:r>
+              <a:rPr lang="th-TH" dirty="0" smtClean="0">
+                <a:effectLst>
+                  <a:outerShdw blurRad="38100" dist="38100" dir="2700000" algn="tl">
+                    <a:srgbClr val="000000">
+                      <a:alpha val="43137"/>
+                    </a:srgbClr>
+                  </a:outerShdw>
+                </a:effectLst>
+                <a:latin typeface="Calibri" panose="020F0502020204030204" pitchFamily="34" charset="0"/>
+                <a:ea typeface="Calibri" panose="020F0502020204030204" pitchFamily="34" charset="0"/>
+                <a:cs typeface="TH Sarabun New" panose="020B0500040200020003" pitchFamily="34" charset="-34"/>
+              </a:rPr>
+              <a:t>	</a:t>
+            </a:r>
+            <a:r>
+              <a:rPr lang="th-TH" sz="2800" b="1" dirty="0" smtClean="0">
+                <a:effectLst>
+                  <a:outerShdw blurRad="38100" dist="38100" dir="2700000" algn="tl">
+                    <a:srgbClr val="000000">
+                      <a:alpha val="43137"/>
+                    </a:srgbClr>
+                  </a:outerShdw>
+                </a:effectLst>
+                <a:latin typeface="TH Sarabun New" panose="020B0500040200020003" pitchFamily="34" charset="-34"/>
+                <a:ea typeface="Calibri" panose="020F0502020204030204" pitchFamily="34" charset="0"/>
+                <a:cs typeface="TH Sarabun New" panose="020B0500040200020003" pitchFamily="34" charset="-34"/>
+              </a:rPr>
+              <a:t>	ครุภัณฑ์</a:t>
+            </a:r>
+            <a:r>
+              <a:rPr lang="th-TH" sz="2800" b="1" dirty="0">
+                <a:effectLst>
+                  <a:outerShdw blurRad="38100" dist="38100" dir="2700000" algn="tl">
+                    <a:srgbClr val="000000">
+                      <a:alpha val="43137"/>
+                    </a:srgbClr>
+                  </a:outerShdw>
+                </a:effectLst>
+                <a:latin typeface="TH Sarabun New" panose="020B0500040200020003" pitchFamily="34" charset="-34"/>
+                <a:ea typeface="Calibri" panose="020F0502020204030204" pitchFamily="34" charset="0"/>
+                <a:cs typeface="TH Sarabun New" panose="020B0500040200020003" pitchFamily="34" charset="-34"/>
+              </a:rPr>
+              <a:t>มูลค่าต่ำกว่าเกณฑ์ หมายถึง วัสดุที่มีลักษณะคงทนถาวร และมีอายุการใช้งานเกินกว่า</a:t>
+            </a:r>
+            <a:r>
+              <a:rPr lang="en-US" sz="2800" b="1" dirty="0">
+                <a:effectLst>
+                  <a:outerShdw blurRad="38100" dist="38100" dir="2700000" algn="tl">
+                    <a:srgbClr val="000000">
+                      <a:alpha val="43137"/>
+                    </a:srgbClr>
+                  </a:outerShdw>
+                </a:effectLst>
+                <a:latin typeface="TH Sarabun New" panose="020B0500040200020003" pitchFamily="34" charset="-34"/>
+                <a:ea typeface="Calibri" panose="020F0502020204030204" pitchFamily="34" charset="0"/>
+                <a:cs typeface="TH Sarabun New" panose="020B0500040200020003" pitchFamily="34" charset="-34"/>
+              </a:rPr>
+              <a:t> 1 </a:t>
+            </a:r>
+            <a:r>
+              <a:rPr lang="th-TH" sz="2800" b="1" dirty="0">
+                <a:effectLst>
+                  <a:outerShdw blurRad="38100" dist="38100" dir="2700000" algn="tl">
+                    <a:srgbClr val="000000">
+                      <a:alpha val="43137"/>
+                    </a:srgbClr>
+                  </a:outerShdw>
+                </a:effectLst>
+                <a:latin typeface="TH Sarabun New" panose="020B0500040200020003" pitchFamily="34" charset="-34"/>
+                <a:ea typeface="Calibri" panose="020F0502020204030204" pitchFamily="34" charset="0"/>
+                <a:cs typeface="TH Sarabun New" panose="020B0500040200020003" pitchFamily="34" charset="-34"/>
+              </a:rPr>
+              <a:t>ปีมีราคาต่อหน่วยหรือต่อชุดไม่เกิน</a:t>
+            </a:r>
+            <a:r>
+              <a:rPr lang="en-US" sz="2800" b="1" dirty="0">
+                <a:effectLst>
+                  <a:outerShdw blurRad="38100" dist="38100" dir="2700000" algn="tl">
+                    <a:srgbClr val="000000">
+                      <a:alpha val="43137"/>
+                    </a:srgbClr>
+                  </a:outerShdw>
+                </a:effectLst>
+                <a:latin typeface="TH Sarabun New" panose="020B0500040200020003" pitchFamily="34" charset="-34"/>
+                <a:ea typeface="Calibri" panose="020F0502020204030204" pitchFamily="34" charset="0"/>
+                <a:cs typeface="TH Sarabun New" panose="020B0500040200020003" pitchFamily="34" charset="-34"/>
+              </a:rPr>
+              <a:t> 5,000 </a:t>
+            </a:r>
+            <a:r>
+              <a:rPr lang="th-TH" sz="2800" b="1" dirty="0" smtClean="0">
+                <a:effectLst>
+                  <a:outerShdw blurRad="38100" dist="38100" dir="2700000" algn="tl">
+                    <a:srgbClr val="000000">
+                      <a:alpha val="43137"/>
+                    </a:srgbClr>
+                  </a:outerShdw>
+                </a:effectLst>
+                <a:latin typeface="TH Sarabun New" panose="020B0500040200020003" pitchFamily="34" charset="-34"/>
+                <a:ea typeface="Calibri" panose="020F0502020204030204" pitchFamily="34" charset="0"/>
+                <a:cs typeface="TH Sarabun New" panose="020B0500040200020003" pitchFamily="34" charset="-34"/>
+              </a:rPr>
+              <a:t>บาท</a:t>
+            </a:r>
+          </a:p>
+          <a:p>
+            <a:r>
+              <a:rPr lang="th-TH" sz="2800" b="1" dirty="0">
+                <a:effectLst>
+                  <a:outerShdw blurRad="38100" dist="38100" dir="2700000" algn="tl">
+                    <a:srgbClr val="000000">
+                      <a:alpha val="43137"/>
+                    </a:srgbClr>
+                  </a:outerShdw>
+                </a:effectLst>
+                <a:latin typeface="TH Sarabun New" panose="020B0500040200020003" pitchFamily="34" charset="-34"/>
+                <a:cs typeface="TH Sarabun New" panose="020B0500040200020003" pitchFamily="34" charset="-34"/>
+              </a:rPr>
+              <a:t>	</a:t>
+            </a:r>
+            <a:r>
+              <a:rPr lang="th-TH" sz="2800" b="1" dirty="0" smtClean="0">
+                <a:effectLst>
+                  <a:outerShdw blurRad="38100" dist="38100" dir="2700000" algn="tl">
+                    <a:srgbClr val="000000">
+                      <a:alpha val="43137"/>
+                    </a:srgbClr>
+                  </a:outerShdw>
+                </a:effectLst>
+                <a:latin typeface="TH Sarabun New" panose="020B0500040200020003" pitchFamily="34" charset="-34"/>
+                <a:cs typeface="TH Sarabun New" panose="020B0500040200020003" pitchFamily="34" charset="-34"/>
+              </a:rPr>
+              <a:t>การ</a:t>
+            </a:r>
+            <a:r>
+              <a:rPr lang="th-TH" sz="2800" b="1" dirty="0">
+                <a:effectLst>
+                  <a:outerShdw blurRad="38100" dist="38100" dir="2700000" algn="tl">
+                    <a:srgbClr val="000000">
+                      <a:alpha val="43137"/>
+                    </a:srgbClr>
+                  </a:outerShdw>
+                </a:effectLst>
+                <a:latin typeface="TH Sarabun New" panose="020B0500040200020003" pitchFamily="34" charset="-34"/>
+                <a:cs typeface="TH Sarabun New" panose="020B0500040200020003" pitchFamily="34" charset="-34"/>
+              </a:rPr>
+              <a:t>ควบคุม หมายถึง การลงบัญชีวัสดุหรือทะเบียนคุมทรัพย์สิน </a:t>
+            </a:r>
+            <a:r>
+              <a:rPr lang="th-TH" sz="2800" b="1" dirty="0">
+                <a:solidFill>
+                  <a:srgbClr val="FF0000"/>
+                </a:solidFill>
+                <a:effectLst>
+                  <a:outerShdw blurRad="38100" dist="38100" dir="2700000" algn="tl">
+                    <a:srgbClr val="000000">
+                      <a:alpha val="43137"/>
+                    </a:srgbClr>
+                  </a:outerShdw>
+                </a:effectLst>
+                <a:latin typeface="TH Sarabun New" panose="020B0500040200020003" pitchFamily="34" charset="-34"/>
+                <a:cs typeface="TH Sarabun New" panose="020B0500040200020003" pitchFamily="34" charset="-34"/>
+              </a:rPr>
+              <a:t>การเก็บรักษาพัสดุ การเบิกพัสดุ การจ่ายพัสดุ</a:t>
+            </a:r>
+            <a:endParaRPr lang="en-US" sz="2800" b="1" dirty="0">
+              <a:solidFill>
+                <a:srgbClr val="FF0000"/>
+              </a:solidFill>
+              <a:effectLst>
+                <a:outerShdw blurRad="38100" dist="38100" dir="2700000" algn="tl">
+                  <a:srgbClr val="000000">
+                    <a:alpha val="43137"/>
+                  </a:srgbClr>
+                </a:outerShdw>
+              </a:effectLst>
+              <a:latin typeface="TH Sarabun New" panose="020B0500040200020003" pitchFamily="34" charset="-34"/>
+              <a:cs typeface="TH Sarabun New" panose="020B0500040200020003" pitchFamily="34" charset="-34"/>
+            </a:endParaRPr>
+          </a:p>
+          <a:p>
+            <a:r>
+              <a:rPr lang="th-TH" sz="2800" b="1" dirty="0" smtClean="0">
+                <a:effectLst>
+                  <a:outerShdw blurRad="38100" dist="38100" dir="2700000" algn="tl">
+                    <a:srgbClr val="000000">
+                      <a:alpha val="43137"/>
+                    </a:srgbClr>
+                  </a:outerShdw>
+                </a:effectLst>
+                <a:latin typeface="TH Sarabun New" panose="020B0500040200020003" pitchFamily="34" charset="-34"/>
+                <a:cs typeface="TH Sarabun New" panose="020B0500040200020003" pitchFamily="34" charset="-34"/>
+              </a:rPr>
+              <a:t>	การ</a:t>
+            </a:r>
+            <a:r>
+              <a:rPr lang="th-TH" sz="2800" b="1" dirty="0">
+                <a:effectLst>
+                  <a:outerShdw blurRad="38100" dist="38100" dir="2700000" algn="tl">
+                    <a:srgbClr val="000000">
+                      <a:alpha val="43137"/>
+                    </a:srgbClr>
+                  </a:outerShdw>
+                </a:effectLst>
+                <a:latin typeface="TH Sarabun New" panose="020B0500040200020003" pitchFamily="34" charset="-34"/>
+                <a:cs typeface="TH Sarabun New" panose="020B0500040200020003" pitchFamily="34" charset="-34"/>
+              </a:rPr>
+              <a:t>ลงบัญชีหรือทะเบียนพัสดุ หมายถึง </a:t>
+            </a:r>
+            <a:r>
+              <a:rPr lang="th-TH" sz="2800" b="1" dirty="0">
+                <a:solidFill>
+                  <a:srgbClr val="FF0000"/>
+                </a:solidFill>
+                <a:effectLst>
+                  <a:outerShdw blurRad="38100" dist="38100" dir="2700000" algn="tl">
+                    <a:srgbClr val="000000">
+                      <a:alpha val="43137"/>
+                    </a:srgbClr>
+                  </a:outerShdw>
+                </a:effectLst>
+                <a:latin typeface="TH Sarabun New" panose="020B0500040200020003" pitchFamily="34" charset="-34"/>
+                <a:cs typeface="TH Sarabun New" panose="020B0500040200020003" pitchFamily="34" charset="-34"/>
+              </a:rPr>
+              <a:t>การบันทึกรายละเอียดการรับหรือจ่ายในบัญชีหรือ</a:t>
+            </a:r>
+            <a:r>
+              <a:rPr lang="th-TH" sz="2800" b="1" dirty="0">
+                <a:effectLst>
+                  <a:outerShdw blurRad="38100" dist="38100" dir="2700000" algn="tl">
+                    <a:srgbClr val="000000">
+                      <a:alpha val="43137"/>
+                    </a:srgbClr>
+                  </a:outerShdw>
+                </a:effectLst>
+                <a:latin typeface="TH Sarabun New" panose="020B0500040200020003" pitchFamily="34" charset="-34"/>
+                <a:cs typeface="TH Sarabun New" panose="020B0500040200020003" pitchFamily="34" charset="-34"/>
+              </a:rPr>
+              <a:t>ทะเบียนโดยจำแนกแต่ละประเภท แต่ละรายการของพัสดุ</a:t>
+            </a:r>
+            <a:endParaRPr lang="en-US" sz="2800" b="1" dirty="0">
+              <a:effectLst>
+                <a:outerShdw blurRad="38100" dist="38100" dir="2700000" algn="tl">
+                  <a:srgbClr val="000000">
+                    <a:alpha val="43137"/>
+                  </a:srgbClr>
+                </a:outerShdw>
+              </a:effectLst>
+              <a:latin typeface="TH Sarabun New" panose="020B0500040200020003" pitchFamily="34" charset="-34"/>
+              <a:cs typeface="TH Sarabun New" panose="020B0500040200020003" pitchFamily="34" charset="-34"/>
+            </a:endParaRPr>
+          </a:p>
+          <a:p>
+            <a:r>
+              <a:rPr lang="th-TH" sz="2800" b="1" dirty="0" smtClean="0">
+                <a:effectLst>
+                  <a:outerShdw blurRad="38100" dist="38100" dir="2700000" algn="tl">
+                    <a:srgbClr val="000000">
+                      <a:alpha val="43137"/>
+                    </a:srgbClr>
+                  </a:outerShdw>
+                </a:effectLst>
+                <a:latin typeface="TH Sarabun New" panose="020B0500040200020003" pitchFamily="34" charset="-34"/>
+                <a:cs typeface="TH Sarabun New" panose="020B0500040200020003" pitchFamily="34" charset="-34"/>
+              </a:rPr>
+              <a:t>	การ</a:t>
+            </a:r>
+            <a:r>
+              <a:rPr lang="th-TH" sz="2800" b="1" dirty="0">
+                <a:effectLst>
+                  <a:outerShdw blurRad="38100" dist="38100" dir="2700000" algn="tl">
+                    <a:srgbClr val="000000">
+                      <a:alpha val="43137"/>
+                    </a:srgbClr>
+                  </a:outerShdw>
+                </a:effectLst>
+                <a:latin typeface="TH Sarabun New" panose="020B0500040200020003" pitchFamily="34" charset="-34"/>
+                <a:cs typeface="TH Sarabun New" panose="020B0500040200020003" pitchFamily="34" charset="-34"/>
+              </a:rPr>
+              <a:t>เก็บรักษาพัสดุ หมายถึง การจัดเก็บรักษาพัสดุให้เป็นระเบียบเรียบร้อย ถูกต้อง ครบถ้วน ตรงตามบัญชีหรือทะเบียน</a:t>
+            </a:r>
+            <a:endParaRPr lang="en-US" sz="2800" b="1" dirty="0">
+              <a:effectLst>
+                <a:outerShdw blurRad="38100" dist="38100" dir="2700000" algn="tl">
+                  <a:srgbClr val="000000">
+                    <a:alpha val="43137"/>
+                  </a:srgbClr>
+                </a:outerShdw>
+              </a:effectLst>
+              <a:latin typeface="TH Sarabun New" panose="020B0500040200020003" pitchFamily="34" charset="-34"/>
+              <a:cs typeface="TH Sarabun New" panose="020B0500040200020003" pitchFamily="34" charset="-34"/>
+            </a:endParaRPr>
+          </a:p>
+          <a:p>
+            <a:r>
+              <a:rPr lang="th-TH" sz="2800" b="1" dirty="0" smtClean="0">
+                <a:effectLst>
+                  <a:outerShdw blurRad="38100" dist="38100" dir="2700000" algn="tl">
+                    <a:srgbClr val="000000">
+                      <a:alpha val="43137"/>
+                    </a:srgbClr>
+                  </a:outerShdw>
+                </a:effectLst>
+                <a:latin typeface="TH Sarabun New" panose="020B0500040200020003" pitchFamily="34" charset="-34"/>
+                <a:cs typeface="TH Sarabun New" panose="020B0500040200020003" pitchFamily="34" charset="-34"/>
+              </a:rPr>
+              <a:t>	การ</a:t>
+            </a:r>
+            <a:r>
+              <a:rPr lang="th-TH" sz="2800" b="1" dirty="0">
+                <a:effectLst>
+                  <a:outerShdw blurRad="38100" dist="38100" dir="2700000" algn="tl">
+                    <a:srgbClr val="000000">
+                      <a:alpha val="43137"/>
+                    </a:srgbClr>
+                  </a:outerShdw>
+                </a:effectLst>
+                <a:latin typeface="TH Sarabun New" panose="020B0500040200020003" pitchFamily="34" charset="-34"/>
+                <a:cs typeface="TH Sarabun New" panose="020B0500040200020003" pitchFamily="34" charset="-34"/>
+              </a:rPr>
+              <a:t>ตรวจสอบพัสดุประจำปี หมายถึง </a:t>
+            </a:r>
+            <a:r>
+              <a:rPr lang="th-TH" sz="2800" b="1" dirty="0">
+                <a:solidFill>
+                  <a:srgbClr val="FF0000"/>
+                </a:solidFill>
+                <a:effectLst>
+                  <a:outerShdw blurRad="38100" dist="38100" dir="2700000" algn="tl">
+                    <a:srgbClr val="000000">
+                      <a:alpha val="43137"/>
+                    </a:srgbClr>
+                  </a:outerShdw>
+                </a:effectLst>
+                <a:latin typeface="TH Sarabun New" panose="020B0500040200020003" pitchFamily="34" charset="-34"/>
+                <a:cs typeface="TH Sarabun New" panose="020B0500040200020003" pitchFamily="34" charset="-34"/>
+              </a:rPr>
+              <a:t>การตรวจสอบการรับ</a:t>
+            </a:r>
+            <a:r>
+              <a:rPr lang="en-US" sz="2800" b="1" dirty="0">
+                <a:solidFill>
+                  <a:srgbClr val="FF0000"/>
+                </a:solidFill>
+                <a:effectLst>
+                  <a:outerShdw blurRad="38100" dist="38100" dir="2700000" algn="tl">
+                    <a:srgbClr val="000000">
+                      <a:alpha val="43137"/>
+                    </a:srgbClr>
+                  </a:outerShdw>
+                </a:effectLst>
+                <a:latin typeface="TH Sarabun New" panose="020B0500040200020003" pitchFamily="34" charset="-34"/>
+                <a:cs typeface="TH Sarabun New" panose="020B0500040200020003" pitchFamily="34" charset="-34"/>
+              </a:rPr>
+              <a:t>-</a:t>
+            </a:r>
+            <a:r>
+              <a:rPr lang="th-TH" sz="2800" b="1" dirty="0">
+                <a:solidFill>
+                  <a:srgbClr val="FF0000"/>
+                </a:solidFill>
+                <a:effectLst>
+                  <a:outerShdw blurRad="38100" dist="38100" dir="2700000" algn="tl">
+                    <a:srgbClr val="000000">
+                      <a:alpha val="43137"/>
+                    </a:srgbClr>
+                  </a:outerShdw>
+                </a:effectLst>
+                <a:latin typeface="TH Sarabun New" panose="020B0500040200020003" pitchFamily="34" charset="-34"/>
+                <a:cs typeface="TH Sarabun New" panose="020B0500040200020003" pitchFamily="34" charset="-34"/>
+              </a:rPr>
+              <a:t>จ่ายพัสดุ งวดตั้งแต่วันที่</a:t>
+            </a:r>
+            <a:r>
+              <a:rPr lang="en-US" sz="2800" b="1" dirty="0">
+                <a:solidFill>
+                  <a:srgbClr val="FF0000"/>
+                </a:solidFill>
+                <a:effectLst>
+                  <a:outerShdw blurRad="38100" dist="38100" dir="2700000" algn="tl">
+                    <a:srgbClr val="000000">
+                      <a:alpha val="43137"/>
+                    </a:srgbClr>
+                  </a:outerShdw>
+                </a:effectLst>
+                <a:latin typeface="TH Sarabun New" panose="020B0500040200020003" pitchFamily="34" charset="-34"/>
+                <a:cs typeface="TH Sarabun New" panose="020B0500040200020003" pitchFamily="34" charset="-34"/>
+              </a:rPr>
+              <a:t> 1 </a:t>
+            </a:r>
+            <a:r>
+              <a:rPr lang="th-TH" sz="2800" b="1" dirty="0">
+                <a:solidFill>
+                  <a:srgbClr val="FF0000"/>
+                </a:solidFill>
+                <a:effectLst>
+                  <a:outerShdw blurRad="38100" dist="38100" dir="2700000" algn="tl">
+                    <a:srgbClr val="000000">
+                      <a:alpha val="43137"/>
+                    </a:srgbClr>
+                  </a:outerShdw>
+                </a:effectLst>
+                <a:latin typeface="TH Sarabun New" panose="020B0500040200020003" pitchFamily="34" charset="-34"/>
+                <a:cs typeface="TH Sarabun New" panose="020B0500040200020003" pitchFamily="34" charset="-34"/>
+              </a:rPr>
+              <a:t>ตุลาคม ของปีก่อน จนถึงวันที่</a:t>
+            </a:r>
+            <a:r>
+              <a:rPr lang="en-US" sz="2800" b="1" dirty="0">
+                <a:solidFill>
+                  <a:srgbClr val="FF0000"/>
+                </a:solidFill>
+                <a:effectLst>
+                  <a:outerShdw blurRad="38100" dist="38100" dir="2700000" algn="tl">
+                    <a:srgbClr val="000000">
+                      <a:alpha val="43137"/>
+                    </a:srgbClr>
+                  </a:outerShdw>
+                </a:effectLst>
+                <a:latin typeface="TH Sarabun New" panose="020B0500040200020003" pitchFamily="34" charset="-34"/>
+                <a:cs typeface="TH Sarabun New" panose="020B0500040200020003" pitchFamily="34" charset="-34"/>
+              </a:rPr>
+              <a:t> 30 </a:t>
+            </a:r>
+            <a:r>
+              <a:rPr lang="th-TH" sz="2800" b="1" dirty="0">
+                <a:solidFill>
+                  <a:srgbClr val="FF0000"/>
+                </a:solidFill>
+                <a:effectLst>
+                  <a:outerShdw blurRad="38100" dist="38100" dir="2700000" algn="tl">
+                    <a:srgbClr val="000000">
+                      <a:alpha val="43137"/>
+                    </a:srgbClr>
+                  </a:outerShdw>
+                </a:effectLst>
+                <a:latin typeface="TH Sarabun New" panose="020B0500040200020003" pitchFamily="34" charset="-34"/>
+                <a:cs typeface="TH Sarabun New" panose="020B0500040200020003" pitchFamily="34" charset="-34"/>
+              </a:rPr>
+              <a:t>กันยายน ของปีปัจจุบัน</a:t>
+            </a:r>
+            <a:r>
+              <a:rPr lang="th-TH" sz="2800" b="1" dirty="0">
+                <a:effectLst>
+                  <a:outerShdw blurRad="38100" dist="38100" dir="2700000" algn="tl">
+                    <a:srgbClr val="000000">
+                      <a:alpha val="43137"/>
+                    </a:srgbClr>
+                  </a:outerShdw>
+                </a:effectLst>
+                <a:latin typeface="TH Sarabun New" panose="020B0500040200020003" pitchFamily="34" charset="-34"/>
+                <a:cs typeface="TH Sarabun New" panose="020B0500040200020003" pitchFamily="34" charset="-34"/>
+              </a:rPr>
+              <a:t> และการตรวจนับพัสดุคงเหลือ ณ วันที่</a:t>
+            </a:r>
+            <a:r>
+              <a:rPr lang="en-US" sz="2800" b="1" dirty="0">
+                <a:effectLst>
+                  <a:outerShdw blurRad="38100" dist="38100" dir="2700000" algn="tl">
+                    <a:srgbClr val="000000">
+                      <a:alpha val="43137"/>
+                    </a:srgbClr>
+                  </a:outerShdw>
+                </a:effectLst>
+                <a:latin typeface="TH Sarabun New" panose="020B0500040200020003" pitchFamily="34" charset="-34"/>
+                <a:cs typeface="TH Sarabun New" panose="020B0500040200020003" pitchFamily="34" charset="-34"/>
+              </a:rPr>
+              <a:t> 30 </a:t>
+            </a:r>
+            <a:r>
+              <a:rPr lang="th-TH" sz="2800" b="1" dirty="0">
+                <a:effectLst>
+                  <a:outerShdw blurRad="38100" dist="38100" dir="2700000" algn="tl">
+                    <a:srgbClr val="000000">
+                      <a:alpha val="43137"/>
+                    </a:srgbClr>
+                  </a:outerShdw>
+                </a:effectLst>
+                <a:latin typeface="TH Sarabun New" panose="020B0500040200020003" pitchFamily="34" charset="-34"/>
+                <a:cs typeface="TH Sarabun New" panose="020B0500040200020003" pitchFamily="34" charset="-34"/>
+              </a:rPr>
+              <a:t>กันยายน ของปีปัจจุบัน</a:t>
+            </a:r>
+            <a:endParaRPr lang="en-US" sz="2800" b="1" dirty="0">
+              <a:effectLst>
+                <a:outerShdw blurRad="38100" dist="38100" dir="2700000" algn="tl">
+                  <a:srgbClr val="000000">
+                    <a:alpha val="43137"/>
+                  </a:srgbClr>
+                </a:outerShdw>
+              </a:effectLst>
+              <a:latin typeface="TH Sarabun New" panose="020B0500040200020003" pitchFamily="34" charset="-34"/>
+              <a:ea typeface="Calibri" panose="020F0502020204030204" pitchFamily="34" charset="0"/>
+              <a:cs typeface="TH Sarabun New" panose="020B0500040200020003" pitchFamily="34" charset="-34"/>
+            </a:endParaRPr>
+          </a:p>
+        </p:txBody>
+      </p:sp>
+    </p:spTree>
+    <p:extLst>
+      <p:ext uri="{BB962C8B-B14F-4D97-AF65-F5344CB8AC3E}">
+        <p14:creationId xmlns:p14="http://schemas.microsoft.com/office/powerpoint/2010/main" val="2509261208"/>
+      </p:ext>
+    </p:extLst>
+  </p:cSld>
+  <p:clrMapOvr>
+    <a:masterClrMapping/>
+  </p:clrMapOvr>
+  <mc:AlternateContent xmlns:mc="http://schemas.openxmlformats.org/markup-compatibility/2006">
+    <mc:Choice xmlns:p14="http://schemas.microsoft.com/office/powerpoint/2010/main" Requires="p14">
+      <p:transition spd="slow" p14:dur="2000"/>
+    </mc:Choice>
+    <mc:Fallback>
+      <p:transition spd="slow"/>
+    </mc:Fallback>
+  </mc:AlternateContent>
+  <p:timing>
+    <p:tnLst>
+      <p:par>
+        <p:cTn id="1" dur="indefinite" restart="never" nodeType="tmRoot"/>
+      </p:par>
+    </p:tnLst>
+  </p:timing>
+</p:sld>
+</file>
+
+<file path=ppt/slides/slide7.xml><?xml version="1.0" encoding="utf-8"?>
+<p:sld xmlns:a="http://schemas.openxmlformats.org/drawingml/2006/main" xmlns:r="http://schemas.openxmlformats.org/officeDocument/2006/relationships" xmlns:p="http://schemas.openxmlformats.org/presentationml/2006/main" show="0">
+  <p:cSld>
+    <p:spTree>
+      <p:nvGrpSpPr>
+        <p:cNvPr id="1" name=""/>
+        <p:cNvGrpSpPr/>
+        <p:nvPr/>
+      </p:nvGrpSpPr>
+      <p:grpSpPr>
+        <a:xfrm>
+          <a:off x="0" y="0"/>
+          <a:ext cx="0" cy="0"/>
+          <a:chOff x="0" y="0"/>
+          <a:chExt cx="0" cy="0"/>
+        </a:xfrm>
+      </p:grpSpPr>
+      <p:sp>
+        <p:nvSpPr>
+          <p:cNvPr id="2" name="Title 1"/>
+          <p:cNvSpPr>
+            <a:spLocks noGrp="1"/>
+          </p:cNvSpPr>
+          <p:nvPr>
+            <p:ph type="title"/>
+          </p:nvPr>
+        </p:nvSpPr>
+        <p:spPr>
+          <a:xfrm>
+            <a:off x="457200" y="850702"/>
+            <a:ext cx="8229600" cy="850106"/>
+          </a:xfrm>
+        </p:spPr>
+        <p:txBody>
+          <a:bodyPr>
+            <a:noAutofit/>
+          </a:bodyPr>
+          <a:lstStyle/>
+          <a:p>
+            <a:r>
+              <a:rPr lang="th-TH" sz="1800" b="1" dirty="0"/>
+              <a:t>ระเบียบสำนักนายกรัฐมนตรีว่าด้วยการพัสดุ พ.ศ. ๒๕๓๕ และที่แก้ไขเพิ่มเติม</a:t>
+            </a:r>
+            <a:endParaRPr lang="en-US" sz="1800" b="1" dirty="0">
+              <a:effectLst>
+                <a:outerShdw blurRad="38100" dist="38100" dir="2700000" algn="tl">
+                  <a:srgbClr val="000000">
+                    <a:alpha val="43137"/>
+                  </a:srgbClr>
+                </a:outerShdw>
+              </a:effectLst>
+            </a:endParaRPr>
+          </a:p>
+        </p:txBody>
+      </p:sp>
+      <p:pic>
+        <p:nvPicPr>
+          <p:cNvPr id="28" name="รูปภาพ 3"/>
+          <p:cNvPicPr>
+            <a:picLocks noChangeAspect="1"/>
+          </p:cNvPicPr>
+          <p:nvPr/>
+        </p:nvPicPr>
+        <p:blipFill>
+          <a:blip r:embed="rId2" cstate="print">
+            <a:extLst>
+              <a:ext uri="{28A0092B-C50C-407E-A947-70E740481C1C}">
+                <a14:useLocalDpi xmlns:a14="http://schemas.microsoft.com/office/drawing/2010/main" val="0"/>
+              </a:ext>
+            </a:extLst>
+          </a:blip>
+          <a:stretch>
+            <a:fillRect/>
+          </a:stretch>
+        </p:blipFill>
+        <p:spPr>
+          <a:xfrm>
+            <a:off x="7884368" y="850701"/>
+            <a:ext cx="859705" cy="792088"/>
+          </a:xfrm>
+          <a:prstGeom prst="rect">
+            <a:avLst/>
+          </a:prstGeom>
+        </p:spPr>
+      </p:pic>
+      <p:sp>
+        <p:nvSpPr>
+          <p:cNvPr id="29" name="Rectangle 28"/>
+          <p:cNvSpPr/>
+          <p:nvPr/>
+        </p:nvSpPr>
+        <p:spPr>
+          <a:xfrm>
+            <a:off x="72008" y="6462731"/>
+            <a:ext cx="5292080" cy="336447"/>
+          </a:xfrm>
+          <a:prstGeom prst="rect">
+            <a:avLst/>
+          </a:prstGeom>
+          <a:solidFill>
+            <a:srgbClr val="0B3261"/>
+          </a:solidFill>
+          <a:ln>
+            <a:solidFill>
+              <a:srgbClr val="0B3261"/>
+            </a:solidFill>
+          </a:ln>
+        </p:spPr>
+        <p:style>
+          <a:lnRef idx="2">
+            <a:schemeClr val="dk1"/>
+          </a:lnRef>
+          <a:fillRef idx="1">
+            <a:schemeClr val="lt1"/>
+          </a:fillRef>
+          <a:effectRef idx="0">
+            <a:schemeClr val="dk1"/>
+          </a:effectRef>
+          <a:fontRef idx="minor">
+            <a:schemeClr val="dk1"/>
+          </a:fontRef>
+        </p:style>
+        <p:txBody>
+          <a:bodyPr rtlCol="0" anchor="ctr"/>
+          <a:lstStyle/>
+          <a:p>
+            <a:pPr algn="ctr"/>
+            <a:endParaRPr lang="th-TH"/>
+          </a:p>
+        </p:txBody>
+      </p:sp>
+      <p:sp>
+        <p:nvSpPr>
+          <p:cNvPr id="3" name="Rectangle 2"/>
+          <p:cNvSpPr/>
+          <p:nvPr/>
+        </p:nvSpPr>
+        <p:spPr>
+          <a:xfrm>
+            <a:off x="457200" y="1844824"/>
+            <a:ext cx="8229600" cy="5016758"/>
+          </a:xfrm>
+          <a:prstGeom prst="rect">
+            <a:avLst/>
+          </a:prstGeom>
+        </p:spPr>
+        <p:txBody>
+          <a:bodyPr wrap="square">
+            <a:spAutoFit/>
+          </a:bodyPr>
+          <a:lstStyle/>
+          <a:p>
+            <a:pPr algn="thaiDist"/>
+            <a:r>
+              <a:rPr lang="th-TH" sz="4000" b="1" dirty="0" smtClean="0">
+                <a:latin typeface="TH Sarabun New" panose="020B0500040200020003" pitchFamily="34" charset="-34"/>
+                <a:cs typeface="TH Sarabun New" panose="020B0500040200020003" pitchFamily="34" charset="-34"/>
+              </a:rPr>
+              <a:t>ข้อ</a:t>
+            </a:r>
+            <a:r>
+              <a:rPr lang="th-TH" sz="4000" b="1" dirty="0">
+                <a:latin typeface="TH Sarabun New" panose="020B0500040200020003" pitchFamily="34" charset="-34"/>
+                <a:cs typeface="TH Sarabun New" panose="020B0500040200020003" pitchFamily="34" charset="-34"/>
+              </a:rPr>
+              <a:t>ควรทราบเกี่ยวกับทะเบียนคุมทรัพย์สิน</a:t>
+            </a:r>
+            <a:endParaRPr lang="en-US" sz="4000" dirty="0">
+              <a:latin typeface="TH Sarabun New" panose="020B0500040200020003" pitchFamily="34" charset="-34"/>
+              <a:cs typeface="TH Sarabun New" panose="020B0500040200020003" pitchFamily="34" charset="-34"/>
+            </a:endParaRPr>
+          </a:p>
+          <a:p>
+            <a:pPr algn="thaiDist"/>
+            <a:r>
+              <a:rPr lang="en-US" sz="4000" dirty="0" smtClean="0">
+                <a:latin typeface="TH Sarabun New" panose="020B0500040200020003" pitchFamily="34" charset="-34"/>
+                <a:cs typeface="TH Sarabun New" panose="020B0500040200020003" pitchFamily="34" charset="-34"/>
+              </a:rPr>
+              <a:t>	1</a:t>
+            </a:r>
+            <a:r>
+              <a:rPr lang="en-US" sz="4000" dirty="0">
+                <a:latin typeface="TH Sarabun New" panose="020B0500040200020003" pitchFamily="34" charset="-34"/>
+                <a:cs typeface="TH Sarabun New" panose="020B0500040200020003" pitchFamily="34" charset="-34"/>
+              </a:rPr>
+              <a:t>. </a:t>
+            </a:r>
+            <a:r>
+              <a:rPr lang="th-TH" sz="4000" dirty="0">
+                <a:latin typeface="TH Sarabun New" panose="020B0500040200020003" pitchFamily="34" charset="-34"/>
+                <a:cs typeface="TH Sarabun New" panose="020B0500040200020003" pitchFamily="34" charset="-34"/>
+              </a:rPr>
+              <a:t>ครุภัณฑ์มูลค่าต่ำกว่าเกณฑ์ ให้บันทึกการควบคุมในทะเบียนคุมทรัพย์สิน แต่ไม่คิดค่าเสื่อมราคาตามหนังสือกรมบัญชีกลางที่ </a:t>
+            </a:r>
+            <a:r>
+              <a:rPr lang="th-TH" sz="4000" dirty="0" err="1">
+                <a:latin typeface="TH Sarabun New" panose="020B0500040200020003" pitchFamily="34" charset="-34"/>
+                <a:cs typeface="TH Sarabun New" panose="020B0500040200020003" pitchFamily="34" charset="-34"/>
+              </a:rPr>
+              <a:t>กค</a:t>
+            </a:r>
+            <a:r>
+              <a:rPr lang="en-US" sz="4000" dirty="0">
+                <a:latin typeface="TH Sarabun New" panose="020B0500040200020003" pitchFamily="34" charset="-34"/>
+                <a:cs typeface="TH Sarabun New" panose="020B0500040200020003" pitchFamily="34" charset="-34"/>
+              </a:rPr>
+              <a:t> 04103 /</a:t>
+            </a:r>
+            <a:r>
+              <a:rPr lang="th-TH" sz="4000" dirty="0">
+                <a:latin typeface="TH Sarabun New" panose="020B0500040200020003" pitchFamily="34" charset="-34"/>
+                <a:cs typeface="TH Sarabun New" panose="020B0500040200020003" pitchFamily="34" charset="-34"/>
+              </a:rPr>
+              <a:t>ว</a:t>
+            </a:r>
+            <a:r>
+              <a:rPr lang="en-US" sz="4000" dirty="0">
+                <a:latin typeface="TH Sarabun New" panose="020B0500040200020003" pitchFamily="34" charset="-34"/>
+                <a:cs typeface="TH Sarabun New" panose="020B0500040200020003" pitchFamily="34" charset="-34"/>
+              </a:rPr>
+              <a:t>48 </a:t>
+            </a:r>
+            <a:r>
+              <a:rPr lang="th-TH" sz="4000" dirty="0">
+                <a:latin typeface="TH Sarabun New" panose="020B0500040200020003" pitchFamily="34" charset="-34"/>
+                <a:cs typeface="TH Sarabun New" panose="020B0500040200020003" pitchFamily="34" charset="-34"/>
+              </a:rPr>
+              <a:t>ลงวันที่</a:t>
+            </a:r>
+            <a:r>
+              <a:rPr lang="en-US" sz="4000" dirty="0">
+                <a:latin typeface="TH Sarabun New" panose="020B0500040200020003" pitchFamily="34" charset="-34"/>
+                <a:cs typeface="TH Sarabun New" panose="020B0500040200020003" pitchFamily="34" charset="-34"/>
+              </a:rPr>
+              <a:t> 13 </a:t>
+            </a:r>
+            <a:r>
+              <a:rPr lang="th-TH" sz="4000" dirty="0">
+                <a:latin typeface="TH Sarabun New" panose="020B0500040200020003" pitchFamily="34" charset="-34"/>
+                <a:cs typeface="TH Sarabun New" panose="020B0500040200020003" pitchFamily="34" charset="-34"/>
+              </a:rPr>
+              <a:t>กันยายน</a:t>
+            </a:r>
+            <a:r>
+              <a:rPr lang="en-US" sz="4000" dirty="0">
+                <a:latin typeface="TH Sarabun New" panose="020B0500040200020003" pitchFamily="34" charset="-34"/>
+                <a:cs typeface="TH Sarabun New" panose="020B0500040200020003" pitchFamily="34" charset="-34"/>
+              </a:rPr>
+              <a:t> 2549</a:t>
+            </a:r>
+          </a:p>
+          <a:p>
+            <a:pPr algn="thaiDist"/>
+            <a:r>
+              <a:rPr lang="en-US" sz="4000" dirty="0" smtClean="0">
+                <a:latin typeface="TH Sarabun New" panose="020B0500040200020003" pitchFamily="34" charset="-34"/>
+                <a:cs typeface="TH Sarabun New" panose="020B0500040200020003" pitchFamily="34" charset="-34"/>
+              </a:rPr>
+              <a:t>	2</a:t>
+            </a:r>
+            <a:r>
+              <a:rPr lang="en-US" sz="4000" dirty="0">
+                <a:latin typeface="TH Sarabun New" panose="020B0500040200020003" pitchFamily="34" charset="-34"/>
+                <a:cs typeface="TH Sarabun New" panose="020B0500040200020003" pitchFamily="34" charset="-34"/>
+              </a:rPr>
+              <a:t>. </a:t>
+            </a:r>
+            <a:r>
+              <a:rPr lang="th-TH" sz="4000" dirty="0">
+                <a:latin typeface="TH Sarabun New" panose="020B0500040200020003" pitchFamily="34" charset="-34"/>
+                <a:cs typeface="TH Sarabun New" panose="020B0500040200020003" pitchFamily="34" charset="-34"/>
+              </a:rPr>
+              <a:t>เมื่อได้รับครุภัณฑ์และกำหนดรหัสครุภัณฑ์แล้ว ให้เขียนรหัสครุภัณฑ์ที่ตัวครุภัณฑ์ด้วย เพื่อสามารถควบคุมและตรวจสอบได้</a:t>
+            </a:r>
+            <a:endParaRPr lang="en-US" sz="4000" dirty="0">
+              <a:latin typeface="TH Sarabun New" panose="020B0500040200020003" pitchFamily="34" charset="-34"/>
+              <a:cs typeface="TH Sarabun New" panose="020B0500040200020003" pitchFamily="34" charset="-34"/>
+            </a:endParaRPr>
+          </a:p>
+        </p:txBody>
+      </p:sp>
+    </p:spTree>
+    <p:extLst>
+      <p:ext uri="{BB962C8B-B14F-4D97-AF65-F5344CB8AC3E}">
+        <p14:creationId xmlns:p14="http://schemas.microsoft.com/office/powerpoint/2010/main" val="3456603291"/>
+      </p:ext>
+    </p:extLst>
+  </p:cSld>
+  <p:clrMapOvr>
+    <a:masterClrMapping/>
+  </p:clrMapOvr>
+  <mc:AlternateContent xmlns:mc="http://schemas.openxmlformats.org/markup-compatibility/2006">
+    <mc:Choice xmlns:p14="http://schemas.microsoft.com/office/powerpoint/2010/main" Requires="p14">
+      <p:transition spd="slow" p14:dur="2000"/>
+    </mc:Choice>
+    <mc:Fallback>
+      <p:transition spd="slow"/>
+    </mc:Fallback>
+  </mc:AlternateContent>
+  <p:timing>
+    <p:tnLst>
+      <p:par>
+        <p:cTn id="1" dur="indefinite" restart="never" nodeType="tmRoot"/>
+      </p:par>
+    </p:tnLst>
+  </p:timing>
+</p:sld>
+</file>
+
+<file path=ppt/slides/slide8.xml><?xml version="1.0" encoding="utf-8"?>
 <p:sld xmlns:a="http://schemas.openxmlformats.org/drawingml/2006/main" xmlns:r="http://schemas.openxmlformats.org/officeDocument/2006/relationships" xmlns:p="http://schemas.openxmlformats.org/presentationml/2006/main">
   <p:cSld>
     <p:spTree>
@@ -10634,7 +16061,7 @@
 </p:sld>
 </file>
 
-<file path=ppt/slides/slide7.xml><?xml version="1.0" encoding="utf-8"?>
+<file path=ppt/slides/slide9.xml><?xml version="1.0" encoding="utf-8"?>
 <p:sld xmlns:a="http://schemas.openxmlformats.org/drawingml/2006/main" xmlns:r="http://schemas.openxmlformats.org/officeDocument/2006/relationships" xmlns:p="http://schemas.openxmlformats.org/presentationml/2006/main">
   <p:cSld>
     <p:spTree>
@@ -11362,1460 +16789,6 @@
 </p:sld>
 </file>
 
-<file path=ppt/slides/slide8.xml><?xml version="1.0" encoding="utf-8"?>
-<p:sld xmlns:a="http://schemas.openxmlformats.org/drawingml/2006/main" xmlns:r="http://schemas.openxmlformats.org/officeDocument/2006/relationships" xmlns:p="http://schemas.openxmlformats.org/presentationml/2006/main">
-  <p:cSld>
-    <p:spTree>
-      <p:nvGrpSpPr>
-        <p:cNvPr id="1" name=""/>
-        <p:cNvGrpSpPr/>
-        <p:nvPr/>
-      </p:nvGrpSpPr>
-      <p:grpSpPr>
-        <a:xfrm>
-          <a:off x="0" y="0"/>
-          <a:ext cx="0" cy="0"/>
-          <a:chOff x="0" y="0"/>
-          <a:chExt cx="0" cy="0"/>
-        </a:xfrm>
-      </p:grpSpPr>
-      <p:sp>
-        <p:nvSpPr>
-          <p:cNvPr id="2" name="Title 1"/>
-          <p:cNvSpPr>
-            <a:spLocks noGrp="1"/>
-          </p:cNvSpPr>
-          <p:nvPr>
-            <p:ph type="title"/>
-          </p:nvPr>
-        </p:nvSpPr>
-        <p:spPr>
-          <a:xfrm>
-            <a:off x="457200" y="756835"/>
-            <a:ext cx="8229600" cy="850106"/>
-          </a:xfrm>
-        </p:spPr>
-        <p:txBody>
-          <a:bodyPr>
-            <a:normAutofit fontScale="90000"/>
-          </a:bodyPr>
-          <a:lstStyle/>
-          <a:p>
-            <a:r>
-              <a:rPr lang="th-TH" b="1" dirty="0">
-                <a:effectLst>
-                  <a:outerShdw blurRad="38100" dist="38100" dir="2700000" algn="tl">
-                    <a:srgbClr val="000000">
-                      <a:alpha val="43137"/>
-                    </a:srgbClr>
-                  </a:outerShdw>
-                </a:effectLst>
-              </a:rPr>
-              <a:t>ระบบงานเดิมการตรวจนับ</a:t>
-            </a:r>
-            <a:endParaRPr lang="en-US" b="1" dirty="0">
-              <a:effectLst>
-                <a:outerShdw blurRad="38100" dist="38100" dir="2700000" algn="tl">
-                  <a:srgbClr val="000000">
-                    <a:alpha val="43137"/>
-                  </a:srgbClr>
-                </a:outerShdw>
-              </a:effectLst>
-            </a:endParaRPr>
-          </a:p>
-        </p:txBody>
-      </p:sp>
-      <p:pic>
-        <p:nvPicPr>
-          <p:cNvPr id="28" name="รูปภาพ 3"/>
-          <p:cNvPicPr>
-            <a:picLocks noChangeAspect="1"/>
-          </p:cNvPicPr>
-          <p:nvPr/>
-        </p:nvPicPr>
-        <p:blipFill>
-          <a:blip r:embed="rId2" cstate="print">
-            <a:extLst>
-              <a:ext uri="{28A0092B-C50C-407E-A947-70E740481C1C}">
-                <a14:useLocalDpi xmlns:a14="http://schemas.microsoft.com/office/drawing/2010/main" val="0"/>
-              </a:ext>
-            </a:extLst>
-          </a:blip>
-          <a:stretch>
-            <a:fillRect/>
-          </a:stretch>
-        </p:blipFill>
-        <p:spPr>
-          <a:xfrm>
-            <a:off x="7623869" y="670837"/>
-            <a:ext cx="1039740" cy="957963"/>
-          </a:xfrm>
-          <a:prstGeom prst="rect">
-            <a:avLst/>
-          </a:prstGeom>
-        </p:spPr>
-      </p:pic>
-      <p:sp>
-        <p:nvSpPr>
-          <p:cNvPr id="29" name="Rectangle 28"/>
-          <p:cNvSpPr/>
-          <p:nvPr/>
-        </p:nvSpPr>
-        <p:spPr>
-          <a:xfrm>
-            <a:off x="72008" y="6462731"/>
-            <a:ext cx="5292080" cy="336447"/>
-          </a:xfrm>
-          <a:prstGeom prst="rect">
-            <a:avLst/>
-          </a:prstGeom>
-          <a:solidFill>
-            <a:srgbClr val="0B3261"/>
-          </a:solidFill>
-          <a:ln>
-            <a:solidFill>
-              <a:srgbClr val="0B3261"/>
-            </a:solidFill>
-          </a:ln>
-        </p:spPr>
-        <p:style>
-          <a:lnRef idx="2">
-            <a:schemeClr val="dk1"/>
-          </a:lnRef>
-          <a:fillRef idx="1">
-            <a:schemeClr val="lt1"/>
-          </a:fillRef>
-          <a:effectRef idx="0">
-            <a:schemeClr val="dk1"/>
-          </a:effectRef>
-          <a:fontRef idx="minor">
-            <a:schemeClr val="dk1"/>
-          </a:fontRef>
-        </p:style>
-        <p:txBody>
-          <a:bodyPr rtlCol="0" anchor="ctr"/>
-          <a:lstStyle/>
-          <a:p>
-            <a:pPr algn="ctr"/>
-            <a:endParaRPr lang="th-TH"/>
-          </a:p>
-        </p:txBody>
-      </p:sp>
-      <p:sp>
-        <p:nvSpPr>
-          <p:cNvPr id="30" name="ลูกศรขวา 4"/>
-          <p:cNvSpPr/>
-          <p:nvPr/>
-        </p:nvSpPr>
-        <p:spPr>
-          <a:xfrm>
-            <a:off x="2491261" y="2422606"/>
-            <a:ext cx="720080" cy="720080"/>
-          </a:xfrm>
-          <a:prstGeom prst="rightArrow">
-            <a:avLst/>
-          </a:prstGeom>
-        </p:spPr>
-        <p:style>
-          <a:lnRef idx="3">
-            <a:schemeClr val="lt1"/>
-          </a:lnRef>
-          <a:fillRef idx="1">
-            <a:schemeClr val="dk1"/>
-          </a:fillRef>
-          <a:effectRef idx="1">
-            <a:schemeClr val="dk1"/>
-          </a:effectRef>
-          <a:fontRef idx="minor">
-            <a:schemeClr val="lt1"/>
-          </a:fontRef>
-        </p:style>
-        <p:txBody>
-          <a:bodyPr rtlCol="0" anchor="ctr"/>
-          <a:lstStyle/>
-          <a:p>
-            <a:pPr algn="ctr"/>
-            <a:endParaRPr lang="en-US"/>
-          </a:p>
-        </p:txBody>
-      </p:sp>
-      <p:sp>
-        <p:nvSpPr>
-          <p:cNvPr id="31" name="ลูกศรขวา 6"/>
-          <p:cNvSpPr/>
-          <p:nvPr/>
-        </p:nvSpPr>
-        <p:spPr>
-          <a:xfrm>
-            <a:off x="5292080" y="2468006"/>
-            <a:ext cx="720080" cy="720080"/>
-          </a:xfrm>
-          <a:prstGeom prst="rightArrow">
-            <a:avLst/>
-          </a:prstGeom>
-        </p:spPr>
-        <p:style>
-          <a:lnRef idx="3">
-            <a:schemeClr val="lt1"/>
-          </a:lnRef>
-          <a:fillRef idx="1">
-            <a:schemeClr val="dk1"/>
-          </a:fillRef>
-          <a:effectRef idx="1">
-            <a:schemeClr val="dk1"/>
-          </a:effectRef>
-          <a:fontRef idx="minor">
-            <a:schemeClr val="lt1"/>
-          </a:fontRef>
-        </p:style>
-        <p:txBody>
-          <a:bodyPr rtlCol="0" anchor="ctr"/>
-          <a:lstStyle/>
-          <a:p>
-            <a:pPr algn="ctr"/>
-            <a:endParaRPr lang="en-US"/>
-          </a:p>
-        </p:txBody>
-      </p:sp>
-      <p:sp>
-        <p:nvSpPr>
-          <p:cNvPr id="32" name="ลูกศรขวา 7"/>
-          <p:cNvSpPr/>
-          <p:nvPr/>
-        </p:nvSpPr>
-        <p:spPr>
-          <a:xfrm rot="5400000">
-            <a:off x="7212754" y="3864777"/>
-            <a:ext cx="720080" cy="720080"/>
-          </a:xfrm>
-          <a:prstGeom prst="rightArrow">
-            <a:avLst/>
-          </a:prstGeom>
-        </p:spPr>
-        <p:style>
-          <a:lnRef idx="3">
-            <a:schemeClr val="lt1"/>
-          </a:lnRef>
-          <a:fillRef idx="1">
-            <a:schemeClr val="dk1"/>
-          </a:fillRef>
-          <a:effectRef idx="1">
-            <a:schemeClr val="dk1"/>
-          </a:effectRef>
-          <a:fontRef idx="minor">
-            <a:schemeClr val="lt1"/>
-          </a:fontRef>
-        </p:style>
-        <p:txBody>
-          <a:bodyPr rtlCol="0" anchor="ctr"/>
-          <a:lstStyle/>
-          <a:p>
-            <a:pPr algn="ctr"/>
-            <a:endParaRPr lang="en-US"/>
-          </a:p>
-        </p:txBody>
-      </p:sp>
-      <p:sp>
-        <p:nvSpPr>
-          <p:cNvPr id="33" name="ลูกศรขวา 10"/>
-          <p:cNvSpPr/>
-          <p:nvPr/>
-        </p:nvSpPr>
-        <p:spPr>
-          <a:xfrm rot="10800000">
-            <a:off x="5508104" y="4869159"/>
-            <a:ext cx="720080" cy="720080"/>
-          </a:xfrm>
-          <a:prstGeom prst="rightArrow">
-            <a:avLst/>
-          </a:prstGeom>
-        </p:spPr>
-        <p:style>
-          <a:lnRef idx="3">
-            <a:schemeClr val="lt1"/>
-          </a:lnRef>
-          <a:fillRef idx="1">
-            <a:schemeClr val="dk1"/>
-          </a:fillRef>
-          <a:effectRef idx="1">
-            <a:schemeClr val="dk1"/>
-          </a:effectRef>
-          <a:fontRef idx="minor">
-            <a:schemeClr val="lt1"/>
-          </a:fontRef>
-        </p:style>
-        <p:txBody>
-          <a:bodyPr rtlCol="0" anchor="ctr"/>
-          <a:lstStyle/>
-          <a:p>
-            <a:pPr algn="ctr"/>
-            <a:endParaRPr lang="en-US"/>
-          </a:p>
-        </p:txBody>
-      </p:sp>
-      <p:sp>
-        <p:nvSpPr>
-          <p:cNvPr id="35" name="ลูกศรขวา 12"/>
-          <p:cNvSpPr/>
-          <p:nvPr/>
-        </p:nvSpPr>
-        <p:spPr>
-          <a:xfrm rot="10800000">
-            <a:off x="2627784" y="4869160"/>
-            <a:ext cx="720080" cy="720080"/>
-          </a:xfrm>
-          <a:prstGeom prst="rightArrow">
-            <a:avLst/>
-          </a:prstGeom>
-        </p:spPr>
-        <p:style>
-          <a:lnRef idx="3">
-            <a:schemeClr val="lt1"/>
-          </a:lnRef>
-          <a:fillRef idx="1">
-            <a:schemeClr val="dk1"/>
-          </a:fillRef>
-          <a:effectRef idx="1">
-            <a:schemeClr val="dk1"/>
-          </a:effectRef>
-          <a:fontRef idx="minor">
-            <a:schemeClr val="lt1"/>
-          </a:fontRef>
-        </p:style>
-        <p:txBody>
-          <a:bodyPr rtlCol="0" anchor="ctr"/>
-          <a:lstStyle/>
-          <a:p>
-            <a:pPr algn="ctr"/>
-            <a:endParaRPr lang="en-US"/>
-          </a:p>
-        </p:txBody>
-      </p:sp>
-      <p:pic>
-        <p:nvPicPr>
-          <p:cNvPr id="36" name="รูปภาพ 13"/>
-          <p:cNvPicPr>
-            <a:picLocks noChangeAspect="1"/>
-          </p:cNvPicPr>
-          <p:nvPr/>
-        </p:nvPicPr>
-        <p:blipFill>
-          <a:blip r:embed="rId3" cstate="print">
-            <a:extLst>
-              <a:ext uri="{28A0092B-C50C-407E-A947-70E740481C1C}">
-                <a14:useLocalDpi xmlns:a14="http://schemas.microsoft.com/office/drawing/2010/main" val="0"/>
-              </a:ext>
-            </a:extLst>
-          </a:blip>
-          <a:stretch>
-            <a:fillRect/>
-          </a:stretch>
-        </p:blipFill>
-        <p:spPr>
-          <a:xfrm>
-            <a:off x="6955822" y="2312701"/>
-            <a:ext cx="1247995" cy="1247995"/>
-          </a:xfrm>
-          <a:prstGeom prst="rect">
-            <a:avLst/>
-          </a:prstGeom>
-        </p:spPr>
-      </p:pic>
-      <p:pic>
-        <p:nvPicPr>
-          <p:cNvPr id="37" name="รูปภาพ 14"/>
-          <p:cNvPicPr>
-            <a:picLocks noChangeAspect="1"/>
-          </p:cNvPicPr>
-          <p:nvPr/>
-        </p:nvPicPr>
-        <p:blipFill>
-          <a:blip r:embed="rId4" cstate="print">
-            <a:extLst>
-              <a:ext uri="{28A0092B-C50C-407E-A947-70E740481C1C}">
-                <a14:useLocalDpi xmlns:a14="http://schemas.microsoft.com/office/drawing/2010/main" val="0"/>
-              </a:ext>
-            </a:extLst>
-          </a:blip>
-          <a:stretch>
-            <a:fillRect/>
-          </a:stretch>
-        </p:blipFill>
-        <p:spPr>
-          <a:xfrm>
-            <a:off x="7052701" y="4667702"/>
-            <a:ext cx="1142335" cy="1142335"/>
-          </a:xfrm>
-          <a:prstGeom prst="rect">
-            <a:avLst/>
-          </a:prstGeom>
-          <a:ln w="38100" cap="sq">
-            <a:solidFill>
-              <a:srgbClr val="000000"/>
-            </a:solidFill>
-            <a:prstDash val="solid"/>
-            <a:miter lim="800000"/>
-          </a:ln>
-          <a:effectLst>
-            <a:outerShdw blurRad="50800" dist="38100" dir="2700000" algn="tl" rotWithShape="0">
-              <a:srgbClr val="000000">
-                <a:alpha val="43000"/>
-              </a:srgbClr>
-            </a:outerShdw>
-          </a:effectLst>
-        </p:spPr>
-      </p:pic>
-      <p:pic>
-        <p:nvPicPr>
-          <p:cNvPr id="38" name="รูปภาพ 15"/>
-          <p:cNvPicPr>
-            <a:picLocks noChangeAspect="1"/>
-          </p:cNvPicPr>
-          <p:nvPr/>
-        </p:nvPicPr>
-        <p:blipFill>
-          <a:blip r:embed="rId5" cstate="print">
-            <a:extLst>
-              <a:ext uri="{28A0092B-C50C-407E-A947-70E740481C1C}">
-                <a14:useLocalDpi xmlns:a14="http://schemas.microsoft.com/office/drawing/2010/main" val="0"/>
-              </a:ext>
-            </a:extLst>
-          </a:blip>
-          <a:stretch>
-            <a:fillRect/>
-          </a:stretch>
-        </p:blipFill>
-        <p:spPr>
-          <a:xfrm>
-            <a:off x="3593568" y="2135692"/>
-            <a:ext cx="1427451" cy="1427451"/>
-          </a:xfrm>
-          <a:prstGeom prst="rect">
-            <a:avLst/>
-          </a:prstGeom>
-        </p:spPr>
-      </p:pic>
-      <p:pic>
-        <p:nvPicPr>
-          <p:cNvPr id="39" name="รูปภาพ 16"/>
-          <p:cNvPicPr>
-            <a:picLocks noChangeAspect="1"/>
-          </p:cNvPicPr>
-          <p:nvPr/>
-        </p:nvPicPr>
-        <p:blipFill>
-          <a:blip r:embed="rId6"/>
-          <a:stretch>
-            <a:fillRect/>
-          </a:stretch>
-        </p:blipFill>
-        <p:spPr>
-          <a:xfrm>
-            <a:off x="4096068" y="4729719"/>
-            <a:ext cx="1029556" cy="1029556"/>
-          </a:xfrm>
-          <a:prstGeom prst="rect">
-            <a:avLst/>
-          </a:prstGeom>
-          <a:ln w="38100" cap="sq">
-            <a:solidFill>
-              <a:srgbClr val="000000"/>
-            </a:solidFill>
-            <a:prstDash val="solid"/>
-            <a:miter lim="800000"/>
-          </a:ln>
-          <a:effectLst>
-            <a:outerShdw blurRad="50800" dist="38100" dir="2700000" algn="tl" rotWithShape="0">
-              <a:srgbClr val="000000">
-                <a:alpha val="43000"/>
-              </a:srgbClr>
-            </a:outerShdw>
-          </a:effectLst>
-        </p:spPr>
-      </p:pic>
-      <p:pic>
-        <p:nvPicPr>
-          <p:cNvPr id="40" name="รูปภาพ 18"/>
-          <p:cNvPicPr>
-            <a:picLocks noChangeAspect="1"/>
-          </p:cNvPicPr>
-          <p:nvPr/>
-        </p:nvPicPr>
-        <p:blipFill>
-          <a:blip r:embed="rId7" cstate="print">
-            <a:extLst>
-              <a:ext uri="{28A0092B-C50C-407E-A947-70E740481C1C}">
-                <a14:useLocalDpi xmlns:a14="http://schemas.microsoft.com/office/drawing/2010/main" val="0"/>
-              </a:ext>
-            </a:extLst>
-          </a:blip>
-          <a:stretch>
-            <a:fillRect/>
-          </a:stretch>
-        </p:blipFill>
-        <p:spPr>
-          <a:xfrm>
-            <a:off x="945006" y="1921488"/>
-            <a:ext cx="1265556" cy="1628800"/>
-          </a:xfrm>
-          <a:prstGeom prst="rect">
-            <a:avLst/>
-          </a:prstGeom>
-          <a:ln w="38100" cap="sq">
-            <a:solidFill>
-              <a:srgbClr val="000000"/>
-            </a:solidFill>
-            <a:prstDash val="solid"/>
-            <a:miter lim="800000"/>
-          </a:ln>
-          <a:effectLst>
-            <a:outerShdw blurRad="50800" dist="38100" dir="2700000" algn="tl" rotWithShape="0">
-              <a:srgbClr val="000000">
-                <a:alpha val="43000"/>
-              </a:srgbClr>
-            </a:outerShdw>
-          </a:effectLst>
-        </p:spPr>
-      </p:pic>
-      <p:sp>
-        <p:nvSpPr>
-          <p:cNvPr id="42" name="กล่องข้อความ 24"/>
-          <p:cNvSpPr txBox="1"/>
-          <p:nvPr/>
-        </p:nvSpPr>
-        <p:spPr>
-          <a:xfrm>
-            <a:off x="1215669" y="3550288"/>
-            <a:ext cx="1388522" cy="461665"/>
-          </a:xfrm>
-          <a:prstGeom prst="rect">
-            <a:avLst/>
-          </a:prstGeom>
-          <a:noFill/>
-        </p:spPr>
-        <p:txBody>
-          <a:bodyPr wrap="none" rtlCol="0">
-            <a:spAutoFit/>
-          </a:bodyPr>
-          <a:lstStyle/>
-          <a:p>
-            <a:pPr lvl="0"/>
-            <a:r>
-              <a:rPr lang="th-TH" sz="2400" dirty="0"/>
-              <a:t>หนังสือจาก</a:t>
-            </a:r>
-            <a:r>
-              <a:rPr lang="th-TH" sz="2400" dirty="0" smtClean="0"/>
-              <a:t>พัสดุ</a:t>
-            </a:r>
-            <a:endParaRPr lang="en-US" sz="2400" dirty="0"/>
-          </a:p>
-        </p:txBody>
-      </p:sp>
-      <p:sp>
-        <p:nvSpPr>
-          <p:cNvPr id="43" name="กล่องข้อความ 25"/>
-          <p:cNvSpPr txBox="1"/>
-          <p:nvPr/>
-        </p:nvSpPr>
-        <p:spPr>
-          <a:xfrm>
-            <a:off x="3486950" y="3550288"/>
-            <a:ext cx="2441694" cy="461665"/>
-          </a:xfrm>
-          <a:prstGeom prst="rect">
-            <a:avLst/>
-          </a:prstGeom>
-          <a:noFill/>
-        </p:spPr>
-        <p:txBody>
-          <a:bodyPr wrap="none" rtlCol="0">
-            <a:spAutoFit/>
-          </a:bodyPr>
-          <a:lstStyle/>
-          <a:p>
-            <a:pPr lvl="0"/>
-            <a:r>
-              <a:rPr lang="th-TH" sz="2400" dirty="0"/>
-              <a:t>นำข้อมูลประจำปี</a:t>
-            </a:r>
-            <a:r>
-              <a:rPr lang="th-TH" sz="2400" dirty="0" smtClean="0"/>
-              <a:t>ครุภัณฑ์พิมพ์</a:t>
-            </a:r>
-            <a:endParaRPr lang="en-US" sz="2400" dirty="0"/>
-          </a:p>
-        </p:txBody>
-      </p:sp>
-      <p:sp>
-        <p:nvSpPr>
-          <p:cNvPr id="44" name="กล่องข้อความ 26"/>
-          <p:cNvSpPr txBox="1"/>
-          <p:nvPr/>
-        </p:nvSpPr>
-        <p:spPr>
-          <a:xfrm>
-            <a:off x="6958308" y="3514756"/>
-            <a:ext cx="1779654" cy="461665"/>
-          </a:xfrm>
-          <a:prstGeom prst="rect">
-            <a:avLst/>
-          </a:prstGeom>
-          <a:noFill/>
-        </p:spPr>
-        <p:txBody>
-          <a:bodyPr wrap="none" rtlCol="0">
-            <a:spAutoFit/>
-          </a:bodyPr>
-          <a:lstStyle/>
-          <a:p>
-            <a:pPr lvl="0"/>
-            <a:r>
-              <a:rPr lang="th-TH" sz="2400" dirty="0"/>
-              <a:t>นำเอกสารไปตรวจ</a:t>
-            </a:r>
-            <a:r>
-              <a:rPr lang="th-TH" sz="2400" dirty="0" smtClean="0"/>
-              <a:t>นับ</a:t>
-            </a:r>
-            <a:endParaRPr lang="en-US" sz="2400" dirty="0"/>
-          </a:p>
-        </p:txBody>
-      </p:sp>
-      <p:sp>
-        <p:nvSpPr>
-          <p:cNvPr id="45" name="กล่องข้อความ 27"/>
-          <p:cNvSpPr txBox="1"/>
-          <p:nvPr/>
-        </p:nvSpPr>
-        <p:spPr>
-          <a:xfrm>
-            <a:off x="6886077" y="5740668"/>
-            <a:ext cx="1672253" cy="461665"/>
-          </a:xfrm>
-          <a:prstGeom prst="rect">
-            <a:avLst/>
-          </a:prstGeom>
-          <a:noFill/>
-        </p:spPr>
-        <p:txBody>
-          <a:bodyPr wrap="none" rtlCol="0">
-            <a:spAutoFit/>
-          </a:bodyPr>
-          <a:lstStyle/>
-          <a:p>
-            <a:pPr lvl="0"/>
-            <a:r>
-              <a:rPr lang="th-TH" sz="2400" dirty="0"/>
-              <a:t>สรุปผลการตรวจ</a:t>
-            </a:r>
-            <a:r>
-              <a:rPr lang="th-TH" sz="2400" dirty="0" smtClean="0"/>
-              <a:t>นับ</a:t>
-            </a:r>
-            <a:endParaRPr lang="en-US" sz="2400" dirty="0"/>
-          </a:p>
-        </p:txBody>
-      </p:sp>
-      <p:sp>
-        <p:nvSpPr>
-          <p:cNvPr id="46" name="กล่องข้อความ 28"/>
-          <p:cNvSpPr txBox="1"/>
-          <p:nvPr/>
-        </p:nvSpPr>
-        <p:spPr>
-          <a:xfrm>
-            <a:off x="3887064" y="5740668"/>
-            <a:ext cx="1204176" cy="461665"/>
-          </a:xfrm>
-          <a:prstGeom prst="rect">
-            <a:avLst/>
-          </a:prstGeom>
-          <a:noFill/>
-        </p:spPr>
-        <p:txBody>
-          <a:bodyPr wrap="none" rtlCol="0">
-            <a:spAutoFit/>
-          </a:bodyPr>
-          <a:lstStyle/>
-          <a:p>
-            <a:pPr lvl="0"/>
-            <a:r>
-              <a:rPr lang="th-TH" sz="2400" dirty="0"/>
-              <a:t>นำเอกสาร </a:t>
-            </a:r>
-            <a:r>
-              <a:rPr lang="th-TH" sz="2400" dirty="0" smtClean="0"/>
-              <a:t>ส่ง</a:t>
-            </a:r>
-            <a:endParaRPr lang="en-US" sz="2400" dirty="0"/>
-          </a:p>
-        </p:txBody>
-      </p:sp>
-      <p:pic>
-        <p:nvPicPr>
-          <p:cNvPr id="47" name="รูปภาพ 29"/>
-          <p:cNvPicPr>
-            <a:picLocks noChangeAspect="1"/>
-          </p:cNvPicPr>
-          <p:nvPr/>
-        </p:nvPicPr>
-        <p:blipFill>
-          <a:blip r:embed="rId8" cstate="print">
-            <a:extLst>
-              <a:ext uri="{28A0092B-C50C-407E-A947-70E740481C1C}">
-                <a14:useLocalDpi xmlns:a14="http://schemas.microsoft.com/office/drawing/2010/main" val="0"/>
-              </a:ext>
-            </a:extLst>
-          </a:blip>
-          <a:stretch>
-            <a:fillRect/>
-          </a:stretch>
-        </p:blipFill>
-        <p:spPr>
-          <a:xfrm>
-            <a:off x="1259632" y="4581128"/>
-            <a:ext cx="1053546" cy="1267767"/>
-          </a:xfrm>
-          <a:prstGeom prst="rect">
-            <a:avLst/>
-          </a:prstGeom>
-          <a:ln w="38100" cap="sq">
-            <a:solidFill>
-              <a:srgbClr val="000000"/>
-            </a:solidFill>
-            <a:prstDash val="solid"/>
-            <a:miter lim="800000"/>
-          </a:ln>
-          <a:effectLst>
-            <a:outerShdw blurRad="50800" dist="38100" dir="2700000" algn="tl" rotWithShape="0">
-              <a:srgbClr val="000000">
-                <a:alpha val="43000"/>
-              </a:srgbClr>
-            </a:outerShdw>
-          </a:effectLst>
-        </p:spPr>
-      </p:pic>
-    </p:spTree>
-    <p:extLst>
-      <p:ext uri="{BB962C8B-B14F-4D97-AF65-F5344CB8AC3E}">
-        <p14:creationId xmlns:p14="http://schemas.microsoft.com/office/powerpoint/2010/main" val="620753967"/>
-      </p:ext>
-    </p:extLst>
-  </p:cSld>
-  <p:clrMapOvr>
-    <a:masterClrMapping/>
-  </p:clrMapOvr>
-  <p:timing>
-    <p:tnLst>
-      <p:par>
-        <p:cTn id="1" dur="indefinite" restart="never" nodeType="tmRoot"/>
-      </p:par>
-    </p:tnLst>
-  </p:timing>
-</p:sld>
-</file>
-
-<file path=ppt/slides/slide9.xml><?xml version="1.0" encoding="utf-8"?>
-<p:sld xmlns:a="http://schemas.openxmlformats.org/drawingml/2006/main" xmlns:r="http://schemas.openxmlformats.org/officeDocument/2006/relationships" xmlns:p="http://schemas.openxmlformats.org/presentationml/2006/main">
-  <p:cSld>
-    <p:spTree>
-      <p:nvGrpSpPr>
-        <p:cNvPr id="1" name=""/>
-        <p:cNvGrpSpPr/>
-        <p:nvPr/>
-      </p:nvGrpSpPr>
-      <p:grpSpPr>
-        <a:xfrm>
-          <a:off x="0" y="0"/>
-          <a:ext cx="0" cy="0"/>
-          <a:chOff x="0" y="0"/>
-          <a:chExt cx="0" cy="0"/>
-        </a:xfrm>
-      </p:grpSpPr>
-      <p:sp>
-        <p:nvSpPr>
-          <p:cNvPr id="2" name="Title 1"/>
-          <p:cNvSpPr>
-            <a:spLocks noGrp="1"/>
-          </p:cNvSpPr>
-          <p:nvPr>
-            <p:ph type="title"/>
-          </p:nvPr>
-        </p:nvSpPr>
-        <p:spPr>
-          <a:xfrm>
-            <a:off x="457200" y="756835"/>
-            <a:ext cx="8229600" cy="850106"/>
-          </a:xfrm>
-        </p:spPr>
-        <p:txBody>
-          <a:bodyPr>
-            <a:normAutofit fontScale="90000"/>
-          </a:bodyPr>
-          <a:lstStyle/>
-          <a:p>
-            <a:r>
-              <a:rPr lang="th-TH" b="1" dirty="0">
-                <a:effectLst>
-                  <a:outerShdw blurRad="38100" dist="38100" dir="2700000" algn="tl">
-                    <a:srgbClr val="000000">
-                      <a:alpha val="43137"/>
-                    </a:srgbClr>
-                  </a:outerShdw>
-                </a:effectLst>
-              </a:rPr>
-              <a:t>ระบบงานใหม่การตรวจนับ</a:t>
-            </a:r>
-            <a:endParaRPr lang="en-US" b="1" dirty="0">
-              <a:effectLst>
-                <a:outerShdw blurRad="38100" dist="38100" dir="2700000" algn="tl">
-                  <a:srgbClr val="000000">
-                    <a:alpha val="43137"/>
-                  </a:srgbClr>
-                </a:outerShdw>
-              </a:effectLst>
-            </a:endParaRPr>
-          </a:p>
-        </p:txBody>
-      </p:sp>
-      <p:pic>
-        <p:nvPicPr>
-          <p:cNvPr id="28" name="รูปภาพ 3"/>
-          <p:cNvPicPr>
-            <a:picLocks noChangeAspect="1"/>
-          </p:cNvPicPr>
-          <p:nvPr/>
-        </p:nvPicPr>
-        <p:blipFill>
-          <a:blip r:embed="rId2" cstate="print">
-            <a:extLst>
-              <a:ext uri="{28A0092B-C50C-407E-A947-70E740481C1C}">
-                <a14:useLocalDpi xmlns:a14="http://schemas.microsoft.com/office/drawing/2010/main" val="0"/>
-              </a:ext>
-            </a:extLst>
-          </a:blip>
-          <a:stretch>
-            <a:fillRect/>
-          </a:stretch>
-        </p:blipFill>
-        <p:spPr>
-          <a:xfrm>
-            <a:off x="7623869" y="670837"/>
-            <a:ext cx="1039740" cy="957963"/>
-          </a:xfrm>
-          <a:prstGeom prst="rect">
-            <a:avLst/>
-          </a:prstGeom>
-        </p:spPr>
-      </p:pic>
-      <p:sp>
-        <p:nvSpPr>
-          <p:cNvPr id="29" name="Rectangle 28"/>
-          <p:cNvSpPr/>
-          <p:nvPr/>
-        </p:nvSpPr>
-        <p:spPr>
-          <a:xfrm>
-            <a:off x="72008" y="6462731"/>
-            <a:ext cx="5292080" cy="336447"/>
-          </a:xfrm>
-          <a:prstGeom prst="rect">
-            <a:avLst/>
-          </a:prstGeom>
-          <a:solidFill>
-            <a:srgbClr val="0B3261"/>
-          </a:solidFill>
-          <a:ln>
-            <a:solidFill>
-              <a:srgbClr val="0B3261"/>
-            </a:solidFill>
-          </a:ln>
-        </p:spPr>
-        <p:style>
-          <a:lnRef idx="2">
-            <a:schemeClr val="dk1"/>
-          </a:lnRef>
-          <a:fillRef idx="1">
-            <a:schemeClr val="lt1"/>
-          </a:fillRef>
-          <a:effectRef idx="0">
-            <a:schemeClr val="dk1"/>
-          </a:effectRef>
-          <a:fontRef idx="minor">
-            <a:schemeClr val="dk1"/>
-          </a:fontRef>
-        </p:style>
-        <p:txBody>
-          <a:bodyPr rtlCol="0" anchor="ctr"/>
-          <a:lstStyle/>
-          <a:p>
-            <a:pPr algn="ctr"/>
-            <a:endParaRPr lang="th-TH"/>
-          </a:p>
-        </p:txBody>
-      </p:sp>
-      <p:sp>
-        <p:nvSpPr>
-          <p:cNvPr id="51" name="ลูกศรขวา 4"/>
-          <p:cNvSpPr/>
-          <p:nvPr/>
-        </p:nvSpPr>
-        <p:spPr>
-          <a:xfrm>
-            <a:off x="2569898" y="2447163"/>
-            <a:ext cx="720080" cy="720080"/>
-          </a:xfrm>
-          <a:prstGeom prst="rightArrow">
-            <a:avLst/>
-          </a:prstGeom>
-        </p:spPr>
-        <p:style>
-          <a:lnRef idx="3">
-            <a:schemeClr val="lt1"/>
-          </a:lnRef>
-          <a:fillRef idx="1">
-            <a:schemeClr val="dk1"/>
-          </a:fillRef>
-          <a:effectRef idx="1">
-            <a:schemeClr val="dk1"/>
-          </a:effectRef>
-          <a:fontRef idx="minor">
-            <a:schemeClr val="lt1"/>
-          </a:fontRef>
-        </p:style>
-        <p:txBody>
-          <a:bodyPr rtlCol="0" anchor="ctr"/>
-          <a:lstStyle/>
-          <a:p>
-            <a:pPr algn="ctr"/>
-            <a:endParaRPr lang="en-US"/>
-          </a:p>
-        </p:txBody>
-      </p:sp>
-      <p:sp>
-        <p:nvSpPr>
-          <p:cNvPr id="52" name="ลูกศรขวา 7"/>
-          <p:cNvSpPr/>
-          <p:nvPr/>
-        </p:nvSpPr>
-        <p:spPr>
-          <a:xfrm rot="5400000">
-            <a:off x="6873442" y="3807206"/>
-            <a:ext cx="720080" cy="720080"/>
-          </a:xfrm>
-          <a:prstGeom prst="rightArrow">
-            <a:avLst/>
-          </a:prstGeom>
-        </p:spPr>
-        <p:style>
-          <a:lnRef idx="3">
-            <a:schemeClr val="lt1"/>
-          </a:lnRef>
-          <a:fillRef idx="1">
-            <a:schemeClr val="dk1"/>
-          </a:fillRef>
-          <a:effectRef idx="1">
-            <a:schemeClr val="dk1"/>
-          </a:effectRef>
-          <a:fontRef idx="minor">
-            <a:schemeClr val="lt1"/>
-          </a:fontRef>
-        </p:style>
-        <p:txBody>
-          <a:bodyPr rtlCol="0" anchor="ctr"/>
-          <a:lstStyle/>
-          <a:p>
-            <a:pPr algn="ctr"/>
-            <a:endParaRPr lang="en-US"/>
-          </a:p>
-        </p:txBody>
-      </p:sp>
-      <p:sp>
-        <p:nvSpPr>
-          <p:cNvPr id="53" name="ลูกศรขวา 10"/>
-          <p:cNvSpPr/>
-          <p:nvPr/>
-        </p:nvSpPr>
-        <p:spPr>
-          <a:xfrm rot="10800000">
-            <a:off x="5292080" y="4552521"/>
-            <a:ext cx="720080" cy="720080"/>
-          </a:xfrm>
-          <a:prstGeom prst="rightArrow">
-            <a:avLst/>
-          </a:prstGeom>
-        </p:spPr>
-        <p:style>
-          <a:lnRef idx="3">
-            <a:schemeClr val="lt1"/>
-          </a:lnRef>
-          <a:fillRef idx="1">
-            <a:schemeClr val="dk1"/>
-          </a:fillRef>
-          <a:effectRef idx="1">
-            <a:schemeClr val="dk1"/>
-          </a:effectRef>
-          <a:fontRef idx="minor">
-            <a:schemeClr val="lt1"/>
-          </a:fontRef>
-        </p:style>
-        <p:txBody>
-          <a:bodyPr rtlCol="0" anchor="ctr"/>
-          <a:lstStyle/>
-          <a:p>
-            <a:pPr algn="ctr"/>
-            <a:endParaRPr lang="en-US"/>
-          </a:p>
-        </p:txBody>
-      </p:sp>
-      <p:sp>
-        <p:nvSpPr>
-          <p:cNvPr id="54" name="ลูกศรขวา 12"/>
-          <p:cNvSpPr/>
-          <p:nvPr/>
-        </p:nvSpPr>
-        <p:spPr>
-          <a:xfrm rot="10800000">
-            <a:off x="2491261" y="4581128"/>
-            <a:ext cx="720080" cy="720080"/>
-          </a:xfrm>
-          <a:prstGeom prst="rightArrow">
-            <a:avLst/>
-          </a:prstGeom>
-        </p:spPr>
-        <p:style>
-          <a:lnRef idx="3">
-            <a:schemeClr val="lt1"/>
-          </a:lnRef>
-          <a:fillRef idx="1">
-            <a:schemeClr val="dk1"/>
-          </a:fillRef>
-          <a:effectRef idx="1">
-            <a:schemeClr val="dk1"/>
-          </a:effectRef>
-          <a:fontRef idx="minor">
-            <a:schemeClr val="lt1"/>
-          </a:fontRef>
-        </p:style>
-        <p:txBody>
-          <a:bodyPr rtlCol="0" anchor="ctr"/>
-          <a:lstStyle/>
-          <a:p>
-            <a:pPr algn="ctr"/>
-            <a:endParaRPr lang="en-US"/>
-          </a:p>
-        </p:txBody>
-      </p:sp>
-      <p:pic>
-        <p:nvPicPr>
-          <p:cNvPr id="55" name="รูปภาพ 14"/>
-          <p:cNvPicPr>
-            <a:picLocks noChangeAspect="1"/>
-          </p:cNvPicPr>
-          <p:nvPr/>
-        </p:nvPicPr>
-        <p:blipFill>
-          <a:blip r:embed="rId3" cstate="print">
-            <a:extLst>
-              <a:ext uri="{28A0092B-C50C-407E-A947-70E740481C1C}">
-                <a14:useLocalDpi xmlns:a14="http://schemas.microsoft.com/office/drawing/2010/main" val="0"/>
-              </a:ext>
-            </a:extLst>
-          </a:blip>
-          <a:stretch>
-            <a:fillRect/>
-          </a:stretch>
-        </p:blipFill>
-        <p:spPr>
-          <a:xfrm>
-            <a:off x="6692411" y="4627772"/>
-            <a:ext cx="1203392" cy="1203392"/>
-          </a:xfrm>
-          <a:prstGeom prst="rect">
-            <a:avLst/>
-          </a:prstGeom>
-          <a:ln w="38100" cap="sq">
-            <a:solidFill>
-              <a:srgbClr val="000000"/>
-            </a:solidFill>
-            <a:prstDash val="solid"/>
-            <a:miter lim="800000"/>
-          </a:ln>
-          <a:effectLst>
-            <a:outerShdw blurRad="50800" dist="38100" dir="2700000" algn="tl" rotWithShape="0">
-              <a:srgbClr val="000000">
-                <a:alpha val="43000"/>
-              </a:srgbClr>
-            </a:outerShdw>
-          </a:effectLst>
-        </p:spPr>
-      </p:pic>
-      <p:pic>
-        <p:nvPicPr>
-          <p:cNvPr id="56" name="รูปภาพ 16"/>
-          <p:cNvPicPr>
-            <a:picLocks noChangeAspect="1"/>
-          </p:cNvPicPr>
-          <p:nvPr/>
-        </p:nvPicPr>
-        <p:blipFill>
-          <a:blip r:embed="rId4"/>
-          <a:stretch>
-            <a:fillRect/>
-          </a:stretch>
-        </p:blipFill>
-        <p:spPr>
-          <a:xfrm>
-            <a:off x="3673338" y="4689789"/>
-            <a:ext cx="1084584" cy="1084584"/>
-          </a:xfrm>
-          <a:prstGeom prst="rect">
-            <a:avLst/>
-          </a:prstGeom>
-          <a:ln w="38100" cap="sq">
-            <a:solidFill>
-              <a:srgbClr val="000000"/>
-            </a:solidFill>
-            <a:prstDash val="solid"/>
-            <a:miter lim="800000"/>
-          </a:ln>
-          <a:effectLst>
-            <a:outerShdw blurRad="50800" dist="38100" dir="2700000" algn="tl" rotWithShape="0">
-              <a:srgbClr val="000000">
-                <a:alpha val="43000"/>
-              </a:srgbClr>
-            </a:outerShdw>
-          </a:effectLst>
-        </p:spPr>
-      </p:pic>
-      <p:pic>
-        <p:nvPicPr>
-          <p:cNvPr id="57" name="รูปภาพ 17"/>
-          <p:cNvPicPr>
-            <a:picLocks noChangeAspect="1"/>
-          </p:cNvPicPr>
-          <p:nvPr/>
-        </p:nvPicPr>
-        <p:blipFill>
-          <a:blip r:embed="rId5" cstate="print">
-            <a:extLst>
-              <a:ext uri="{28A0092B-C50C-407E-A947-70E740481C1C}">
-                <a14:useLocalDpi xmlns:a14="http://schemas.microsoft.com/office/drawing/2010/main" val="0"/>
-              </a:ext>
-            </a:extLst>
-          </a:blip>
-          <a:stretch>
-            <a:fillRect/>
-          </a:stretch>
-        </p:blipFill>
-        <p:spPr>
-          <a:xfrm>
-            <a:off x="1002260" y="4426190"/>
-            <a:ext cx="1109857" cy="1335528"/>
-          </a:xfrm>
-          <a:prstGeom prst="rect">
-            <a:avLst/>
-          </a:prstGeom>
-          <a:ln w="38100" cap="sq">
-            <a:solidFill>
-              <a:srgbClr val="000000"/>
-            </a:solidFill>
-            <a:prstDash val="solid"/>
-            <a:miter lim="800000"/>
-          </a:ln>
-          <a:effectLst>
-            <a:outerShdw blurRad="50800" dist="38100" dir="2700000" algn="tl" rotWithShape="0">
-              <a:srgbClr val="000000">
-                <a:alpha val="43000"/>
-              </a:srgbClr>
-            </a:outerShdw>
-          </a:effectLst>
-        </p:spPr>
-      </p:pic>
-      <p:pic>
-        <p:nvPicPr>
-          <p:cNvPr id="58" name="รูปภาพ 18"/>
-          <p:cNvPicPr>
-            <a:picLocks noChangeAspect="1"/>
-          </p:cNvPicPr>
-          <p:nvPr/>
-        </p:nvPicPr>
-        <p:blipFill>
-          <a:blip r:embed="rId6" cstate="print">
-            <a:extLst>
-              <a:ext uri="{28A0092B-C50C-407E-A947-70E740481C1C}">
-                <a14:useLocalDpi xmlns:a14="http://schemas.microsoft.com/office/drawing/2010/main" val="0"/>
-              </a:ext>
-            </a:extLst>
-          </a:blip>
-          <a:stretch>
-            <a:fillRect/>
-          </a:stretch>
-        </p:blipFill>
-        <p:spPr>
-          <a:xfrm>
-            <a:off x="1002260" y="1937935"/>
-            <a:ext cx="1265556" cy="1628800"/>
-          </a:xfrm>
-          <a:prstGeom prst="rect">
-            <a:avLst/>
-          </a:prstGeom>
-          <a:ln w="38100" cap="sq">
-            <a:solidFill>
-              <a:srgbClr val="000000"/>
-            </a:solidFill>
-            <a:prstDash val="solid"/>
-            <a:miter lim="800000"/>
-          </a:ln>
-          <a:effectLst>
-            <a:outerShdw blurRad="50800" dist="38100" dir="2700000" algn="tl" rotWithShape="0">
-              <a:srgbClr val="000000">
-                <a:alpha val="43000"/>
-              </a:srgbClr>
-            </a:outerShdw>
-          </a:effectLst>
-        </p:spPr>
-      </p:pic>
-      <p:pic>
-        <p:nvPicPr>
-          <p:cNvPr id="59" name="รูปภาพ 1"/>
-          <p:cNvPicPr>
-            <a:picLocks noChangeAspect="1"/>
-          </p:cNvPicPr>
-          <p:nvPr/>
-        </p:nvPicPr>
-        <p:blipFill rotWithShape="1">
-          <a:blip r:embed="rId7"/>
-          <a:srcRect l="1665" t="27392" r="-1665" b="1"/>
-          <a:stretch/>
-        </p:blipFill>
-        <p:spPr>
-          <a:xfrm>
-            <a:off x="3766526" y="2046539"/>
-            <a:ext cx="4324785" cy="1336057"/>
-          </a:xfrm>
-          <a:prstGeom prst="rect">
-            <a:avLst/>
-          </a:prstGeom>
-          <a:ln w="38100" cap="sq">
-            <a:solidFill>
-              <a:srgbClr val="000000"/>
-            </a:solidFill>
-            <a:prstDash val="solid"/>
-            <a:miter lim="800000"/>
-          </a:ln>
-          <a:effectLst>
-            <a:outerShdw blurRad="50800" dist="38100" dir="2700000" algn="tl" rotWithShape="0">
-              <a:srgbClr val="000000">
-                <a:alpha val="43000"/>
-              </a:srgbClr>
-            </a:outerShdw>
-          </a:effectLst>
-        </p:spPr>
-      </p:pic>
-      <p:sp>
-        <p:nvSpPr>
-          <p:cNvPr id="60" name="กล่องข้อความ 2"/>
-          <p:cNvSpPr txBox="1"/>
-          <p:nvPr/>
-        </p:nvSpPr>
-        <p:spPr>
-          <a:xfrm>
-            <a:off x="4140469" y="2923143"/>
-            <a:ext cx="784189" cy="261610"/>
-          </a:xfrm>
-          <a:prstGeom prst="rect">
-            <a:avLst/>
-          </a:prstGeom>
-          <a:noFill/>
-        </p:spPr>
-        <p:txBody>
-          <a:bodyPr wrap="none" rtlCol="0">
-            <a:spAutoFit/>
-          </a:bodyPr>
-          <a:lstStyle/>
-          <a:p>
-            <a:r>
-              <a:rPr lang="th-TH" sz="1100" dirty="0" smtClean="0">
-                <a:solidFill>
-                  <a:srgbClr val="000099"/>
-                </a:solidFill>
-                <a:latin typeface="CordiaUPC" panose="020B0304020202020204" pitchFamily="34" charset="-34"/>
-                <a:cs typeface="CordiaUPC" panose="020B0304020202020204" pitchFamily="34" charset="-34"/>
-              </a:rPr>
-              <a:t>56/01-0101-01</a:t>
-            </a:r>
-            <a:endParaRPr lang="en-US" sz="1100" dirty="0">
-              <a:solidFill>
-                <a:srgbClr val="000099"/>
-              </a:solidFill>
-              <a:latin typeface="CordiaUPC" panose="020B0304020202020204" pitchFamily="34" charset="-34"/>
-              <a:cs typeface="CordiaUPC" panose="020B0304020202020204" pitchFamily="34" charset="-34"/>
-            </a:endParaRPr>
-          </a:p>
-        </p:txBody>
-      </p:sp>
-      <p:sp>
-        <p:nvSpPr>
-          <p:cNvPr id="61" name="กล่องข้อความ 13"/>
-          <p:cNvSpPr txBox="1"/>
-          <p:nvPr/>
-        </p:nvSpPr>
-        <p:spPr>
-          <a:xfrm>
-            <a:off x="879294" y="3596300"/>
-            <a:ext cx="1388522" cy="461665"/>
-          </a:xfrm>
-          <a:prstGeom prst="rect">
-            <a:avLst/>
-          </a:prstGeom>
-          <a:noFill/>
-        </p:spPr>
-        <p:txBody>
-          <a:bodyPr wrap="none" rtlCol="0">
-            <a:spAutoFit/>
-          </a:bodyPr>
-          <a:lstStyle/>
-          <a:p>
-            <a:pPr lvl="0"/>
-            <a:r>
-              <a:rPr lang="th-TH" sz="2400" dirty="0"/>
-              <a:t>หนังสือจาก</a:t>
-            </a:r>
-            <a:r>
-              <a:rPr lang="th-TH" sz="2400" dirty="0" smtClean="0"/>
-              <a:t>พัสดุ</a:t>
-            </a:r>
-            <a:endParaRPr lang="en-US" sz="2400" dirty="0"/>
-          </a:p>
-        </p:txBody>
-      </p:sp>
-      <p:sp>
-        <p:nvSpPr>
-          <p:cNvPr id="62" name="กล่องข้อความ 15"/>
-          <p:cNvSpPr txBox="1"/>
-          <p:nvPr/>
-        </p:nvSpPr>
-        <p:spPr>
-          <a:xfrm>
-            <a:off x="3851254" y="3345541"/>
-            <a:ext cx="3657540" cy="461665"/>
-          </a:xfrm>
-          <a:prstGeom prst="rect">
-            <a:avLst/>
-          </a:prstGeom>
-          <a:noFill/>
-        </p:spPr>
-        <p:txBody>
-          <a:bodyPr wrap="none" rtlCol="0">
-            <a:spAutoFit/>
-          </a:bodyPr>
-          <a:lstStyle/>
-          <a:p>
-            <a:pPr lvl="0"/>
-            <a:r>
-              <a:rPr lang="th-TH" sz="2400" dirty="0" smtClean="0"/>
-              <a:t>ตรวจนับครุภัณฑ์ประจำปี ด้วย </a:t>
-            </a:r>
-            <a:r>
-              <a:rPr lang="en-US" sz="2400" dirty="0" smtClean="0"/>
-              <a:t>QR Code</a:t>
-            </a:r>
-            <a:endParaRPr lang="en-US" sz="2400" dirty="0"/>
-          </a:p>
-        </p:txBody>
-      </p:sp>
-      <p:sp>
-        <p:nvSpPr>
-          <p:cNvPr id="63" name="กล่องข้อความ 21"/>
-          <p:cNvSpPr txBox="1"/>
-          <p:nvPr/>
-        </p:nvSpPr>
-        <p:spPr>
-          <a:xfrm>
-            <a:off x="6291979" y="5754236"/>
-            <a:ext cx="1672253" cy="461665"/>
-          </a:xfrm>
-          <a:prstGeom prst="rect">
-            <a:avLst/>
-          </a:prstGeom>
-          <a:noFill/>
-        </p:spPr>
-        <p:txBody>
-          <a:bodyPr wrap="none" rtlCol="0">
-            <a:spAutoFit/>
-          </a:bodyPr>
-          <a:lstStyle/>
-          <a:p>
-            <a:pPr lvl="0"/>
-            <a:r>
-              <a:rPr lang="th-TH" sz="2400" dirty="0"/>
-              <a:t>สรุปผลการตรวจ</a:t>
-            </a:r>
-            <a:r>
-              <a:rPr lang="th-TH" sz="2400" dirty="0" smtClean="0"/>
-              <a:t>นับ</a:t>
-            </a:r>
-            <a:endParaRPr lang="en-US" sz="2400" dirty="0"/>
-          </a:p>
-        </p:txBody>
-      </p:sp>
-      <p:sp>
-        <p:nvSpPr>
-          <p:cNvPr id="64" name="กล่องข้อความ 22"/>
-          <p:cNvSpPr txBox="1"/>
-          <p:nvPr/>
-        </p:nvSpPr>
-        <p:spPr>
-          <a:xfrm>
-            <a:off x="3621622" y="5739859"/>
-            <a:ext cx="1204176" cy="461665"/>
-          </a:xfrm>
-          <a:prstGeom prst="rect">
-            <a:avLst/>
-          </a:prstGeom>
-          <a:noFill/>
-        </p:spPr>
-        <p:txBody>
-          <a:bodyPr wrap="none" rtlCol="0">
-            <a:spAutoFit/>
-          </a:bodyPr>
-          <a:lstStyle/>
-          <a:p>
-            <a:pPr lvl="0"/>
-            <a:r>
-              <a:rPr lang="th-TH" sz="2400" dirty="0"/>
-              <a:t>นำเอกสาร </a:t>
-            </a:r>
-            <a:r>
-              <a:rPr lang="th-TH" sz="2400" dirty="0" smtClean="0"/>
-              <a:t>ส่ง</a:t>
-            </a:r>
-            <a:endParaRPr lang="en-US" sz="2400" dirty="0"/>
-          </a:p>
-        </p:txBody>
-      </p:sp>
-    </p:spTree>
-    <p:extLst>
-      <p:ext uri="{BB962C8B-B14F-4D97-AF65-F5344CB8AC3E}">
-        <p14:creationId xmlns:p14="http://schemas.microsoft.com/office/powerpoint/2010/main" val="2854308829"/>
-      </p:ext>
-    </p:extLst>
-  </p:cSld>
-  <p:clrMapOvr>
-    <a:masterClrMapping/>
-  </p:clrMapOvr>
-  <p:timing>
-    <p:tnLst>
-      <p:par>
-        <p:cTn id="1" dur="indefinite" restart="never" nodeType="tmRoot"/>
-      </p:par>
-    </p:tnLst>
-  </p:timing>
-</p:sld>
-</file>
-
 <file path=ppt/theme/theme1.xml><?xml version="1.0" encoding="utf-8"?>
 <a:theme xmlns:a="http://schemas.openxmlformats.org/drawingml/2006/main" name="Office Theme">
   <a:themeElements>

--- a/ASSET_DOC/ASSET_Proposal/ASSET_Final.pptx
+++ b/ASSET_DOC/ASSET_Proposal/ASSET_Final.pptx
@@ -12,7 +12,7 @@
     <p:sldId id="286" r:id="rId3"/>
     <p:sldId id="261" r:id="rId4"/>
     <p:sldId id="285" r:id="rId5"/>
-    <p:sldId id="289" r:id="rId6"/>
+    <p:sldId id="297" r:id="rId6"/>
     <p:sldId id="293" r:id="rId7"/>
     <p:sldId id="294" r:id="rId8"/>
     <p:sldId id="284" r:id="rId9"/>
@@ -10589,42 +10589,6 @@
       </p:pic>
       <p:pic>
         <p:nvPicPr>
-          <p:cNvPr id="9" name="Picture 8" descr="C:\Users\Eaun\Desktop\Documents.png"/>
-          <p:cNvPicPr/>
-          <p:nvPr/>
-        </p:nvPicPr>
-        <p:blipFill rotWithShape="1">
-          <a:blip r:embed="rId3">
-            <a:extLst>
-              <a:ext uri="{28A0092B-C50C-407E-A947-70E740481C1C}">
-                <a14:useLocalDpi xmlns:a14="http://schemas.microsoft.com/office/drawing/2010/main" val="0"/>
-              </a:ext>
-            </a:extLst>
-          </a:blip>
-          <a:srcRect l="38518" t="6237"/>
-          <a:stretch/>
-        </p:blipFill>
-        <p:spPr bwMode="auto">
-          <a:xfrm>
-            <a:off x="467544" y="1694449"/>
-            <a:ext cx="8206409" cy="4614871"/>
-          </a:xfrm>
-          <a:prstGeom prst="rect">
-            <a:avLst/>
-          </a:prstGeom>
-          <a:noFill/>
-          <a:ln>
-            <a:noFill/>
-          </a:ln>
-          <a:extLst>
-            <a:ext uri="{53640926-AAD7-44D8-BBD7-CCE9431645EC}">
-              <a14:shadowObscured xmlns:a14="http://schemas.microsoft.com/office/drawing/2010/main"/>
-            </a:ext>
-          </a:extLst>
-        </p:spPr>
-      </p:pic>
-      <p:pic>
-        <p:nvPicPr>
           <p:cNvPr id="8" name="Picture 7"/>
           <p:cNvPicPr>
             <a:picLocks noChangeAspect="1"/>
@@ -10632,7 +10596,7 @@
           <p:nvPr/>
         </p:nvPicPr>
         <p:blipFill>
-          <a:blip r:embed="rId4" cstate="print">
+          <a:blip r:embed="rId3" cstate="print">
             <a:extLst>
               <a:ext uri="{28A0092B-C50C-407E-A947-70E740481C1C}">
                 <a14:useLocalDpi xmlns:a14="http://schemas.microsoft.com/office/drawing/2010/main" val="0"/>
@@ -16463,51 +16427,6 @@
           </a:p>
         </p:txBody>
       </p:sp>
-      <p:sp>
-        <p:nvSpPr>
-          <p:cNvPr id="6" name="Rectangle 5"/>
-          <p:cNvSpPr/>
-          <p:nvPr/>
-        </p:nvSpPr>
-        <p:spPr>
-          <a:xfrm>
-            <a:off x="3347864" y="6261281"/>
-            <a:ext cx="2979117" cy="707886"/>
-          </a:xfrm>
-          <a:prstGeom prst="rect">
-            <a:avLst/>
-          </a:prstGeom>
-        </p:spPr>
-        <p:txBody>
-          <a:bodyPr wrap="square">
-            <a:spAutoFit/>
-          </a:bodyPr>
-          <a:lstStyle/>
-          <a:p>
-            <a:r>
-              <a:rPr lang="en-US" sz="4000" dirty="0" smtClean="0">
-                <a:ln w="0"/>
-                <a:latin typeface="TH Sarabun New" panose="020B0500040200020003" pitchFamily="34" charset="-34"/>
-                <a:cs typeface="TH Sarabun New" panose="020B0500040200020003" pitchFamily="34" charset="-34"/>
-              </a:rPr>
-              <a:t>Google Chart </a:t>
-            </a:r>
-            <a:r>
-              <a:rPr lang="en-US" sz="4000" dirty="0" smtClean="0">
-                <a:ln w="0"/>
-                <a:latin typeface="TH Sarabun New" panose="020B0500040200020003" pitchFamily="34" charset="-34"/>
-                <a:cs typeface="TH Sarabun New" panose="020B0500040200020003" pitchFamily="34" charset="-34"/>
-              </a:rPr>
-              <a:t>API</a:t>
-            </a:r>
-            <a:endParaRPr lang="th-TH" sz="4000" dirty="0">
-              <a:ln w="0"/>
-              <a:latin typeface="TH Sarabun New" panose="020B0500040200020003" pitchFamily="34" charset="-34"/>
-              <a:cs typeface="TH Sarabun New" panose="020B0500040200020003" pitchFamily="34" charset="-34"/>
-            </a:endParaRPr>
-          </a:p>
-        </p:txBody>
-      </p:sp>
       <p:pic>
         <p:nvPicPr>
           <p:cNvPr id="9" name="Picture 8"/>
@@ -16540,13 +16459,13 @@
       </p:pic>
       <p:sp>
         <p:nvSpPr>
-          <p:cNvPr id="11" name="Rectangle 10"/>
+          <p:cNvPr id="43" name="Rectangle 42"/>
           <p:cNvSpPr/>
           <p:nvPr/>
         </p:nvSpPr>
         <p:spPr>
           <a:xfrm>
-            <a:off x="854843" y="1843166"/>
+            <a:off x="503532" y="1843166"/>
             <a:ext cx="2124252" cy="2124488"/>
           </a:xfrm>
           <a:prstGeom prst="rect">
@@ -16586,13 +16505,59 @@
       </p:sp>
       <p:sp>
         <p:nvSpPr>
-          <p:cNvPr id="12" name="Rectangle 11"/>
+          <p:cNvPr id="44" name="Rectangle 43"/>
           <p:cNvSpPr/>
           <p:nvPr/>
         </p:nvSpPr>
         <p:spPr>
           <a:xfrm>
-            <a:off x="3685529" y="1843166"/>
+            <a:off x="3527868" y="1843166"/>
+            <a:ext cx="2124252" cy="2124488"/>
+          </a:xfrm>
+          <a:prstGeom prst="rect">
+            <a:avLst/>
+          </a:prstGeom>
+          <a:solidFill>
+            <a:srgbClr val="F58D01"/>
+          </a:solidFill>
+          <a:ln>
+            <a:noFill/>
+          </a:ln>
+        </p:spPr>
+        <p:style>
+          <a:lnRef idx="2">
+            <a:schemeClr val="accent1">
+              <a:shade val="50000"/>
+            </a:schemeClr>
+          </a:lnRef>
+          <a:fillRef idx="1">
+            <a:schemeClr val="accent1"/>
+          </a:fillRef>
+          <a:effectRef idx="0">
+            <a:schemeClr val="accent1"/>
+          </a:effectRef>
+          <a:fontRef idx="minor">
+            <a:schemeClr val="lt1"/>
+          </a:fontRef>
+        </p:style>
+        <p:txBody>
+          <a:bodyPr rtlCol="0" anchor="ctr"/>
+          <a:lstStyle/>
+          <a:p>
+            <a:pPr algn="ctr"/>
+            <a:endParaRPr lang="en-GB" dirty="0"/>
+          </a:p>
+        </p:txBody>
+      </p:sp>
+      <p:sp>
+        <p:nvSpPr>
+          <p:cNvPr id="45" name="Rectangle 44"/>
+          <p:cNvSpPr/>
+          <p:nvPr/>
+        </p:nvSpPr>
+        <p:spPr>
+          <a:xfrm>
+            <a:off x="6516216" y="1862944"/>
             <a:ext cx="2124252" cy="2124488"/>
           </a:xfrm>
           <a:prstGeom prst="rect">
@@ -16632,14 +16597,14 @@
       </p:sp>
       <p:sp>
         <p:nvSpPr>
-          <p:cNvPr id="13" name="Rectangle 12"/>
+          <p:cNvPr id="46" name="Rectangle 45"/>
           <p:cNvSpPr/>
           <p:nvPr/>
         </p:nvSpPr>
         <p:spPr>
           <a:xfrm>
-            <a:off x="6583832" y="1862944"/>
-            <a:ext cx="2124252" cy="2124488"/>
+            <a:off x="3527869" y="4182390"/>
+            <a:ext cx="5112600" cy="2124488"/>
           </a:xfrm>
           <a:prstGeom prst="rect">
             <a:avLst/>
@@ -16676,56 +16641,15 @@
           </a:p>
         </p:txBody>
       </p:sp>
-      <p:pic>
-        <p:nvPicPr>
-          <p:cNvPr id="1030" name="Picture 6" descr="http://mrfrosti.com/wp-content/uploads/2013/08/logo-mysql.png"/>
-          <p:cNvPicPr>
-            <a:picLocks noChangeAspect="1" noChangeArrowheads="1"/>
-          </p:cNvPicPr>
-          <p:nvPr/>
-        </p:nvPicPr>
-        <p:blipFill>
-          <a:blip r:embed="rId4" cstate="print">
-            <a:extLst>
-              <a:ext uri="{28A0092B-C50C-407E-A947-70E740481C1C}">
-                <a14:useLocalDpi xmlns:a14="http://schemas.microsoft.com/office/drawing/2010/main" val="0"/>
-              </a:ext>
-            </a:extLst>
-          </a:blip>
-          <a:srcRect/>
-          <a:stretch>
-            <a:fillRect/>
-          </a:stretch>
-        </p:blipFill>
-        <p:spPr bwMode="auto">
-          <a:xfrm>
-            <a:off x="6804055" y="2420888"/>
-            <a:ext cx="1728578" cy="894540"/>
-          </a:xfrm>
-          <a:prstGeom prst="rect">
-            <a:avLst/>
-          </a:prstGeom>
-          <a:noFill/>
-          <a:extLst>
-            <a:ext uri="{909E8E84-426E-40DD-AFC4-6F175D3DCCD1}">
-              <a14:hiddenFill xmlns:a14="http://schemas.microsoft.com/office/drawing/2010/main">
-                <a:solidFill>
-                  <a:srgbClr val="FFFFFF"/>
-                </a:solidFill>
-              </a14:hiddenFill>
-            </a:ext>
-          </a:extLst>
-        </p:spPr>
-      </p:pic>
       <p:sp>
         <p:nvSpPr>
-          <p:cNvPr id="18" name="Rectangle 17"/>
+          <p:cNvPr id="47" name="Rectangle 46"/>
           <p:cNvSpPr/>
           <p:nvPr/>
         </p:nvSpPr>
         <p:spPr>
           <a:xfrm>
-            <a:off x="3664663" y="4229195"/>
+            <a:off x="503532" y="4149080"/>
             <a:ext cx="2124252" cy="2124488"/>
           </a:xfrm>
           <a:prstGeom prst="rect">
@@ -16759,137 +16683,219 @@
           <a:lstStyle/>
           <a:p>
             <a:pPr algn="ctr"/>
-            <a:endParaRPr lang="en-GB"/>
+            <a:endParaRPr lang="en-GB" sz="6600" dirty="0">
+              <a:solidFill>
+                <a:schemeClr val="tx1"/>
+              </a:solidFill>
+              <a:latin typeface="TH Sarabun New" panose="020B0500040200020003" pitchFamily="34" charset="-34"/>
+              <a:cs typeface="TH Sarabun New" panose="020B0500040200020003" pitchFamily="34" charset="-34"/>
+            </a:endParaRPr>
           </a:p>
         </p:txBody>
       </p:sp>
-      <p:pic>
-        <p:nvPicPr>
-          <p:cNvPr id="1034" name="Picture 10" descr="http://www.planet-source-code.com/vb/2010Redesign/images/LangugeHomePages/Javascript.png"/>
-          <p:cNvPicPr>
-            <a:picLocks noChangeAspect="1" noChangeArrowheads="1"/>
-          </p:cNvPicPr>
+      <p:sp>
+        <p:nvSpPr>
+          <p:cNvPr id="38" name="TextBox 37"/>
+          <p:cNvSpPr txBox="1"/>
           <p:nvPr/>
-        </p:nvPicPr>
-        <p:blipFill>
-          <a:blip r:embed="rId5">
-            <a:extLst>
-              <a:ext uri="{28A0092B-C50C-407E-A947-70E740481C1C}">
-                <a14:useLocalDpi xmlns:a14="http://schemas.microsoft.com/office/drawing/2010/main" val="0"/>
-              </a:ext>
-            </a:extLst>
-          </a:blip>
-          <a:srcRect/>
-          <a:stretch>
-            <a:fillRect/>
-          </a:stretch>
-        </p:blipFill>
-        <p:spPr bwMode="auto">
+        </p:nvSpPr>
+        <p:spPr>
           <a:xfrm>
-            <a:off x="3874994" y="2176072"/>
-            <a:ext cx="1703590" cy="1396944"/>
+            <a:off x="702280" y="2180171"/>
+            <a:ext cx="1726755" cy="1569660"/>
           </a:xfrm>
           <a:prstGeom prst="rect">
             <a:avLst/>
           </a:prstGeom>
           <a:noFill/>
-          <a:extLst>
-            <a:ext uri="{909E8E84-426E-40DD-AFC4-6F175D3DCCD1}">
-              <a14:hiddenFill xmlns:a14="http://schemas.microsoft.com/office/drawing/2010/main">
+        </p:spPr>
+        <p:txBody>
+          <a:bodyPr wrap="none" rtlCol="0">
+            <a:spAutoFit/>
+          </a:bodyPr>
+          <a:lstStyle/>
+          <a:p>
+            <a:r>
+              <a:rPr lang="en-GB" sz="9600" b="1" dirty="0" smtClean="0">
                 <a:solidFill>
-                  <a:srgbClr val="FFFFFF"/>
+                  <a:schemeClr val="tx2"/>
                 </a:solidFill>
-              </a14:hiddenFill>
-            </a:ext>
-          </a:extLst>
+                <a:latin typeface="TH Sarabun New" panose="020B0500040200020003" pitchFamily="34" charset="-34"/>
+                <a:cs typeface="TH Sarabun New" panose="020B0500040200020003" pitchFamily="34" charset="-34"/>
+              </a:rPr>
+              <a:t>PHP</a:t>
+            </a:r>
+            <a:endParaRPr lang="en-GB" sz="9600" b="1" dirty="0">
+              <a:solidFill>
+                <a:schemeClr val="tx2"/>
+              </a:solidFill>
+              <a:latin typeface="TH Sarabun New" panose="020B0500040200020003" pitchFamily="34" charset="-34"/>
+              <a:cs typeface="TH Sarabun New" panose="020B0500040200020003" pitchFamily="34" charset="-34"/>
+            </a:endParaRPr>
+          </a:p>
+        </p:txBody>
+      </p:sp>
+      <p:sp>
+        <p:nvSpPr>
+          <p:cNvPr id="3" name="Rectangle 2"/>
+          <p:cNvSpPr/>
+          <p:nvPr/>
+        </p:nvSpPr>
+        <p:spPr>
+          <a:xfrm>
+            <a:off x="3700718" y="4759906"/>
+            <a:ext cx="4750018" cy="1107996"/>
+          </a:xfrm>
+          <a:prstGeom prst="rect">
+            <a:avLst/>
+          </a:prstGeom>
         </p:spPr>
-      </p:pic>
-      <p:pic>
-        <p:nvPicPr>
-          <p:cNvPr id="1036" name="Picture 12" descr="http://www.appdynamics.com/blog/wp-content/uploads/2013/03/PHP-Logo.png"/>
-          <p:cNvPicPr>
-            <a:picLocks noChangeAspect="1" noChangeArrowheads="1"/>
-          </p:cNvPicPr>
+        <p:txBody>
+          <a:bodyPr wrap="none">
+            <a:spAutoFit/>
+          </a:bodyPr>
+          <a:lstStyle/>
+          <a:p>
+            <a:r>
+              <a:rPr lang="en-US" sz="6600" b="1" dirty="0" smtClean="0">
+                <a:ln w="0"/>
+                <a:latin typeface="TH Sarabun New" panose="020B0500040200020003" pitchFamily="34" charset="-34"/>
+                <a:cs typeface="TH Sarabun New" panose="020B0500040200020003" pitchFamily="34" charset="-34"/>
+              </a:rPr>
+              <a:t>Google Chart API</a:t>
+            </a:r>
+            <a:endParaRPr lang="th-TH" sz="6600" b="1" dirty="0">
+              <a:ln w="0"/>
+              <a:latin typeface="TH Sarabun New" panose="020B0500040200020003" pitchFamily="34" charset="-34"/>
+              <a:cs typeface="TH Sarabun New" panose="020B0500040200020003" pitchFamily="34" charset="-34"/>
+            </a:endParaRPr>
+          </a:p>
+        </p:txBody>
+      </p:sp>
+      <p:sp>
+        <p:nvSpPr>
+          <p:cNvPr id="48" name="TextBox 47"/>
+          <p:cNvSpPr txBox="1"/>
           <p:nvPr/>
-        </p:nvPicPr>
-        <p:blipFill>
-          <a:blip r:embed="rId6" cstate="print">
-            <a:extLst>
-              <a:ext uri="{28A0092B-C50C-407E-A947-70E740481C1C}">
-                <a14:useLocalDpi xmlns:a14="http://schemas.microsoft.com/office/drawing/2010/main" val="0"/>
-              </a:ext>
-            </a:extLst>
-          </a:blip>
-          <a:srcRect/>
-          <a:stretch>
-            <a:fillRect/>
-          </a:stretch>
-        </p:blipFill>
-        <p:spPr bwMode="auto">
+        </p:nvSpPr>
+        <p:spPr>
           <a:xfrm>
-            <a:off x="1043608" y="2304145"/>
-            <a:ext cx="1762407" cy="1236802"/>
+            <a:off x="3594955" y="2414472"/>
+            <a:ext cx="2029723" cy="1107996"/>
           </a:xfrm>
           <a:prstGeom prst="rect">
             <a:avLst/>
           </a:prstGeom>
           <a:noFill/>
-          <a:extLst>
-            <a:ext uri="{909E8E84-426E-40DD-AFC4-6F175D3DCCD1}">
-              <a14:hiddenFill xmlns:a14="http://schemas.microsoft.com/office/drawing/2010/main">
+        </p:spPr>
+        <p:txBody>
+          <a:bodyPr wrap="none" rtlCol="0">
+            <a:spAutoFit/>
+          </a:bodyPr>
+          <a:lstStyle/>
+          <a:p>
+            <a:r>
+              <a:rPr lang="en-GB" sz="6600" b="1" dirty="0" smtClean="0">
                 <a:solidFill>
-                  <a:srgbClr val="FFFFFF"/>
+                  <a:schemeClr val="tx2"/>
                 </a:solidFill>
-              </a14:hiddenFill>
-            </a:ext>
-          </a:extLst>
-        </p:spPr>
-      </p:pic>
-      <p:pic>
-        <p:nvPicPr>
-          <p:cNvPr id="1040" name="Picture 16" descr="http://api.qrserver.com/v1/create-qr-code/?data=http%3A%2F%2F110.164.78.161%2F~b542150005%2F&amp;size=250x250&amp;margin=10"/>
-          <p:cNvPicPr>
-            <a:picLocks noChangeAspect="1" noChangeArrowheads="1"/>
-          </p:cNvPicPr>
+                <a:latin typeface="TH Sarabun New" panose="020B0500040200020003" pitchFamily="34" charset="-34"/>
+                <a:cs typeface="TH Sarabun New" panose="020B0500040200020003" pitchFamily="34" charset="-34"/>
+              </a:rPr>
+              <a:t>MySQL</a:t>
+            </a:r>
+            <a:endParaRPr lang="en-GB" sz="6600" b="1" dirty="0">
+              <a:solidFill>
+                <a:schemeClr val="tx2"/>
+              </a:solidFill>
+              <a:latin typeface="TH Sarabun New" panose="020B0500040200020003" pitchFamily="34" charset="-34"/>
+              <a:cs typeface="TH Sarabun New" panose="020B0500040200020003" pitchFamily="34" charset="-34"/>
+            </a:endParaRPr>
+          </a:p>
+        </p:txBody>
+      </p:sp>
+      <p:sp>
+        <p:nvSpPr>
+          <p:cNvPr id="49" name="TextBox 48"/>
+          <p:cNvSpPr txBox="1"/>
           <p:nvPr/>
-        </p:nvPicPr>
-        <p:blipFill>
-          <a:blip r:embed="rId7">
-            <a:extLst>
-              <a:ext uri="{28A0092B-C50C-407E-A947-70E740481C1C}">
-                <a14:useLocalDpi xmlns:a14="http://schemas.microsoft.com/office/drawing/2010/main" val="0"/>
-              </a:ext>
-            </a:extLst>
-          </a:blip>
-          <a:srcRect/>
-          <a:stretch>
-            <a:fillRect/>
-          </a:stretch>
-        </p:blipFill>
-        <p:spPr bwMode="auto">
+        </p:nvSpPr>
+        <p:spPr>
           <a:xfrm>
-            <a:off x="3942022" y="4509120"/>
-            <a:ext cx="1566082" cy="1566083"/>
+            <a:off x="6588327" y="2580280"/>
+            <a:ext cx="1980029" cy="769441"/>
           </a:xfrm>
           <a:prstGeom prst="rect">
             <a:avLst/>
           </a:prstGeom>
           <a:noFill/>
-          <a:extLst>
-            <a:ext uri="{909E8E84-426E-40DD-AFC4-6F175D3DCCD1}">
-              <a14:hiddenFill xmlns:a14="http://schemas.microsoft.com/office/drawing/2010/main">
+        </p:spPr>
+        <p:txBody>
+          <a:bodyPr wrap="none" rtlCol="0">
+            <a:spAutoFit/>
+          </a:bodyPr>
+          <a:lstStyle/>
+          <a:p>
+            <a:r>
+              <a:rPr lang="en-GB" sz="4400" b="1" dirty="0">
                 <a:solidFill>
-                  <a:srgbClr val="FFFFFF"/>
+                  <a:schemeClr val="tx2"/>
                 </a:solidFill>
-              </a14:hiddenFill>
-            </a:ext>
-          </a:extLst>
+                <a:latin typeface="TH Sarabun New" panose="020B0500040200020003" pitchFamily="34" charset="-34"/>
+                <a:cs typeface="TH Sarabun New" panose="020B0500040200020003" pitchFamily="34" charset="-34"/>
+              </a:rPr>
+              <a:t>JavaScript</a:t>
+            </a:r>
+            <a:endParaRPr lang="en-GB" sz="4400" b="1" dirty="0">
+              <a:solidFill>
+                <a:schemeClr val="tx2"/>
+              </a:solidFill>
+              <a:latin typeface="TH Sarabun New" panose="020B0500040200020003" pitchFamily="34" charset="-34"/>
+              <a:cs typeface="TH Sarabun New" panose="020B0500040200020003" pitchFamily="34" charset="-34"/>
+            </a:endParaRPr>
+          </a:p>
+        </p:txBody>
+      </p:sp>
+      <p:sp>
+        <p:nvSpPr>
+          <p:cNvPr id="4" name="Rectangle 3"/>
+          <p:cNvSpPr/>
+          <p:nvPr/>
+        </p:nvSpPr>
+        <p:spPr>
+          <a:xfrm>
+            <a:off x="582054" y="4657326"/>
+            <a:ext cx="1967206" cy="1107996"/>
+          </a:xfrm>
+          <a:prstGeom prst="rect">
+            <a:avLst/>
+          </a:prstGeom>
         </p:spPr>
-      </p:pic>
+        <p:txBody>
+          <a:bodyPr wrap="none">
+            <a:spAutoFit/>
+          </a:bodyPr>
+          <a:lstStyle/>
+          <a:p>
+            <a:pPr algn="ctr"/>
+            <a:r>
+              <a:rPr lang="en-GB" sz="6600" b="1" dirty="0">
+                <a:latin typeface="TH Sarabun New" panose="020B0500040200020003" pitchFamily="34" charset="-34"/>
+                <a:cs typeface="TH Sarabun New" panose="020B0500040200020003" pitchFamily="34" charset="-34"/>
+              </a:rPr>
+              <a:t>jQuery</a:t>
+            </a:r>
+            <a:endParaRPr lang="en-GB" sz="6600" b="1" dirty="0">
+              <a:latin typeface="TH Sarabun New" panose="020B0500040200020003" pitchFamily="34" charset="-34"/>
+              <a:cs typeface="TH Sarabun New" panose="020B0500040200020003" pitchFamily="34" charset="-34"/>
+            </a:endParaRPr>
+          </a:p>
+        </p:txBody>
+      </p:sp>
     </p:spTree>
     <p:extLst>
       <p:ext uri="{BB962C8B-B14F-4D97-AF65-F5344CB8AC3E}">
-        <p14:creationId xmlns:p14="http://schemas.microsoft.com/office/powerpoint/2010/main" val="2928634800"/>
+        <p14:creationId xmlns:p14="http://schemas.microsoft.com/office/powerpoint/2010/main" val="2745228822"/>
       </p:ext>
     </p:extLst>
   </p:cSld>
@@ -16902,9 +16908,422 @@
   <p:timing>
     <p:tnLst>
       <p:par>
-        <p:cTn id="1" dur="indefinite" restart="never" nodeType="tmRoot"/>
+        <p:cTn id="1" dur="indefinite" restart="never" nodeType="tmRoot">
+          <p:childTnLst>
+            <p:seq concurrent="1" nextAc="seek">
+              <p:cTn id="2" dur="indefinite" nodeType="mainSeq">
+                <p:childTnLst>
+                  <p:par>
+                    <p:cTn id="3" fill="hold">
+                      <p:stCondLst>
+                        <p:cond delay="indefinite"/>
+                      </p:stCondLst>
+                      <p:childTnLst>
+                        <p:par>
+                          <p:cTn id="4" fill="hold">
+                            <p:stCondLst>
+                              <p:cond delay="0"/>
+                            </p:stCondLst>
+                            <p:childTnLst>
+                              <p:par>
+                                <p:cTn id="5" presetID="2" presetClass="entr" presetSubtype="8" fill="hold" grpId="0" nodeType="clickEffect">
+                                  <p:stCondLst>
+                                    <p:cond delay="0"/>
+                                  </p:stCondLst>
+                                  <p:childTnLst>
+                                    <p:set>
+                                      <p:cBhvr>
+                                        <p:cTn id="6" dur="1" fill="hold">
+                                          <p:stCondLst>
+                                            <p:cond delay="0"/>
+                                          </p:stCondLst>
+                                        </p:cTn>
+                                        <p:tgtEl>
+                                          <p:spTgt spid="38"/>
+                                        </p:tgtEl>
+                                        <p:attrNameLst>
+                                          <p:attrName>style.visibility</p:attrName>
+                                        </p:attrNameLst>
+                                      </p:cBhvr>
+                                      <p:to>
+                                        <p:strVal val="visible"/>
+                                      </p:to>
+                                    </p:set>
+                                    <p:anim calcmode="lin" valueType="num">
+                                      <p:cBhvr additive="base">
+                                        <p:cTn id="7" dur="500" fill="hold"/>
+                                        <p:tgtEl>
+                                          <p:spTgt spid="38"/>
+                                        </p:tgtEl>
+                                        <p:attrNameLst>
+                                          <p:attrName>ppt_x</p:attrName>
+                                        </p:attrNameLst>
+                                      </p:cBhvr>
+                                      <p:tavLst>
+                                        <p:tav tm="0">
+                                          <p:val>
+                                            <p:strVal val="0-#ppt_w/2"/>
+                                          </p:val>
+                                        </p:tav>
+                                        <p:tav tm="100000">
+                                          <p:val>
+                                            <p:strVal val="#ppt_x"/>
+                                          </p:val>
+                                        </p:tav>
+                                      </p:tavLst>
+                                    </p:anim>
+                                    <p:anim calcmode="lin" valueType="num">
+                                      <p:cBhvr additive="base">
+                                        <p:cTn id="8" dur="500" fill="hold"/>
+                                        <p:tgtEl>
+                                          <p:spTgt spid="38"/>
+                                        </p:tgtEl>
+                                        <p:attrNameLst>
+                                          <p:attrName>ppt_y</p:attrName>
+                                        </p:attrNameLst>
+                                      </p:cBhvr>
+                                      <p:tavLst>
+                                        <p:tav tm="0">
+                                          <p:val>
+                                            <p:strVal val="#ppt_y"/>
+                                          </p:val>
+                                        </p:tav>
+                                        <p:tav tm="100000">
+                                          <p:val>
+                                            <p:strVal val="#ppt_y"/>
+                                          </p:val>
+                                        </p:tav>
+                                      </p:tavLst>
+                                    </p:anim>
+                                  </p:childTnLst>
+                                </p:cTn>
+                              </p:par>
+                              <p:par>
+                                <p:cTn id="9" presetID="2" presetClass="entr" presetSubtype="8" fill="hold" grpId="0" nodeType="withEffect">
+                                  <p:stCondLst>
+                                    <p:cond delay="1000"/>
+                                  </p:stCondLst>
+                                  <p:childTnLst>
+                                    <p:set>
+                                      <p:cBhvr>
+                                        <p:cTn id="10" dur="1" fill="hold">
+                                          <p:stCondLst>
+                                            <p:cond delay="0"/>
+                                          </p:stCondLst>
+                                        </p:cTn>
+                                        <p:tgtEl>
+                                          <p:spTgt spid="48"/>
+                                        </p:tgtEl>
+                                        <p:attrNameLst>
+                                          <p:attrName>style.visibility</p:attrName>
+                                        </p:attrNameLst>
+                                      </p:cBhvr>
+                                      <p:to>
+                                        <p:strVal val="visible"/>
+                                      </p:to>
+                                    </p:set>
+                                    <p:anim calcmode="lin" valueType="num">
+                                      <p:cBhvr additive="base">
+                                        <p:cTn id="11" dur="500" fill="hold"/>
+                                        <p:tgtEl>
+                                          <p:spTgt spid="48"/>
+                                        </p:tgtEl>
+                                        <p:attrNameLst>
+                                          <p:attrName>ppt_x</p:attrName>
+                                        </p:attrNameLst>
+                                      </p:cBhvr>
+                                      <p:tavLst>
+                                        <p:tav tm="0">
+                                          <p:val>
+                                            <p:strVal val="0-#ppt_w/2"/>
+                                          </p:val>
+                                        </p:tav>
+                                        <p:tav tm="100000">
+                                          <p:val>
+                                            <p:strVal val="#ppt_x"/>
+                                          </p:val>
+                                        </p:tav>
+                                      </p:tavLst>
+                                    </p:anim>
+                                    <p:anim calcmode="lin" valueType="num">
+                                      <p:cBhvr additive="base">
+                                        <p:cTn id="12" dur="500" fill="hold"/>
+                                        <p:tgtEl>
+                                          <p:spTgt spid="48"/>
+                                        </p:tgtEl>
+                                        <p:attrNameLst>
+                                          <p:attrName>ppt_y</p:attrName>
+                                        </p:attrNameLst>
+                                      </p:cBhvr>
+                                      <p:tavLst>
+                                        <p:tav tm="0">
+                                          <p:val>
+                                            <p:strVal val="#ppt_y"/>
+                                          </p:val>
+                                        </p:tav>
+                                        <p:tav tm="100000">
+                                          <p:val>
+                                            <p:strVal val="#ppt_y"/>
+                                          </p:val>
+                                        </p:tav>
+                                      </p:tavLst>
+                                    </p:anim>
+                                  </p:childTnLst>
+                                </p:cTn>
+                              </p:par>
+                              <p:par>
+                                <p:cTn id="13" presetID="2" presetClass="entr" presetSubtype="8" fill="hold" grpId="0" nodeType="withEffect">
+                                  <p:stCondLst>
+                                    <p:cond delay="1500"/>
+                                  </p:stCondLst>
+                                  <p:childTnLst>
+                                    <p:set>
+                                      <p:cBhvr>
+                                        <p:cTn id="14" dur="1" fill="hold">
+                                          <p:stCondLst>
+                                            <p:cond delay="0"/>
+                                          </p:stCondLst>
+                                        </p:cTn>
+                                        <p:tgtEl>
+                                          <p:spTgt spid="49"/>
+                                        </p:tgtEl>
+                                        <p:attrNameLst>
+                                          <p:attrName>style.visibility</p:attrName>
+                                        </p:attrNameLst>
+                                      </p:cBhvr>
+                                      <p:to>
+                                        <p:strVal val="visible"/>
+                                      </p:to>
+                                    </p:set>
+                                    <p:anim calcmode="lin" valueType="num">
+                                      <p:cBhvr additive="base">
+                                        <p:cTn id="15" dur="500" fill="hold"/>
+                                        <p:tgtEl>
+                                          <p:spTgt spid="49"/>
+                                        </p:tgtEl>
+                                        <p:attrNameLst>
+                                          <p:attrName>ppt_x</p:attrName>
+                                        </p:attrNameLst>
+                                      </p:cBhvr>
+                                      <p:tavLst>
+                                        <p:tav tm="0">
+                                          <p:val>
+                                            <p:strVal val="0-#ppt_w/2"/>
+                                          </p:val>
+                                        </p:tav>
+                                        <p:tav tm="100000">
+                                          <p:val>
+                                            <p:strVal val="#ppt_x"/>
+                                          </p:val>
+                                        </p:tav>
+                                      </p:tavLst>
+                                    </p:anim>
+                                    <p:anim calcmode="lin" valueType="num">
+                                      <p:cBhvr additive="base">
+                                        <p:cTn id="16" dur="500" fill="hold"/>
+                                        <p:tgtEl>
+                                          <p:spTgt spid="49"/>
+                                        </p:tgtEl>
+                                        <p:attrNameLst>
+                                          <p:attrName>ppt_y</p:attrName>
+                                        </p:attrNameLst>
+                                      </p:cBhvr>
+                                      <p:tavLst>
+                                        <p:tav tm="0">
+                                          <p:val>
+                                            <p:strVal val="#ppt_y"/>
+                                          </p:val>
+                                        </p:tav>
+                                        <p:tav tm="100000">
+                                          <p:val>
+                                            <p:strVal val="#ppt_y"/>
+                                          </p:val>
+                                        </p:tav>
+                                      </p:tavLst>
+                                    </p:anim>
+                                  </p:childTnLst>
+                                </p:cTn>
+                              </p:par>
+                              <p:par>
+                                <p:cTn id="17" presetID="2" presetClass="entr" presetSubtype="8" fill="hold" grpId="0" nodeType="withEffect">
+                                  <p:stCondLst>
+                                    <p:cond delay="2500"/>
+                                  </p:stCondLst>
+                                  <p:childTnLst>
+                                    <p:set>
+                                      <p:cBhvr>
+                                        <p:cTn id="18" dur="1" fill="hold">
+                                          <p:stCondLst>
+                                            <p:cond delay="0"/>
+                                          </p:stCondLst>
+                                        </p:cTn>
+                                        <p:tgtEl>
+                                          <p:spTgt spid="3"/>
+                                        </p:tgtEl>
+                                        <p:attrNameLst>
+                                          <p:attrName>style.visibility</p:attrName>
+                                        </p:attrNameLst>
+                                      </p:cBhvr>
+                                      <p:to>
+                                        <p:strVal val="visible"/>
+                                      </p:to>
+                                    </p:set>
+                                    <p:anim calcmode="lin" valueType="num">
+                                      <p:cBhvr additive="base">
+                                        <p:cTn id="19" dur="500" fill="hold"/>
+                                        <p:tgtEl>
+                                          <p:spTgt spid="3"/>
+                                        </p:tgtEl>
+                                        <p:attrNameLst>
+                                          <p:attrName>ppt_x</p:attrName>
+                                        </p:attrNameLst>
+                                      </p:cBhvr>
+                                      <p:tavLst>
+                                        <p:tav tm="0">
+                                          <p:val>
+                                            <p:strVal val="0-#ppt_w/2"/>
+                                          </p:val>
+                                        </p:tav>
+                                        <p:tav tm="100000">
+                                          <p:val>
+                                            <p:strVal val="#ppt_x"/>
+                                          </p:val>
+                                        </p:tav>
+                                      </p:tavLst>
+                                    </p:anim>
+                                    <p:anim calcmode="lin" valueType="num">
+                                      <p:cBhvr additive="base">
+                                        <p:cTn id="20" dur="500" fill="hold"/>
+                                        <p:tgtEl>
+                                          <p:spTgt spid="3"/>
+                                        </p:tgtEl>
+                                        <p:attrNameLst>
+                                          <p:attrName>ppt_y</p:attrName>
+                                        </p:attrNameLst>
+                                      </p:cBhvr>
+                                      <p:tavLst>
+                                        <p:tav tm="0">
+                                          <p:val>
+                                            <p:strVal val="#ppt_y"/>
+                                          </p:val>
+                                        </p:tav>
+                                        <p:tav tm="100000">
+                                          <p:val>
+                                            <p:strVal val="#ppt_y"/>
+                                          </p:val>
+                                        </p:tav>
+                                      </p:tavLst>
+                                    </p:anim>
+                                  </p:childTnLst>
+                                </p:cTn>
+                              </p:par>
+                              <p:par>
+                                <p:cTn id="21" presetID="2" presetClass="entr" presetSubtype="8" fill="hold" grpId="0" nodeType="withEffect">
+                                  <p:stCondLst>
+                                    <p:cond delay="2000"/>
+                                  </p:stCondLst>
+                                  <p:childTnLst>
+                                    <p:set>
+                                      <p:cBhvr>
+                                        <p:cTn id="22" dur="1" fill="hold">
+                                          <p:stCondLst>
+                                            <p:cond delay="0"/>
+                                          </p:stCondLst>
+                                        </p:cTn>
+                                        <p:tgtEl>
+                                          <p:spTgt spid="4"/>
+                                        </p:tgtEl>
+                                        <p:attrNameLst>
+                                          <p:attrName>style.visibility</p:attrName>
+                                        </p:attrNameLst>
+                                      </p:cBhvr>
+                                      <p:to>
+                                        <p:strVal val="visible"/>
+                                      </p:to>
+                                    </p:set>
+                                    <p:anim calcmode="lin" valueType="num">
+                                      <p:cBhvr additive="base">
+                                        <p:cTn id="23" dur="500" fill="hold"/>
+                                        <p:tgtEl>
+                                          <p:spTgt spid="4"/>
+                                        </p:tgtEl>
+                                        <p:attrNameLst>
+                                          <p:attrName>ppt_x</p:attrName>
+                                        </p:attrNameLst>
+                                      </p:cBhvr>
+                                      <p:tavLst>
+                                        <p:tav tm="0">
+                                          <p:val>
+                                            <p:strVal val="0-#ppt_w/2"/>
+                                          </p:val>
+                                        </p:tav>
+                                        <p:tav tm="100000">
+                                          <p:val>
+                                            <p:strVal val="#ppt_x"/>
+                                          </p:val>
+                                        </p:tav>
+                                      </p:tavLst>
+                                    </p:anim>
+                                    <p:anim calcmode="lin" valueType="num">
+                                      <p:cBhvr additive="base">
+                                        <p:cTn id="24" dur="500" fill="hold"/>
+                                        <p:tgtEl>
+                                          <p:spTgt spid="4"/>
+                                        </p:tgtEl>
+                                        <p:attrNameLst>
+                                          <p:attrName>ppt_y</p:attrName>
+                                        </p:attrNameLst>
+                                      </p:cBhvr>
+                                      <p:tavLst>
+                                        <p:tav tm="0">
+                                          <p:val>
+                                            <p:strVal val="#ppt_y"/>
+                                          </p:val>
+                                        </p:tav>
+                                        <p:tav tm="100000">
+                                          <p:val>
+                                            <p:strVal val="#ppt_y"/>
+                                          </p:val>
+                                        </p:tav>
+                                      </p:tavLst>
+                                    </p:anim>
+                                  </p:childTnLst>
+                                </p:cTn>
+                              </p:par>
+                            </p:childTnLst>
+                          </p:cTn>
+                        </p:par>
+                      </p:childTnLst>
+                    </p:cTn>
+                  </p:par>
+                </p:childTnLst>
+              </p:cTn>
+              <p:prevCondLst>
+                <p:cond evt="onPrev" delay="0">
+                  <p:tgtEl>
+                    <p:sldTgt/>
+                  </p:tgtEl>
+                </p:cond>
+              </p:prevCondLst>
+              <p:nextCondLst>
+                <p:cond evt="onNext" delay="0">
+                  <p:tgtEl>
+                    <p:sldTgt/>
+                  </p:tgtEl>
+                </p:cond>
+              </p:nextCondLst>
+            </p:seq>
+          </p:childTnLst>
+        </p:cTn>
       </p:par>
     </p:tnLst>
+    <p:bldLst>
+      <p:bldP spid="38" grpId="0"/>
+      <p:bldP spid="3" grpId="0"/>
+      <p:bldP spid="48" grpId="0"/>
+      <p:bldP spid="49" grpId="0"/>
+      <p:bldP spid="4" grpId="0"/>
+    </p:bldLst>
   </p:timing>
 </p:sld>
 </file>

--- a/ASSET_DOC/ASSET_Proposal/ASSET_Final.pptx
+++ b/ASSET_DOC/ASSET_Proposal/ASSET_Final.pptx
@@ -27,8 +27,8 @@
     <p:sldId id="287" r:id="rId18"/>
     <p:sldId id="291" r:id="rId19"/>
     <p:sldId id="282" r:id="rId20"/>
-    <p:sldId id="295" r:id="rId21"/>
-    <p:sldId id="288" r:id="rId22"/>
+    <p:sldId id="288" r:id="rId21"/>
+    <p:sldId id="298" r:id="rId22"/>
     <p:sldId id="283" r:id="rId23"/>
   </p:sldIdLst>
   <p:sldSz cx="9144000" cy="6858000" type="screen4x3"/>
@@ -656,6 +656,600 @@
     <p:extLst>
       <p:ext uri="{BB962C8B-B14F-4D97-AF65-F5344CB8AC3E}">
         <p14:creationId xmlns:p14="http://schemas.microsoft.com/office/powerpoint/2010/main" val="703042743"/>
+      </p:ext>
+    </p:extLst>
+  </p:cSld>
+  <p:clrMapOvr>
+    <a:masterClrMapping/>
+  </p:clrMapOvr>
+</p:notes>
+</file>
+
+<file path=ppt/notesSlides/notesSlide3.xml><?xml version="1.0" encoding="utf-8"?>
+<p:notes xmlns:a="http://schemas.openxmlformats.org/drawingml/2006/main" xmlns:r="http://schemas.openxmlformats.org/officeDocument/2006/relationships" xmlns:p="http://schemas.openxmlformats.org/presentationml/2006/main">
+  <p:cSld>
+    <p:spTree>
+      <p:nvGrpSpPr>
+        <p:cNvPr id="1" name=""/>
+        <p:cNvGrpSpPr/>
+        <p:nvPr/>
+      </p:nvGrpSpPr>
+      <p:grpSpPr>
+        <a:xfrm>
+          <a:off x="0" y="0"/>
+          <a:ext cx="0" cy="0"/>
+          <a:chOff x="0" y="0"/>
+          <a:chExt cx="0" cy="0"/>
+        </a:xfrm>
+      </p:grpSpPr>
+      <p:sp>
+        <p:nvSpPr>
+          <p:cNvPr id="2" name="Slide Image Placeholder 1"/>
+          <p:cNvSpPr>
+            <a:spLocks noGrp="1" noRot="1" noChangeAspect="1"/>
+          </p:cNvSpPr>
+          <p:nvPr>
+            <p:ph type="sldImg"/>
+          </p:nvPr>
+        </p:nvSpPr>
+        <p:spPr/>
+      </p:sp>
+      <p:sp>
+        <p:nvSpPr>
+          <p:cNvPr id="3" name="Notes Placeholder 2"/>
+          <p:cNvSpPr>
+            <a:spLocks noGrp="1"/>
+          </p:cNvSpPr>
+          <p:nvPr>
+            <p:ph type="body" idx="1"/>
+          </p:nvPr>
+        </p:nvSpPr>
+        <p:spPr/>
+        <p:txBody>
+          <a:bodyPr/>
+          <a:lstStyle/>
+          <a:p>
+            <a:r>
+              <a:rPr lang="th-TH" sz="1800" b="1" kern="1200" dirty="0" smtClean="0">
+                <a:solidFill>
+                  <a:schemeClr val="tx1"/>
+                </a:solidFill>
+                <a:effectLst/>
+                <a:latin typeface="+mn-lt"/>
+                <a:ea typeface="+mn-ea"/>
+                <a:cs typeface="+mn-cs"/>
+              </a:rPr>
+              <a:t>ปัญหาและอุปสรรค</a:t>
+            </a:r>
+            <a:endParaRPr lang="en-US" sz="1800" b="1" kern="1200" dirty="0" smtClean="0">
+              <a:solidFill>
+                <a:schemeClr val="tx1"/>
+              </a:solidFill>
+              <a:effectLst/>
+              <a:latin typeface="+mn-lt"/>
+              <a:ea typeface="+mn-ea"/>
+              <a:cs typeface="+mn-cs"/>
+            </a:endParaRPr>
+          </a:p>
+          <a:p>
+            <a:r>
+              <a:rPr lang="en-US" sz="1800" b="1" kern="1200" dirty="0" smtClean="0">
+                <a:solidFill>
+                  <a:schemeClr val="tx1"/>
+                </a:solidFill>
+                <a:effectLst/>
+                <a:latin typeface="+mn-lt"/>
+                <a:ea typeface="+mn-ea"/>
+                <a:cs typeface="+mn-cs"/>
+              </a:rPr>
+              <a:t>1.</a:t>
+            </a:r>
+            <a:r>
+              <a:rPr lang="th-TH" sz="1800" kern="1200" dirty="0" smtClean="0">
+                <a:solidFill>
+                  <a:schemeClr val="tx1"/>
+                </a:solidFill>
+                <a:effectLst/>
+                <a:latin typeface="+mn-lt"/>
+                <a:ea typeface="+mn-ea"/>
+                <a:cs typeface="+mn-cs"/>
+              </a:rPr>
+              <a:t> การวางแผนเวลาที่โครงงานที่ผิดพลาด ทำให้ส่วนที่ผิดพลาดเกิดผลกระทบกับกิจกรรมอื่นๆของโครงงาน</a:t>
+            </a:r>
+          </a:p>
+          <a:p>
+            <a:r>
+              <a:rPr lang="en-US" sz="1800" b="1" kern="1200" dirty="0" smtClean="0">
+                <a:solidFill>
+                  <a:schemeClr val="tx1"/>
+                </a:solidFill>
+                <a:effectLst/>
+                <a:latin typeface="+mn-lt"/>
+                <a:ea typeface="+mn-ea"/>
+                <a:cs typeface="+mn-cs"/>
+              </a:rPr>
+              <a:t>2</a:t>
+            </a:r>
+            <a:r>
+              <a:rPr lang="th-TH" sz="1800" kern="1200" dirty="0" smtClean="0">
+                <a:solidFill>
+                  <a:schemeClr val="tx1"/>
+                </a:solidFill>
+                <a:effectLst/>
+                <a:latin typeface="+mn-lt"/>
+                <a:ea typeface="+mn-ea"/>
+                <a:cs typeface="+mn-cs"/>
+              </a:rPr>
+              <a:t>การสื่อสารที่ผิดพลาดระหว่าง</a:t>
+            </a:r>
+            <a:r>
+              <a:rPr lang="en-US" sz="1800" kern="1200" dirty="0" smtClean="0">
+                <a:solidFill>
+                  <a:schemeClr val="tx1"/>
+                </a:solidFill>
+                <a:effectLst/>
+                <a:latin typeface="+mn-lt"/>
+                <a:ea typeface="+mn-ea"/>
+                <a:cs typeface="+mn-cs"/>
+              </a:rPr>
+              <a:t> Project Manager </a:t>
+            </a:r>
+            <a:r>
+              <a:rPr lang="th-TH" sz="1800" kern="1200" dirty="0" smtClean="0">
+                <a:solidFill>
+                  <a:schemeClr val="tx1"/>
+                </a:solidFill>
+                <a:effectLst/>
+                <a:latin typeface="+mn-lt"/>
+                <a:ea typeface="+mn-ea"/>
+                <a:cs typeface="+mn-cs"/>
+              </a:rPr>
+              <a:t>และ </a:t>
+            </a:r>
+            <a:r>
+              <a:rPr lang="en-US" sz="1800" kern="1200" dirty="0" smtClean="0">
+                <a:solidFill>
+                  <a:schemeClr val="tx1"/>
+                </a:solidFill>
+                <a:effectLst/>
+                <a:latin typeface="+mn-lt"/>
+                <a:ea typeface="+mn-ea"/>
+                <a:cs typeface="+mn-cs"/>
+              </a:rPr>
+              <a:t>Developer</a:t>
+            </a:r>
+            <a:r>
+              <a:rPr lang="th-TH" sz="1800" kern="1200" dirty="0" smtClean="0">
+                <a:solidFill>
+                  <a:schemeClr val="tx1"/>
+                </a:solidFill>
+                <a:effectLst/>
+                <a:latin typeface="+mn-lt"/>
+                <a:ea typeface="+mn-ea"/>
+                <a:cs typeface="+mn-cs"/>
+              </a:rPr>
+              <a:t> ทำให้ตีความหมายในบาง </a:t>
+            </a:r>
+            <a:r>
+              <a:rPr lang="en-US" sz="1800" kern="1200" dirty="0" smtClean="0">
+                <a:solidFill>
+                  <a:schemeClr val="tx1"/>
+                </a:solidFill>
+                <a:effectLst/>
+                <a:latin typeface="+mn-lt"/>
+                <a:ea typeface="+mn-ea"/>
+                <a:cs typeface="+mn-cs"/>
+              </a:rPr>
+              <a:t>Function</a:t>
+            </a:r>
+            <a:r>
+              <a:rPr lang="th-TH" sz="1800" kern="1200" dirty="0" smtClean="0">
+                <a:solidFill>
+                  <a:schemeClr val="tx1"/>
+                </a:solidFill>
+                <a:effectLst/>
+                <a:latin typeface="+mn-lt"/>
+                <a:ea typeface="+mn-ea"/>
+                <a:cs typeface="+mn-cs"/>
+              </a:rPr>
+              <a:t> ผิดไปจากที่ควรจะเป็น</a:t>
+            </a:r>
+            <a:endParaRPr lang="en-US" sz="1800" b="1" kern="1200" dirty="0" smtClean="0">
+              <a:solidFill>
+                <a:schemeClr val="tx1"/>
+              </a:solidFill>
+              <a:effectLst/>
+              <a:latin typeface="+mn-lt"/>
+              <a:ea typeface="+mn-ea"/>
+              <a:cs typeface="+mn-cs"/>
+            </a:endParaRPr>
+          </a:p>
+          <a:p>
+            <a:r>
+              <a:rPr lang="en-US" sz="1800" b="1" kern="1200" dirty="0" smtClean="0">
+                <a:solidFill>
+                  <a:schemeClr val="tx1"/>
+                </a:solidFill>
+                <a:effectLst/>
+                <a:latin typeface="+mn-lt"/>
+                <a:ea typeface="+mn-ea"/>
+                <a:cs typeface="+mn-cs"/>
+              </a:rPr>
+              <a:t>3</a:t>
+            </a:r>
+            <a:r>
+              <a:rPr lang="th-TH" sz="1800" kern="1200" dirty="0" smtClean="0">
+                <a:solidFill>
+                  <a:schemeClr val="tx1"/>
+                </a:solidFill>
+                <a:effectLst/>
+                <a:latin typeface="+mn-lt"/>
+                <a:ea typeface="+mn-ea"/>
+                <a:cs typeface="+mn-cs"/>
+              </a:rPr>
+              <a:t>การสื่อสารที่ผิดพลาดระหว่างลูกค้า ทำให้เกิดความเข้าใจผิดในสิ่งที่ลูกค้าต้องการจะสื่อสาร</a:t>
+            </a:r>
+            <a:endParaRPr lang="en-US" sz="1800" b="1" kern="1200" dirty="0" smtClean="0">
+              <a:solidFill>
+                <a:schemeClr val="tx1"/>
+              </a:solidFill>
+              <a:effectLst/>
+              <a:latin typeface="+mn-lt"/>
+              <a:ea typeface="+mn-ea"/>
+              <a:cs typeface="+mn-cs"/>
+            </a:endParaRPr>
+          </a:p>
+          <a:p>
+            <a:endParaRPr lang="en-US" sz="1800" b="1" kern="1200" dirty="0" smtClean="0">
+              <a:solidFill>
+                <a:schemeClr val="tx1"/>
+              </a:solidFill>
+              <a:effectLst/>
+              <a:latin typeface="+mn-lt"/>
+              <a:ea typeface="+mn-ea"/>
+              <a:cs typeface="+mn-cs"/>
+            </a:endParaRPr>
+          </a:p>
+          <a:p>
+            <a:r>
+              <a:rPr lang="th-TH" sz="1800" b="1" kern="1200" dirty="0" smtClean="0">
+                <a:solidFill>
+                  <a:schemeClr val="tx1"/>
+                </a:solidFill>
+                <a:effectLst/>
+                <a:latin typeface="+mn-lt"/>
+                <a:ea typeface="+mn-ea"/>
+                <a:cs typeface="+mn-cs"/>
+              </a:rPr>
+              <a:t>แนวทางแก้ไขปัญหา</a:t>
+            </a:r>
+          </a:p>
+          <a:p>
+            <a:r>
+              <a:rPr lang="en-US" sz="1800" b="1" kern="1200" dirty="0" smtClean="0">
+                <a:solidFill>
+                  <a:schemeClr val="tx1"/>
+                </a:solidFill>
+                <a:effectLst/>
+                <a:latin typeface="+mn-lt"/>
+                <a:ea typeface="+mn-ea"/>
+                <a:cs typeface="+mn-cs"/>
+              </a:rPr>
+              <a:t>1</a:t>
+            </a:r>
+            <a:r>
+              <a:rPr lang="th-TH" sz="1800" kern="1200" dirty="0" smtClean="0">
+                <a:solidFill>
+                  <a:schemeClr val="tx1"/>
+                </a:solidFill>
+                <a:effectLst/>
+                <a:latin typeface="+mn-lt"/>
+                <a:ea typeface="+mn-ea"/>
+                <a:cs typeface="+mn-cs"/>
+              </a:rPr>
+              <a:t>การวางแผนเวลาที่ผิดพลาด จึงย่นระยะเวลาในกิจกรรมอื่นๆ ในโครงการเพื่อให้โครงงานเสร็จสิ้นตรงตามเวลาที่กำหนด</a:t>
+            </a:r>
+          </a:p>
+          <a:p>
+            <a:r>
+              <a:rPr lang="en-US" sz="1800" kern="1200" dirty="0" smtClean="0">
+                <a:solidFill>
+                  <a:schemeClr val="tx1"/>
+                </a:solidFill>
+                <a:effectLst/>
+                <a:latin typeface="+mn-lt"/>
+                <a:ea typeface="+mn-ea"/>
+                <a:cs typeface="+mn-cs"/>
+              </a:rPr>
+              <a:t>2</a:t>
+            </a:r>
+            <a:r>
+              <a:rPr lang="th-TH" sz="1800" kern="1200" dirty="0" smtClean="0">
+                <a:solidFill>
+                  <a:schemeClr val="tx1"/>
+                </a:solidFill>
+                <a:effectLst/>
+                <a:latin typeface="+mn-lt"/>
+                <a:ea typeface="+mn-ea"/>
+                <a:cs typeface="+mn-cs"/>
+              </a:rPr>
+              <a:t>จากปัญหาการสื่อสารกันระหว่าง </a:t>
+            </a:r>
+            <a:r>
+              <a:rPr lang="en-US" sz="1800" kern="1200" dirty="0" smtClean="0">
+                <a:solidFill>
+                  <a:schemeClr val="tx1"/>
+                </a:solidFill>
+                <a:effectLst/>
+                <a:latin typeface="+mn-lt"/>
+                <a:ea typeface="+mn-ea"/>
+                <a:cs typeface="+mn-cs"/>
+              </a:rPr>
+              <a:t>Project Manager </a:t>
+            </a:r>
+            <a:r>
+              <a:rPr lang="th-TH" sz="1800" kern="1200" dirty="0" smtClean="0">
+                <a:solidFill>
+                  <a:schemeClr val="tx1"/>
+                </a:solidFill>
+                <a:effectLst/>
+                <a:latin typeface="+mn-lt"/>
+                <a:ea typeface="+mn-ea"/>
+                <a:cs typeface="+mn-cs"/>
+              </a:rPr>
+              <a:t>และ </a:t>
+            </a:r>
+            <a:r>
+              <a:rPr lang="en-US" sz="1800" kern="1200" dirty="0" smtClean="0">
+                <a:solidFill>
+                  <a:schemeClr val="tx1"/>
+                </a:solidFill>
+                <a:effectLst/>
+                <a:latin typeface="+mn-lt"/>
+                <a:ea typeface="+mn-ea"/>
+                <a:cs typeface="+mn-cs"/>
+              </a:rPr>
+              <a:t>Developer</a:t>
+            </a:r>
+            <a:r>
+              <a:rPr lang="th-TH" sz="1800" kern="1200" dirty="0" smtClean="0">
+                <a:solidFill>
+                  <a:schemeClr val="tx1"/>
+                </a:solidFill>
+                <a:effectLst/>
+                <a:latin typeface="+mn-lt"/>
+                <a:ea typeface="+mn-ea"/>
+                <a:cs typeface="+mn-cs"/>
+              </a:rPr>
+              <a:t> ที่ไม่เข้าใจกัน จึงใช้ </a:t>
+            </a:r>
+            <a:r>
+              <a:rPr lang="en-US" sz="1800" kern="1200" dirty="0" smtClean="0">
+                <a:solidFill>
+                  <a:schemeClr val="tx1"/>
+                </a:solidFill>
+                <a:effectLst/>
+                <a:latin typeface="+mn-lt"/>
+                <a:ea typeface="+mn-ea"/>
+                <a:cs typeface="+mn-cs"/>
+              </a:rPr>
+              <a:t>Diagram </a:t>
+            </a:r>
+            <a:r>
+              <a:rPr lang="th-TH" sz="1800" kern="1200" dirty="0" smtClean="0">
+                <a:solidFill>
+                  <a:schemeClr val="tx1"/>
+                </a:solidFill>
+                <a:effectLst/>
+                <a:latin typeface="+mn-lt"/>
+                <a:ea typeface="+mn-ea"/>
+                <a:cs typeface="+mn-cs"/>
+              </a:rPr>
+              <a:t>ในการสื่อสารให้มากขึ้น</a:t>
+            </a:r>
+          </a:p>
+          <a:p>
+            <a:r>
+              <a:rPr lang="en-US" sz="1800" kern="1200" dirty="0" smtClean="0">
+                <a:solidFill>
+                  <a:schemeClr val="tx1"/>
+                </a:solidFill>
+                <a:effectLst/>
+                <a:latin typeface="+mn-lt"/>
+                <a:ea typeface="+mn-ea"/>
+                <a:cs typeface="+mn-cs"/>
+              </a:rPr>
+              <a:t>3</a:t>
+            </a:r>
+            <a:r>
+              <a:rPr lang="th-TH" sz="1800" kern="1200" dirty="0" smtClean="0">
+                <a:solidFill>
+                  <a:schemeClr val="tx1"/>
+                </a:solidFill>
+                <a:effectLst/>
+                <a:latin typeface="+mn-lt"/>
+                <a:ea typeface="+mn-ea"/>
+                <a:cs typeface="+mn-cs"/>
+              </a:rPr>
+              <a:t>จากปัญหาการสื่อสารระหว่างลูกค้า ทำให้เกิดความเข้าใจผิดในสิ่งที่ลูกค้าพยายาม</a:t>
+            </a:r>
+          </a:p>
+          <a:p>
+            <a:r>
+              <a:rPr lang="th-TH" sz="1800" kern="1200" dirty="0" smtClean="0">
+                <a:solidFill>
+                  <a:schemeClr val="tx1"/>
+                </a:solidFill>
+                <a:effectLst/>
+                <a:latin typeface="+mn-lt"/>
+                <a:ea typeface="+mn-ea"/>
+                <a:cs typeface="+mn-cs"/>
+              </a:rPr>
+              <a:t>จะสื่อสาร จึงใช้ </a:t>
+            </a:r>
+            <a:r>
+              <a:rPr lang="en-US" sz="1800" kern="1200" dirty="0" smtClean="0">
+                <a:solidFill>
+                  <a:schemeClr val="tx1"/>
+                </a:solidFill>
+                <a:effectLst/>
+                <a:latin typeface="+mn-lt"/>
+                <a:ea typeface="+mn-ea"/>
+                <a:cs typeface="+mn-cs"/>
+              </a:rPr>
+              <a:t>Mock Up</a:t>
+            </a:r>
+            <a:r>
+              <a:rPr lang="th-TH" sz="1800" kern="1200" dirty="0" smtClean="0">
+                <a:solidFill>
+                  <a:schemeClr val="tx1"/>
+                </a:solidFill>
+                <a:effectLst/>
+                <a:latin typeface="+mn-lt"/>
+                <a:ea typeface="+mn-ea"/>
+                <a:cs typeface="+mn-cs"/>
+              </a:rPr>
+              <a:t> และ </a:t>
+            </a:r>
+            <a:r>
+              <a:rPr lang="en-US" sz="1800" kern="1200" dirty="0" smtClean="0">
+                <a:solidFill>
+                  <a:schemeClr val="tx1"/>
+                </a:solidFill>
+                <a:effectLst/>
+                <a:latin typeface="+mn-lt"/>
+                <a:ea typeface="+mn-ea"/>
+                <a:cs typeface="+mn-cs"/>
+              </a:rPr>
+              <a:t>Prototype</a:t>
+            </a:r>
+            <a:r>
+              <a:rPr lang="th-TH" sz="1800" kern="1200" dirty="0" smtClean="0">
+                <a:solidFill>
+                  <a:schemeClr val="tx1"/>
+                </a:solidFill>
+                <a:effectLst/>
+                <a:latin typeface="+mn-lt"/>
+                <a:ea typeface="+mn-ea"/>
+                <a:cs typeface="+mn-cs"/>
+              </a:rPr>
+              <a:t> ในการสื่อสารกับลูกค้าให้มากขึ้น </a:t>
+            </a:r>
+            <a:endParaRPr lang="th-TH" dirty="0"/>
+          </a:p>
+        </p:txBody>
+      </p:sp>
+      <p:sp>
+        <p:nvSpPr>
+          <p:cNvPr id="4" name="Slide Number Placeholder 3"/>
+          <p:cNvSpPr>
+            <a:spLocks noGrp="1"/>
+          </p:cNvSpPr>
+          <p:nvPr>
+            <p:ph type="sldNum" sz="quarter" idx="10"/>
+          </p:nvPr>
+        </p:nvSpPr>
+        <p:spPr/>
+        <p:txBody>
+          <a:bodyPr/>
+          <a:lstStyle/>
+          <a:p>
+            <a:fld id="{F39FED63-E80D-4DC2-929C-B8C3B494DEFE}" type="slidenum">
+              <a:rPr lang="th-TH" smtClean="0"/>
+              <a:t>20</a:t>
+            </a:fld>
+            <a:endParaRPr lang="th-TH"/>
+          </a:p>
+        </p:txBody>
+      </p:sp>
+    </p:spTree>
+    <p:extLst>
+      <p:ext uri="{BB962C8B-B14F-4D97-AF65-F5344CB8AC3E}">
+        <p14:creationId xmlns:p14="http://schemas.microsoft.com/office/powerpoint/2010/main" val="1566873415"/>
+      </p:ext>
+    </p:extLst>
+  </p:cSld>
+  <p:clrMapOvr>
+    <a:masterClrMapping/>
+  </p:clrMapOvr>
+</p:notes>
+</file>
+
+<file path=ppt/notesSlides/notesSlide4.xml><?xml version="1.0" encoding="utf-8"?>
+<p:notes xmlns:a="http://schemas.openxmlformats.org/drawingml/2006/main" xmlns:r="http://schemas.openxmlformats.org/officeDocument/2006/relationships" xmlns:p="http://schemas.openxmlformats.org/presentationml/2006/main">
+  <p:cSld>
+    <p:spTree>
+      <p:nvGrpSpPr>
+        <p:cNvPr id="1" name=""/>
+        <p:cNvGrpSpPr/>
+        <p:nvPr/>
+      </p:nvGrpSpPr>
+      <p:grpSpPr>
+        <a:xfrm>
+          <a:off x="0" y="0"/>
+          <a:ext cx="0" cy="0"/>
+          <a:chOff x="0" y="0"/>
+          <a:chExt cx="0" cy="0"/>
+        </a:xfrm>
+      </p:grpSpPr>
+      <p:sp>
+        <p:nvSpPr>
+          <p:cNvPr id="2" name="Slide Image Placeholder 1"/>
+          <p:cNvSpPr>
+            <a:spLocks noGrp="1" noRot="1" noChangeAspect="1"/>
+          </p:cNvSpPr>
+          <p:nvPr>
+            <p:ph type="sldImg"/>
+          </p:nvPr>
+        </p:nvSpPr>
+        <p:spPr/>
+      </p:sp>
+      <p:sp>
+        <p:nvSpPr>
+          <p:cNvPr id="3" name="Notes Placeholder 2"/>
+          <p:cNvSpPr>
+            <a:spLocks noGrp="1"/>
+          </p:cNvSpPr>
+          <p:nvPr>
+            <p:ph type="body" idx="1"/>
+          </p:nvPr>
+        </p:nvSpPr>
+        <p:spPr/>
+        <p:txBody>
+          <a:bodyPr/>
+          <a:lstStyle/>
+          <a:p>
+            <a:endParaRPr lang="th-TH" dirty="0"/>
+          </a:p>
+        </p:txBody>
+      </p:sp>
+      <p:sp>
+        <p:nvSpPr>
+          <p:cNvPr id="4" name="Slide Number Placeholder 3"/>
+          <p:cNvSpPr>
+            <a:spLocks noGrp="1"/>
+          </p:cNvSpPr>
+          <p:nvPr>
+            <p:ph type="sldNum" sz="quarter" idx="10"/>
+          </p:nvPr>
+        </p:nvSpPr>
+        <p:spPr/>
+        <p:txBody>
+          <a:bodyPr/>
+          <a:lstStyle/>
+          <a:p>
+            <a:fld id="{F39FED63-E80D-4DC2-929C-B8C3B494DEFE}" type="slidenum">
+              <a:rPr lang="th-TH" smtClean="0"/>
+              <a:t>21</a:t>
+            </a:fld>
+            <a:endParaRPr lang="th-TH"/>
+          </a:p>
+        </p:txBody>
+      </p:sp>
+    </p:spTree>
+    <p:extLst>
+      <p:ext uri="{BB962C8B-B14F-4D97-AF65-F5344CB8AC3E}">
+        <p14:creationId xmlns:p14="http://schemas.microsoft.com/office/powerpoint/2010/main" val="2618796710"/>
       </p:ext>
     </p:extLst>
   </p:cSld>
@@ -10611,6 +11205,35 @@
           <a:xfrm>
             <a:off x="48141" y="71828"/>
             <a:ext cx="1951728" cy="664658"/>
+          </a:xfrm>
+          <a:prstGeom prst="rect">
+            <a:avLst/>
+          </a:prstGeom>
+        </p:spPr>
+      </p:pic>
+      <p:pic>
+        <p:nvPicPr>
+          <p:cNvPr id="4" name="Picture 3"/>
+          <p:cNvPicPr>
+            <a:picLocks noChangeAspect="1"/>
+          </p:cNvPicPr>
+          <p:nvPr/>
+        </p:nvPicPr>
+        <p:blipFill rotWithShape="1">
+          <a:blip r:embed="rId4">
+            <a:extLst>
+              <a:ext uri="{28A0092B-C50C-407E-A947-70E740481C1C}">
+                <a14:useLocalDpi xmlns:a14="http://schemas.microsoft.com/office/drawing/2010/main" val="0"/>
+              </a:ext>
+            </a:extLst>
+          </a:blip>
+          <a:srcRect l="18000" t="7650" r="-9999" b="1673"/>
+          <a:stretch/>
+        </p:blipFill>
+        <p:spPr>
+          <a:xfrm>
+            <a:off x="1799692" y="1895076"/>
+            <a:ext cx="5544616" cy="4749322"/>
           </a:xfrm>
           <a:prstGeom prst="rect">
             <a:avLst/>
@@ -13559,410 +14182,6 @@
                 <a:latin typeface="TH Sarabun New" panose="020B0500040200020003" pitchFamily="34" charset="-34"/>
                 <a:cs typeface="TH Sarabun New" panose="020B0500040200020003" pitchFamily="34" charset="-34"/>
               </a:rPr>
-              <a:t>ประโยชน์ที่คาดว่าจะได้รับ</a:t>
-            </a:r>
-            <a:endParaRPr lang="en-US" sz="4800" dirty="0">
-              <a:latin typeface="TH Sarabun New" panose="020B0500040200020003" pitchFamily="34" charset="-34"/>
-              <a:cs typeface="TH Sarabun New" panose="020B0500040200020003" pitchFamily="34" charset="-34"/>
-            </a:endParaRPr>
-          </a:p>
-        </p:txBody>
-      </p:sp>
-      <p:sp>
-        <p:nvSpPr>
-          <p:cNvPr id="6" name="Rectangle 5"/>
-          <p:cNvSpPr/>
-          <p:nvPr/>
-        </p:nvSpPr>
-        <p:spPr>
-          <a:xfrm>
-            <a:off x="72008" y="6462731"/>
-            <a:ext cx="5292080" cy="336447"/>
-          </a:xfrm>
-          <a:prstGeom prst="rect">
-            <a:avLst/>
-          </a:prstGeom>
-          <a:solidFill>
-            <a:srgbClr val="0B3261"/>
-          </a:solidFill>
-          <a:ln>
-            <a:solidFill>
-              <a:srgbClr val="0B3261"/>
-            </a:solidFill>
-          </a:ln>
-        </p:spPr>
-        <p:style>
-          <a:lnRef idx="2">
-            <a:schemeClr val="dk1"/>
-          </a:lnRef>
-          <a:fillRef idx="1">
-            <a:schemeClr val="lt1"/>
-          </a:fillRef>
-          <a:effectRef idx="0">
-            <a:schemeClr val="dk1"/>
-          </a:effectRef>
-          <a:fontRef idx="minor">
-            <a:schemeClr val="dk1"/>
-          </a:fontRef>
-        </p:style>
-        <p:txBody>
-          <a:bodyPr rtlCol="0" anchor="ctr"/>
-          <a:lstStyle/>
-          <a:p>
-            <a:pPr algn="ctr"/>
-            <a:endParaRPr lang="th-TH"/>
-          </a:p>
-        </p:txBody>
-      </p:sp>
-      <p:pic>
-        <p:nvPicPr>
-          <p:cNvPr id="7" name="รูปภาพ 3"/>
-          <p:cNvPicPr>
-            <a:picLocks noChangeAspect="1"/>
-          </p:cNvPicPr>
-          <p:nvPr/>
-        </p:nvPicPr>
-        <p:blipFill>
-          <a:blip r:embed="rId2" cstate="print">
-            <a:extLst>
-              <a:ext uri="{28A0092B-C50C-407E-A947-70E740481C1C}">
-                <a14:useLocalDpi xmlns:a14="http://schemas.microsoft.com/office/drawing/2010/main" val="0"/>
-              </a:ext>
-            </a:extLst>
-          </a:blip>
-          <a:stretch>
-            <a:fillRect/>
-          </a:stretch>
-        </p:blipFill>
-        <p:spPr>
-          <a:xfrm>
-            <a:off x="7623869" y="736486"/>
-            <a:ext cx="1039740" cy="957963"/>
-          </a:xfrm>
-          <a:prstGeom prst="rect">
-            <a:avLst/>
-          </a:prstGeom>
-        </p:spPr>
-      </p:pic>
-      <p:sp>
-        <p:nvSpPr>
-          <p:cNvPr id="3" name="Rectangle 2"/>
-          <p:cNvSpPr/>
-          <p:nvPr/>
-        </p:nvSpPr>
-        <p:spPr>
-          <a:xfrm>
-            <a:off x="96743" y="2492896"/>
-            <a:ext cx="9180512" cy="2862322"/>
-          </a:xfrm>
-          <a:prstGeom prst="rect">
-            <a:avLst/>
-          </a:prstGeom>
-        </p:spPr>
-        <p:txBody>
-          <a:bodyPr wrap="square">
-            <a:spAutoFit/>
-          </a:bodyPr>
-          <a:lstStyle/>
-          <a:p>
-            <a:pPr lvl="1"/>
-            <a:r>
-              <a:rPr lang="th-TH" sz="3600" b="1" dirty="0" smtClean="0">
-                <a:effectLst>
-                  <a:outerShdw blurRad="38100" dist="38100" dir="2700000" algn="tl">
-                    <a:srgbClr val="000000">
-                      <a:alpha val="43137"/>
-                    </a:srgbClr>
-                  </a:outerShdw>
-                </a:effectLst>
-                <a:latin typeface="TH Sarabun New" panose="020B0500040200020003" pitchFamily="34" charset="-34"/>
-                <a:cs typeface="TH Sarabun New" panose="020B0500040200020003" pitchFamily="34" charset="-34"/>
-              </a:rPr>
-              <a:t>1.ลด</a:t>
-            </a:r>
-            <a:r>
-              <a:rPr lang="th-TH" sz="3600" b="1" dirty="0">
-                <a:effectLst>
-                  <a:outerShdw blurRad="38100" dist="38100" dir="2700000" algn="tl">
-                    <a:srgbClr val="000000">
-                      <a:alpha val="43137"/>
-                    </a:srgbClr>
-                  </a:outerShdw>
-                </a:effectLst>
-                <a:latin typeface="TH Sarabun New" panose="020B0500040200020003" pitchFamily="34" charset="-34"/>
-                <a:cs typeface="TH Sarabun New" panose="020B0500040200020003" pitchFamily="34" charset="-34"/>
-              </a:rPr>
-              <a:t>การผิดพลาดเมื่อมีการมีการตรวจสอบครุภัณฑ์ </a:t>
-            </a:r>
-          </a:p>
-          <a:p>
-            <a:pPr lvl="1"/>
-            <a:r>
-              <a:rPr lang="th-TH" sz="3600" b="1" dirty="0" smtClean="0">
-                <a:effectLst>
-                  <a:outerShdw blurRad="38100" dist="38100" dir="2700000" algn="tl">
-                    <a:srgbClr val="000000">
-                      <a:alpha val="43137"/>
-                    </a:srgbClr>
-                  </a:outerShdw>
-                </a:effectLst>
-                <a:latin typeface="TH Sarabun New" panose="020B0500040200020003" pitchFamily="34" charset="-34"/>
-                <a:cs typeface="TH Sarabun New" panose="020B0500040200020003" pitchFamily="34" charset="-34"/>
-              </a:rPr>
-              <a:t>2.มี</a:t>
-            </a:r>
-            <a:r>
-              <a:rPr lang="th-TH" sz="3600" b="1" dirty="0">
-                <a:effectLst>
-                  <a:outerShdw blurRad="38100" dist="38100" dir="2700000" algn="tl">
-                    <a:srgbClr val="000000">
-                      <a:alpha val="43137"/>
-                    </a:srgbClr>
-                  </a:outerShdw>
-                </a:effectLst>
-                <a:latin typeface="TH Sarabun New" panose="020B0500040200020003" pitchFamily="34" charset="-34"/>
-                <a:cs typeface="TH Sarabun New" panose="020B0500040200020003" pitchFamily="34" charset="-34"/>
-              </a:rPr>
-              <a:t>การตรวจสอบความครบสมบูรณ์ของครุภัณฑ์</a:t>
-            </a:r>
-            <a:endParaRPr lang="en-US" sz="3600" b="1" dirty="0">
-              <a:effectLst>
-                <a:outerShdw blurRad="38100" dist="38100" dir="2700000" algn="tl">
-                  <a:srgbClr val="000000">
-                    <a:alpha val="43137"/>
-                  </a:srgbClr>
-                </a:outerShdw>
-              </a:effectLst>
-              <a:latin typeface="TH Sarabun New" panose="020B0500040200020003" pitchFamily="34" charset="-34"/>
-              <a:cs typeface="TH Sarabun New" panose="020B0500040200020003" pitchFamily="34" charset="-34"/>
-            </a:endParaRPr>
-          </a:p>
-          <a:p>
-            <a:pPr lvl="1"/>
-            <a:r>
-              <a:rPr lang="th-TH" sz="3600" b="1" dirty="0" smtClean="0">
-                <a:effectLst>
-                  <a:outerShdw blurRad="38100" dist="38100" dir="2700000" algn="tl">
-                    <a:srgbClr val="000000">
-                      <a:alpha val="43137"/>
-                    </a:srgbClr>
-                  </a:outerShdw>
-                </a:effectLst>
-                <a:latin typeface="TH Sarabun New" panose="020B0500040200020003" pitchFamily="34" charset="-34"/>
-                <a:cs typeface="TH Sarabun New" panose="020B0500040200020003" pitchFamily="34" charset="-34"/>
-              </a:rPr>
-              <a:t>3.ช่วย</a:t>
-            </a:r>
-            <a:r>
-              <a:rPr lang="th-TH" sz="3600" b="1" dirty="0">
-                <a:effectLst>
-                  <a:outerShdw blurRad="38100" dist="38100" dir="2700000" algn="tl">
-                    <a:srgbClr val="000000">
-                      <a:alpha val="43137"/>
-                    </a:srgbClr>
-                  </a:outerShdw>
-                </a:effectLst>
-                <a:latin typeface="TH Sarabun New" panose="020B0500040200020003" pitchFamily="34" charset="-34"/>
-                <a:cs typeface="TH Sarabun New" panose="020B0500040200020003" pitchFamily="34" charset="-34"/>
-              </a:rPr>
-              <a:t>ลดต้นทุนการดำเนินงาน ทั้งทางตรงและทางอ้อม</a:t>
-            </a:r>
-            <a:endParaRPr lang="en-US" sz="3600" b="1" dirty="0">
-              <a:effectLst>
-                <a:outerShdw blurRad="38100" dist="38100" dir="2700000" algn="tl">
-                  <a:srgbClr val="000000">
-                    <a:alpha val="43137"/>
-                  </a:srgbClr>
-                </a:outerShdw>
-              </a:effectLst>
-              <a:latin typeface="TH Sarabun New" panose="020B0500040200020003" pitchFamily="34" charset="-34"/>
-              <a:cs typeface="TH Sarabun New" panose="020B0500040200020003" pitchFamily="34" charset="-34"/>
-            </a:endParaRPr>
-          </a:p>
-          <a:p>
-            <a:pPr lvl="1"/>
-            <a:r>
-              <a:rPr lang="th-TH" sz="3600" b="1" dirty="0" smtClean="0">
-                <a:effectLst>
-                  <a:outerShdw blurRad="38100" dist="38100" dir="2700000" algn="tl">
-                    <a:srgbClr val="000000">
-                      <a:alpha val="43137"/>
-                    </a:srgbClr>
-                  </a:outerShdw>
-                </a:effectLst>
-                <a:latin typeface="TH Sarabun New" panose="020B0500040200020003" pitchFamily="34" charset="-34"/>
-                <a:cs typeface="TH Sarabun New" panose="020B0500040200020003" pitchFamily="34" charset="-34"/>
-              </a:rPr>
-              <a:t>4.กระบวนการ</a:t>
-            </a:r>
-            <a:r>
-              <a:rPr lang="th-TH" sz="3600" b="1" dirty="0">
-                <a:effectLst>
-                  <a:outerShdw blurRad="38100" dist="38100" dir="2700000" algn="tl">
-                    <a:srgbClr val="000000">
-                      <a:alpha val="43137"/>
-                    </a:srgbClr>
-                  </a:outerShdw>
-                </a:effectLst>
-                <a:latin typeface="TH Sarabun New" panose="020B0500040200020003" pitchFamily="34" charset="-34"/>
-                <a:cs typeface="TH Sarabun New" panose="020B0500040200020003" pitchFamily="34" charset="-34"/>
-              </a:rPr>
-              <a:t>บริหาร/ตัดสินใจ ที่พัฒนาขึ้นโดยสารสนเทศที่รวดเร็ว</a:t>
-            </a:r>
-            <a:endParaRPr lang="en-US" sz="3600" b="1" dirty="0">
-              <a:effectLst>
-                <a:outerShdw blurRad="38100" dist="38100" dir="2700000" algn="tl">
-                  <a:srgbClr val="000000">
-                    <a:alpha val="43137"/>
-                  </a:srgbClr>
-                </a:outerShdw>
-              </a:effectLst>
-              <a:latin typeface="TH Sarabun New" panose="020B0500040200020003" pitchFamily="34" charset="-34"/>
-              <a:cs typeface="TH Sarabun New" panose="020B0500040200020003" pitchFamily="34" charset="-34"/>
-            </a:endParaRPr>
-          </a:p>
-          <a:p>
-            <a:pPr lvl="1"/>
-            <a:r>
-              <a:rPr lang="th-TH" sz="3600" b="1" dirty="0" smtClean="0">
-                <a:effectLst>
-                  <a:outerShdw blurRad="38100" dist="38100" dir="2700000" algn="tl">
-                    <a:srgbClr val="000000">
-                      <a:alpha val="43137"/>
-                    </a:srgbClr>
-                  </a:outerShdw>
-                </a:effectLst>
-                <a:latin typeface="TH Sarabun New" panose="020B0500040200020003" pitchFamily="34" charset="-34"/>
-                <a:cs typeface="TH Sarabun New" panose="020B0500040200020003" pitchFamily="34" charset="-34"/>
-              </a:rPr>
-              <a:t>5.กระบวนการ</a:t>
-            </a:r>
-            <a:r>
-              <a:rPr lang="th-TH" sz="3600" b="1" dirty="0">
-                <a:effectLst>
-                  <a:outerShdw blurRad="38100" dist="38100" dir="2700000" algn="tl">
-                    <a:srgbClr val="000000">
-                      <a:alpha val="43137"/>
-                    </a:srgbClr>
-                  </a:outerShdw>
-                </a:effectLst>
-                <a:latin typeface="TH Sarabun New" panose="020B0500040200020003" pitchFamily="34" charset="-34"/>
-                <a:cs typeface="TH Sarabun New" panose="020B0500040200020003" pitchFamily="34" charset="-34"/>
-              </a:rPr>
-              <a:t>ทำงานที่มีประสิทธิภาพ และรวดเร็วยิ่งขึ้น</a:t>
-            </a:r>
-            <a:endParaRPr lang="en-US" sz="3600" b="1" dirty="0">
-              <a:effectLst>
-                <a:outerShdw blurRad="38100" dist="38100" dir="2700000" algn="tl">
-                  <a:srgbClr val="000000">
-                    <a:alpha val="43137"/>
-                  </a:srgbClr>
-                </a:outerShdw>
-              </a:effectLst>
-              <a:latin typeface="TH Sarabun New" panose="020B0500040200020003" pitchFamily="34" charset="-34"/>
-              <a:cs typeface="TH Sarabun New" panose="020B0500040200020003" pitchFamily="34" charset="-34"/>
-            </a:endParaRPr>
-          </a:p>
-        </p:txBody>
-      </p:sp>
-      <p:pic>
-        <p:nvPicPr>
-          <p:cNvPr id="8" name="Picture 7"/>
-          <p:cNvPicPr>
-            <a:picLocks noChangeAspect="1"/>
-          </p:cNvPicPr>
-          <p:nvPr/>
-        </p:nvPicPr>
-        <p:blipFill>
-          <a:blip r:embed="rId3" cstate="print">
-            <a:extLst>
-              <a:ext uri="{28A0092B-C50C-407E-A947-70E740481C1C}">
-                <a14:useLocalDpi xmlns:a14="http://schemas.microsoft.com/office/drawing/2010/main" val="0"/>
-              </a:ext>
-            </a:extLst>
-          </a:blip>
-          <a:stretch>
-            <a:fillRect/>
-          </a:stretch>
-        </p:blipFill>
-        <p:spPr>
-          <a:xfrm>
-            <a:off x="93683" y="80244"/>
-            <a:ext cx="1951728" cy="664658"/>
-          </a:xfrm>
-          <a:prstGeom prst="rect">
-            <a:avLst/>
-          </a:prstGeom>
-        </p:spPr>
-      </p:pic>
-    </p:spTree>
-    <p:extLst>
-      <p:ext uri="{BB962C8B-B14F-4D97-AF65-F5344CB8AC3E}">
-        <p14:creationId xmlns:p14="http://schemas.microsoft.com/office/powerpoint/2010/main" val="310861106"/>
-      </p:ext>
-    </p:extLst>
-  </p:cSld>
-  <p:clrMapOvr>
-    <a:masterClrMapping/>
-  </p:clrMapOvr>
-  <p:transition spd="slow">
-    <p:wipe/>
-  </p:transition>
-  <p:timing>
-    <p:tnLst>
-      <p:par>
-        <p:cTn id="1" dur="indefinite" restart="never" nodeType="tmRoot"/>
-      </p:par>
-    </p:tnLst>
-  </p:timing>
-</p:sld>
-</file>
-
-<file path=ppt/slides/slide21.xml><?xml version="1.0" encoding="utf-8"?>
-<p:sld xmlns:a="http://schemas.openxmlformats.org/drawingml/2006/main" xmlns:r="http://schemas.openxmlformats.org/officeDocument/2006/relationships" xmlns:p="http://schemas.openxmlformats.org/presentationml/2006/main">
-  <p:cSld>
-    <p:spTree>
-      <p:nvGrpSpPr>
-        <p:cNvPr id="1" name=""/>
-        <p:cNvGrpSpPr/>
-        <p:nvPr/>
-      </p:nvGrpSpPr>
-      <p:grpSpPr>
-        <a:xfrm>
-          <a:off x="0" y="0"/>
-          <a:ext cx="0" cy="0"/>
-          <a:chOff x="0" y="0"/>
-          <a:chExt cx="0" cy="0"/>
-        </a:xfrm>
-      </p:grpSpPr>
-      <p:sp>
-        <p:nvSpPr>
-          <p:cNvPr id="2" name="Title 1"/>
-          <p:cNvSpPr>
-            <a:spLocks noGrp="1"/>
-          </p:cNvSpPr>
-          <p:nvPr>
-            <p:ph type="title"/>
-          </p:nvPr>
-        </p:nvSpPr>
-        <p:spPr>
-          <a:xfrm>
-            <a:off x="457200" y="822484"/>
-            <a:ext cx="8229600" cy="850106"/>
-          </a:xfrm>
-        </p:spPr>
-        <p:txBody>
-          <a:bodyPr>
-            <a:normAutofit/>
-          </a:bodyPr>
-          <a:lstStyle/>
-          <a:p>
-            <a:pPr lvl="0"/>
-            <a:r>
-              <a:rPr lang="th-TH" sz="4800" b="1" dirty="0">
-                <a:latin typeface="TH Sarabun New" panose="020B0500040200020003" pitchFamily="34" charset="-34"/>
-                <a:cs typeface="TH Sarabun New" panose="020B0500040200020003" pitchFamily="34" charset="-34"/>
-              </a:rPr>
               <a:t>สรุปผลการดำเนินงานโครงงาน</a:t>
             </a:r>
             <a:endParaRPr lang="en-GB" sz="4800" dirty="0">
@@ -14027,7 +14246,7 @@
           <p:nvPr/>
         </p:nvPicPr>
         <p:blipFill>
-          <a:blip r:embed="rId2" cstate="print">
+          <a:blip r:embed="rId3" cstate="print">
             <a:extLst>
               <a:ext uri="{28A0092B-C50C-407E-A947-70E740481C1C}">
                 <a14:useLocalDpi xmlns:a14="http://schemas.microsoft.com/office/drawing/2010/main" val="0"/>
@@ -14110,7 +14329,7 @@
           <p:nvPr/>
         </p:nvPicPr>
         <p:blipFill>
-          <a:blip r:embed="rId3" cstate="print">
+          <a:blip r:embed="rId4" cstate="print">
             <a:extLst>
               <a:ext uri="{28A0092B-C50C-407E-A947-70E740481C1C}">
                 <a14:useLocalDpi xmlns:a14="http://schemas.microsoft.com/office/drawing/2010/main" val="0"/>
@@ -14135,6 +14354,391 @@
     <p:extLst>
       <p:ext uri="{BB962C8B-B14F-4D97-AF65-F5344CB8AC3E}">
         <p14:creationId xmlns:p14="http://schemas.microsoft.com/office/powerpoint/2010/main" val="3216406138"/>
+      </p:ext>
+    </p:extLst>
+  </p:cSld>
+  <p:clrMapOvr>
+    <a:masterClrMapping/>
+  </p:clrMapOvr>
+  <p:transition spd="slow">
+    <p:wipe/>
+  </p:transition>
+  <p:timing>
+    <p:tnLst>
+      <p:par>
+        <p:cTn id="1" dur="indefinite" restart="never" nodeType="tmRoot"/>
+      </p:par>
+    </p:tnLst>
+  </p:timing>
+</p:sld>
+</file>
+
+<file path=ppt/slides/slide21.xml><?xml version="1.0" encoding="utf-8"?>
+<p:sld xmlns:a="http://schemas.openxmlformats.org/drawingml/2006/main" xmlns:r="http://schemas.openxmlformats.org/officeDocument/2006/relationships" xmlns:p="http://schemas.openxmlformats.org/presentationml/2006/main">
+  <p:cSld>
+    <p:spTree>
+      <p:nvGrpSpPr>
+        <p:cNvPr id="1" name=""/>
+        <p:cNvGrpSpPr/>
+        <p:nvPr/>
+      </p:nvGrpSpPr>
+      <p:grpSpPr>
+        <a:xfrm>
+          <a:off x="0" y="0"/>
+          <a:ext cx="0" cy="0"/>
+          <a:chOff x="0" y="0"/>
+          <a:chExt cx="0" cy="0"/>
+        </a:xfrm>
+      </p:grpSpPr>
+      <p:sp>
+        <p:nvSpPr>
+          <p:cNvPr id="2" name="Title 1"/>
+          <p:cNvSpPr>
+            <a:spLocks noGrp="1"/>
+          </p:cNvSpPr>
+          <p:nvPr>
+            <p:ph type="title"/>
+          </p:nvPr>
+        </p:nvSpPr>
+        <p:spPr>
+          <a:xfrm>
+            <a:off x="457200" y="822484"/>
+            <a:ext cx="8229600" cy="850106"/>
+          </a:xfrm>
+        </p:spPr>
+        <p:txBody>
+          <a:bodyPr>
+            <a:normAutofit/>
+          </a:bodyPr>
+          <a:lstStyle/>
+          <a:p>
+            <a:r>
+              <a:rPr lang="th-TH" sz="4800" b="1" dirty="0">
+                <a:latin typeface="TH Sarabun New" panose="020B0500040200020003" pitchFamily="34" charset="-34"/>
+                <a:cs typeface="TH Sarabun New" panose="020B0500040200020003" pitchFamily="34" charset="-34"/>
+              </a:rPr>
+              <a:t>ปัญหาและอุปสรรค</a:t>
+            </a:r>
+            <a:endParaRPr lang="en-US" sz="4800" b="1" dirty="0">
+              <a:latin typeface="TH Sarabun New" panose="020B0500040200020003" pitchFamily="34" charset="-34"/>
+              <a:cs typeface="TH Sarabun New" panose="020B0500040200020003" pitchFamily="34" charset="-34"/>
+            </a:endParaRPr>
+          </a:p>
+        </p:txBody>
+      </p:sp>
+      <p:sp>
+        <p:nvSpPr>
+          <p:cNvPr id="6" name="Rectangle 5"/>
+          <p:cNvSpPr/>
+          <p:nvPr/>
+        </p:nvSpPr>
+        <p:spPr>
+          <a:xfrm>
+            <a:off x="72008" y="6462731"/>
+            <a:ext cx="5292080" cy="336447"/>
+          </a:xfrm>
+          <a:prstGeom prst="rect">
+            <a:avLst/>
+          </a:prstGeom>
+          <a:solidFill>
+            <a:srgbClr val="0B3261"/>
+          </a:solidFill>
+          <a:ln>
+            <a:solidFill>
+              <a:srgbClr val="0B3261"/>
+            </a:solidFill>
+          </a:ln>
+        </p:spPr>
+        <p:style>
+          <a:lnRef idx="2">
+            <a:schemeClr val="dk1"/>
+          </a:lnRef>
+          <a:fillRef idx="1">
+            <a:schemeClr val="lt1"/>
+          </a:fillRef>
+          <a:effectRef idx="0">
+            <a:schemeClr val="dk1"/>
+          </a:effectRef>
+          <a:fontRef idx="minor">
+            <a:schemeClr val="dk1"/>
+          </a:fontRef>
+        </p:style>
+        <p:txBody>
+          <a:bodyPr rtlCol="0" anchor="ctr"/>
+          <a:lstStyle/>
+          <a:p>
+            <a:pPr algn="ctr"/>
+            <a:endParaRPr lang="th-TH"/>
+          </a:p>
+        </p:txBody>
+      </p:sp>
+      <p:pic>
+        <p:nvPicPr>
+          <p:cNvPr id="7" name="รูปภาพ 3"/>
+          <p:cNvPicPr>
+            <a:picLocks noChangeAspect="1"/>
+          </p:cNvPicPr>
+          <p:nvPr/>
+        </p:nvPicPr>
+        <p:blipFill>
+          <a:blip r:embed="rId3" cstate="print">
+            <a:extLst>
+              <a:ext uri="{28A0092B-C50C-407E-A947-70E740481C1C}">
+                <a14:useLocalDpi xmlns:a14="http://schemas.microsoft.com/office/drawing/2010/main" val="0"/>
+              </a:ext>
+            </a:extLst>
+          </a:blip>
+          <a:stretch>
+            <a:fillRect/>
+          </a:stretch>
+        </p:blipFill>
+        <p:spPr>
+          <a:xfrm>
+            <a:off x="7623869" y="736486"/>
+            <a:ext cx="1039740" cy="957963"/>
+          </a:xfrm>
+          <a:prstGeom prst="rect">
+            <a:avLst/>
+          </a:prstGeom>
+        </p:spPr>
+      </p:pic>
+      <p:pic>
+        <p:nvPicPr>
+          <p:cNvPr id="8" name="Picture 7"/>
+          <p:cNvPicPr>
+            <a:picLocks noChangeAspect="1"/>
+          </p:cNvPicPr>
+          <p:nvPr/>
+        </p:nvPicPr>
+        <p:blipFill>
+          <a:blip r:embed="rId4" cstate="print">
+            <a:extLst>
+              <a:ext uri="{28A0092B-C50C-407E-A947-70E740481C1C}">
+                <a14:useLocalDpi xmlns:a14="http://schemas.microsoft.com/office/drawing/2010/main" val="0"/>
+              </a:ext>
+            </a:extLst>
+          </a:blip>
+          <a:stretch>
+            <a:fillRect/>
+          </a:stretch>
+        </p:blipFill>
+        <p:spPr>
+          <a:xfrm>
+            <a:off x="0" y="91556"/>
+            <a:ext cx="1951728" cy="664658"/>
+          </a:xfrm>
+          <a:prstGeom prst="rect">
+            <a:avLst/>
+          </a:prstGeom>
+        </p:spPr>
+      </p:pic>
+      <p:sp>
+        <p:nvSpPr>
+          <p:cNvPr id="4" name="Rectangle 3"/>
+          <p:cNvSpPr/>
+          <p:nvPr/>
+        </p:nvSpPr>
+        <p:spPr>
+          <a:xfrm>
+            <a:off x="461519" y="1827119"/>
+            <a:ext cx="8202090" cy="5047536"/>
+          </a:xfrm>
+          <a:prstGeom prst="rect">
+            <a:avLst/>
+          </a:prstGeom>
+        </p:spPr>
+        <p:txBody>
+          <a:bodyPr wrap="square">
+            <a:spAutoFit/>
+          </a:bodyPr>
+          <a:lstStyle/>
+          <a:p>
+            <a:pPr marL="342900" marR="0" lvl="0" indent="-342900" algn="thaiDist">
+              <a:lnSpc>
+                <a:spcPct val="115000"/>
+              </a:lnSpc>
+              <a:spcBef>
+                <a:spcPts val="0"/>
+              </a:spcBef>
+              <a:spcAft>
+                <a:spcPts val="0"/>
+              </a:spcAft>
+              <a:buFont typeface="+mj-lt"/>
+              <a:buAutoNum type="arabicPeriod"/>
+              <a:tabLst>
+                <a:tab pos="342900" algn="l"/>
+                <a:tab pos="457200" algn="l"/>
+                <a:tab pos="571500" algn="l"/>
+              </a:tabLst>
+            </a:pPr>
+            <a:r>
+              <a:rPr lang="th-TH" sz="4000" dirty="0" smtClean="0">
+                <a:latin typeface="TH Sarabun New" panose="020B0500040200020003" pitchFamily="34" charset="-34"/>
+                <a:ea typeface="Calibri" panose="020F0502020204030204" pitchFamily="34" charset="0"/>
+                <a:cs typeface="TH Sarabun New" panose="020B0500040200020003" pitchFamily="34" charset="-34"/>
+              </a:rPr>
+              <a:t>เนื่องจาก</a:t>
+            </a:r>
+            <a:r>
+              <a:rPr lang="th-TH" sz="4000" dirty="0">
+                <a:latin typeface="TH Sarabun New" panose="020B0500040200020003" pitchFamily="34" charset="-34"/>
+                <a:ea typeface="Calibri" panose="020F0502020204030204" pitchFamily="34" charset="0"/>
+                <a:cs typeface="TH Sarabun New" panose="020B0500040200020003" pitchFamily="34" charset="-34"/>
+              </a:rPr>
+              <a:t>การวางแผนเวลาที่โครงงานที่ผิดพลาด ทำให้ส่วนที่ผิดพลาดเกิดผลกระทบกับกิจกรรมอื่นๆ</a:t>
+            </a:r>
+            <a:r>
+              <a:rPr lang="th-TH" sz="4000" dirty="0" smtClean="0">
+                <a:latin typeface="TH Sarabun New" panose="020B0500040200020003" pitchFamily="34" charset="-34"/>
+                <a:ea typeface="Calibri" panose="020F0502020204030204" pitchFamily="34" charset="0"/>
+                <a:cs typeface="TH Sarabun New" panose="020B0500040200020003" pitchFamily="34" charset="-34"/>
+              </a:rPr>
+              <a:t>ของโครงงาน </a:t>
+            </a:r>
+          </a:p>
+          <a:p>
+            <a:pPr marL="342900" marR="0" lvl="0" indent="-342900" algn="thaiDist">
+              <a:lnSpc>
+                <a:spcPct val="115000"/>
+              </a:lnSpc>
+              <a:spcBef>
+                <a:spcPts val="0"/>
+              </a:spcBef>
+              <a:spcAft>
+                <a:spcPts val="0"/>
+              </a:spcAft>
+              <a:buFont typeface="+mj-lt"/>
+              <a:buAutoNum type="arabicPeriod"/>
+              <a:tabLst>
+                <a:tab pos="342900" algn="l"/>
+                <a:tab pos="457200" algn="l"/>
+                <a:tab pos="571500" algn="l"/>
+              </a:tabLst>
+            </a:pPr>
+            <a:r>
+              <a:rPr lang="th-TH" sz="4000" dirty="0" smtClean="0">
+                <a:latin typeface="TH Sarabun New" panose="020B0500040200020003" pitchFamily="34" charset="-34"/>
+                <a:ea typeface="Calibri" panose="020F0502020204030204" pitchFamily="34" charset="0"/>
+                <a:cs typeface="TH Sarabun New" panose="020B0500040200020003" pitchFamily="34" charset="-34"/>
+              </a:rPr>
+              <a:t>การ</a:t>
+            </a:r>
+            <a:r>
+              <a:rPr lang="th-TH" sz="4000" dirty="0">
+                <a:latin typeface="TH Sarabun New" panose="020B0500040200020003" pitchFamily="34" charset="-34"/>
+                <a:ea typeface="Calibri" panose="020F0502020204030204" pitchFamily="34" charset="0"/>
+                <a:cs typeface="TH Sarabun New" panose="020B0500040200020003" pitchFamily="34" charset="-34"/>
+              </a:rPr>
+              <a:t>สื่อสารที่ผิดพลาดระหว่าง</a:t>
+            </a:r>
+            <a:r>
+              <a:rPr lang="en-US" sz="4000" dirty="0">
+                <a:latin typeface="TH Sarabun New" panose="020B0500040200020003" pitchFamily="34" charset="-34"/>
+                <a:ea typeface="Calibri" panose="020F0502020204030204" pitchFamily="34" charset="0"/>
+                <a:cs typeface="TH Sarabun New" panose="020B0500040200020003" pitchFamily="34" charset="-34"/>
+              </a:rPr>
+              <a:t> Project Manager </a:t>
+            </a:r>
+            <a:r>
+              <a:rPr lang="th-TH" sz="4000" dirty="0">
+                <a:latin typeface="TH Sarabun New" panose="020B0500040200020003" pitchFamily="34" charset="-34"/>
+                <a:ea typeface="Calibri" panose="020F0502020204030204" pitchFamily="34" charset="0"/>
+                <a:cs typeface="TH Sarabun New" panose="020B0500040200020003" pitchFamily="34" charset="-34"/>
+              </a:rPr>
+              <a:t>และ </a:t>
+            </a:r>
+            <a:r>
+              <a:rPr lang="en-US" sz="4000" dirty="0">
+                <a:latin typeface="TH Sarabun New" panose="020B0500040200020003" pitchFamily="34" charset="-34"/>
+                <a:ea typeface="Calibri" panose="020F0502020204030204" pitchFamily="34" charset="0"/>
+                <a:cs typeface="TH Sarabun New" panose="020B0500040200020003" pitchFamily="34" charset="-34"/>
+              </a:rPr>
+              <a:t>Developer</a:t>
+            </a:r>
+            <a:r>
+              <a:rPr lang="th-TH" sz="4000" dirty="0">
+                <a:latin typeface="TH Sarabun New" panose="020B0500040200020003" pitchFamily="34" charset="-34"/>
+                <a:ea typeface="Calibri" panose="020F0502020204030204" pitchFamily="34" charset="0"/>
+                <a:cs typeface="TH Sarabun New" panose="020B0500040200020003" pitchFamily="34" charset="-34"/>
+              </a:rPr>
+              <a:t> ทำให้ตีความหมายในบาง </a:t>
+            </a:r>
+            <a:r>
+              <a:rPr lang="en-US" sz="4000" dirty="0">
+                <a:latin typeface="TH Sarabun New" panose="020B0500040200020003" pitchFamily="34" charset="-34"/>
+                <a:ea typeface="Calibri" panose="020F0502020204030204" pitchFamily="34" charset="0"/>
+                <a:cs typeface="TH Sarabun New" panose="020B0500040200020003" pitchFamily="34" charset="-34"/>
+              </a:rPr>
+              <a:t>Function</a:t>
+            </a:r>
+            <a:r>
+              <a:rPr lang="th-TH" sz="4000" dirty="0">
+                <a:latin typeface="TH Sarabun New" panose="020B0500040200020003" pitchFamily="34" charset="-34"/>
+                <a:ea typeface="Calibri" panose="020F0502020204030204" pitchFamily="34" charset="0"/>
+                <a:cs typeface="TH Sarabun New" panose="020B0500040200020003" pitchFamily="34" charset="-34"/>
+              </a:rPr>
+              <a:t> ผิดไปจากที่ควรจะเป็น </a:t>
+            </a:r>
+            <a:endParaRPr lang="en-US" sz="4000" dirty="0" smtClean="0">
+              <a:latin typeface="TH Sarabun New" panose="020B0500040200020003" pitchFamily="34" charset="-34"/>
+              <a:ea typeface="Calibri" panose="020F0502020204030204" pitchFamily="34" charset="0"/>
+              <a:cs typeface="TH Sarabun New" panose="020B0500040200020003" pitchFamily="34" charset="-34"/>
+            </a:endParaRPr>
+          </a:p>
+          <a:p>
+            <a:pPr marL="342900" marR="0" lvl="0" indent="-342900" algn="thaiDist">
+              <a:lnSpc>
+                <a:spcPct val="115000"/>
+              </a:lnSpc>
+              <a:spcBef>
+                <a:spcPts val="0"/>
+              </a:spcBef>
+              <a:spcAft>
+                <a:spcPts val="0"/>
+              </a:spcAft>
+              <a:buFont typeface="+mj-lt"/>
+              <a:buAutoNum type="arabicPeriod"/>
+              <a:tabLst>
+                <a:tab pos="342900" algn="l"/>
+                <a:tab pos="457200" algn="l"/>
+                <a:tab pos="571500" algn="l"/>
+              </a:tabLst>
+            </a:pPr>
+            <a:r>
+              <a:rPr lang="th-TH" sz="4000" dirty="0" smtClean="0">
+                <a:latin typeface="TH Sarabun New" panose="020B0500040200020003" pitchFamily="34" charset="-34"/>
+                <a:ea typeface="Calibri" panose="020F0502020204030204" pitchFamily="34" charset="0"/>
+                <a:cs typeface="TH Sarabun New" panose="020B0500040200020003" pitchFamily="34" charset="-34"/>
+              </a:rPr>
+              <a:t>การ</a:t>
+            </a:r>
+            <a:r>
+              <a:rPr lang="th-TH" sz="4000" dirty="0">
+                <a:latin typeface="TH Sarabun New" panose="020B0500040200020003" pitchFamily="34" charset="-34"/>
+                <a:ea typeface="Calibri" panose="020F0502020204030204" pitchFamily="34" charset="0"/>
+                <a:cs typeface="TH Sarabun New" panose="020B0500040200020003" pitchFamily="34" charset="-34"/>
+              </a:rPr>
+              <a:t>สื่อสารที่ผิดพลาดระหว่างลูกค้า ทำให้เกิดความเข้าใจผิดในสิ่งที่ลูกค้าต้องการจะ</a:t>
+            </a:r>
+            <a:r>
+              <a:rPr lang="th-TH" sz="4000" dirty="0" smtClean="0">
+                <a:latin typeface="TH Sarabun New" panose="020B0500040200020003" pitchFamily="34" charset="-34"/>
+                <a:ea typeface="Calibri" panose="020F0502020204030204" pitchFamily="34" charset="0"/>
+                <a:cs typeface="TH Sarabun New" panose="020B0500040200020003" pitchFamily="34" charset="-34"/>
+              </a:rPr>
+              <a:t>สื่อสาร</a:t>
+            </a:r>
+            <a:endParaRPr lang="th-TH" sz="4000" dirty="0">
+              <a:latin typeface="TH Sarabun New" panose="020B0500040200020003" pitchFamily="34" charset="-34"/>
+              <a:cs typeface="TH Sarabun New" panose="020B0500040200020003" pitchFamily="34" charset="-34"/>
+            </a:endParaRPr>
+          </a:p>
+        </p:txBody>
+      </p:sp>
+    </p:spTree>
+    <p:extLst>
+      <p:ext uri="{BB962C8B-B14F-4D97-AF65-F5344CB8AC3E}">
+        <p14:creationId xmlns:p14="http://schemas.microsoft.com/office/powerpoint/2010/main" val="3345926965"/>
       </p:ext>
     </p:extLst>
   </p:cSld>
@@ -14267,7 +14871,7 @@
         </p:nvGrpSpPr>
         <p:grpSpPr>
           <a:xfrm>
-            <a:off x="3318146" y="206729"/>
+            <a:off x="3347864" y="489247"/>
             <a:ext cx="2579715" cy="2579713"/>
             <a:chOff x="5004048" y="1268760"/>
             <a:chExt cx="3133727" cy="3133725"/>
@@ -16846,13 +17450,6 @@
               </a:rPr>
               <a:t>JavaScript</a:t>
             </a:r>
-            <a:endParaRPr lang="en-GB" sz="4400" b="1" dirty="0">
-              <a:solidFill>
-                <a:schemeClr val="tx2"/>
-              </a:solidFill>
-              <a:latin typeface="TH Sarabun New" panose="020B0500040200020003" pitchFamily="34" charset="-34"/>
-              <a:cs typeface="TH Sarabun New" panose="020B0500040200020003" pitchFamily="34" charset="-34"/>
-            </a:endParaRPr>
           </a:p>
         </p:txBody>
       </p:sp>
@@ -16885,10 +17482,6 @@
               </a:rPr>
               <a:t>jQuery</a:t>
             </a:r>
-            <a:endParaRPr lang="en-GB" sz="6600" b="1" dirty="0">
-              <a:latin typeface="TH Sarabun New" panose="020B0500040200020003" pitchFamily="34" charset="-34"/>
-              <a:cs typeface="TH Sarabun New" panose="020B0500040200020003" pitchFamily="34" charset="-34"/>
-            </a:endParaRPr>
           </a:p>
         </p:txBody>
       </p:sp>
@@ -19686,21 +20279,7 @@
                 <a:latin typeface="TH Sarabun New" panose="020B0500040200020003" pitchFamily="34" charset="-34"/>
                 <a:cs typeface="TH Sarabun New" panose="020B0500040200020003" pitchFamily="34" charset="-34"/>
               </a:rPr>
-              <a:t>ข้อมูล</a:t>
-            </a:r>
-            <a:r>
-              <a:rPr lang="th-TH" sz="2400" dirty="0" smtClean="0">
-                <a:latin typeface="TH Sarabun New" panose="020B0500040200020003" pitchFamily="34" charset="-34"/>
-                <a:cs typeface="TH Sarabun New" panose="020B0500040200020003" pitchFamily="34" charset="-34"/>
-              </a:rPr>
-              <a:t>ครุภัณฑ์กรอก</a:t>
-            </a:r>
-            <a:r>
-              <a:rPr lang="th-TH" sz="2400" dirty="0" smtClean="0">
-                <a:latin typeface="TH Sarabun New" panose="020B0500040200020003" pitchFamily="34" charset="-34"/>
-                <a:cs typeface="TH Sarabun New" panose="020B0500040200020003" pitchFamily="34" charset="-34"/>
-              </a:rPr>
-              <a:t>ลงใน ระบบ</a:t>
+              <a:t>ข้อมูลครุภัณฑ์กรอกลงใน ระบบ</a:t>
             </a:r>
             <a:endParaRPr lang="en-US" sz="2400" dirty="0">
               <a:latin typeface="TH Sarabun New" panose="020B0500040200020003" pitchFamily="34" charset="-34"/>
@@ -19739,13 +20318,6 @@
               </a:rPr>
               <a:t>พิมพ์ เลขครุภัณฑ์ </a:t>
             </a:r>
-            <a:r>
-              <a:rPr lang="th-TH" sz="2400" dirty="0" smtClean="0">
-                <a:latin typeface="TH Sarabun New" panose="020B0500040200020003" pitchFamily="34" charset="-34"/>
-                <a:cs typeface="TH Sarabun New" panose="020B0500040200020003" pitchFamily="34" charset="-34"/>
-              </a:rPr>
-              <a:t/>
-            </a:r>
             <a:br>
               <a:rPr lang="th-TH" sz="2400" dirty="0" smtClean="0">
                 <a:latin typeface="TH Sarabun New" panose="020B0500040200020003" pitchFamily="34" charset="-34"/>
@@ -19801,14 +20373,7 @@
                 <a:latin typeface="TH Sarabun New" panose="020B0500040200020003" pitchFamily="34" charset="-34"/>
                 <a:cs typeface="TH Sarabun New" panose="020B0500040200020003" pitchFamily="34" charset="-34"/>
               </a:rPr>
-              <a:t>ติดเลขครุภัณฑ์ </a:t>
-            </a:r>
-            <a:r>
-              <a:rPr lang="th-TH" sz="2400" dirty="0" smtClean="0">
-                <a:latin typeface="TH Sarabun New" panose="020B0500040200020003" pitchFamily="34" charset="-34"/>
-                <a:cs typeface="TH Sarabun New" panose="020B0500040200020003" pitchFamily="34" charset="-34"/>
-              </a:rPr>
-              <a:t>พร้อม </a:t>
+              <a:t>ติดเลขครุภัณฑ์ พร้อม </a:t>
             </a:r>
             <a:r>
               <a:rPr lang="en-US" sz="2400" dirty="0" smtClean="0">

--- a/ASSET_DOC/ASSET_Proposal/ASSET_Final.pptx
+++ b/ASSET_DOC/ASSET_Proposal/ASSET_Final.pptx
@@ -5,7 +5,7 @@
     <p:sldMasterId id="2147483648" r:id="rId1"/>
   </p:sldMasterIdLst>
   <p:notesMasterIdLst>
-    <p:notesMasterId r:id="rId24"/>
+    <p:notesMasterId r:id="rId25"/>
   </p:notesMasterIdLst>
   <p:sldIdLst>
     <p:sldId id="256" r:id="rId2"/>
@@ -28,8 +28,9 @@
     <p:sldId id="291" r:id="rId19"/>
     <p:sldId id="282" r:id="rId20"/>
     <p:sldId id="288" r:id="rId21"/>
-    <p:sldId id="298" r:id="rId22"/>
-    <p:sldId id="283" r:id="rId23"/>
+    <p:sldId id="299" r:id="rId22"/>
+    <p:sldId id="298" r:id="rId23"/>
+    <p:sldId id="283" r:id="rId24"/>
   </p:sldIdLst>
   <p:sldSz cx="9144000" cy="6858000" type="screen4x3"/>
   <p:notesSz cx="6858000" cy="9144000"/>
@@ -1219,6 +1220,432 @@
           <a:bodyPr/>
           <a:lstStyle/>
           <a:p>
+            <a:r>
+              <a:rPr lang="th-TH" sz="1800" b="1" kern="1200" dirty="0" smtClean="0">
+                <a:solidFill>
+                  <a:schemeClr val="tx1"/>
+                </a:solidFill>
+                <a:effectLst/>
+                <a:latin typeface="+mn-lt"/>
+                <a:ea typeface="+mn-ea"/>
+                <a:cs typeface="+mn-cs"/>
+              </a:rPr>
+              <a:t>ปัญหาและอุปสรรค</a:t>
+            </a:r>
+            <a:endParaRPr lang="en-US" sz="1800" b="1" kern="1200" dirty="0" smtClean="0">
+              <a:solidFill>
+                <a:schemeClr val="tx1"/>
+              </a:solidFill>
+              <a:effectLst/>
+              <a:latin typeface="+mn-lt"/>
+              <a:ea typeface="+mn-ea"/>
+              <a:cs typeface="+mn-cs"/>
+            </a:endParaRPr>
+          </a:p>
+          <a:p>
+            <a:r>
+              <a:rPr lang="en-US" sz="1800" b="1" kern="1200" dirty="0" smtClean="0">
+                <a:solidFill>
+                  <a:schemeClr val="tx1"/>
+                </a:solidFill>
+                <a:effectLst/>
+                <a:latin typeface="+mn-lt"/>
+                <a:ea typeface="+mn-ea"/>
+                <a:cs typeface="+mn-cs"/>
+              </a:rPr>
+              <a:t>1.</a:t>
+            </a:r>
+            <a:r>
+              <a:rPr lang="th-TH" sz="1800" kern="1200" dirty="0" smtClean="0">
+                <a:solidFill>
+                  <a:schemeClr val="tx1"/>
+                </a:solidFill>
+                <a:effectLst/>
+                <a:latin typeface="+mn-lt"/>
+                <a:ea typeface="+mn-ea"/>
+                <a:cs typeface="+mn-cs"/>
+              </a:rPr>
+              <a:t> การวางแผนเวลาที่โครงงานที่ผิดพลาด ทำให้ส่วนที่ผิดพลาดเกิดผลกระทบกับกิจกรรมอื่นๆของโครงงาน</a:t>
+            </a:r>
+          </a:p>
+          <a:p>
+            <a:r>
+              <a:rPr lang="en-US" sz="1800" b="1" kern="1200" dirty="0" smtClean="0">
+                <a:solidFill>
+                  <a:schemeClr val="tx1"/>
+                </a:solidFill>
+                <a:effectLst/>
+                <a:latin typeface="+mn-lt"/>
+                <a:ea typeface="+mn-ea"/>
+                <a:cs typeface="+mn-cs"/>
+              </a:rPr>
+              <a:t>2</a:t>
+            </a:r>
+            <a:r>
+              <a:rPr lang="th-TH" sz="1800" kern="1200" dirty="0" smtClean="0">
+                <a:solidFill>
+                  <a:schemeClr val="tx1"/>
+                </a:solidFill>
+                <a:effectLst/>
+                <a:latin typeface="+mn-lt"/>
+                <a:ea typeface="+mn-ea"/>
+                <a:cs typeface="+mn-cs"/>
+              </a:rPr>
+              <a:t>การสื่อสารที่ผิดพลาดระหว่าง</a:t>
+            </a:r>
+            <a:r>
+              <a:rPr lang="en-US" sz="1800" kern="1200" dirty="0" smtClean="0">
+                <a:solidFill>
+                  <a:schemeClr val="tx1"/>
+                </a:solidFill>
+                <a:effectLst/>
+                <a:latin typeface="+mn-lt"/>
+                <a:ea typeface="+mn-ea"/>
+                <a:cs typeface="+mn-cs"/>
+              </a:rPr>
+              <a:t> Project Manager </a:t>
+            </a:r>
+            <a:r>
+              <a:rPr lang="th-TH" sz="1800" kern="1200" dirty="0" smtClean="0">
+                <a:solidFill>
+                  <a:schemeClr val="tx1"/>
+                </a:solidFill>
+                <a:effectLst/>
+                <a:latin typeface="+mn-lt"/>
+                <a:ea typeface="+mn-ea"/>
+                <a:cs typeface="+mn-cs"/>
+              </a:rPr>
+              <a:t>และ </a:t>
+            </a:r>
+            <a:r>
+              <a:rPr lang="en-US" sz="1800" kern="1200" dirty="0" smtClean="0">
+                <a:solidFill>
+                  <a:schemeClr val="tx1"/>
+                </a:solidFill>
+                <a:effectLst/>
+                <a:latin typeface="+mn-lt"/>
+                <a:ea typeface="+mn-ea"/>
+                <a:cs typeface="+mn-cs"/>
+              </a:rPr>
+              <a:t>Developer</a:t>
+            </a:r>
+            <a:r>
+              <a:rPr lang="th-TH" sz="1800" kern="1200" dirty="0" smtClean="0">
+                <a:solidFill>
+                  <a:schemeClr val="tx1"/>
+                </a:solidFill>
+                <a:effectLst/>
+                <a:latin typeface="+mn-lt"/>
+                <a:ea typeface="+mn-ea"/>
+                <a:cs typeface="+mn-cs"/>
+              </a:rPr>
+              <a:t> ทำให้ตีความหมายในบาง </a:t>
+            </a:r>
+            <a:r>
+              <a:rPr lang="en-US" sz="1800" kern="1200" dirty="0" smtClean="0">
+                <a:solidFill>
+                  <a:schemeClr val="tx1"/>
+                </a:solidFill>
+                <a:effectLst/>
+                <a:latin typeface="+mn-lt"/>
+                <a:ea typeface="+mn-ea"/>
+                <a:cs typeface="+mn-cs"/>
+              </a:rPr>
+              <a:t>Function</a:t>
+            </a:r>
+            <a:r>
+              <a:rPr lang="th-TH" sz="1800" kern="1200" dirty="0" smtClean="0">
+                <a:solidFill>
+                  <a:schemeClr val="tx1"/>
+                </a:solidFill>
+                <a:effectLst/>
+                <a:latin typeface="+mn-lt"/>
+                <a:ea typeface="+mn-ea"/>
+                <a:cs typeface="+mn-cs"/>
+              </a:rPr>
+              <a:t> ผิดไปจากที่ควรจะเป็น</a:t>
+            </a:r>
+            <a:endParaRPr lang="en-US" sz="1800" b="1" kern="1200" dirty="0" smtClean="0">
+              <a:solidFill>
+                <a:schemeClr val="tx1"/>
+              </a:solidFill>
+              <a:effectLst/>
+              <a:latin typeface="+mn-lt"/>
+              <a:ea typeface="+mn-ea"/>
+              <a:cs typeface="+mn-cs"/>
+            </a:endParaRPr>
+          </a:p>
+          <a:p>
+            <a:r>
+              <a:rPr lang="en-US" sz="1800" b="1" kern="1200" dirty="0" smtClean="0">
+                <a:solidFill>
+                  <a:schemeClr val="tx1"/>
+                </a:solidFill>
+                <a:effectLst/>
+                <a:latin typeface="+mn-lt"/>
+                <a:ea typeface="+mn-ea"/>
+                <a:cs typeface="+mn-cs"/>
+              </a:rPr>
+              <a:t>3</a:t>
+            </a:r>
+            <a:r>
+              <a:rPr lang="th-TH" sz="1800" kern="1200" dirty="0" smtClean="0">
+                <a:solidFill>
+                  <a:schemeClr val="tx1"/>
+                </a:solidFill>
+                <a:effectLst/>
+                <a:latin typeface="+mn-lt"/>
+                <a:ea typeface="+mn-ea"/>
+                <a:cs typeface="+mn-cs"/>
+              </a:rPr>
+              <a:t>การสื่อสารที่ผิดพลาดระหว่างลูกค้า ทำให้เกิดความเข้าใจผิดในสิ่งที่ลูกค้าต้องการจะสื่อสาร</a:t>
+            </a:r>
+            <a:endParaRPr lang="en-US" sz="1800" b="1" kern="1200" dirty="0" smtClean="0">
+              <a:solidFill>
+                <a:schemeClr val="tx1"/>
+              </a:solidFill>
+              <a:effectLst/>
+              <a:latin typeface="+mn-lt"/>
+              <a:ea typeface="+mn-ea"/>
+              <a:cs typeface="+mn-cs"/>
+            </a:endParaRPr>
+          </a:p>
+          <a:p>
+            <a:endParaRPr lang="en-US" sz="1800" b="1" kern="1200" dirty="0" smtClean="0">
+              <a:solidFill>
+                <a:schemeClr val="tx1"/>
+              </a:solidFill>
+              <a:effectLst/>
+              <a:latin typeface="+mn-lt"/>
+              <a:ea typeface="+mn-ea"/>
+              <a:cs typeface="+mn-cs"/>
+            </a:endParaRPr>
+          </a:p>
+          <a:p>
+            <a:r>
+              <a:rPr lang="th-TH" sz="1800" b="1" kern="1200" dirty="0" smtClean="0">
+                <a:solidFill>
+                  <a:schemeClr val="tx1"/>
+                </a:solidFill>
+                <a:effectLst/>
+                <a:latin typeface="+mn-lt"/>
+                <a:ea typeface="+mn-ea"/>
+                <a:cs typeface="+mn-cs"/>
+              </a:rPr>
+              <a:t>แนวทางแก้ไขปัญหา</a:t>
+            </a:r>
+          </a:p>
+          <a:p>
+            <a:r>
+              <a:rPr lang="en-US" sz="1800" b="1" kern="1200" dirty="0" smtClean="0">
+                <a:solidFill>
+                  <a:schemeClr val="tx1"/>
+                </a:solidFill>
+                <a:effectLst/>
+                <a:latin typeface="+mn-lt"/>
+                <a:ea typeface="+mn-ea"/>
+                <a:cs typeface="+mn-cs"/>
+              </a:rPr>
+              <a:t>1</a:t>
+            </a:r>
+            <a:r>
+              <a:rPr lang="th-TH" sz="1800" kern="1200" dirty="0" smtClean="0">
+                <a:solidFill>
+                  <a:schemeClr val="tx1"/>
+                </a:solidFill>
+                <a:effectLst/>
+                <a:latin typeface="+mn-lt"/>
+                <a:ea typeface="+mn-ea"/>
+                <a:cs typeface="+mn-cs"/>
+              </a:rPr>
+              <a:t>การวางแผนเวลาที่ผิดพลาด จึงย่นระยะเวลาในกิจกรรมอื่นๆ ในโครงการเพื่อให้โครงงานเสร็จสิ้นตรงตามเวลาที่กำหนด</a:t>
+            </a:r>
+          </a:p>
+          <a:p>
+            <a:r>
+              <a:rPr lang="en-US" sz="1800" kern="1200" dirty="0" smtClean="0">
+                <a:solidFill>
+                  <a:schemeClr val="tx1"/>
+                </a:solidFill>
+                <a:effectLst/>
+                <a:latin typeface="+mn-lt"/>
+                <a:ea typeface="+mn-ea"/>
+                <a:cs typeface="+mn-cs"/>
+              </a:rPr>
+              <a:t>2</a:t>
+            </a:r>
+            <a:r>
+              <a:rPr lang="th-TH" sz="1800" kern="1200" dirty="0" smtClean="0">
+                <a:solidFill>
+                  <a:schemeClr val="tx1"/>
+                </a:solidFill>
+                <a:effectLst/>
+                <a:latin typeface="+mn-lt"/>
+                <a:ea typeface="+mn-ea"/>
+                <a:cs typeface="+mn-cs"/>
+              </a:rPr>
+              <a:t>จากปัญหาการสื่อสารกันระหว่าง </a:t>
+            </a:r>
+            <a:r>
+              <a:rPr lang="en-US" sz="1800" kern="1200" dirty="0" smtClean="0">
+                <a:solidFill>
+                  <a:schemeClr val="tx1"/>
+                </a:solidFill>
+                <a:effectLst/>
+                <a:latin typeface="+mn-lt"/>
+                <a:ea typeface="+mn-ea"/>
+                <a:cs typeface="+mn-cs"/>
+              </a:rPr>
+              <a:t>Project Manager </a:t>
+            </a:r>
+            <a:r>
+              <a:rPr lang="th-TH" sz="1800" kern="1200" dirty="0" smtClean="0">
+                <a:solidFill>
+                  <a:schemeClr val="tx1"/>
+                </a:solidFill>
+                <a:effectLst/>
+                <a:latin typeface="+mn-lt"/>
+                <a:ea typeface="+mn-ea"/>
+                <a:cs typeface="+mn-cs"/>
+              </a:rPr>
+              <a:t>และ </a:t>
+            </a:r>
+            <a:r>
+              <a:rPr lang="en-US" sz="1800" kern="1200" dirty="0" smtClean="0">
+                <a:solidFill>
+                  <a:schemeClr val="tx1"/>
+                </a:solidFill>
+                <a:effectLst/>
+                <a:latin typeface="+mn-lt"/>
+                <a:ea typeface="+mn-ea"/>
+                <a:cs typeface="+mn-cs"/>
+              </a:rPr>
+              <a:t>Developer</a:t>
+            </a:r>
+            <a:r>
+              <a:rPr lang="th-TH" sz="1800" kern="1200" dirty="0" smtClean="0">
+                <a:solidFill>
+                  <a:schemeClr val="tx1"/>
+                </a:solidFill>
+                <a:effectLst/>
+                <a:latin typeface="+mn-lt"/>
+                <a:ea typeface="+mn-ea"/>
+                <a:cs typeface="+mn-cs"/>
+              </a:rPr>
+              <a:t> ที่ไม่เข้าใจกัน จึงใช้ </a:t>
+            </a:r>
+            <a:r>
+              <a:rPr lang="en-US" sz="1800" kern="1200" dirty="0" smtClean="0">
+                <a:solidFill>
+                  <a:schemeClr val="tx1"/>
+                </a:solidFill>
+                <a:effectLst/>
+                <a:latin typeface="+mn-lt"/>
+                <a:ea typeface="+mn-ea"/>
+                <a:cs typeface="+mn-cs"/>
+              </a:rPr>
+              <a:t>Diagram </a:t>
+            </a:r>
+            <a:r>
+              <a:rPr lang="th-TH" sz="1800" kern="1200" dirty="0" smtClean="0">
+                <a:solidFill>
+                  <a:schemeClr val="tx1"/>
+                </a:solidFill>
+                <a:effectLst/>
+                <a:latin typeface="+mn-lt"/>
+                <a:ea typeface="+mn-ea"/>
+                <a:cs typeface="+mn-cs"/>
+              </a:rPr>
+              <a:t>ในการสื่อสารให้มากขึ้น</a:t>
+            </a:r>
+          </a:p>
+          <a:p>
+            <a:r>
+              <a:rPr lang="en-US" sz="1800" kern="1200" dirty="0" smtClean="0">
+                <a:solidFill>
+                  <a:schemeClr val="tx1"/>
+                </a:solidFill>
+                <a:effectLst/>
+                <a:latin typeface="+mn-lt"/>
+                <a:ea typeface="+mn-ea"/>
+                <a:cs typeface="+mn-cs"/>
+              </a:rPr>
+              <a:t>3</a:t>
+            </a:r>
+            <a:r>
+              <a:rPr lang="th-TH" sz="1800" kern="1200" dirty="0" smtClean="0">
+                <a:solidFill>
+                  <a:schemeClr val="tx1"/>
+                </a:solidFill>
+                <a:effectLst/>
+                <a:latin typeface="+mn-lt"/>
+                <a:ea typeface="+mn-ea"/>
+                <a:cs typeface="+mn-cs"/>
+              </a:rPr>
+              <a:t>จากปัญหาการสื่อสารระหว่างลูกค้า ทำให้เกิดความเข้าใจผิดในสิ่งที่ลูกค้าพยายาม</a:t>
+            </a:r>
+          </a:p>
+          <a:p>
+            <a:r>
+              <a:rPr lang="th-TH" sz="1800" kern="1200" dirty="0" smtClean="0">
+                <a:solidFill>
+                  <a:schemeClr val="tx1"/>
+                </a:solidFill>
+                <a:effectLst/>
+                <a:latin typeface="+mn-lt"/>
+                <a:ea typeface="+mn-ea"/>
+                <a:cs typeface="+mn-cs"/>
+              </a:rPr>
+              <a:t>จะสื่อสาร จึงใช้ </a:t>
+            </a:r>
+            <a:r>
+              <a:rPr lang="en-US" sz="1800" kern="1200" dirty="0" smtClean="0">
+                <a:solidFill>
+                  <a:schemeClr val="tx1"/>
+                </a:solidFill>
+                <a:effectLst/>
+                <a:latin typeface="+mn-lt"/>
+                <a:ea typeface="+mn-ea"/>
+                <a:cs typeface="+mn-cs"/>
+              </a:rPr>
+              <a:t>Mock Up</a:t>
+            </a:r>
+            <a:r>
+              <a:rPr lang="th-TH" sz="1800" kern="1200" dirty="0" smtClean="0">
+                <a:solidFill>
+                  <a:schemeClr val="tx1"/>
+                </a:solidFill>
+                <a:effectLst/>
+                <a:latin typeface="+mn-lt"/>
+                <a:ea typeface="+mn-ea"/>
+                <a:cs typeface="+mn-cs"/>
+              </a:rPr>
+              <a:t> และ </a:t>
+            </a:r>
+            <a:r>
+              <a:rPr lang="en-US" sz="1800" kern="1200" dirty="0" smtClean="0">
+                <a:solidFill>
+                  <a:schemeClr val="tx1"/>
+                </a:solidFill>
+                <a:effectLst/>
+                <a:latin typeface="+mn-lt"/>
+                <a:ea typeface="+mn-ea"/>
+                <a:cs typeface="+mn-cs"/>
+              </a:rPr>
+              <a:t>Prototype</a:t>
+            </a:r>
+            <a:r>
+              <a:rPr lang="th-TH" sz="1800" kern="1200" dirty="0" smtClean="0">
+                <a:solidFill>
+                  <a:schemeClr val="tx1"/>
+                </a:solidFill>
+                <a:effectLst/>
+                <a:latin typeface="+mn-lt"/>
+                <a:ea typeface="+mn-ea"/>
+                <a:cs typeface="+mn-cs"/>
+              </a:rPr>
+              <a:t> ในการสื่อสารกับลูกค้าให้มากขึ้น </a:t>
+            </a:r>
             <a:endParaRPr lang="th-TH" dirty="0"/>
           </a:p>
         </p:txBody>
@@ -1241,6 +1668,90 @@
             <a:fld id="{F39FED63-E80D-4DC2-929C-B8C3B494DEFE}" type="slidenum">
               <a:rPr lang="th-TH" smtClean="0"/>
               <a:t>21</a:t>
+            </a:fld>
+            <a:endParaRPr lang="th-TH"/>
+          </a:p>
+        </p:txBody>
+      </p:sp>
+    </p:spTree>
+    <p:extLst>
+      <p:ext uri="{BB962C8B-B14F-4D97-AF65-F5344CB8AC3E}">
+        <p14:creationId xmlns:p14="http://schemas.microsoft.com/office/powerpoint/2010/main" val="3114951513"/>
+      </p:ext>
+    </p:extLst>
+  </p:cSld>
+  <p:clrMapOvr>
+    <a:masterClrMapping/>
+  </p:clrMapOvr>
+</p:notes>
+</file>
+
+<file path=ppt/notesSlides/notesSlide5.xml><?xml version="1.0" encoding="utf-8"?>
+<p:notes xmlns:a="http://schemas.openxmlformats.org/drawingml/2006/main" xmlns:r="http://schemas.openxmlformats.org/officeDocument/2006/relationships" xmlns:p="http://schemas.openxmlformats.org/presentationml/2006/main">
+  <p:cSld>
+    <p:spTree>
+      <p:nvGrpSpPr>
+        <p:cNvPr id="1" name=""/>
+        <p:cNvGrpSpPr/>
+        <p:nvPr/>
+      </p:nvGrpSpPr>
+      <p:grpSpPr>
+        <a:xfrm>
+          <a:off x="0" y="0"/>
+          <a:ext cx="0" cy="0"/>
+          <a:chOff x="0" y="0"/>
+          <a:chExt cx="0" cy="0"/>
+        </a:xfrm>
+      </p:grpSpPr>
+      <p:sp>
+        <p:nvSpPr>
+          <p:cNvPr id="2" name="Slide Image Placeholder 1"/>
+          <p:cNvSpPr>
+            <a:spLocks noGrp="1" noRot="1" noChangeAspect="1"/>
+          </p:cNvSpPr>
+          <p:nvPr>
+            <p:ph type="sldImg"/>
+          </p:nvPr>
+        </p:nvSpPr>
+        <p:spPr/>
+      </p:sp>
+      <p:sp>
+        <p:nvSpPr>
+          <p:cNvPr id="3" name="Notes Placeholder 2"/>
+          <p:cNvSpPr>
+            <a:spLocks noGrp="1"/>
+          </p:cNvSpPr>
+          <p:nvPr>
+            <p:ph type="body" idx="1"/>
+          </p:nvPr>
+        </p:nvSpPr>
+        <p:spPr/>
+        <p:txBody>
+          <a:bodyPr/>
+          <a:lstStyle/>
+          <a:p>
+            <a:endParaRPr lang="th-TH" dirty="0"/>
+          </a:p>
+        </p:txBody>
+      </p:sp>
+      <p:sp>
+        <p:nvSpPr>
+          <p:cNvPr id="4" name="Slide Number Placeholder 3"/>
+          <p:cNvSpPr>
+            <a:spLocks noGrp="1"/>
+          </p:cNvSpPr>
+          <p:nvPr>
+            <p:ph type="sldNum" sz="quarter" idx="10"/>
+          </p:nvPr>
+        </p:nvSpPr>
+        <p:spPr/>
+        <p:txBody>
+          <a:bodyPr/>
+          <a:lstStyle/>
+          <a:p>
+            <a:fld id="{F39FED63-E80D-4DC2-929C-B8C3B494DEFE}" type="slidenum">
+              <a:rPr lang="th-TH" smtClean="0"/>
+              <a:t>22</a:t>
             </a:fld>
             <a:endParaRPr lang="th-TH"/>
           </a:p>
@@ -14178,6 +14689,1312 @@
           <a:p>
             <a:pPr lvl="0"/>
             <a:r>
+              <a:rPr lang="th-TH" sz="4800" b="1" dirty="0" smtClean="0">
+                <a:latin typeface="TH Sarabun New" panose="020B0500040200020003" pitchFamily="34" charset="-34"/>
+                <a:cs typeface="TH Sarabun New" panose="020B0500040200020003" pitchFamily="34" charset="-34"/>
+              </a:rPr>
+              <a:t>ตัวอย่างข้อมูล</a:t>
+            </a:r>
+            <a:endParaRPr lang="en-GB" sz="4800" dirty="0">
+              <a:latin typeface="TH Sarabun New" panose="020B0500040200020003" pitchFamily="34" charset="-34"/>
+              <a:cs typeface="TH Sarabun New" panose="020B0500040200020003" pitchFamily="34" charset="-34"/>
+            </a:endParaRPr>
+          </a:p>
+        </p:txBody>
+      </p:sp>
+      <p:sp>
+        <p:nvSpPr>
+          <p:cNvPr id="6" name="Rectangle 5"/>
+          <p:cNvSpPr/>
+          <p:nvPr/>
+        </p:nvSpPr>
+        <p:spPr>
+          <a:xfrm>
+            <a:off x="72008" y="6462731"/>
+            <a:ext cx="5292080" cy="336447"/>
+          </a:xfrm>
+          <a:prstGeom prst="rect">
+            <a:avLst/>
+          </a:prstGeom>
+          <a:solidFill>
+            <a:srgbClr val="0B3261"/>
+          </a:solidFill>
+          <a:ln>
+            <a:solidFill>
+              <a:srgbClr val="0B3261"/>
+            </a:solidFill>
+          </a:ln>
+        </p:spPr>
+        <p:style>
+          <a:lnRef idx="2">
+            <a:schemeClr val="dk1"/>
+          </a:lnRef>
+          <a:fillRef idx="1">
+            <a:schemeClr val="lt1"/>
+          </a:fillRef>
+          <a:effectRef idx="0">
+            <a:schemeClr val="dk1"/>
+          </a:effectRef>
+          <a:fontRef idx="minor">
+            <a:schemeClr val="dk1"/>
+          </a:fontRef>
+        </p:style>
+        <p:txBody>
+          <a:bodyPr rtlCol="0" anchor="ctr"/>
+          <a:lstStyle/>
+          <a:p>
+            <a:pPr algn="ctr"/>
+            <a:endParaRPr lang="th-TH"/>
+          </a:p>
+        </p:txBody>
+      </p:sp>
+      <p:pic>
+        <p:nvPicPr>
+          <p:cNvPr id="7" name="รูปภาพ 3"/>
+          <p:cNvPicPr>
+            <a:picLocks noChangeAspect="1"/>
+          </p:cNvPicPr>
+          <p:nvPr/>
+        </p:nvPicPr>
+        <p:blipFill>
+          <a:blip r:embed="rId3" cstate="print">
+            <a:extLst>
+              <a:ext uri="{28A0092B-C50C-407E-A947-70E740481C1C}">
+                <a14:useLocalDpi xmlns:a14="http://schemas.microsoft.com/office/drawing/2010/main" val="0"/>
+              </a:ext>
+            </a:extLst>
+          </a:blip>
+          <a:stretch>
+            <a:fillRect/>
+          </a:stretch>
+        </p:blipFill>
+        <p:spPr>
+          <a:xfrm>
+            <a:off x="7623869" y="736486"/>
+            <a:ext cx="1039740" cy="957963"/>
+          </a:xfrm>
+          <a:prstGeom prst="rect">
+            <a:avLst/>
+          </a:prstGeom>
+        </p:spPr>
+      </p:pic>
+      <p:pic>
+        <p:nvPicPr>
+          <p:cNvPr id="8" name="Picture 7"/>
+          <p:cNvPicPr>
+            <a:picLocks noChangeAspect="1"/>
+          </p:cNvPicPr>
+          <p:nvPr/>
+        </p:nvPicPr>
+        <p:blipFill>
+          <a:blip r:embed="rId4" cstate="print">
+            <a:extLst>
+              <a:ext uri="{28A0092B-C50C-407E-A947-70E740481C1C}">
+                <a14:useLocalDpi xmlns:a14="http://schemas.microsoft.com/office/drawing/2010/main" val="0"/>
+              </a:ext>
+            </a:extLst>
+          </a:blip>
+          <a:stretch>
+            <a:fillRect/>
+          </a:stretch>
+        </p:blipFill>
+        <p:spPr>
+          <a:xfrm>
+            <a:off x="0" y="91556"/>
+            <a:ext cx="1951728" cy="664658"/>
+          </a:xfrm>
+          <a:prstGeom prst="rect">
+            <a:avLst/>
+          </a:prstGeom>
+        </p:spPr>
+      </p:pic>
+      <p:graphicFrame>
+        <p:nvGraphicFramePr>
+          <p:cNvPr id="9" name="Table 8"/>
+          <p:cNvGraphicFramePr>
+            <a:graphicFrameLocks noGrp="1"/>
+          </p:cNvGraphicFramePr>
+          <p:nvPr>
+            <p:extLst>
+              <p:ext uri="{D42A27DB-BD31-4B8C-83A1-F6EECF244321}">
+                <p14:modId xmlns:p14="http://schemas.microsoft.com/office/powerpoint/2010/main" val="3817867832"/>
+              </p:ext>
+            </p:extLst>
+          </p:nvPr>
+        </p:nvGraphicFramePr>
+        <p:xfrm>
+          <a:off x="457200" y="1844824"/>
+          <a:ext cx="8206409" cy="3887234"/>
+        </p:xfrm>
+        <a:graphic>
+          <a:graphicData uri="http://schemas.openxmlformats.org/drawingml/2006/table">
+            <a:tbl>
+              <a:tblPr>
+                <a:tableStyleId>{BDBED569-4797-4DF1-A0F4-6AAB3CD982D8}</a:tableStyleId>
+              </a:tblPr>
+              <a:tblGrid>
+                <a:gridCol w="872182"/>
+                <a:gridCol w="1637326"/>
+                <a:gridCol w="1527880"/>
+                <a:gridCol w="2904302"/>
+                <a:gridCol w="1264719"/>
+              </a:tblGrid>
+              <a:tr h="648072">
+                <a:tc>
+                  <a:txBody>
+                    <a:bodyPr/>
+                    <a:lstStyle/>
+                    <a:p>
+                      <a:pPr algn="ctr" fontAlgn="b"/>
+                      <a:r>
+                        <a:rPr lang="en-US" sz="2400" b="0" i="0" u="none" strike="noStrike" dirty="0" smtClean="0">
+                          <a:solidFill>
+                            <a:srgbClr val="000000"/>
+                          </a:solidFill>
+                          <a:effectLst/>
+                          <a:latin typeface="TH Sarabun New" panose="020B0500040200020003" pitchFamily="34" charset="-34"/>
+                          <a:cs typeface="TH Sarabun New" panose="020B0500040200020003" pitchFamily="34" charset="-34"/>
+                        </a:rPr>
+                        <a:t>No.</a:t>
+                      </a:r>
+                      <a:endParaRPr lang="th-TH" sz="2400" b="0" i="0" u="none" strike="noStrike" dirty="0">
+                        <a:solidFill>
+                          <a:srgbClr val="000000"/>
+                        </a:solidFill>
+                        <a:effectLst/>
+                        <a:latin typeface="TH Sarabun New" panose="020B0500040200020003" pitchFamily="34" charset="-34"/>
+                        <a:cs typeface="TH Sarabun New" panose="020B0500040200020003" pitchFamily="34" charset="-34"/>
+                      </a:endParaRPr>
+                    </a:p>
+                  </a:txBody>
+                  <a:tcPr marL="8274" marR="8274" marT="8274" marB="0" anchor="b">
+                    <a:solidFill>
+                      <a:schemeClr val="accent6"/>
+                    </a:solidFill>
+                  </a:tcPr>
+                </a:tc>
+                <a:tc>
+                  <a:txBody>
+                    <a:bodyPr/>
+                    <a:lstStyle/>
+                    <a:p>
+                      <a:pPr algn="ctr" fontAlgn="b"/>
+                      <a:r>
+                        <a:rPr lang="th-TH" sz="2400" u="none" strike="noStrike" dirty="0">
+                          <a:solidFill>
+                            <a:srgbClr val="000000"/>
+                          </a:solidFill>
+                          <a:effectLst/>
+                          <a:latin typeface="TH Sarabun New" panose="020B0500040200020003" pitchFamily="34" charset="-34"/>
+                          <a:cs typeface="TH Sarabun New" panose="020B0500040200020003" pitchFamily="34" charset="-34"/>
+                        </a:rPr>
+                        <a:t> </a:t>
+                      </a:r>
+                      <a:r>
+                        <a:rPr lang="th-TH" sz="2400" u="none" strike="noStrike" dirty="0" smtClean="0">
+                          <a:solidFill>
+                            <a:srgbClr val="000000"/>
+                          </a:solidFill>
+                          <a:effectLst/>
+                          <a:latin typeface="TH Sarabun New" panose="020B0500040200020003" pitchFamily="34" charset="-34"/>
+                          <a:cs typeface="TH Sarabun New" panose="020B0500040200020003" pitchFamily="34" charset="-34"/>
+                        </a:rPr>
+                        <a:t>วัน/เดือน/ปี ที่ได้มา</a:t>
+                      </a:r>
+                      <a:endParaRPr lang="th-TH" sz="2400" b="0" i="0" u="none" strike="noStrike" dirty="0">
+                        <a:solidFill>
+                          <a:srgbClr val="000000"/>
+                        </a:solidFill>
+                        <a:effectLst/>
+                        <a:latin typeface="TH Sarabun New" panose="020B0500040200020003" pitchFamily="34" charset="-34"/>
+                        <a:cs typeface="TH Sarabun New" panose="020B0500040200020003" pitchFamily="34" charset="-34"/>
+                      </a:endParaRPr>
+                    </a:p>
+                  </a:txBody>
+                  <a:tcPr marL="8274" marR="8274" marT="8274" marB="0" anchor="b">
+                    <a:solidFill>
+                      <a:schemeClr val="accent6"/>
+                    </a:solidFill>
+                  </a:tcPr>
+                </a:tc>
+                <a:tc>
+                  <a:txBody>
+                    <a:bodyPr/>
+                    <a:lstStyle/>
+                    <a:p>
+                      <a:pPr algn="ctr" fontAlgn="b"/>
+                      <a:r>
+                        <a:rPr lang="th-TH" sz="2400" u="none" strike="noStrike" dirty="0" smtClean="0">
+                          <a:solidFill>
+                            <a:srgbClr val="000000"/>
+                          </a:solidFill>
+                          <a:effectLst/>
+                          <a:latin typeface="TH Sarabun New" panose="020B0500040200020003" pitchFamily="34" charset="-34"/>
+                          <a:cs typeface="TH Sarabun New" panose="020B0500040200020003" pitchFamily="34" charset="-34"/>
+                        </a:rPr>
+                        <a:t>รหัสครุภัณฑ์</a:t>
+                      </a:r>
+                      <a:endParaRPr lang="th-TH" sz="2400" b="0" i="0" u="none" strike="noStrike" dirty="0">
+                        <a:solidFill>
+                          <a:srgbClr val="000000"/>
+                        </a:solidFill>
+                        <a:effectLst/>
+                        <a:latin typeface="TH Sarabun New" panose="020B0500040200020003" pitchFamily="34" charset="-34"/>
+                        <a:cs typeface="TH Sarabun New" panose="020B0500040200020003" pitchFamily="34" charset="-34"/>
+                      </a:endParaRPr>
+                    </a:p>
+                  </a:txBody>
+                  <a:tcPr marL="8274" marR="8274" marT="8274" marB="0" anchor="b">
+                    <a:solidFill>
+                      <a:schemeClr val="accent6"/>
+                    </a:solidFill>
+                  </a:tcPr>
+                </a:tc>
+                <a:tc>
+                  <a:txBody>
+                    <a:bodyPr/>
+                    <a:lstStyle/>
+                    <a:p>
+                      <a:pPr algn="ctr" fontAlgn="b"/>
+                      <a:r>
+                        <a:rPr lang="th-TH" sz="2400" u="none" strike="noStrike" dirty="0" smtClean="0">
+                          <a:solidFill>
+                            <a:srgbClr val="000000"/>
+                          </a:solidFill>
+                          <a:effectLst/>
+                          <a:latin typeface="TH Sarabun New" panose="020B0500040200020003" pitchFamily="34" charset="-34"/>
+                          <a:cs typeface="TH Sarabun New" panose="020B0500040200020003" pitchFamily="34" charset="-34"/>
+                        </a:rPr>
+                        <a:t>รายการ</a:t>
+                      </a:r>
+                      <a:endParaRPr lang="th-TH" sz="2400" b="0" i="0" u="none" strike="noStrike" dirty="0">
+                        <a:solidFill>
+                          <a:srgbClr val="000000"/>
+                        </a:solidFill>
+                        <a:effectLst/>
+                        <a:latin typeface="TH Sarabun New" panose="020B0500040200020003" pitchFamily="34" charset="-34"/>
+                        <a:cs typeface="TH Sarabun New" panose="020B0500040200020003" pitchFamily="34" charset="-34"/>
+                      </a:endParaRPr>
+                    </a:p>
+                  </a:txBody>
+                  <a:tcPr marL="8274" marR="8274" marT="8274" marB="0" anchor="b">
+                    <a:solidFill>
+                      <a:schemeClr val="accent6"/>
+                    </a:solidFill>
+                  </a:tcPr>
+                </a:tc>
+                <a:tc>
+                  <a:txBody>
+                    <a:bodyPr/>
+                    <a:lstStyle/>
+                    <a:p>
+                      <a:pPr algn="ctr" fontAlgn="b"/>
+                      <a:r>
+                        <a:rPr lang="th-TH" sz="2400" u="none" strike="noStrike" dirty="0" smtClean="0">
+                          <a:solidFill>
+                            <a:srgbClr val="000000"/>
+                          </a:solidFill>
+                          <a:effectLst/>
+                          <a:latin typeface="TH Sarabun New" panose="020B0500040200020003" pitchFamily="34" charset="-34"/>
+                          <a:cs typeface="TH Sarabun New" panose="020B0500040200020003" pitchFamily="34" charset="-34"/>
+                        </a:rPr>
+                        <a:t>ราคา</a:t>
+                      </a:r>
+                      <a:endParaRPr lang="th-TH" sz="2400" b="0" i="0" u="none" strike="noStrike" dirty="0">
+                        <a:solidFill>
+                          <a:srgbClr val="000000"/>
+                        </a:solidFill>
+                        <a:effectLst/>
+                        <a:latin typeface="TH Sarabun New" panose="020B0500040200020003" pitchFamily="34" charset="-34"/>
+                        <a:cs typeface="TH Sarabun New" panose="020B0500040200020003" pitchFamily="34" charset="-34"/>
+                      </a:endParaRPr>
+                    </a:p>
+                  </a:txBody>
+                  <a:tcPr marL="8274" marR="8274" marT="8274" marB="0" anchor="b">
+                    <a:solidFill>
+                      <a:schemeClr val="accent6"/>
+                    </a:solidFill>
+                  </a:tcPr>
+                </a:tc>
+              </a:tr>
+              <a:tr h="629488">
+                <a:tc>
+                  <a:txBody>
+                    <a:bodyPr/>
+                    <a:lstStyle/>
+                    <a:p>
+                      <a:pPr algn="ctr" fontAlgn="b"/>
+                      <a:r>
+                        <a:rPr lang="en-US" sz="2400" b="0" i="0" u="none" strike="noStrike" dirty="0" smtClean="0">
+                          <a:solidFill>
+                            <a:srgbClr val="000000"/>
+                          </a:solidFill>
+                          <a:effectLst/>
+                          <a:latin typeface="TH Sarabun New" panose="020B0500040200020003" pitchFamily="34" charset="-34"/>
+                          <a:cs typeface="TH Sarabun New" panose="020B0500040200020003" pitchFamily="34" charset="-34"/>
+                        </a:rPr>
+                        <a:t>1</a:t>
+                      </a:r>
+                      <a:endParaRPr lang="th-TH" sz="2400" b="0" i="0" u="none" strike="noStrike" dirty="0">
+                        <a:solidFill>
+                          <a:srgbClr val="000000"/>
+                        </a:solidFill>
+                        <a:effectLst/>
+                        <a:latin typeface="TH Sarabun New" panose="020B0500040200020003" pitchFamily="34" charset="-34"/>
+                        <a:cs typeface="TH Sarabun New" panose="020B0500040200020003" pitchFamily="34" charset="-34"/>
+                      </a:endParaRPr>
+                    </a:p>
+                  </a:txBody>
+                  <a:tcPr marL="8274" marR="8274" marT="8274" marB="0" anchor="b">
+                    <a:solidFill>
+                      <a:schemeClr val="tx2"/>
+                    </a:solidFill>
+                  </a:tcPr>
+                </a:tc>
+                <a:tc>
+                  <a:txBody>
+                    <a:bodyPr/>
+                    <a:lstStyle/>
+                    <a:p>
+                      <a:pPr algn="ctr" fontAlgn="b"/>
+                      <a:r>
+                        <a:rPr lang="en-US" sz="2400" u="none" strike="noStrike" dirty="0" smtClean="0">
+                          <a:solidFill>
+                            <a:srgbClr val="000000"/>
+                          </a:solidFill>
+                          <a:effectLst/>
+                          <a:latin typeface="TH Sarabun New" panose="020B0500040200020003" pitchFamily="34" charset="-34"/>
+                          <a:cs typeface="TH Sarabun New" panose="020B0500040200020003" pitchFamily="34" charset="-34"/>
+                        </a:rPr>
+                        <a:t>30</a:t>
+                      </a:r>
+                      <a:r>
+                        <a:rPr lang="th-TH" sz="2400" u="none" strike="noStrike" dirty="0" smtClean="0">
+                          <a:solidFill>
+                            <a:srgbClr val="000000"/>
+                          </a:solidFill>
+                          <a:effectLst/>
+                          <a:latin typeface="TH Sarabun New" panose="020B0500040200020003" pitchFamily="34" charset="-34"/>
+                          <a:cs typeface="TH Sarabun New" panose="020B0500040200020003" pitchFamily="34" charset="-34"/>
+                        </a:rPr>
+                        <a:t>/09/2556</a:t>
+                      </a:r>
+                      <a:endParaRPr lang="th-TH" sz="2400" b="0" i="0" u="none" strike="noStrike" dirty="0">
+                        <a:solidFill>
+                          <a:srgbClr val="000000"/>
+                        </a:solidFill>
+                        <a:effectLst/>
+                        <a:latin typeface="TH Sarabun New" panose="020B0500040200020003" pitchFamily="34" charset="-34"/>
+                        <a:cs typeface="TH Sarabun New" panose="020B0500040200020003" pitchFamily="34" charset="-34"/>
+                      </a:endParaRPr>
+                    </a:p>
+                  </a:txBody>
+                  <a:tcPr marL="8274" marR="8274" marT="8274" marB="0" anchor="b">
+                    <a:solidFill>
+                      <a:schemeClr val="tx2"/>
+                    </a:solidFill>
+                  </a:tcPr>
+                </a:tc>
+                <a:tc>
+                  <a:txBody>
+                    <a:bodyPr/>
+                    <a:lstStyle/>
+                    <a:p>
+                      <a:pPr algn="ctr" fontAlgn="b"/>
+                      <a:r>
+                        <a:rPr lang="th-TH" sz="2400" b="0" i="0" u="none" strike="noStrike">
+                          <a:solidFill>
+                            <a:srgbClr val="000000"/>
+                          </a:solidFill>
+                          <a:effectLst/>
+                          <a:latin typeface="TH Sarabun New" panose="020B0500040200020003" pitchFamily="34" charset="-34"/>
+                          <a:cs typeface="TH Sarabun New" panose="020B0500040200020003" pitchFamily="34" charset="-34"/>
+                        </a:rPr>
+                        <a:t>01.02.005</a:t>
+                      </a:r>
+                    </a:p>
+                  </a:txBody>
+                  <a:tcPr marL="9525" marR="9525" marT="9525" marB="0" anchor="b">
+                    <a:solidFill>
+                      <a:schemeClr val="tx2"/>
+                    </a:solidFill>
+                  </a:tcPr>
+                </a:tc>
+                <a:tc>
+                  <a:txBody>
+                    <a:bodyPr/>
+                    <a:lstStyle/>
+                    <a:p>
+                      <a:pPr algn="l" fontAlgn="b"/>
+                      <a:r>
+                        <a:rPr lang="th-TH" sz="2400" u="none" strike="noStrike" dirty="0">
+                          <a:solidFill>
+                            <a:srgbClr val="000000"/>
+                          </a:solidFill>
+                          <a:effectLst/>
+                          <a:latin typeface="TH Sarabun New" panose="020B0500040200020003" pitchFamily="34" charset="-34"/>
+                          <a:cs typeface="TH Sarabun New" panose="020B0500040200020003" pitchFamily="34" charset="-34"/>
+                        </a:rPr>
+                        <a:t>โต๊ะสนามพร้อมม้านั่ง</a:t>
+                      </a:r>
+                      <a:endParaRPr lang="th-TH" sz="2400" b="0" i="0" u="none" strike="noStrike" dirty="0">
+                        <a:solidFill>
+                          <a:srgbClr val="000000"/>
+                        </a:solidFill>
+                        <a:effectLst/>
+                        <a:latin typeface="TH Sarabun New" panose="020B0500040200020003" pitchFamily="34" charset="-34"/>
+                        <a:cs typeface="TH Sarabun New" panose="020B0500040200020003" pitchFamily="34" charset="-34"/>
+                      </a:endParaRPr>
+                    </a:p>
+                  </a:txBody>
+                  <a:tcPr marL="8274" marR="8274" marT="8274" marB="0" anchor="b">
+                    <a:solidFill>
+                      <a:schemeClr val="tx2"/>
+                    </a:solidFill>
+                  </a:tcPr>
+                </a:tc>
+                <a:tc>
+                  <a:txBody>
+                    <a:bodyPr/>
+                    <a:lstStyle/>
+                    <a:p>
+                      <a:pPr algn="r" fontAlgn="b"/>
+                      <a:r>
+                        <a:rPr lang="th-TH" sz="2400" u="none" strike="noStrike" dirty="0">
+                          <a:solidFill>
+                            <a:srgbClr val="000000"/>
+                          </a:solidFill>
+                          <a:effectLst/>
+                          <a:latin typeface="TH Sarabun New" panose="020B0500040200020003" pitchFamily="34" charset="-34"/>
+                          <a:cs typeface="TH Sarabun New" panose="020B0500040200020003" pitchFamily="34" charset="-34"/>
+                        </a:rPr>
+                        <a:t>1,350.00</a:t>
+                      </a:r>
+                      <a:endParaRPr lang="th-TH" sz="2400" b="0" i="0" u="none" strike="noStrike" dirty="0">
+                        <a:solidFill>
+                          <a:srgbClr val="000000"/>
+                        </a:solidFill>
+                        <a:effectLst/>
+                        <a:latin typeface="TH Sarabun New" panose="020B0500040200020003" pitchFamily="34" charset="-34"/>
+                        <a:cs typeface="TH Sarabun New" panose="020B0500040200020003" pitchFamily="34" charset="-34"/>
+                      </a:endParaRPr>
+                    </a:p>
+                  </a:txBody>
+                  <a:tcPr marL="8274" marR="8274" marT="8274" marB="0" anchor="b">
+                    <a:solidFill>
+                      <a:schemeClr val="tx2"/>
+                    </a:solidFill>
+                  </a:tcPr>
+                </a:tc>
+              </a:tr>
+              <a:tr h="629488">
+                <a:tc>
+                  <a:txBody>
+                    <a:bodyPr/>
+                    <a:lstStyle/>
+                    <a:p>
+                      <a:pPr algn="ctr" fontAlgn="b"/>
+                      <a:r>
+                        <a:rPr lang="en-US" sz="2400" b="0" i="0" u="none" strike="noStrike" dirty="0" smtClean="0">
+                          <a:solidFill>
+                            <a:srgbClr val="000000"/>
+                          </a:solidFill>
+                          <a:effectLst/>
+                          <a:latin typeface="TH Sarabun New" panose="020B0500040200020003" pitchFamily="34" charset="-34"/>
+                          <a:cs typeface="TH Sarabun New" panose="020B0500040200020003" pitchFamily="34" charset="-34"/>
+                        </a:rPr>
+                        <a:t>2</a:t>
+                      </a:r>
+                      <a:endParaRPr lang="th-TH" sz="2400" b="0" i="0" u="none" strike="noStrike" dirty="0">
+                        <a:solidFill>
+                          <a:srgbClr val="000000"/>
+                        </a:solidFill>
+                        <a:effectLst/>
+                        <a:latin typeface="TH Sarabun New" panose="020B0500040200020003" pitchFamily="34" charset="-34"/>
+                        <a:cs typeface="TH Sarabun New" panose="020B0500040200020003" pitchFamily="34" charset="-34"/>
+                      </a:endParaRPr>
+                    </a:p>
+                  </a:txBody>
+                  <a:tcPr marL="8274" marR="8274" marT="8274" marB="0" anchor="b">
+                    <a:solidFill>
+                      <a:schemeClr val="tx2"/>
+                    </a:solidFill>
+                  </a:tcPr>
+                </a:tc>
+                <a:tc>
+                  <a:txBody>
+                    <a:bodyPr/>
+                    <a:lstStyle/>
+                    <a:p>
+                      <a:pPr algn="ctr" fontAlgn="b"/>
+                      <a:r>
+                        <a:rPr lang="th-TH" sz="2400" u="none" strike="noStrike" dirty="0">
+                          <a:solidFill>
+                            <a:srgbClr val="000000"/>
+                          </a:solidFill>
+                          <a:effectLst/>
+                          <a:latin typeface="TH Sarabun New" panose="020B0500040200020003" pitchFamily="34" charset="-34"/>
+                          <a:cs typeface="TH Sarabun New" panose="020B0500040200020003" pitchFamily="34" charset="-34"/>
+                        </a:rPr>
+                        <a:t> </a:t>
+                      </a:r>
+                      <a:r>
+                        <a:rPr lang="en-US" sz="2400" u="none" strike="noStrike" dirty="0" smtClean="0">
+                          <a:solidFill>
+                            <a:srgbClr val="000000"/>
+                          </a:solidFill>
+                          <a:effectLst/>
+                          <a:latin typeface="TH Sarabun New" panose="020B0500040200020003" pitchFamily="34" charset="-34"/>
+                          <a:cs typeface="TH Sarabun New" panose="020B0500040200020003" pitchFamily="34" charset="-34"/>
+                        </a:rPr>
+                        <a:t>30</a:t>
+                      </a:r>
+                      <a:r>
+                        <a:rPr lang="th-TH" sz="2400" u="none" strike="noStrike" dirty="0" smtClean="0">
+                          <a:solidFill>
+                            <a:srgbClr val="000000"/>
+                          </a:solidFill>
+                          <a:effectLst/>
+                          <a:latin typeface="TH Sarabun New" panose="020B0500040200020003" pitchFamily="34" charset="-34"/>
+                          <a:cs typeface="TH Sarabun New" panose="020B0500040200020003" pitchFamily="34" charset="-34"/>
+                        </a:rPr>
+                        <a:t>/09/2556</a:t>
+                      </a:r>
+                      <a:endParaRPr lang="th-TH" sz="2400" b="0" i="0" u="none" strike="noStrike" dirty="0">
+                        <a:solidFill>
+                          <a:srgbClr val="000000"/>
+                        </a:solidFill>
+                        <a:effectLst/>
+                        <a:latin typeface="TH Sarabun New" panose="020B0500040200020003" pitchFamily="34" charset="-34"/>
+                        <a:cs typeface="TH Sarabun New" panose="020B0500040200020003" pitchFamily="34" charset="-34"/>
+                      </a:endParaRPr>
+                    </a:p>
+                  </a:txBody>
+                  <a:tcPr marL="8274" marR="8274" marT="8274" marB="0" anchor="b">
+                    <a:solidFill>
+                      <a:schemeClr val="tx2"/>
+                    </a:solidFill>
+                  </a:tcPr>
+                </a:tc>
+                <a:tc>
+                  <a:txBody>
+                    <a:bodyPr/>
+                    <a:lstStyle/>
+                    <a:p>
+                      <a:pPr algn="ctr" fontAlgn="b"/>
+                      <a:r>
+                        <a:rPr lang="th-TH" sz="2400" b="0" i="0" u="none" strike="noStrike">
+                          <a:solidFill>
+                            <a:srgbClr val="000000"/>
+                          </a:solidFill>
+                          <a:effectLst/>
+                          <a:latin typeface="TH Sarabun New" panose="020B0500040200020003" pitchFamily="34" charset="-34"/>
+                          <a:cs typeface="TH Sarabun New" panose="020B0500040200020003" pitchFamily="34" charset="-34"/>
+                        </a:rPr>
+                        <a:t>01.02.006</a:t>
+                      </a:r>
+                    </a:p>
+                  </a:txBody>
+                  <a:tcPr marL="9525" marR="9525" marT="9525" marB="0" anchor="b">
+                    <a:solidFill>
+                      <a:schemeClr val="tx2"/>
+                    </a:solidFill>
+                  </a:tcPr>
+                </a:tc>
+                <a:tc>
+                  <a:txBody>
+                    <a:bodyPr/>
+                    <a:lstStyle/>
+                    <a:p>
+                      <a:pPr algn="l" fontAlgn="b"/>
+                      <a:r>
+                        <a:rPr lang="th-TH" sz="2400" u="none" strike="noStrike" dirty="0">
+                          <a:solidFill>
+                            <a:srgbClr val="000000"/>
+                          </a:solidFill>
+                          <a:effectLst/>
+                          <a:latin typeface="TH Sarabun New" panose="020B0500040200020003" pitchFamily="34" charset="-34"/>
+                          <a:cs typeface="TH Sarabun New" panose="020B0500040200020003" pitchFamily="34" charset="-34"/>
+                        </a:rPr>
+                        <a:t>โต๊ะสนามพร้อมม้านั่ง</a:t>
+                      </a:r>
+                      <a:endParaRPr lang="th-TH" sz="2400" b="0" i="0" u="none" strike="noStrike" dirty="0">
+                        <a:solidFill>
+                          <a:srgbClr val="000000"/>
+                        </a:solidFill>
+                        <a:effectLst/>
+                        <a:latin typeface="TH Sarabun New" panose="020B0500040200020003" pitchFamily="34" charset="-34"/>
+                        <a:cs typeface="TH Sarabun New" panose="020B0500040200020003" pitchFamily="34" charset="-34"/>
+                      </a:endParaRPr>
+                    </a:p>
+                  </a:txBody>
+                  <a:tcPr marL="8274" marR="8274" marT="8274" marB="0" anchor="b">
+                    <a:solidFill>
+                      <a:schemeClr val="tx2"/>
+                    </a:solidFill>
+                  </a:tcPr>
+                </a:tc>
+                <a:tc>
+                  <a:txBody>
+                    <a:bodyPr/>
+                    <a:lstStyle/>
+                    <a:p>
+                      <a:pPr algn="r" fontAlgn="b"/>
+                      <a:r>
+                        <a:rPr lang="th-TH" sz="2400" u="none" strike="noStrike" dirty="0">
+                          <a:solidFill>
+                            <a:srgbClr val="000000"/>
+                          </a:solidFill>
+                          <a:effectLst/>
+                          <a:latin typeface="TH Sarabun New" panose="020B0500040200020003" pitchFamily="34" charset="-34"/>
+                          <a:cs typeface="TH Sarabun New" panose="020B0500040200020003" pitchFamily="34" charset="-34"/>
+                        </a:rPr>
+                        <a:t>1,350.00</a:t>
+                      </a:r>
+                      <a:endParaRPr lang="th-TH" sz="2400" b="0" i="0" u="none" strike="noStrike" dirty="0">
+                        <a:solidFill>
+                          <a:srgbClr val="000000"/>
+                        </a:solidFill>
+                        <a:effectLst/>
+                        <a:latin typeface="TH Sarabun New" panose="020B0500040200020003" pitchFamily="34" charset="-34"/>
+                        <a:cs typeface="TH Sarabun New" panose="020B0500040200020003" pitchFamily="34" charset="-34"/>
+                      </a:endParaRPr>
+                    </a:p>
+                  </a:txBody>
+                  <a:tcPr marL="8274" marR="8274" marT="8274" marB="0" anchor="b">
+                    <a:solidFill>
+                      <a:schemeClr val="tx2"/>
+                    </a:solidFill>
+                  </a:tcPr>
+                </a:tc>
+              </a:tr>
+              <a:tr h="629488">
+                <a:tc>
+                  <a:txBody>
+                    <a:bodyPr/>
+                    <a:lstStyle/>
+                    <a:p>
+                      <a:pPr algn="ctr" fontAlgn="b"/>
+                      <a:r>
+                        <a:rPr lang="en-US" sz="2400" b="0" i="0" u="none" strike="noStrike" dirty="0" smtClean="0">
+                          <a:solidFill>
+                            <a:srgbClr val="000000"/>
+                          </a:solidFill>
+                          <a:effectLst/>
+                          <a:latin typeface="TH Sarabun New" panose="020B0500040200020003" pitchFamily="34" charset="-34"/>
+                          <a:cs typeface="TH Sarabun New" panose="020B0500040200020003" pitchFamily="34" charset="-34"/>
+                        </a:rPr>
+                        <a:t>3</a:t>
+                      </a:r>
+                      <a:endParaRPr lang="th-TH" sz="2400" b="0" i="0" u="none" strike="noStrike" dirty="0">
+                        <a:solidFill>
+                          <a:srgbClr val="000000"/>
+                        </a:solidFill>
+                        <a:effectLst/>
+                        <a:latin typeface="TH Sarabun New" panose="020B0500040200020003" pitchFamily="34" charset="-34"/>
+                        <a:cs typeface="TH Sarabun New" panose="020B0500040200020003" pitchFamily="34" charset="-34"/>
+                      </a:endParaRPr>
+                    </a:p>
+                  </a:txBody>
+                  <a:tcPr marL="8274" marR="8274" marT="8274" marB="0" anchor="b">
+                    <a:solidFill>
+                      <a:schemeClr val="tx2"/>
+                    </a:solidFill>
+                  </a:tcPr>
+                </a:tc>
+                <a:tc>
+                  <a:txBody>
+                    <a:bodyPr/>
+                    <a:lstStyle/>
+                    <a:p>
+                      <a:pPr algn="ctr" fontAlgn="b"/>
+                      <a:r>
+                        <a:rPr lang="th-TH" sz="2400" u="none" strike="noStrike" dirty="0">
+                          <a:solidFill>
+                            <a:srgbClr val="000000"/>
+                          </a:solidFill>
+                          <a:effectLst/>
+                          <a:latin typeface="TH Sarabun New" panose="020B0500040200020003" pitchFamily="34" charset="-34"/>
+                          <a:cs typeface="TH Sarabun New" panose="020B0500040200020003" pitchFamily="34" charset="-34"/>
+                        </a:rPr>
+                        <a:t> </a:t>
+                      </a:r>
+                      <a:r>
+                        <a:rPr lang="en-US" sz="2400" u="none" strike="noStrike" dirty="0" smtClean="0">
+                          <a:solidFill>
+                            <a:srgbClr val="000000"/>
+                          </a:solidFill>
+                          <a:effectLst/>
+                          <a:latin typeface="TH Sarabun New" panose="020B0500040200020003" pitchFamily="34" charset="-34"/>
+                          <a:cs typeface="TH Sarabun New" panose="020B0500040200020003" pitchFamily="34" charset="-34"/>
+                        </a:rPr>
+                        <a:t>30</a:t>
+                      </a:r>
+                      <a:r>
+                        <a:rPr lang="th-TH" sz="2400" u="none" strike="noStrike" dirty="0" smtClean="0">
+                          <a:solidFill>
+                            <a:srgbClr val="000000"/>
+                          </a:solidFill>
+                          <a:effectLst/>
+                          <a:latin typeface="TH Sarabun New" panose="020B0500040200020003" pitchFamily="34" charset="-34"/>
+                          <a:cs typeface="TH Sarabun New" panose="020B0500040200020003" pitchFamily="34" charset="-34"/>
+                        </a:rPr>
+                        <a:t>/09/2556</a:t>
+                      </a:r>
+                      <a:endParaRPr lang="th-TH" sz="2400" b="0" i="0" u="none" strike="noStrike" dirty="0">
+                        <a:solidFill>
+                          <a:srgbClr val="000000"/>
+                        </a:solidFill>
+                        <a:effectLst/>
+                        <a:latin typeface="TH Sarabun New" panose="020B0500040200020003" pitchFamily="34" charset="-34"/>
+                        <a:cs typeface="TH Sarabun New" panose="020B0500040200020003" pitchFamily="34" charset="-34"/>
+                      </a:endParaRPr>
+                    </a:p>
+                  </a:txBody>
+                  <a:tcPr marL="8274" marR="8274" marT="8274" marB="0" anchor="b">
+                    <a:solidFill>
+                      <a:schemeClr val="tx2"/>
+                    </a:solidFill>
+                  </a:tcPr>
+                </a:tc>
+                <a:tc>
+                  <a:txBody>
+                    <a:bodyPr/>
+                    <a:lstStyle/>
+                    <a:p>
+                      <a:pPr algn="ctr" fontAlgn="b"/>
+                      <a:r>
+                        <a:rPr lang="th-TH" sz="2400" b="0" i="0" u="none" strike="noStrike">
+                          <a:solidFill>
+                            <a:srgbClr val="000000"/>
+                          </a:solidFill>
+                          <a:effectLst/>
+                          <a:latin typeface="TH Sarabun New" panose="020B0500040200020003" pitchFamily="34" charset="-34"/>
+                          <a:cs typeface="TH Sarabun New" panose="020B0500040200020003" pitchFamily="34" charset="-34"/>
+                        </a:rPr>
+                        <a:t>01.02.007</a:t>
+                      </a:r>
+                    </a:p>
+                  </a:txBody>
+                  <a:tcPr marL="9525" marR="9525" marT="9525" marB="0" anchor="b">
+                    <a:solidFill>
+                      <a:schemeClr val="tx2"/>
+                    </a:solidFill>
+                  </a:tcPr>
+                </a:tc>
+                <a:tc>
+                  <a:txBody>
+                    <a:bodyPr/>
+                    <a:lstStyle/>
+                    <a:p>
+                      <a:pPr algn="l" fontAlgn="b"/>
+                      <a:r>
+                        <a:rPr lang="th-TH" sz="2400" u="none" strike="noStrike" dirty="0">
+                          <a:solidFill>
+                            <a:srgbClr val="000000"/>
+                          </a:solidFill>
+                          <a:effectLst/>
+                          <a:latin typeface="TH Sarabun New" panose="020B0500040200020003" pitchFamily="34" charset="-34"/>
+                          <a:cs typeface="TH Sarabun New" panose="020B0500040200020003" pitchFamily="34" charset="-34"/>
+                        </a:rPr>
+                        <a:t>โต๊ะสนามพร้อมม้านั่ง</a:t>
+                      </a:r>
+                      <a:endParaRPr lang="th-TH" sz="2400" b="0" i="0" u="none" strike="noStrike" dirty="0">
+                        <a:solidFill>
+                          <a:srgbClr val="000000"/>
+                        </a:solidFill>
+                        <a:effectLst/>
+                        <a:latin typeface="TH Sarabun New" panose="020B0500040200020003" pitchFamily="34" charset="-34"/>
+                        <a:cs typeface="TH Sarabun New" panose="020B0500040200020003" pitchFamily="34" charset="-34"/>
+                      </a:endParaRPr>
+                    </a:p>
+                  </a:txBody>
+                  <a:tcPr marL="8274" marR="8274" marT="8274" marB="0" anchor="b">
+                    <a:solidFill>
+                      <a:schemeClr val="tx2"/>
+                    </a:solidFill>
+                  </a:tcPr>
+                </a:tc>
+                <a:tc>
+                  <a:txBody>
+                    <a:bodyPr/>
+                    <a:lstStyle/>
+                    <a:p>
+                      <a:pPr algn="r" fontAlgn="b"/>
+                      <a:r>
+                        <a:rPr lang="th-TH" sz="2400" u="none" strike="noStrike" dirty="0">
+                          <a:solidFill>
+                            <a:srgbClr val="000000"/>
+                          </a:solidFill>
+                          <a:effectLst/>
+                          <a:latin typeface="TH Sarabun New" panose="020B0500040200020003" pitchFamily="34" charset="-34"/>
+                          <a:cs typeface="TH Sarabun New" panose="020B0500040200020003" pitchFamily="34" charset="-34"/>
+                        </a:rPr>
+                        <a:t>1,350.00</a:t>
+                      </a:r>
+                      <a:endParaRPr lang="th-TH" sz="2400" b="0" i="0" u="none" strike="noStrike" dirty="0">
+                        <a:solidFill>
+                          <a:srgbClr val="000000"/>
+                        </a:solidFill>
+                        <a:effectLst/>
+                        <a:latin typeface="TH Sarabun New" panose="020B0500040200020003" pitchFamily="34" charset="-34"/>
+                        <a:cs typeface="TH Sarabun New" panose="020B0500040200020003" pitchFamily="34" charset="-34"/>
+                      </a:endParaRPr>
+                    </a:p>
+                  </a:txBody>
+                  <a:tcPr marL="8274" marR="8274" marT="8274" marB="0" anchor="b">
+                    <a:solidFill>
+                      <a:schemeClr val="tx2"/>
+                    </a:solidFill>
+                  </a:tcPr>
+                </a:tc>
+              </a:tr>
+              <a:tr h="629488">
+                <a:tc>
+                  <a:txBody>
+                    <a:bodyPr/>
+                    <a:lstStyle/>
+                    <a:p>
+                      <a:pPr algn="ctr" fontAlgn="b"/>
+                      <a:r>
+                        <a:rPr lang="en-US" sz="2400" b="0" i="0" u="none" strike="noStrike" dirty="0" smtClean="0">
+                          <a:solidFill>
+                            <a:srgbClr val="000000"/>
+                          </a:solidFill>
+                          <a:effectLst/>
+                          <a:latin typeface="TH Sarabun New" panose="020B0500040200020003" pitchFamily="34" charset="-34"/>
+                          <a:cs typeface="TH Sarabun New" panose="020B0500040200020003" pitchFamily="34" charset="-34"/>
+                        </a:rPr>
+                        <a:t>4</a:t>
+                      </a:r>
+                      <a:endParaRPr lang="th-TH" sz="2400" b="0" i="0" u="none" strike="noStrike" dirty="0">
+                        <a:solidFill>
+                          <a:srgbClr val="000000"/>
+                        </a:solidFill>
+                        <a:effectLst/>
+                        <a:latin typeface="TH Sarabun New" panose="020B0500040200020003" pitchFamily="34" charset="-34"/>
+                        <a:cs typeface="TH Sarabun New" panose="020B0500040200020003" pitchFamily="34" charset="-34"/>
+                      </a:endParaRPr>
+                    </a:p>
+                  </a:txBody>
+                  <a:tcPr marL="8274" marR="8274" marT="8274" marB="0" anchor="b">
+                    <a:solidFill>
+                      <a:schemeClr val="tx2"/>
+                    </a:solidFill>
+                  </a:tcPr>
+                </a:tc>
+                <a:tc>
+                  <a:txBody>
+                    <a:bodyPr/>
+                    <a:lstStyle/>
+                    <a:p>
+                      <a:pPr algn="ctr" fontAlgn="b"/>
+                      <a:r>
+                        <a:rPr lang="th-TH" sz="2400" u="none" strike="noStrike" dirty="0">
+                          <a:solidFill>
+                            <a:srgbClr val="000000"/>
+                          </a:solidFill>
+                          <a:effectLst/>
+                          <a:latin typeface="TH Sarabun New" panose="020B0500040200020003" pitchFamily="34" charset="-34"/>
+                          <a:cs typeface="TH Sarabun New" panose="020B0500040200020003" pitchFamily="34" charset="-34"/>
+                        </a:rPr>
+                        <a:t> </a:t>
+                      </a:r>
+                      <a:r>
+                        <a:rPr lang="en-US" sz="2400" u="none" strike="noStrike" dirty="0" smtClean="0">
+                          <a:solidFill>
+                            <a:srgbClr val="000000"/>
+                          </a:solidFill>
+                          <a:effectLst/>
+                          <a:latin typeface="TH Sarabun New" panose="020B0500040200020003" pitchFamily="34" charset="-34"/>
+                          <a:cs typeface="TH Sarabun New" panose="020B0500040200020003" pitchFamily="34" charset="-34"/>
+                        </a:rPr>
+                        <a:t>30</a:t>
+                      </a:r>
+                      <a:r>
+                        <a:rPr lang="th-TH" sz="2400" u="none" strike="noStrike" dirty="0" smtClean="0">
+                          <a:solidFill>
+                            <a:srgbClr val="000000"/>
+                          </a:solidFill>
+                          <a:effectLst/>
+                          <a:latin typeface="TH Sarabun New" panose="020B0500040200020003" pitchFamily="34" charset="-34"/>
+                          <a:cs typeface="TH Sarabun New" panose="020B0500040200020003" pitchFamily="34" charset="-34"/>
+                        </a:rPr>
+                        <a:t>/09/2556</a:t>
+                      </a:r>
+                      <a:endParaRPr lang="th-TH" sz="2400" b="0" i="0" u="none" strike="noStrike" dirty="0">
+                        <a:solidFill>
+                          <a:srgbClr val="000000"/>
+                        </a:solidFill>
+                        <a:effectLst/>
+                        <a:latin typeface="TH Sarabun New" panose="020B0500040200020003" pitchFamily="34" charset="-34"/>
+                        <a:cs typeface="TH Sarabun New" panose="020B0500040200020003" pitchFamily="34" charset="-34"/>
+                      </a:endParaRPr>
+                    </a:p>
+                  </a:txBody>
+                  <a:tcPr marL="8274" marR="8274" marT="8274" marB="0" anchor="b">
+                    <a:solidFill>
+                      <a:schemeClr val="tx2"/>
+                    </a:solidFill>
+                  </a:tcPr>
+                </a:tc>
+                <a:tc>
+                  <a:txBody>
+                    <a:bodyPr/>
+                    <a:lstStyle/>
+                    <a:p>
+                      <a:pPr algn="ctr" fontAlgn="b"/>
+                      <a:r>
+                        <a:rPr lang="th-TH" sz="2400" b="0" i="0" u="none" strike="noStrike">
+                          <a:solidFill>
+                            <a:srgbClr val="000000"/>
+                          </a:solidFill>
+                          <a:effectLst/>
+                          <a:latin typeface="TH Sarabun New" panose="020B0500040200020003" pitchFamily="34" charset="-34"/>
+                          <a:cs typeface="TH Sarabun New" panose="020B0500040200020003" pitchFamily="34" charset="-34"/>
+                        </a:rPr>
+                        <a:t>01.02.008</a:t>
+                      </a:r>
+                    </a:p>
+                  </a:txBody>
+                  <a:tcPr marL="9525" marR="9525" marT="9525" marB="0" anchor="b">
+                    <a:solidFill>
+                      <a:schemeClr val="tx2"/>
+                    </a:solidFill>
+                  </a:tcPr>
+                </a:tc>
+                <a:tc>
+                  <a:txBody>
+                    <a:bodyPr/>
+                    <a:lstStyle/>
+                    <a:p>
+                      <a:pPr algn="l" fontAlgn="b"/>
+                      <a:r>
+                        <a:rPr lang="th-TH" sz="2400" u="none" strike="noStrike" dirty="0">
+                          <a:solidFill>
+                            <a:srgbClr val="000000"/>
+                          </a:solidFill>
+                          <a:effectLst/>
+                          <a:latin typeface="TH Sarabun New" panose="020B0500040200020003" pitchFamily="34" charset="-34"/>
+                          <a:cs typeface="TH Sarabun New" panose="020B0500040200020003" pitchFamily="34" charset="-34"/>
+                        </a:rPr>
+                        <a:t>โต๊ะสนามพร้อมม้านั่ง</a:t>
+                      </a:r>
+                      <a:endParaRPr lang="th-TH" sz="2400" b="0" i="0" u="none" strike="noStrike" dirty="0">
+                        <a:solidFill>
+                          <a:srgbClr val="000000"/>
+                        </a:solidFill>
+                        <a:effectLst/>
+                        <a:latin typeface="TH Sarabun New" panose="020B0500040200020003" pitchFamily="34" charset="-34"/>
+                        <a:cs typeface="TH Sarabun New" panose="020B0500040200020003" pitchFamily="34" charset="-34"/>
+                      </a:endParaRPr>
+                    </a:p>
+                  </a:txBody>
+                  <a:tcPr marL="8274" marR="8274" marT="8274" marB="0" anchor="b">
+                    <a:solidFill>
+                      <a:schemeClr val="tx2"/>
+                    </a:solidFill>
+                  </a:tcPr>
+                </a:tc>
+                <a:tc>
+                  <a:txBody>
+                    <a:bodyPr/>
+                    <a:lstStyle/>
+                    <a:p>
+                      <a:pPr algn="r" fontAlgn="b"/>
+                      <a:r>
+                        <a:rPr lang="th-TH" sz="2400" u="none" strike="noStrike" dirty="0">
+                          <a:solidFill>
+                            <a:srgbClr val="000000"/>
+                          </a:solidFill>
+                          <a:effectLst/>
+                          <a:latin typeface="TH Sarabun New" panose="020B0500040200020003" pitchFamily="34" charset="-34"/>
+                          <a:cs typeface="TH Sarabun New" panose="020B0500040200020003" pitchFamily="34" charset="-34"/>
+                        </a:rPr>
+                        <a:t>1,350.00</a:t>
+                      </a:r>
+                      <a:endParaRPr lang="th-TH" sz="2400" b="0" i="0" u="none" strike="noStrike" dirty="0">
+                        <a:solidFill>
+                          <a:srgbClr val="000000"/>
+                        </a:solidFill>
+                        <a:effectLst/>
+                        <a:latin typeface="TH Sarabun New" panose="020B0500040200020003" pitchFamily="34" charset="-34"/>
+                        <a:cs typeface="TH Sarabun New" panose="020B0500040200020003" pitchFamily="34" charset="-34"/>
+                      </a:endParaRPr>
+                    </a:p>
+                  </a:txBody>
+                  <a:tcPr marL="8274" marR="8274" marT="8274" marB="0" anchor="b">
+                    <a:solidFill>
+                      <a:schemeClr val="tx2"/>
+                    </a:solidFill>
+                  </a:tcPr>
+                </a:tc>
+              </a:tr>
+              <a:tr h="629488">
+                <a:tc>
+                  <a:txBody>
+                    <a:bodyPr/>
+                    <a:lstStyle/>
+                    <a:p>
+                      <a:pPr algn="ctr" fontAlgn="b"/>
+                      <a:r>
+                        <a:rPr lang="en-US" sz="2400" b="0" i="0" u="none" strike="noStrike" dirty="0" smtClean="0">
+                          <a:solidFill>
+                            <a:srgbClr val="000000"/>
+                          </a:solidFill>
+                          <a:effectLst/>
+                          <a:latin typeface="TH Sarabun New" panose="020B0500040200020003" pitchFamily="34" charset="-34"/>
+                          <a:cs typeface="TH Sarabun New" panose="020B0500040200020003" pitchFamily="34" charset="-34"/>
+                        </a:rPr>
+                        <a:t>5</a:t>
+                      </a:r>
+                      <a:endParaRPr lang="th-TH" sz="2400" b="0" i="0" u="none" strike="noStrike" dirty="0">
+                        <a:solidFill>
+                          <a:srgbClr val="000000"/>
+                        </a:solidFill>
+                        <a:effectLst/>
+                        <a:latin typeface="TH Sarabun New" panose="020B0500040200020003" pitchFamily="34" charset="-34"/>
+                        <a:cs typeface="TH Sarabun New" panose="020B0500040200020003" pitchFamily="34" charset="-34"/>
+                      </a:endParaRPr>
+                    </a:p>
+                  </a:txBody>
+                  <a:tcPr marL="8274" marR="8274" marT="8274" marB="0" anchor="b">
+                    <a:solidFill>
+                      <a:schemeClr val="tx2"/>
+                    </a:solidFill>
+                  </a:tcPr>
+                </a:tc>
+                <a:tc>
+                  <a:txBody>
+                    <a:bodyPr/>
+                    <a:lstStyle/>
+                    <a:p>
+                      <a:pPr marL="0" marR="0" indent="0" algn="ctr" defTabSz="914400" rtl="0" eaLnBrk="1" fontAlgn="b" latinLnBrk="0" hangingPunct="1">
+                        <a:lnSpc>
+                          <a:spcPct val="100000"/>
+                        </a:lnSpc>
+                        <a:spcBef>
+                          <a:spcPts val="0"/>
+                        </a:spcBef>
+                        <a:spcAft>
+                          <a:spcPts val="0"/>
+                        </a:spcAft>
+                        <a:buClrTx/>
+                        <a:buSzTx/>
+                        <a:buFontTx/>
+                        <a:buNone/>
+                        <a:tabLst/>
+                        <a:defRPr/>
+                      </a:pPr>
+                      <a:r>
+                        <a:rPr lang="th-TH" sz="2400" u="none" strike="noStrike" dirty="0">
+                          <a:solidFill>
+                            <a:srgbClr val="000000"/>
+                          </a:solidFill>
+                          <a:effectLst/>
+                          <a:latin typeface="TH Sarabun New" panose="020B0500040200020003" pitchFamily="34" charset="-34"/>
+                          <a:cs typeface="TH Sarabun New" panose="020B0500040200020003" pitchFamily="34" charset="-34"/>
+                        </a:rPr>
+                        <a:t> </a:t>
+                      </a:r>
+                      <a:r>
+                        <a:rPr lang="en-US" sz="2400" u="none" strike="noStrike" dirty="0" smtClean="0">
+                          <a:solidFill>
+                            <a:srgbClr val="000000"/>
+                          </a:solidFill>
+                          <a:effectLst/>
+                          <a:latin typeface="TH Sarabun New" panose="020B0500040200020003" pitchFamily="34" charset="-34"/>
+                          <a:cs typeface="TH Sarabun New" panose="020B0500040200020003" pitchFamily="34" charset="-34"/>
+                        </a:rPr>
+                        <a:t>30</a:t>
+                      </a:r>
+                      <a:r>
+                        <a:rPr lang="th-TH" sz="2400" u="none" strike="noStrike" dirty="0" smtClean="0">
+                          <a:solidFill>
+                            <a:srgbClr val="000000"/>
+                          </a:solidFill>
+                          <a:effectLst/>
+                          <a:latin typeface="TH Sarabun New" panose="020B0500040200020003" pitchFamily="34" charset="-34"/>
+                          <a:cs typeface="TH Sarabun New" panose="020B0500040200020003" pitchFamily="34" charset="-34"/>
+                        </a:rPr>
+                        <a:t>/09/2556</a:t>
+                      </a:r>
+                      <a:endParaRPr lang="th-TH" sz="2400" b="0" i="0" u="none" strike="noStrike" dirty="0" smtClean="0">
+                        <a:solidFill>
+                          <a:srgbClr val="000000"/>
+                        </a:solidFill>
+                        <a:effectLst/>
+                        <a:latin typeface="TH Sarabun New" panose="020B0500040200020003" pitchFamily="34" charset="-34"/>
+                        <a:cs typeface="TH Sarabun New" panose="020B0500040200020003" pitchFamily="34" charset="-34"/>
+                      </a:endParaRPr>
+                    </a:p>
+                  </a:txBody>
+                  <a:tcPr marL="8274" marR="8274" marT="8274" marB="0" anchor="b">
+                    <a:solidFill>
+                      <a:schemeClr val="tx2"/>
+                    </a:solidFill>
+                  </a:tcPr>
+                </a:tc>
+                <a:tc>
+                  <a:txBody>
+                    <a:bodyPr/>
+                    <a:lstStyle/>
+                    <a:p>
+                      <a:pPr algn="ctr" fontAlgn="b"/>
+                      <a:r>
+                        <a:rPr lang="th-TH" sz="2400" b="0" i="0" u="none" strike="noStrike" dirty="0">
+                          <a:solidFill>
+                            <a:srgbClr val="000000"/>
+                          </a:solidFill>
+                          <a:effectLst/>
+                          <a:latin typeface="TH Sarabun New" panose="020B0500040200020003" pitchFamily="34" charset="-34"/>
+                          <a:cs typeface="TH Sarabun New" panose="020B0500040200020003" pitchFamily="34" charset="-34"/>
+                        </a:rPr>
+                        <a:t>01.02.009</a:t>
+                      </a:r>
+                    </a:p>
+                  </a:txBody>
+                  <a:tcPr marL="9525" marR="9525" marT="9525" marB="0" anchor="b">
+                    <a:solidFill>
+                      <a:schemeClr val="tx2"/>
+                    </a:solidFill>
+                  </a:tcPr>
+                </a:tc>
+                <a:tc>
+                  <a:txBody>
+                    <a:bodyPr/>
+                    <a:lstStyle/>
+                    <a:p>
+                      <a:pPr algn="l" fontAlgn="b"/>
+                      <a:r>
+                        <a:rPr lang="th-TH" sz="2400" u="none" strike="noStrike">
+                          <a:solidFill>
+                            <a:srgbClr val="000000"/>
+                          </a:solidFill>
+                          <a:effectLst/>
+                          <a:latin typeface="TH Sarabun New" panose="020B0500040200020003" pitchFamily="34" charset="-34"/>
+                          <a:cs typeface="TH Sarabun New" panose="020B0500040200020003" pitchFamily="34" charset="-34"/>
+                        </a:rPr>
+                        <a:t>โต๊ะสนามพร้อมม้านั่ง</a:t>
+                      </a:r>
+                      <a:endParaRPr lang="th-TH" sz="2400" b="0" i="0" u="none" strike="noStrike">
+                        <a:solidFill>
+                          <a:srgbClr val="000000"/>
+                        </a:solidFill>
+                        <a:effectLst/>
+                        <a:latin typeface="TH Sarabun New" panose="020B0500040200020003" pitchFamily="34" charset="-34"/>
+                        <a:cs typeface="TH Sarabun New" panose="020B0500040200020003" pitchFamily="34" charset="-34"/>
+                      </a:endParaRPr>
+                    </a:p>
+                  </a:txBody>
+                  <a:tcPr marL="8274" marR="8274" marT="8274" marB="0" anchor="b">
+                    <a:solidFill>
+                      <a:schemeClr val="tx2"/>
+                    </a:solidFill>
+                  </a:tcPr>
+                </a:tc>
+                <a:tc>
+                  <a:txBody>
+                    <a:bodyPr/>
+                    <a:lstStyle/>
+                    <a:p>
+                      <a:pPr algn="r" fontAlgn="b"/>
+                      <a:r>
+                        <a:rPr lang="th-TH" sz="2400" u="none" strike="noStrike" dirty="0">
+                          <a:solidFill>
+                            <a:srgbClr val="000000"/>
+                          </a:solidFill>
+                          <a:effectLst/>
+                          <a:latin typeface="TH Sarabun New" panose="020B0500040200020003" pitchFamily="34" charset="-34"/>
+                          <a:cs typeface="TH Sarabun New" panose="020B0500040200020003" pitchFamily="34" charset="-34"/>
+                        </a:rPr>
+                        <a:t>1,350.00</a:t>
+                      </a:r>
+                      <a:endParaRPr lang="th-TH" sz="2400" b="0" i="0" u="none" strike="noStrike" dirty="0">
+                        <a:solidFill>
+                          <a:srgbClr val="000000"/>
+                        </a:solidFill>
+                        <a:effectLst/>
+                        <a:latin typeface="TH Sarabun New" panose="020B0500040200020003" pitchFamily="34" charset="-34"/>
+                        <a:cs typeface="TH Sarabun New" panose="020B0500040200020003" pitchFamily="34" charset="-34"/>
+                      </a:endParaRPr>
+                    </a:p>
+                  </a:txBody>
+                  <a:tcPr marL="8274" marR="8274" marT="8274" marB="0" anchor="b">
+                    <a:solidFill>
+                      <a:schemeClr val="tx2"/>
+                    </a:solidFill>
+                  </a:tcPr>
+                </a:tc>
+              </a:tr>
+            </a:tbl>
+          </a:graphicData>
+        </a:graphic>
+      </p:graphicFrame>
+    </p:spTree>
+    <p:extLst>
+      <p:ext uri="{BB962C8B-B14F-4D97-AF65-F5344CB8AC3E}">
+        <p14:creationId xmlns:p14="http://schemas.microsoft.com/office/powerpoint/2010/main" val="3216406138"/>
+      </p:ext>
+    </p:extLst>
+  </p:cSld>
+  <p:clrMapOvr>
+    <a:masterClrMapping/>
+  </p:clrMapOvr>
+  <p:transition spd="slow">
+    <p:wipe/>
+  </p:transition>
+  <p:timing>
+    <p:tnLst>
+      <p:par>
+        <p:cTn id="1" dur="indefinite" restart="never" nodeType="tmRoot"/>
+      </p:par>
+    </p:tnLst>
+  </p:timing>
+</p:sld>
+</file>
+
+<file path=ppt/slides/slide21.xml><?xml version="1.0" encoding="utf-8"?>
+<p:sld xmlns:a="http://schemas.openxmlformats.org/drawingml/2006/main" xmlns:r="http://schemas.openxmlformats.org/officeDocument/2006/relationships" xmlns:p="http://schemas.openxmlformats.org/presentationml/2006/main">
+  <p:cSld>
+    <p:spTree>
+      <p:nvGrpSpPr>
+        <p:cNvPr id="1" name=""/>
+        <p:cNvGrpSpPr/>
+        <p:nvPr/>
+      </p:nvGrpSpPr>
+      <p:grpSpPr>
+        <a:xfrm>
+          <a:off x="0" y="0"/>
+          <a:ext cx="0" cy="0"/>
+          <a:chOff x="0" y="0"/>
+          <a:chExt cx="0" cy="0"/>
+        </a:xfrm>
+      </p:grpSpPr>
+      <p:sp>
+        <p:nvSpPr>
+          <p:cNvPr id="2" name="Title 1"/>
+          <p:cNvSpPr>
+            <a:spLocks noGrp="1"/>
+          </p:cNvSpPr>
+          <p:nvPr>
+            <p:ph type="title"/>
+          </p:nvPr>
+        </p:nvSpPr>
+        <p:spPr>
+          <a:xfrm>
+            <a:off x="457200" y="822484"/>
+            <a:ext cx="8229600" cy="850106"/>
+          </a:xfrm>
+        </p:spPr>
+        <p:txBody>
+          <a:bodyPr>
+            <a:normAutofit/>
+          </a:bodyPr>
+          <a:lstStyle/>
+          <a:p>
+            <a:pPr lvl="0"/>
+            <a:r>
               <a:rPr lang="th-TH" sz="4800" b="1" dirty="0">
                 <a:latin typeface="TH Sarabun New" panose="020B0500040200020003" pitchFamily="34" charset="-34"/>
                 <a:cs typeface="TH Sarabun New" panose="020B0500040200020003" pitchFamily="34" charset="-34"/>
@@ -14353,7 +16170,7 @@
     </p:spTree>
     <p:extLst>
       <p:ext uri="{BB962C8B-B14F-4D97-AF65-F5344CB8AC3E}">
-        <p14:creationId xmlns:p14="http://schemas.microsoft.com/office/powerpoint/2010/main" val="3216406138"/>
+        <p14:creationId xmlns:p14="http://schemas.microsoft.com/office/powerpoint/2010/main" val="591894739"/>
       </p:ext>
     </p:extLst>
   </p:cSld>
@@ -14373,7 +16190,7 @@
 </p:sld>
 </file>
 
-<file path=ppt/slides/slide21.xml><?xml version="1.0" encoding="utf-8"?>
+<file path=ppt/slides/slide22.xml><?xml version="1.0" encoding="utf-8"?>
 <p:sld xmlns:a="http://schemas.openxmlformats.org/drawingml/2006/main" xmlns:r="http://schemas.openxmlformats.org/officeDocument/2006/relationships" xmlns:p="http://schemas.openxmlformats.org/presentationml/2006/main">
   <p:cSld>
     <p:spTree>
@@ -14758,7 +16575,7 @@
 </p:sld>
 </file>
 
-<file path=ppt/slides/slide22.xml><?xml version="1.0" encoding="utf-8"?>
+<file path=ppt/slides/slide23.xml><?xml version="1.0" encoding="utf-8"?>
 <p:sld xmlns:a="http://schemas.openxmlformats.org/drawingml/2006/main" xmlns:r="http://schemas.openxmlformats.org/officeDocument/2006/relationships" xmlns:p="http://schemas.openxmlformats.org/presentationml/2006/main">
   <p:cSld>
     <p:spTree>

--- a/ASSET_DOC/ASSET_Proposal/ASSET_Final.pptx
+++ b/ASSET_DOC/ASSET_Proposal/ASSET_Final.pptx
@@ -22,8 +22,8 @@
     <p:sldId id="271" r:id="rId13"/>
     <p:sldId id="281" r:id="rId14"/>
     <p:sldId id="290" r:id="rId15"/>
-    <p:sldId id="292" r:id="rId16"/>
-    <p:sldId id="296" r:id="rId17"/>
+    <p:sldId id="296" r:id="rId16"/>
+    <p:sldId id="292" r:id="rId17"/>
     <p:sldId id="287" r:id="rId18"/>
     <p:sldId id="291" r:id="rId19"/>
     <p:sldId id="282" r:id="rId20"/>
@@ -230,7 +230,7 @@
           <a:p>
             <a:fld id="{D2CD0925-E5D6-4D69-93EE-DCC631B35B95}" type="datetimeFigureOut">
               <a:rPr lang="th-TH" smtClean="0"/>
-              <a:t>29/09/56</a:t>
+              <a:t>30/09/56</a:t>
             </a:fld>
             <a:endParaRPr lang="th-TH"/>
           </a:p>
@@ -11358,6 +11358,232 @@
         </p:spPr>
         <p:txBody>
           <a:bodyPr>
+            <a:noAutofit/>
+          </a:bodyPr>
+          <a:lstStyle/>
+          <a:p>
+            <a:pPr lvl="0"/>
+            <a:r>
+              <a:rPr lang="en-US" sz="4800" b="1" dirty="0">
+                <a:effectLst>
+                  <a:outerShdw blurRad="38100" dist="38100" dir="2700000" algn="tl">
+                    <a:srgbClr val="000000">
+                      <a:alpha val="43137"/>
+                    </a:srgbClr>
+                  </a:outerShdw>
+                </a:effectLst>
+                <a:latin typeface="TH Sarabun New" panose="020B0500040200020003" pitchFamily="34" charset="-34"/>
+                <a:cs typeface="TH Sarabun New" panose="020B0500040200020003" pitchFamily="34" charset="-34"/>
+              </a:rPr>
+              <a:t>System Architecture</a:t>
+            </a:r>
+            <a:endParaRPr lang="en-US" sz="4800" dirty="0">
+              <a:effectLst>
+                <a:outerShdw blurRad="38100" dist="38100" dir="2700000" algn="tl">
+                  <a:srgbClr val="000000">
+                    <a:alpha val="43137"/>
+                  </a:srgbClr>
+                </a:outerShdw>
+              </a:effectLst>
+              <a:latin typeface="TH Sarabun New" panose="020B0500040200020003" pitchFamily="34" charset="-34"/>
+              <a:cs typeface="TH Sarabun New" panose="020B0500040200020003" pitchFamily="34" charset="-34"/>
+            </a:endParaRPr>
+          </a:p>
+        </p:txBody>
+      </p:sp>
+      <p:sp>
+        <p:nvSpPr>
+          <p:cNvPr id="6" name="Rectangle 5"/>
+          <p:cNvSpPr/>
+          <p:nvPr/>
+        </p:nvSpPr>
+        <p:spPr>
+          <a:xfrm>
+            <a:off x="72008" y="6462731"/>
+            <a:ext cx="5292080" cy="336447"/>
+          </a:xfrm>
+          <a:prstGeom prst="rect">
+            <a:avLst/>
+          </a:prstGeom>
+          <a:solidFill>
+            <a:srgbClr val="0B3261"/>
+          </a:solidFill>
+          <a:ln>
+            <a:solidFill>
+              <a:srgbClr val="0B3261"/>
+            </a:solidFill>
+          </a:ln>
+        </p:spPr>
+        <p:style>
+          <a:lnRef idx="2">
+            <a:schemeClr val="dk1"/>
+          </a:lnRef>
+          <a:fillRef idx="1">
+            <a:schemeClr val="lt1"/>
+          </a:fillRef>
+          <a:effectRef idx="0">
+            <a:schemeClr val="dk1"/>
+          </a:effectRef>
+          <a:fontRef idx="minor">
+            <a:schemeClr val="dk1"/>
+          </a:fontRef>
+        </p:style>
+        <p:txBody>
+          <a:bodyPr rtlCol="0" anchor="ctr"/>
+          <a:lstStyle/>
+          <a:p>
+            <a:pPr algn="ctr"/>
+            <a:endParaRPr lang="th-TH"/>
+          </a:p>
+        </p:txBody>
+      </p:sp>
+      <p:pic>
+        <p:nvPicPr>
+          <p:cNvPr id="7" name="รูปภาพ 3"/>
+          <p:cNvPicPr>
+            <a:picLocks noChangeAspect="1"/>
+          </p:cNvPicPr>
+          <p:nvPr/>
+        </p:nvPicPr>
+        <p:blipFill>
+          <a:blip r:embed="rId2" cstate="print">
+            <a:extLst>
+              <a:ext uri="{28A0092B-C50C-407E-A947-70E740481C1C}">
+                <a14:useLocalDpi xmlns:a14="http://schemas.microsoft.com/office/drawing/2010/main" val="0"/>
+              </a:ext>
+            </a:extLst>
+          </a:blip>
+          <a:stretch>
+            <a:fillRect/>
+          </a:stretch>
+        </p:blipFill>
+        <p:spPr>
+          <a:xfrm>
+            <a:off x="7623869" y="736486"/>
+            <a:ext cx="1039740" cy="957963"/>
+          </a:xfrm>
+          <a:prstGeom prst="rect">
+            <a:avLst/>
+          </a:prstGeom>
+        </p:spPr>
+      </p:pic>
+      <p:pic>
+        <p:nvPicPr>
+          <p:cNvPr id="8" name="Picture 7"/>
+          <p:cNvPicPr>
+            <a:picLocks noChangeAspect="1"/>
+          </p:cNvPicPr>
+          <p:nvPr/>
+        </p:nvPicPr>
+        <p:blipFill>
+          <a:blip r:embed="rId3" cstate="print">
+            <a:extLst>
+              <a:ext uri="{28A0092B-C50C-407E-A947-70E740481C1C}">
+                <a14:useLocalDpi xmlns:a14="http://schemas.microsoft.com/office/drawing/2010/main" val="0"/>
+              </a:ext>
+            </a:extLst>
+          </a:blip>
+          <a:stretch>
+            <a:fillRect/>
+          </a:stretch>
+        </p:blipFill>
+        <p:spPr>
+          <a:xfrm>
+            <a:off x="48141" y="71828"/>
+            <a:ext cx="1951728" cy="664658"/>
+          </a:xfrm>
+          <a:prstGeom prst="rect">
+            <a:avLst/>
+          </a:prstGeom>
+        </p:spPr>
+      </p:pic>
+      <p:pic>
+        <p:nvPicPr>
+          <p:cNvPr id="4" name="Picture 3"/>
+          <p:cNvPicPr>
+            <a:picLocks noChangeAspect="1"/>
+          </p:cNvPicPr>
+          <p:nvPr/>
+        </p:nvPicPr>
+        <p:blipFill rotWithShape="1">
+          <a:blip r:embed="rId4">
+            <a:extLst>
+              <a:ext uri="{28A0092B-C50C-407E-A947-70E740481C1C}">
+                <a14:useLocalDpi xmlns:a14="http://schemas.microsoft.com/office/drawing/2010/main" val="0"/>
+              </a:ext>
+            </a:extLst>
+          </a:blip>
+          <a:srcRect l="18000" t="7650" r="-9999" b="1673"/>
+          <a:stretch/>
+        </p:blipFill>
+        <p:spPr>
+          <a:xfrm>
+            <a:off x="1799692" y="1895076"/>
+            <a:ext cx="5544616" cy="4749322"/>
+          </a:xfrm>
+          <a:prstGeom prst="rect">
+            <a:avLst/>
+          </a:prstGeom>
+        </p:spPr>
+      </p:pic>
+    </p:spTree>
+    <p:extLst>
+      <p:ext uri="{BB962C8B-B14F-4D97-AF65-F5344CB8AC3E}">
+        <p14:creationId xmlns:p14="http://schemas.microsoft.com/office/powerpoint/2010/main" val="793960176"/>
+      </p:ext>
+    </p:extLst>
+  </p:cSld>
+  <p:clrMapOvr>
+    <a:masterClrMapping/>
+  </p:clrMapOvr>
+  <p:transition spd="slow">
+    <p:wipe/>
+  </p:transition>
+  <p:timing>
+    <p:tnLst>
+      <p:par>
+        <p:cTn id="1" dur="indefinite" restart="never" nodeType="tmRoot"/>
+      </p:par>
+    </p:tnLst>
+  </p:timing>
+</p:sld>
+</file>
+
+<file path=ppt/slides/slide16.xml><?xml version="1.0" encoding="utf-8"?>
+<p:sld xmlns:a="http://schemas.openxmlformats.org/drawingml/2006/main" xmlns:r="http://schemas.openxmlformats.org/officeDocument/2006/relationships" xmlns:p="http://schemas.openxmlformats.org/presentationml/2006/main">
+  <p:cSld>
+    <p:spTree>
+      <p:nvGrpSpPr>
+        <p:cNvPr id="1" name=""/>
+        <p:cNvGrpSpPr/>
+        <p:nvPr/>
+      </p:nvGrpSpPr>
+      <p:grpSpPr>
+        <a:xfrm>
+          <a:off x="0" y="0"/>
+          <a:ext cx="0" cy="0"/>
+          <a:chOff x="0" y="0"/>
+          <a:chExt cx="0" cy="0"/>
+        </a:xfrm>
+      </p:grpSpPr>
+      <p:sp>
+        <p:nvSpPr>
+          <p:cNvPr id="2" name="Title 1"/>
+          <p:cNvSpPr>
+            <a:spLocks noGrp="1"/>
+          </p:cNvSpPr>
+          <p:nvPr>
+            <p:ph type="title"/>
+          </p:nvPr>
+        </p:nvSpPr>
+        <p:spPr>
+          <a:xfrm>
+            <a:off x="457200" y="822484"/>
+            <a:ext cx="8229600" cy="850106"/>
+          </a:xfrm>
+        </p:spPr>
+        <p:txBody>
+          <a:bodyPr>
             <a:normAutofit/>
           </a:bodyPr>
           <a:lstStyle/>
@@ -11529,232 +11755,6 @@
     <p:extLst>
       <p:ext uri="{BB962C8B-B14F-4D97-AF65-F5344CB8AC3E}">
         <p14:creationId xmlns:p14="http://schemas.microsoft.com/office/powerpoint/2010/main" val="585591757"/>
-      </p:ext>
-    </p:extLst>
-  </p:cSld>
-  <p:clrMapOvr>
-    <a:masterClrMapping/>
-  </p:clrMapOvr>
-  <p:transition spd="slow">
-    <p:wipe/>
-  </p:transition>
-  <p:timing>
-    <p:tnLst>
-      <p:par>
-        <p:cTn id="1" dur="indefinite" restart="never" nodeType="tmRoot"/>
-      </p:par>
-    </p:tnLst>
-  </p:timing>
-</p:sld>
-</file>
-
-<file path=ppt/slides/slide16.xml><?xml version="1.0" encoding="utf-8"?>
-<p:sld xmlns:a="http://schemas.openxmlformats.org/drawingml/2006/main" xmlns:r="http://schemas.openxmlformats.org/officeDocument/2006/relationships" xmlns:p="http://schemas.openxmlformats.org/presentationml/2006/main">
-  <p:cSld>
-    <p:spTree>
-      <p:nvGrpSpPr>
-        <p:cNvPr id="1" name=""/>
-        <p:cNvGrpSpPr/>
-        <p:nvPr/>
-      </p:nvGrpSpPr>
-      <p:grpSpPr>
-        <a:xfrm>
-          <a:off x="0" y="0"/>
-          <a:ext cx="0" cy="0"/>
-          <a:chOff x="0" y="0"/>
-          <a:chExt cx="0" cy="0"/>
-        </a:xfrm>
-      </p:grpSpPr>
-      <p:sp>
-        <p:nvSpPr>
-          <p:cNvPr id="2" name="Title 1"/>
-          <p:cNvSpPr>
-            <a:spLocks noGrp="1"/>
-          </p:cNvSpPr>
-          <p:nvPr>
-            <p:ph type="title"/>
-          </p:nvPr>
-        </p:nvSpPr>
-        <p:spPr>
-          <a:xfrm>
-            <a:off x="457200" y="822484"/>
-            <a:ext cx="8229600" cy="850106"/>
-          </a:xfrm>
-        </p:spPr>
-        <p:txBody>
-          <a:bodyPr>
-            <a:noAutofit/>
-          </a:bodyPr>
-          <a:lstStyle/>
-          <a:p>
-            <a:pPr lvl="0"/>
-            <a:r>
-              <a:rPr lang="en-US" sz="4800" b="1" dirty="0">
-                <a:effectLst>
-                  <a:outerShdw blurRad="38100" dist="38100" dir="2700000" algn="tl">
-                    <a:srgbClr val="000000">
-                      <a:alpha val="43137"/>
-                    </a:srgbClr>
-                  </a:outerShdw>
-                </a:effectLst>
-                <a:latin typeface="TH Sarabun New" panose="020B0500040200020003" pitchFamily="34" charset="-34"/>
-                <a:cs typeface="TH Sarabun New" panose="020B0500040200020003" pitchFamily="34" charset="-34"/>
-              </a:rPr>
-              <a:t>System Architecture</a:t>
-            </a:r>
-            <a:endParaRPr lang="en-US" sz="4800" dirty="0">
-              <a:effectLst>
-                <a:outerShdw blurRad="38100" dist="38100" dir="2700000" algn="tl">
-                  <a:srgbClr val="000000">
-                    <a:alpha val="43137"/>
-                  </a:srgbClr>
-                </a:outerShdw>
-              </a:effectLst>
-              <a:latin typeface="TH Sarabun New" panose="020B0500040200020003" pitchFamily="34" charset="-34"/>
-              <a:cs typeface="TH Sarabun New" panose="020B0500040200020003" pitchFamily="34" charset="-34"/>
-            </a:endParaRPr>
-          </a:p>
-        </p:txBody>
-      </p:sp>
-      <p:sp>
-        <p:nvSpPr>
-          <p:cNvPr id="6" name="Rectangle 5"/>
-          <p:cNvSpPr/>
-          <p:nvPr/>
-        </p:nvSpPr>
-        <p:spPr>
-          <a:xfrm>
-            <a:off x="72008" y="6462731"/>
-            <a:ext cx="5292080" cy="336447"/>
-          </a:xfrm>
-          <a:prstGeom prst="rect">
-            <a:avLst/>
-          </a:prstGeom>
-          <a:solidFill>
-            <a:srgbClr val="0B3261"/>
-          </a:solidFill>
-          <a:ln>
-            <a:solidFill>
-              <a:srgbClr val="0B3261"/>
-            </a:solidFill>
-          </a:ln>
-        </p:spPr>
-        <p:style>
-          <a:lnRef idx="2">
-            <a:schemeClr val="dk1"/>
-          </a:lnRef>
-          <a:fillRef idx="1">
-            <a:schemeClr val="lt1"/>
-          </a:fillRef>
-          <a:effectRef idx="0">
-            <a:schemeClr val="dk1"/>
-          </a:effectRef>
-          <a:fontRef idx="minor">
-            <a:schemeClr val="dk1"/>
-          </a:fontRef>
-        </p:style>
-        <p:txBody>
-          <a:bodyPr rtlCol="0" anchor="ctr"/>
-          <a:lstStyle/>
-          <a:p>
-            <a:pPr algn="ctr"/>
-            <a:endParaRPr lang="th-TH"/>
-          </a:p>
-        </p:txBody>
-      </p:sp>
-      <p:pic>
-        <p:nvPicPr>
-          <p:cNvPr id="7" name="รูปภาพ 3"/>
-          <p:cNvPicPr>
-            <a:picLocks noChangeAspect="1"/>
-          </p:cNvPicPr>
-          <p:nvPr/>
-        </p:nvPicPr>
-        <p:blipFill>
-          <a:blip r:embed="rId2" cstate="print">
-            <a:extLst>
-              <a:ext uri="{28A0092B-C50C-407E-A947-70E740481C1C}">
-                <a14:useLocalDpi xmlns:a14="http://schemas.microsoft.com/office/drawing/2010/main" val="0"/>
-              </a:ext>
-            </a:extLst>
-          </a:blip>
-          <a:stretch>
-            <a:fillRect/>
-          </a:stretch>
-        </p:blipFill>
-        <p:spPr>
-          <a:xfrm>
-            <a:off x="7623869" y="736486"/>
-            <a:ext cx="1039740" cy="957963"/>
-          </a:xfrm>
-          <a:prstGeom prst="rect">
-            <a:avLst/>
-          </a:prstGeom>
-        </p:spPr>
-      </p:pic>
-      <p:pic>
-        <p:nvPicPr>
-          <p:cNvPr id="8" name="Picture 7"/>
-          <p:cNvPicPr>
-            <a:picLocks noChangeAspect="1"/>
-          </p:cNvPicPr>
-          <p:nvPr/>
-        </p:nvPicPr>
-        <p:blipFill>
-          <a:blip r:embed="rId3" cstate="print">
-            <a:extLst>
-              <a:ext uri="{28A0092B-C50C-407E-A947-70E740481C1C}">
-                <a14:useLocalDpi xmlns:a14="http://schemas.microsoft.com/office/drawing/2010/main" val="0"/>
-              </a:ext>
-            </a:extLst>
-          </a:blip>
-          <a:stretch>
-            <a:fillRect/>
-          </a:stretch>
-        </p:blipFill>
-        <p:spPr>
-          <a:xfrm>
-            <a:off x="48141" y="71828"/>
-            <a:ext cx="1951728" cy="664658"/>
-          </a:xfrm>
-          <a:prstGeom prst="rect">
-            <a:avLst/>
-          </a:prstGeom>
-        </p:spPr>
-      </p:pic>
-      <p:pic>
-        <p:nvPicPr>
-          <p:cNvPr id="4" name="Picture 3"/>
-          <p:cNvPicPr>
-            <a:picLocks noChangeAspect="1"/>
-          </p:cNvPicPr>
-          <p:nvPr/>
-        </p:nvPicPr>
-        <p:blipFill rotWithShape="1">
-          <a:blip r:embed="rId4">
-            <a:extLst>
-              <a:ext uri="{28A0092B-C50C-407E-A947-70E740481C1C}">
-                <a14:useLocalDpi xmlns:a14="http://schemas.microsoft.com/office/drawing/2010/main" val="0"/>
-              </a:ext>
-            </a:extLst>
-          </a:blip>
-          <a:srcRect l="18000" t="7650" r="-9999" b="1673"/>
-          <a:stretch/>
-        </p:blipFill>
-        <p:spPr>
-          <a:xfrm>
-            <a:off x="1799692" y="1895076"/>
-            <a:ext cx="5544616" cy="4749322"/>
-          </a:xfrm>
-          <a:prstGeom prst="rect">
-            <a:avLst/>
-          </a:prstGeom>
-        </p:spPr>
-      </p:pic>
-    </p:spTree>
-    <p:extLst>
-      <p:ext uri="{BB962C8B-B14F-4D97-AF65-F5344CB8AC3E}">
-        <p14:creationId xmlns:p14="http://schemas.microsoft.com/office/powerpoint/2010/main" val="793960176"/>
       </p:ext>
     </p:extLst>
   </p:cSld>
